--- a/Azure Governance Hack.pptx
+++ b/Azure Governance Hack.pptx
@@ -1021,7 +1021,7 @@
           <a:p>
             <a:fld id="{53D76E38-EB4B-425D-87E0-B33791D2CD91}" type="datetimeFigureOut">
               <a:rPr lang="en-US" smtClean="0"/>
-              <a:t>5/10/2019</a:t>
+              <a:t>12/9/2019</a:t>
             </a:fld>
             <a:endParaRPr lang="en-US"/>
           </a:p>
@@ -1434,7 +1434,7 @@
               <a:defRPr/>
             </a:pPr>
             <a:r>
-              <a:rPr lang="en-US" sz="1200" kern="1200">
+              <a:rPr lang="en-US" sz="1200" kern="1200" dirty="0">
                 <a:solidFill>
                   <a:schemeClr val="tx1"/>
                 </a:solidFill>
@@ -1446,7 +1446,7 @@
               <a:t>{</a:t>
             </a:r>
             <a:br>
-              <a:rPr lang="en-US" sz="1200" kern="1200">
+              <a:rPr lang="en-US" sz="1200" kern="1200" dirty="0">
                 <a:solidFill>
                   <a:schemeClr val="tx1"/>
                 </a:solidFill>
@@ -1457,7 +1457,7 @@
               </a:rPr>
             </a:br>
             <a:r>
-              <a:rPr lang="en-US" sz="1200" kern="1200">
+              <a:rPr lang="en-US" sz="1200" kern="1200" dirty="0">
                 <a:solidFill>
                   <a:schemeClr val="tx1"/>
                 </a:solidFill>
@@ -1469,7 +1469,7 @@
               <a:t>    "$schema": "</a:t>
             </a:r>
             <a:r>
-              <a:rPr lang="en-US" sz="1200" u="sng" kern="1200">
+              <a:rPr lang="en-US" sz="1200" u="sng" kern="1200" dirty="0">
                 <a:solidFill>
                   <a:schemeClr val="tx1"/>
                 </a:solidFill>
@@ -1482,7 +1482,7 @@
               <a:t>https://schema.management.azure.com/schemas/2015-01-01/</a:t>
             </a:r>
             <a:r>
-              <a:rPr lang="en-US" sz="1200" u="sng" kern="1200" err="1">
+              <a:rPr lang="en-US" sz="1200" u="sng" kern="1200" dirty="0" err="1">
                 <a:solidFill>
                   <a:schemeClr val="tx1"/>
                 </a:solidFill>
@@ -1495,7 +1495,7 @@
               <a:t>deploymentTemplate.json</a:t>
             </a:r>
             <a:r>
-              <a:rPr lang="en-US" sz="1200" u="sng" kern="1200">
+              <a:rPr lang="en-US" sz="1200" u="sng" kern="1200" dirty="0">
                 <a:solidFill>
                   <a:schemeClr val="tx1"/>
                 </a:solidFill>
@@ -1508,7 +1508,7 @@
               <a:t>#</a:t>
             </a:r>
             <a:r>
-              <a:rPr lang="en-US" sz="1200" kern="1200">
+              <a:rPr lang="en-US" sz="1200" kern="1200" dirty="0">
                 <a:solidFill>
                   <a:schemeClr val="tx1"/>
                 </a:solidFill>
@@ -1520,7 +1520,7 @@
               <a:t>",</a:t>
             </a:r>
             <a:br>
-              <a:rPr lang="en-US" sz="1200" kern="1200">
+              <a:rPr lang="en-US" sz="1200" kern="1200" dirty="0">
                 <a:solidFill>
                   <a:schemeClr val="tx1"/>
                 </a:solidFill>
@@ -1531,7 +1531,7 @@
               </a:rPr>
             </a:br>
             <a:r>
-              <a:rPr lang="en-US" sz="1200" kern="1200">
+              <a:rPr lang="en-US" sz="1200" kern="1200" dirty="0">
                 <a:solidFill>
                   <a:schemeClr val="tx1"/>
                 </a:solidFill>
@@ -1543,7 +1543,7 @@
               <a:t>    "</a:t>
             </a:r>
             <a:r>
-              <a:rPr lang="en-US" sz="1200" kern="1200" err="1">
+              <a:rPr lang="en-US" sz="1200" kern="1200" dirty="0" err="1">
                 <a:solidFill>
                   <a:schemeClr val="tx1"/>
                 </a:solidFill>
@@ -1555,7 +1555,7 @@
               <a:t>contentVersion</a:t>
             </a:r>
             <a:r>
-              <a:rPr lang="en-US" sz="1200" kern="1200">
+              <a:rPr lang="en-US" sz="1200" kern="1200" dirty="0">
                 <a:solidFill>
                   <a:schemeClr val="tx1"/>
                 </a:solidFill>
@@ -1567,7 +1567,7 @@
               <a:t>": "1.0.0.0",</a:t>
             </a:r>
             <a:br>
-              <a:rPr lang="en-US" sz="1200" kern="1200">
+              <a:rPr lang="en-US" sz="1200" kern="1200" dirty="0">
                 <a:solidFill>
                   <a:schemeClr val="tx1"/>
                 </a:solidFill>
@@ -1578,7 +1578,7 @@
               </a:rPr>
             </a:br>
             <a:r>
-              <a:rPr lang="en-US" sz="1200" kern="1200">
+              <a:rPr lang="en-US" sz="1200" kern="1200" dirty="0">
                 <a:solidFill>
                   <a:schemeClr val="tx1"/>
                 </a:solidFill>
@@ -1590,7 +1590,7 @@
               <a:t>    "parameters": {</a:t>
             </a:r>
             <a:br>
-              <a:rPr lang="en-US" sz="1200" kern="1200">
+              <a:rPr lang="en-US" sz="1200" kern="1200" dirty="0">
                 <a:solidFill>
                   <a:schemeClr val="tx1"/>
                 </a:solidFill>
@@ -1601,7 +1601,7 @@
               </a:rPr>
             </a:br>
             <a:r>
-              <a:rPr lang="en-US" sz="1200" kern="1200">
+              <a:rPr lang="en-US" sz="1200" kern="1200" dirty="0">
                 <a:solidFill>
                   <a:schemeClr val="tx1"/>
                 </a:solidFill>
@@ -1613,7 +1613,7 @@
               <a:t>        "</a:t>
             </a:r>
             <a:r>
-              <a:rPr lang="en-US" sz="1200" kern="1200" err="1">
+              <a:rPr lang="en-US" sz="1200" kern="1200" dirty="0" err="1">
                 <a:solidFill>
                   <a:schemeClr val="tx1"/>
                 </a:solidFill>
@@ -1625,7 +1625,7 @@
               <a:t>storageAccountType</a:t>
             </a:r>
             <a:r>
-              <a:rPr lang="en-US" sz="1200" kern="1200">
+              <a:rPr lang="en-US" sz="1200" kern="1200" dirty="0">
                 <a:solidFill>
                   <a:schemeClr val="tx1"/>
                 </a:solidFill>
@@ -1637,7 +1637,7 @@
               <a:t>": {</a:t>
             </a:r>
             <a:br>
-              <a:rPr lang="en-US" sz="1200" kern="1200">
+              <a:rPr lang="en-US" sz="1200" kern="1200" dirty="0">
                 <a:solidFill>
                   <a:schemeClr val="tx1"/>
                 </a:solidFill>
@@ -1648,7 +1648,7 @@
               </a:rPr>
             </a:br>
             <a:r>
-              <a:rPr lang="en-US" sz="1200" kern="1200">
+              <a:rPr lang="en-US" sz="1200" kern="1200" dirty="0">
                 <a:solidFill>
                   <a:schemeClr val="tx1"/>
                 </a:solidFill>
@@ -1660,7 +1660,7 @@
               <a:t>            "type": "string",</a:t>
             </a:r>
             <a:br>
-              <a:rPr lang="en-US" sz="1200" kern="1200">
+              <a:rPr lang="en-US" sz="1200" kern="1200" dirty="0">
                 <a:solidFill>
                   <a:schemeClr val="tx1"/>
                 </a:solidFill>
@@ -1671,7 +1671,7 @@
               </a:rPr>
             </a:br>
             <a:r>
-              <a:rPr lang="en-US" sz="1200" kern="1200">
+              <a:rPr lang="en-US" sz="1200" kern="1200" dirty="0">
                 <a:solidFill>
                   <a:schemeClr val="tx1"/>
                 </a:solidFill>
@@ -1683,7 +1683,7 @@
               <a:t>            "</a:t>
             </a:r>
             <a:r>
-              <a:rPr lang="en-US" sz="1200" kern="1200" err="1">
+              <a:rPr lang="en-US" sz="1200" kern="1200" dirty="0" err="1">
                 <a:solidFill>
                   <a:schemeClr val="tx1"/>
                 </a:solidFill>
@@ -1695,7 +1695,7 @@
               <a:t>defaultValue</a:t>
             </a:r>
             <a:r>
-              <a:rPr lang="en-US" sz="1200" kern="1200">
+              <a:rPr lang="en-US" sz="1200" kern="1200" dirty="0">
                 <a:solidFill>
                   <a:schemeClr val="tx1"/>
                 </a:solidFill>
@@ -1707,7 +1707,7 @@
               <a:t>": "</a:t>
             </a:r>
             <a:r>
-              <a:rPr lang="en-US" sz="1200" kern="1200" err="1">
+              <a:rPr lang="en-US" sz="1200" kern="1200" dirty="0" err="1">
                 <a:solidFill>
                   <a:schemeClr val="tx1"/>
                 </a:solidFill>
@@ -1719,7 +1719,7 @@
               <a:t>Standard_LRS</a:t>
             </a:r>
             <a:r>
-              <a:rPr lang="en-US" sz="1200" kern="1200">
+              <a:rPr lang="en-US" sz="1200" kern="1200" dirty="0">
                 <a:solidFill>
                   <a:schemeClr val="tx1"/>
                 </a:solidFill>
@@ -1731,7 +1731,7 @@
               <a:t>",</a:t>
             </a:r>
             <a:br>
-              <a:rPr lang="en-US" sz="1200" kern="1200">
+              <a:rPr lang="en-US" sz="1200" kern="1200" dirty="0">
                 <a:solidFill>
                   <a:schemeClr val="tx1"/>
                 </a:solidFill>
@@ -1742,7 +1742,7 @@
               </a:rPr>
             </a:br>
             <a:r>
-              <a:rPr lang="en-US" sz="1200" kern="1200">
+              <a:rPr lang="en-US" sz="1200" kern="1200" dirty="0">
                 <a:solidFill>
                   <a:schemeClr val="tx1"/>
                 </a:solidFill>
@@ -1754,7 +1754,7 @@
               <a:t>            "</a:t>
             </a:r>
             <a:r>
-              <a:rPr lang="en-US" sz="1200" kern="1200" err="1">
+              <a:rPr lang="en-US" sz="1200" kern="1200" dirty="0" err="1">
                 <a:solidFill>
                   <a:schemeClr val="tx1"/>
                 </a:solidFill>
@@ -1766,7 +1766,7 @@
               <a:t>allowedValues</a:t>
             </a:r>
             <a:r>
-              <a:rPr lang="en-US" sz="1200" kern="1200">
+              <a:rPr lang="en-US" sz="1200" kern="1200" dirty="0">
                 <a:solidFill>
                   <a:schemeClr val="tx1"/>
                 </a:solidFill>
@@ -1778,7 +1778,7 @@
               <a:t>": [</a:t>
             </a:r>
             <a:br>
-              <a:rPr lang="en-US" sz="1200" kern="1200">
+              <a:rPr lang="en-US" sz="1200" kern="1200" dirty="0">
                 <a:solidFill>
                   <a:schemeClr val="tx1"/>
                 </a:solidFill>
@@ -1789,7 +1789,7 @@
               </a:rPr>
             </a:br>
             <a:r>
-              <a:rPr lang="en-US" sz="1200" kern="1200">
+              <a:rPr lang="en-US" sz="1200" kern="1200" dirty="0">
                 <a:solidFill>
                   <a:schemeClr val="tx1"/>
                 </a:solidFill>
@@ -1801,7 +1801,7 @@
               <a:t>                "</a:t>
             </a:r>
             <a:r>
-              <a:rPr lang="en-US" sz="1200" kern="1200" err="1">
+              <a:rPr lang="en-US" sz="1200" kern="1200" dirty="0" err="1">
                 <a:solidFill>
                   <a:schemeClr val="tx1"/>
                 </a:solidFill>
@@ -1813,7 +1813,7 @@
               <a:t>Standard_LRS</a:t>
             </a:r>
             <a:r>
-              <a:rPr lang="en-US" sz="1200" kern="1200">
+              <a:rPr lang="en-US" sz="1200" kern="1200" dirty="0">
                 <a:solidFill>
                   <a:schemeClr val="tx1"/>
                 </a:solidFill>
@@ -1825,7 +1825,7 @@
               <a:t>",</a:t>
             </a:r>
             <a:br>
-              <a:rPr lang="en-US" sz="1200" kern="1200">
+              <a:rPr lang="en-US" sz="1200" kern="1200" dirty="0">
                 <a:solidFill>
                   <a:schemeClr val="tx1"/>
                 </a:solidFill>
@@ -1836,7 +1836,7 @@
               </a:rPr>
             </a:br>
             <a:r>
-              <a:rPr lang="en-US" sz="1200" kern="1200">
+              <a:rPr lang="en-US" sz="1200" kern="1200" dirty="0">
                 <a:solidFill>
                   <a:schemeClr val="tx1"/>
                 </a:solidFill>
@@ -1848,7 +1848,7 @@
               <a:t>                "</a:t>
             </a:r>
             <a:r>
-              <a:rPr lang="en-US" sz="1200" kern="1200" err="1">
+              <a:rPr lang="en-US" sz="1200" kern="1200" dirty="0" err="1">
                 <a:solidFill>
                   <a:schemeClr val="tx1"/>
                 </a:solidFill>
@@ -1860,7 +1860,7 @@
               <a:t>Standard_GRS</a:t>
             </a:r>
             <a:r>
-              <a:rPr lang="en-US" sz="1200" kern="1200">
+              <a:rPr lang="en-US" sz="1200" kern="1200" dirty="0">
                 <a:solidFill>
                   <a:schemeClr val="tx1"/>
                 </a:solidFill>
@@ -1872,7 +1872,7 @@
               <a:t>",</a:t>
             </a:r>
             <a:br>
-              <a:rPr lang="en-US" sz="1200" kern="1200">
+              <a:rPr lang="en-US" sz="1200" kern="1200" dirty="0">
                 <a:solidFill>
                   <a:schemeClr val="tx1"/>
                 </a:solidFill>
@@ -1883,7 +1883,7 @@
               </a:rPr>
             </a:br>
             <a:r>
-              <a:rPr lang="en-US" sz="1200" kern="1200">
+              <a:rPr lang="en-US" sz="1200" kern="1200" dirty="0">
                 <a:solidFill>
                   <a:schemeClr val="tx1"/>
                 </a:solidFill>
@@ -1895,7 +1895,7 @@
               <a:t>                "</a:t>
             </a:r>
             <a:r>
-              <a:rPr lang="en-US" sz="1200" kern="1200" err="1">
+              <a:rPr lang="en-US" sz="1200" kern="1200" dirty="0" err="1">
                 <a:solidFill>
                   <a:schemeClr val="tx1"/>
                 </a:solidFill>
@@ -1907,7 +1907,7 @@
               <a:t>Standard_ZRS</a:t>
             </a:r>
             <a:r>
-              <a:rPr lang="en-US" sz="1200" kern="1200">
+              <a:rPr lang="en-US" sz="1200" kern="1200" dirty="0">
                 <a:solidFill>
                   <a:schemeClr val="tx1"/>
                 </a:solidFill>
@@ -1919,7 +1919,7 @@
               <a:t>",</a:t>
             </a:r>
             <a:br>
-              <a:rPr lang="en-US" sz="1200" kern="1200">
+              <a:rPr lang="en-US" sz="1200" kern="1200" dirty="0">
                 <a:solidFill>
                   <a:schemeClr val="tx1"/>
                 </a:solidFill>
@@ -1930,7 +1930,7 @@
               </a:rPr>
             </a:br>
             <a:r>
-              <a:rPr lang="en-US" sz="1200" kern="1200">
+              <a:rPr lang="en-US" sz="1200" kern="1200" dirty="0">
                 <a:solidFill>
                   <a:schemeClr val="tx1"/>
                 </a:solidFill>
@@ -1942,7 +1942,7 @@
               <a:t>                "</a:t>
             </a:r>
             <a:r>
-              <a:rPr lang="en-US" sz="1200" kern="1200" err="1">
+              <a:rPr lang="en-US" sz="1200" kern="1200" dirty="0" err="1">
                 <a:solidFill>
                   <a:schemeClr val="tx1"/>
                 </a:solidFill>
@@ -1954,7 +1954,7 @@
               <a:t>Premium_LRS</a:t>
             </a:r>
             <a:r>
-              <a:rPr lang="en-US" sz="1200" kern="1200">
+              <a:rPr lang="en-US" sz="1200" kern="1200" dirty="0">
                 <a:solidFill>
                   <a:schemeClr val="tx1"/>
                 </a:solidFill>
@@ -1966,7 +1966,7 @@
               <a:t>"</a:t>
             </a:r>
             <a:br>
-              <a:rPr lang="en-US" sz="1200" kern="1200">
+              <a:rPr lang="en-US" sz="1200" kern="1200" dirty="0">
                 <a:solidFill>
                   <a:schemeClr val="tx1"/>
                 </a:solidFill>
@@ -1977,7 +1977,7 @@
               </a:rPr>
             </a:br>
             <a:r>
-              <a:rPr lang="en-US" sz="1200" kern="1200">
+              <a:rPr lang="en-US" sz="1200" kern="1200" dirty="0">
                 <a:solidFill>
                   <a:schemeClr val="tx1"/>
                 </a:solidFill>
@@ -1989,7 +1989,7 @@
               <a:t>            ],</a:t>
             </a:r>
             <a:br>
-              <a:rPr lang="en-US" sz="1200" kern="1200">
+              <a:rPr lang="en-US" sz="1200" kern="1200" dirty="0">
                 <a:solidFill>
                   <a:schemeClr val="tx1"/>
                 </a:solidFill>
@@ -2000,7 +2000,7 @@
               </a:rPr>
             </a:br>
             <a:r>
-              <a:rPr lang="en-US" sz="1200" kern="1200">
+              <a:rPr lang="en-US" sz="1200" kern="1200" dirty="0">
                 <a:solidFill>
                   <a:schemeClr val="tx1"/>
                 </a:solidFill>
@@ -2012,7 +2012,7 @@
               <a:t>            "metadata": {</a:t>
             </a:r>
             <a:br>
-              <a:rPr lang="en-US" sz="1200" kern="1200">
+              <a:rPr lang="en-US" sz="1200" kern="1200" dirty="0">
                 <a:solidFill>
                   <a:schemeClr val="tx1"/>
                 </a:solidFill>
@@ -2023,7 +2023,7 @@
               </a:rPr>
             </a:br>
             <a:r>
-              <a:rPr lang="en-US" sz="1200" kern="1200">
+              <a:rPr lang="en-US" sz="1200" kern="1200" dirty="0">
                 <a:solidFill>
                   <a:schemeClr val="tx1"/>
                 </a:solidFill>
@@ -2035,7 +2035,7 @@
               <a:t>                "description": "Storage Account type"</a:t>
             </a:r>
             <a:br>
-              <a:rPr lang="en-US" sz="1200" kern="1200">
+              <a:rPr lang="en-US" sz="1200" kern="1200" dirty="0">
                 <a:solidFill>
                   <a:schemeClr val="tx1"/>
                 </a:solidFill>
@@ -2046,7 +2046,7 @@
               </a:rPr>
             </a:br>
             <a:r>
-              <a:rPr lang="en-US" sz="1200" kern="1200">
+              <a:rPr lang="en-US" sz="1200" kern="1200" dirty="0">
                 <a:solidFill>
                   <a:schemeClr val="tx1"/>
                 </a:solidFill>
@@ -2058,7 +2058,7 @@
               <a:t>            }</a:t>
             </a:r>
             <a:br>
-              <a:rPr lang="en-US" sz="1200" kern="1200">
+              <a:rPr lang="en-US" sz="1200" kern="1200" dirty="0">
                 <a:solidFill>
                   <a:schemeClr val="tx1"/>
                 </a:solidFill>
@@ -2069,7 +2069,7 @@
               </a:rPr>
             </a:br>
             <a:r>
-              <a:rPr lang="en-US" sz="1200" kern="1200">
+              <a:rPr lang="en-US" sz="1200" kern="1200" dirty="0">
                 <a:solidFill>
                   <a:schemeClr val="tx1"/>
                 </a:solidFill>
@@ -2081,7 +2081,7 @@
               <a:t>        }</a:t>
             </a:r>
             <a:br>
-              <a:rPr lang="en-US" sz="1200" kern="1200">
+              <a:rPr lang="en-US" sz="1200" kern="1200" dirty="0">
                 <a:solidFill>
                   <a:schemeClr val="tx1"/>
                 </a:solidFill>
@@ -2092,7 +2092,7 @@
               </a:rPr>
             </a:br>
             <a:r>
-              <a:rPr lang="en-US" sz="1200" kern="1200">
+              <a:rPr lang="en-US" sz="1200" kern="1200" dirty="0">
                 <a:solidFill>
                   <a:schemeClr val="tx1"/>
                 </a:solidFill>
@@ -2104,7 +2104,7 @@
               <a:t>    },</a:t>
             </a:r>
             <a:br>
-              <a:rPr lang="en-US" sz="1200" kern="1200">
+              <a:rPr lang="en-US" sz="1200" kern="1200" dirty="0">
                 <a:solidFill>
                   <a:schemeClr val="tx1"/>
                 </a:solidFill>
@@ -2115,7 +2115,7 @@
               </a:rPr>
             </a:br>
             <a:r>
-              <a:rPr lang="en-US" sz="1200" kern="1200">
+              <a:rPr lang="en-US" sz="1200" kern="1200" dirty="0">
                 <a:solidFill>
                   <a:schemeClr val="tx1"/>
                 </a:solidFill>
@@ -2127,7 +2127,7 @@
               <a:t>    "variables": {</a:t>
             </a:r>
             <a:br>
-              <a:rPr lang="en-US" sz="1200" kern="1200">
+              <a:rPr lang="en-US" sz="1200" kern="1200" dirty="0">
                 <a:solidFill>
                   <a:schemeClr val="tx1"/>
                 </a:solidFill>
@@ -2138,7 +2138,7 @@
               </a:rPr>
             </a:br>
             <a:r>
-              <a:rPr lang="en-US" sz="1200" kern="1200">
+              <a:rPr lang="en-US" sz="1200" kern="1200" dirty="0">
                 <a:solidFill>
                   <a:schemeClr val="tx1"/>
                 </a:solidFill>
@@ -2150,7 +2150,7 @@
               <a:t>        "</a:t>
             </a:r>
             <a:r>
-              <a:rPr lang="en-US" sz="1200" kern="1200" err="1">
+              <a:rPr lang="en-US" sz="1200" kern="1200" dirty="0" err="1">
                 <a:solidFill>
                   <a:schemeClr val="tx1"/>
                 </a:solidFill>
@@ -2162,7 +2162,7 @@
               <a:t>storageAccountName</a:t>
             </a:r>
             <a:r>
-              <a:rPr lang="en-US" sz="1200" kern="1200">
+              <a:rPr lang="en-US" sz="1200" kern="1200" dirty="0">
                 <a:solidFill>
                   <a:schemeClr val="tx1"/>
                 </a:solidFill>
@@ -2174,7 +2174,7 @@
               <a:t>": "[</a:t>
             </a:r>
             <a:r>
-              <a:rPr lang="en-US" sz="1200" kern="1200" err="1">
+              <a:rPr lang="en-US" sz="1200" kern="1200" dirty="0" err="1">
                 <a:solidFill>
                   <a:schemeClr val="tx1"/>
                 </a:solidFill>
@@ -2186,7 +2186,7 @@
               <a:t>concat</a:t>
             </a:r>
             <a:r>
-              <a:rPr lang="en-US" sz="1200" kern="1200">
+              <a:rPr lang="en-US" sz="1200" kern="1200" dirty="0">
                 <a:solidFill>
                   <a:schemeClr val="tx1"/>
                 </a:solidFill>
@@ -2198,7 +2198,7 @@
               <a:t>(</a:t>
             </a:r>
             <a:r>
-              <a:rPr lang="en-US" sz="1200" kern="1200" err="1">
+              <a:rPr lang="en-US" sz="1200" kern="1200" dirty="0" err="1">
                 <a:solidFill>
                   <a:schemeClr val="tx1"/>
                 </a:solidFill>
@@ -2210,7 +2210,7 @@
               <a:t>uniquestring</a:t>
             </a:r>
             <a:r>
-              <a:rPr lang="en-US" sz="1200" kern="1200">
+              <a:rPr lang="en-US" sz="1200" kern="1200" dirty="0">
                 <a:solidFill>
                   <a:schemeClr val="tx1"/>
                 </a:solidFill>
@@ -2222,7 +2222,7 @@
               <a:t>(</a:t>
             </a:r>
             <a:r>
-              <a:rPr lang="en-US" sz="1200" kern="1200" err="1">
+              <a:rPr lang="en-US" sz="1200" kern="1200" dirty="0" err="1">
                 <a:solidFill>
                   <a:schemeClr val="tx1"/>
                 </a:solidFill>
@@ -2234,7 +2234,7 @@
               <a:t>resourceGroup</a:t>
             </a:r>
             <a:r>
-              <a:rPr lang="en-US" sz="1200" kern="1200">
+              <a:rPr lang="en-US" sz="1200" kern="1200" dirty="0">
                 <a:solidFill>
                   <a:schemeClr val="tx1"/>
                 </a:solidFill>
@@ -2246,7 +2246,7 @@
               <a:t>().id), '</a:t>
             </a:r>
             <a:r>
-              <a:rPr lang="en-US" sz="1200" kern="1200" err="1">
+              <a:rPr lang="en-US" sz="1200" kern="1200" dirty="0" err="1">
                 <a:solidFill>
                   <a:schemeClr val="tx1"/>
                 </a:solidFill>
@@ -2258,7 +2258,7 @@
               <a:t>standardsa</a:t>
             </a:r>
             <a:r>
-              <a:rPr lang="en-US" sz="1200" kern="1200">
+              <a:rPr lang="en-US" sz="1200" kern="1200" dirty="0">
                 <a:solidFill>
                   <a:schemeClr val="tx1"/>
                 </a:solidFill>
@@ -2270,7 +2270,7 @@
               <a:t>')]"</a:t>
             </a:r>
             <a:br>
-              <a:rPr lang="en-US" sz="1200" kern="1200">
+              <a:rPr lang="en-US" sz="1200" kern="1200" dirty="0">
                 <a:solidFill>
                   <a:schemeClr val="tx1"/>
                 </a:solidFill>
@@ -2281,7 +2281,7 @@
               </a:rPr>
             </a:br>
             <a:r>
-              <a:rPr lang="en-US" sz="1200" kern="1200">
+              <a:rPr lang="en-US" sz="1200" kern="1200" dirty="0">
                 <a:solidFill>
                   <a:schemeClr val="tx1"/>
                 </a:solidFill>
@@ -2293,7 +2293,7 @@
               <a:t>    },</a:t>
             </a:r>
             <a:br>
-              <a:rPr lang="en-US" sz="1200" kern="1200">
+              <a:rPr lang="en-US" sz="1200" kern="1200" dirty="0">
                 <a:solidFill>
                   <a:schemeClr val="tx1"/>
                 </a:solidFill>
@@ -2304,7 +2304,7 @@
               </a:rPr>
             </a:br>
             <a:r>
-              <a:rPr lang="en-US" sz="1200" kern="1200">
+              <a:rPr lang="en-US" sz="1200" kern="1200" dirty="0">
                 <a:solidFill>
                   <a:schemeClr val="tx1"/>
                 </a:solidFill>
@@ -2316,7 +2316,7 @@
               <a:t>    "resources": [{</a:t>
             </a:r>
             <a:br>
-              <a:rPr lang="en-US" sz="1200" kern="1200">
+              <a:rPr lang="en-US" sz="1200" kern="1200" dirty="0">
                 <a:solidFill>
                   <a:schemeClr val="tx1"/>
                 </a:solidFill>
@@ -2327,7 +2327,7 @@
               </a:rPr>
             </a:br>
             <a:r>
-              <a:rPr lang="en-US" sz="1200" kern="1200">
+              <a:rPr lang="en-US" sz="1200" kern="1200" dirty="0">
                 <a:solidFill>
                   <a:schemeClr val="tx1"/>
                 </a:solidFill>
@@ -2339,7 +2339,7 @@
               <a:t>        "type": "</a:t>
             </a:r>
             <a:r>
-              <a:rPr lang="en-US" sz="1200" kern="1200" err="1">
+              <a:rPr lang="en-US" sz="1200" kern="1200" dirty="0" err="1">
                 <a:solidFill>
                   <a:schemeClr val="tx1"/>
                 </a:solidFill>
@@ -2351,7 +2351,7 @@
               <a:t>Microsoft.Storage</a:t>
             </a:r>
             <a:r>
-              <a:rPr lang="en-US" sz="1200" kern="1200">
+              <a:rPr lang="en-US" sz="1200" kern="1200" dirty="0">
                 <a:solidFill>
                   <a:schemeClr val="tx1"/>
                 </a:solidFill>
@@ -2363,7 +2363,7 @@
               <a:t>/</a:t>
             </a:r>
             <a:r>
-              <a:rPr lang="en-US" sz="1200" kern="1200" err="1">
+              <a:rPr lang="en-US" sz="1200" kern="1200" dirty="0" err="1">
                 <a:solidFill>
                   <a:schemeClr val="tx1"/>
                 </a:solidFill>
@@ -2375,7 +2375,7 @@
               <a:t>storageAccounts</a:t>
             </a:r>
             <a:r>
-              <a:rPr lang="en-US" sz="1200" kern="1200">
+              <a:rPr lang="en-US" sz="1200" kern="1200" dirty="0">
                 <a:solidFill>
                   <a:schemeClr val="tx1"/>
                 </a:solidFill>
@@ -2387,7 +2387,7 @@
               <a:t>",</a:t>
             </a:r>
             <a:br>
-              <a:rPr lang="en-US" sz="1200" kern="1200">
+              <a:rPr lang="en-US" sz="1200" kern="1200" dirty="0">
                 <a:solidFill>
                   <a:schemeClr val="tx1"/>
                 </a:solidFill>
@@ -2398,7 +2398,7 @@
               </a:rPr>
             </a:br>
             <a:r>
-              <a:rPr lang="en-US" sz="1200" kern="1200">
+              <a:rPr lang="en-US" sz="1200" kern="1200" dirty="0">
                 <a:solidFill>
                   <a:schemeClr val="tx1"/>
                 </a:solidFill>
@@ -2410,7 +2410,7 @@
               <a:t>        "name": "[variables('</a:t>
             </a:r>
             <a:r>
-              <a:rPr lang="en-US" sz="1200" kern="1200" err="1">
+              <a:rPr lang="en-US" sz="1200" kern="1200" dirty="0" err="1">
                 <a:solidFill>
                   <a:schemeClr val="tx1"/>
                 </a:solidFill>
@@ -2422,7 +2422,7 @@
               <a:t>storageAccountName</a:t>
             </a:r>
             <a:r>
-              <a:rPr lang="en-US" sz="1200" kern="1200">
+              <a:rPr lang="en-US" sz="1200" kern="1200" dirty="0">
                 <a:solidFill>
                   <a:schemeClr val="tx1"/>
                 </a:solidFill>
@@ -2434,7 +2434,7 @@
               <a:t>')]",</a:t>
             </a:r>
             <a:br>
-              <a:rPr lang="en-US" sz="1200" kern="1200">
+              <a:rPr lang="en-US" sz="1200" kern="1200" dirty="0">
                 <a:solidFill>
                   <a:schemeClr val="tx1"/>
                 </a:solidFill>
@@ -2445,7 +2445,7 @@
               </a:rPr>
             </a:br>
             <a:r>
-              <a:rPr lang="en-US" sz="1200" kern="1200">
+              <a:rPr lang="en-US" sz="1200" kern="1200" dirty="0">
                 <a:solidFill>
                   <a:schemeClr val="tx1"/>
                 </a:solidFill>
@@ -2457,7 +2457,7 @@
               <a:t>        "</a:t>
             </a:r>
             <a:r>
-              <a:rPr lang="en-US" sz="1200" kern="1200" err="1">
+              <a:rPr lang="en-US" sz="1200" kern="1200" dirty="0" err="1">
                 <a:solidFill>
                   <a:schemeClr val="tx1"/>
                 </a:solidFill>
@@ -2469,7 +2469,7 @@
               <a:t>apiVersion</a:t>
             </a:r>
             <a:r>
-              <a:rPr lang="en-US" sz="1200" kern="1200">
+              <a:rPr lang="en-US" sz="1200" kern="1200" dirty="0">
                 <a:solidFill>
                   <a:schemeClr val="tx1"/>
                 </a:solidFill>
@@ -2481,7 +2481,7 @@
               <a:t>": "2016-01-01",</a:t>
             </a:r>
             <a:br>
-              <a:rPr lang="en-US" sz="1200" kern="1200">
+              <a:rPr lang="en-US" sz="1200" kern="1200" dirty="0">
                 <a:solidFill>
                   <a:schemeClr val="tx1"/>
                 </a:solidFill>
@@ -2492,7 +2492,7 @@
               </a:rPr>
             </a:br>
             <a:r>
-              <a:rPr lang="en-US" sz="1200" kern="1200">
+              <a:rPr lang="en-US" sz="1200" kern="1200" dirty="0">
                 <a:solidFill>
                   <a:schemeClr val="tx1"/>
                 </a:solidFill>
@@ -2504,7 +2504,7 @@
               <a:t>        "location": "[</a:t>
             </a:r>
             <a:r>
-              <a:rPr lang="en-US" sz="1200" kern="1200" err="1">
+              <a:rPr lang="en-US" sz="1200" kern="1200" dirty="0" err="1">
                 <a:solidFill>
                   <a:schemeClr val="tx1"/>
                 </a:solidFill>
@@ -2516,7 +2516,7 @@
               <a:t>resourceGroup</a:t>
             </a:r>
             <a:r>
-              <a:rPr lang="en-US" sz="1200" kern="1200">
+              <a:rPr lang="en-US" sz="1200" kern="1200" dirty="0">
                 <a:solidFill>
                   <a:schemeClr val="tx1"/>
                 </a:solidFill>
@@ -2528,7 +2528,7 @@
               <a:t>().location]",</a:t>
             </a:r>
             <a:br>
-              <a:rPr lang="en-US" sz="1200" kern="1200">
+              <a:rPr lang="en-US" sz="1200" kern="1200" dirty="0">
                 <a:solidFill>
                   <a:schemeClr val="tx1"/>
                 </a:solidFill>
@@ -2539,7 +2539,7 @@
               </a:rPr>
             </a:br>
             <a:r>
-              <a:rPr lang="en-US" sz="1200" kern="1200">
+              <a:rPr lang="en-US" sz="1200" kern="1200" dirty="0">
                 <a:solidFill>
                   <a:schemeClr val="tx1"/>
                 </a:solidFill>
@@ -2551,7 +2551,7 @@
               <a:t>        "</a:t>
             </a:r>
             <a:r>
-              <a:rPr lang="en-US" sz="1200" kern="1200" err="1">
+              <a:rPr lang="en-US" sz="1200" kern="1200" dirty="0" err="1">
                 <a:solidFill>
                   <a:schemeClr val="tx1"/>
                 </a:solidFill>
@@ -2563,7 +2563,7 @@
               <a:t>sku</a:t>
             </a:r>
             <a:r>
-              <a:rPr lang="en-US" sz="1200" kern="1200">
+              <a:rPr lang="en-US" sz="1200" kern="1200" dirty="0">
                 <a:solidFill>
                   <a:schemeClr val="tx1"/>
                 </a:solidFill>
@@ -2575,7 +2575,7 @@
               <a:t>": {</a:t>
             </a:r>
             <a:br>
-              <a:rPr lang="en-US" sz="1200" kern="1200">
+              <a:rPr lang="en-US" sz="1200" kern="1200" dirty="0">
                 <a:solidFill>
                   <a:schemeClr val="tx1"/>
                 </a:solidFill>
@@ -2586,7 +2586,7 @@
               </a:rPr>
             </a:br>
             <a:r>
-              <a:rPr lang="en-US" sz="1200" kern="1200">
+              <a:rPr lang="en-US" sz="1200" kern="1200" dirty="0">
                 <a:solidFill>
                   <a:schemeClr val="tx1"/>
                 </a:solidFill>
@@ -2598,7 +2598,7 @@
               <a:t>            "name": "[parameters('</a:t>
             </a:r>
             <a:r>
-              <a:rPr lang="en-US" sz="1200" kern="1200" err="1">
+              <a:rPr lang="en-US" sz="1200" kern="1200" dirty="0" err="1">
                 <a:solidFill>
                   <a:schemeClr val="tx1"/>
                 </a:solidFill>
@@ -2610,7 +2610,7 @@
               <a:t>storageAccountType</a:t>
             </a:r>
             <a:r>
-              <a:rPr lang="en-US" sz="1200" kern="1200">
+              <a:rPr lang="en-US" sz="1200" kern="1200" dirty="0">
                 <a:solidFill>
                   <a:schemeClr val="tx1"/>
                 </a:solidFill>
@@ -2622,7 +2622,7 @@
               <a:t>')]"</a:t>
             </a:r>
             <a:br>
-              <a:rPr lang="en-US" sz="1200" kern="1200">
+              <a:rPr lang="en-US" sz="1200" kern="1200" dirty="0">
                 <a:solidFill>
                   <a:schemeClr val="tx1"/>
                 </a:solidFill>
@@ -2633,7 +2633,7 @@
               </a:rPr>
             </a:br>
             <a:r>
-              <a:rPr lang="en-US" sz="1200" kern="1200">
+              <a:rPr lang="en-US" sz="1200" kern="1200" dirty="0">
                 <a:solidFill>
                   <a:schemeClr val="tx1"/>
                 </a:solidFill>
@@ -2645,7 +2645,7 @@
               <a:t>        },</a:t>
             </a:r>
             <a:br>
-              <a:rPr lang="en-US" sz="1200" kern="1200">
+              <a:rPr lang="en-US" sz="1200" kern="1200" dirty="0">
                 <a:solidFill>
                   <a:schemeClr val="tx1"/>
                 </a:solidFill>
@@ -2656,7 +2656,7 @@
               </a:rPr>
             </a:br>
             <a:r>
-              <a:rPr lang="en-US" sz="1200" kern="1200">
+              <a:rPr lang="en-US" sz="1200" kern="1200" dirty="0">
                 <a:solidFill>
                   <a:schemeClr val="tx1"/>
                 </a:solidFill>
@@ -2668,7 +2668,7 @@
               <a:t>        "kind": "Storage",</a:t>
             </a:r>
             <a:br>
-              <a:rPr lang="en-US" sz="1200" kern="1200">
+              <a:rPr lang="en-US" sz="1200" kern="1200" dirty="0">
                 <a:solidFill>
                   <a:schemeClr val="tx1"/>
                 </a:solidFill>
@@ -2679,7 +2679,7 @@
               </a:rPr>
             </a:br>
             <a:r>
-              <a:rPr lang="en-US" sz="1200" kern="1200">
+              <a:rPr lang="en-US" sz="1200" kern="1200" dirty="0">
                 <a:solidFill>
                   <a:schemeClr val="tx1"/>
                 </a:solidFill>
@@ -2691,7 +2691,7 @@
               <a:t>        "properties": {}</a:t>
             </a:r>
             <a:br>
-              <a:rPr lang="en-US" sz="1200" kern="1200">
+              <a:rPr lang="en-US" sz="1200" kern="1200" dirty="0">
                 <a:solidFill>
                   <a:schemeClr val="tx1"/>
                 </a:solidFill>
@@ -2702,7 +2702,7 @@
               </a:rPr>
             </a:br>
             <a:r>
-              <a:rPr lang="en-US" sz="1200" kern="1200">
+              <a:rPr lang="en-US" sz="1200" kern="1200" dirty="0">
                 <a:solidFill>
                   <a:schemeClr val="tx1"/>
                 </a:solidFill>
@@ -2714,7 +2714,7 @@
               <a:t>    }],</a:t>
             </a:r>
             <a:br>
-              <a:rPr lang="en-US" sz="1200" kern="1200">
+              <a:rPr lang="en-US" sz="1200" kern="1200" dirty="0">
                 <a:solidFill>
                   <a:schemeClr val="tx1"/>
                 </a:solidFill>
@@ -2725,7 +2725,7 @@
               </a:rPr>
             </a:br>
             <a:r>
-              <a:rPr lang="en-US" sz="1200" kern="1200">
+              <a:rPr lang="en-US" sz="1200" kern="1200" dirty="0">
                 <a:solidFill>
                   <a:schemeClr val="tx1"/>
                 </a:solidFill>
@@ -2737,7 +2737,7 @@
               <a:t>    "outputs": {</a:t>
             </a:r>
             <a:br>
-              <a:rPr lang="en-US" sz="1200" kern="1200">
+              <a:rPr lang="en-US" sz="1200" kern="1200" dirty="0">
                 <a:solidFill>
                   <a:schemeClr val="tx1"/>
                 </a:solidFill>
@@ -2748,7 +2748,7 @@
               </a:rPr>
             </a:br>
             <a:r>
-              <a:rPr lang="en-US" sz="1200" kern="1200">
+              <a:rPr lang="en-US" sz="1200" kern="1200" dirty="0">
                 <a:solidFill>
                   <a:schemeClr val="tx1"/>
                 </a:solidFill>
@@ -2760,7 +2760,7 @@
               <a:t>        "</a:t>
             </a:r>
             <a:r>
-              <a:rPr lang="en-US" sz="1200" kern="1200" err="1">
+              <a:rPr lang="en-US" sz="1200" kern="1200" dirty="0" err="1">
                 <a:solidFill>
                   <a:schemeClr val="tx1"/>
                 </a:solidFill>
@@ -2772,7 +2772,7 @@
               <a:t>storageAccountName</a:t>
             </a:r>
             <a:r>
-              <a:rPr lang="en-US" sz="1200" kern="1200">
+              <a:rPr lang="en-US" sz="1200" kern="1200" dirty="0">
                 <a:solidFill>
                   <a:schemeClr val="tx1"/>
                 </a:solidFill>
@@ -2784,7 +2784,7 @@
               <a:t>": {</a:t>
             </a:r>
             <a:br>
-              <a:rPr lang="en-US" sz="1200" kern="1200">
+              <a:rPr lang="en-US" sz="1200" kern="1200" dirty="0">
                 <a:solidFill>
                   <a:schemeClr val="tx1"/>
                 </a:solidFill>
@@ -2795,7 +2795,7 @@
               </a:rPr>
             </a:br>
             <a:r>
-              <a:rPr lang="en-US" sz="1200" kern="1200">
+              <a:rPr lang="en-US" sz="1200" kern="1200" dirty="0">
                 <a:solidFill>
                   <a:schemeClr val="tx1"/>
                 </a:solidFill>
@@ -2807,7 +2807,7 @@
               <a:t>            "type": "string",</a:t>
             </a:r>
             <a:br>
-              <a:rPr lang="en-US" sz="1200" kern="1200">
+              <a:rPr lang="en-US" sz="1200" kern="1200" dirty="0">
                 <a:solidFill>
                   <a:schemeClr val="tx1"/>
                 </a:solidFill>
@@ -2818,7 +2818,7 @@
               </a:rPr>
             </a:br>
             <a:r>
-              <a:rPr lang="en-US" sz="1200" kern="1200">
+              <a:rPr lang="en-US" sz="1200" kern="1200" dirty="0">
                 <a:solidFill>
                   <a:schemeClr val="tx1"/>
                 </a:solidFill>
@@ -2830,7 +2830,7 @@
               <a:t>            "value": "[variables('</a:t>
             </a:r>
             <a:r>
-              <a:rPr lang="en-US" sz="1200" kern="1200" err="1">
+              <a:rPr lang="en-US" sz="1200" kern="1200" dirty="0" err="1">
                 <a:solidFill>
                   <a:schemeClr val="tx1"/>
                 </a:solidFill>
@@ -2842,7 +2842,7 @@
               <a:t>storageAccountName</a:t>
             </a:r>
             <a:r>
-              <a:rPr lang="en-US" sz="1200" kern="1200">
+              <a:rPr lang="en-US" sz="1200" kern="1200" dirty="0">
                 <a:solidFill>
                   <a:schemeClr val="tx1"/>
                 </a:solidFill>
@@ -2854,7 +2854,7 @@
               <a:t>')]"</a:t>
             </a:r>
             <a:br>
-              <a:rPr lang="en-US" sz="1200" kern="1200">
+              <a:rPr lang="en-US" sz="1200" kern="1200" dirty="0">
                 <a:solidFill>
                   <a:schemeClr val="tx1"/>
                 </a:solidFill>
@@ -2865,7 +2865,7 @@
               </a:rPr>
             </a:br>
             <a:r>
-              <a:rPr lang="en-US" sz="1200" kern="1200">
+              <a:rPr lang="en-US" sz="1200" kern="1200" dirty="0">
                 <a:solidFill>
                   <a:schemeClr val="tx1"/>
                 </a:solidFill>
@@ -2877,7 +2877,7 @@
               <a:t>        }</a:t>
             </a:r>
             <a:br>
-              <a:rPr lang="en-US" sz="1200" kern="1200">
+              <a:rPr lang="en-US" sz="1200" kern="1200" dirty="0">
                 <a:solidFill>
                   <a:schemeClr val="tx1"/>
                 </a:solidFill>
@@ -2888,7 +2888,7 @@
               </a:rPr>
             </a:br>
             <a:r>
-              <a:rPr lang="en-US" sz="1200" kern="1200">
+              <a:rPr lang="en-US" sz="1200" kern="1200" dirty="0">
                 <a:solidFill>
                   <a:schemeClr val="tx1"/>
                 </a:solidFill>
@@ -2900,7 +2900,7 @@
               <a:t>    }</a:t>
             </a:r>
             <a:br>
-              <a:rPr lang="en-US" sz="1200" kern="1200">
+              <a:rPr lang="en-US" sz="1200" kern="1200" dirty="0">
                 <a:solidFill>
                   <a:schemeClr val="tx1"/>
                 </a:solidFill>
@@ -2911,7 +2911,7 @@
               </a:rPr>
             </a:br>
             <a:r>
-              <a:rPr lang="en-US" sz="1200" kern="1200">
+              <a:rPr lang="en-US" sz="1200" kern="1200" dirty="0">
                 <a:solidFill>
                   <a:schemeClr val="tx1"/>
                 </a:solidFill>
@@ -2924,7 +2924,7 @@
             </a:r>
           </a:p>
           <a:p>
-            <a:endParaRPr lang="en-US"/>
+            <a:endParaRPr lang="en-US" dirty="0"/>
           </a:p>
         </p:txBody>
       </p:sp>
@@ -3111,7 +3111,7 @@
           <a:p>
             <a:fld id="{3E3C2F32-47E1-4D90-8C64-89D7BCB0B356}" type="datetimeFigureOut">
               <a:rPr lang="en-US" smtClean="0"/>
-              <a:t>5/10/2019</a:t>
+              <a:t>12/9/2019</a:t>
             </a:fld>
             <a:endParaRPr lang="en-US"/>
           </a:p>
@@ -3309,7 +3309,7 @@
           <a:p>
             <a:fld id="{3E3C2F32-47E1-4D90-8C64-89D7BCB0B356}" type="datetimeFigureOut">
               <a:rPr lang="en-US" smtClean="0"/>
-              <a:t>5/10/2019</a:t>
+              <a:t>12/9/2019</a:t>
             </a:fld>
             <a:endParaRPr lang="en-US"/>
           </a:p>
@@ -3517,7 +3517,7 @@
           <a:p>
             <a:fld id="{3E3C2F32-47E1-4D90-8C64-89D7BCB0B356}" type="datetimeFigureOut">
               <a:rPr lang="en-US" smtClean="0"/>
-              <a:t>5/10/2019</a:t>
+              <a:t>12/9/2019</a:t>
             </a:fld>
             <a:endParaRPr lang="en-US"/>
           </a:p>
@@ -3715,7 +3715,7 @@
           <a:p>
             <a:fld id="{3E3C2F32-47E1-4D90-8C64-89D7BCB0B356}" type="datetimeFigureOut">
               <a:rPr lang="en-US" smtClean="0"/>
-              <a:t>5/10/2019</a:t>
+              <a:t>12/9/2019</a:t>
             </a:fld>
             <a:endParaRPr lang="en-US"/>
           </a:p>
@@ -3990,7 +3990,7 @@
           <a:p>
             <a:fld id="{3E3C2F32-47E1-4D90-8C64-89D7BCB0B356}" type="datetimeFigureOut">
               <a:rPr lang="en-US" smtClean="0"/>
-              <a:t>5/10/2019</a:t>
+              <a:t>12/9/2019</a:t>
             </a:fld>
             <a:endParaRPr lang="en-US"/>
           </a:p>
@@ -4255,7 +4255,7 @@
           <a:p>
             <a:fld id="{3E3C2F32-47E1-4D90-8C64-89D7BCB0B356}" type="datetimeFigureOut">
               <a:rPr lang="en-US" smtClean="0"/>
-              <a:t>5/10/2019</a:t>
+              <a:t>12/9/2019</a:t>
             </a:fld>
             <a:endParaRPr lang="en-US"/>
           </a:p>
@@ -4667,7 +4667,7 @@
           <a:p>
             <a:fld id="{3E3C2F32-47E1-4D90-8C64-89D7BCB0B356}" type="datetimeFigureOut">
               <a:rPr lang="en-US" smtClean="0"/>
-              <a:t>5/10/2019</a:t>
+              <a:t>12/9/2019</a:t>
             </a:fld>
             <a:endParaRPr lang="en-US"/>
           </a:p>
@@ -4808,7 +4808,7 @@
           <a:p>
             <a:fld id="{3E3C2F32-47E1-4D90-8C64-89D7BCB0B356}" type="datetimeFigureOut">
               <a:rPr lang="en-US" smtClean="0"/>
-              <a:t>5/10/2019</a:t>
+              <a:t>12/9/2019</a:t>
             </a:fld>
             <a:endParaRPr lang="en-US"/>
           </a:p>
@@ -4921,7 +4921,7 @@
           <a:p>
             <a:fld id="{3E3C2F32-47E1-4D90-8C64-89D7BCB0B356}" type="datetimeFigureOut">
               <a:rPr lang="en-US" smtClean="0"/>
-              <a:t>5/10/2019</a:t>
+              <a:t>12/9/2019</a:t>
             </a:fld>
             <a:endParaRPr lang="en-US"/>
           </a:p>
@@ -5232,7 +5232,7 @@
           <a:p>
             <a:fld id="{3E3C2F32-47E1-4D90-8C64-89D7BCB0B356}" type="datetimeFigureOut">
               <a:rPr lang="en-US" smtClean="0"/>
-              <a:t>5/10/2019</a:t>
+              <a:t>12/9/2019</a:t>
             </a:fld>
             <a:endParaRPr lang="en-US"/>
           </a:p>
@@ -5520,7 +5520,7 @@
           <a:p>
             <a:fld id="{3E3C2F32-47E1-4D90-8C64-89D7BCB0B356}" type="datetimeFigureOut">
               <a:rPr lang="en-US" smtClean="0"/>
-              <a:t>5/10/2019</a:t>
+              <a:t>12/9/2019</a:t>
             </a:fld>
             <a:endParaRPr lang="en-US"/>
           </a:p>
@@ -5761,7 +5761,7 @@
           <a:p>
             <a:fld id="{3E3C2F32-47E1-4D90-8C64-89D7BCB0B356}" type="datetimeFigureOut">
               <a:rPr lang="en-US" smtClean="0"/>
-              <a:t>5/10/2019</a:t>
+              <a:t>12/9/2019</a:t>
             </a:fld>
             <a:endParaRPr lang="en-US"/>
           </a:p>
@@ -6262,7 +6262,7 @@
 </file>
 
 <file path=ppt/slides/slide2.xml><?xml version="1.0" encoding="utf-8"?>
-<p:sld xmlns:a="http://schemas.openxmlformats.org/drawingml/2006/main" xmlns:r="http://schemas.openxmlformats.org/officeDocument/2006/relationships" xmlns:p="http://schemas.openxmlformats.org/presentationml/2006/main">
+<p:sld xmlns:a="http://schemas.openxmlformats.org/drawingml/2006/main" xmlns:r="http://schemas.openxmlformats.org/officeDocument/2006/relationships" xmlns:p="http://schemas.openxmlformats.org/presentationml/2006/main" show="0">
   <p:cSld>
     <p:spTree>
       <p:nvGrpSpPr>
@@ -6716,13 +6716,6 @@
               <a:rPr lang="en-US" sz="2000" dirty="0"/>
               <a:t>Attempt to deploy a G series VM and find the deployment error in the Azure Activity Log</a:t>
             </a:r>
-            <a:br>
-              <a:rPr lang="en-US" sz="2000" dirty="0"/>
-            </a:br>
-            <a:r>
-              <a:rPr lang="en-US" sz="2000" dirty="0"/>
-              <a:t>Hint: try to do the deployment in US East 2</a:t>
-            </a:r>
           </a:p>
           <a:p>
             <a:r>
@@ -6823,13 +6816,13 @@
           </a:bodyPr>
           <a:lstStyle/>
           <a:p>
-            <a:endParaRPr lang="en-US"/>
-          </a:p>
-          <a:p>
-            <a:endParaRPr lang="en-US"/>
-          </a:p>
-          <a:p>
-            <a:endParaRPr lang="en-US"/>
+            <a:endParaRPr lang="en-US" dirty="0"/>
+          </a:p>
+          <a:p>
+            <a:endParaRPr lang="en-US" dirty="0"/>
+          </a:p>
+          <a:p>
+            <a:endParaRPr lang="en-US" dirty="0"/>
           </a:p>
         </p:txBody>
       </p:sp>
@@ -6887,7 +6880,7 @@
             </a:pPr>
             <a:r>
               <a:rPr lang="en-US" sz="2400" dirty="0"/>
-              <a:t>Policy Assignment for ‘Apply tag and its default value to resource group’</a:t>
+              <a:t>Policy Assignment for ‘Append tag and its default value to resource groups’</a:t>
             </a:r>
           </a:p>
           <a:p>
@@ -8306,6 +8299,21 @@
 </file>
 
 <file path=customXml/item1.xml><?xml version="1.0" encoding="utf-8"?>
+<?mso-contentType ?>
+<FormTemplates xmlns="http://schemas.microsoft.com/sharepoint/v3/contenttype/forms">
+  <Display>DocumentLibraryForm</Display>
+  <Edit>DocumentLibraryForm</Edit>
+  <New>DocumentLibraryForm</New>
+</FormTemplates>
+</file>
+
+<file path=customXml/item2.xml><?xml version="1.0" encoding="utf-8"?>
+<p:properties xmlns:p="http://schemas.microsoft.com/office/2006/metadata/properties" xmlns:xsi="http://www.w3.org/2001/XMLSchema-instance" xmlns:pc="http://schemas.microsoft.com/office/infopath/2007/PartnerControls">
+  <documentManagement/>
+</p:properties>
+</file>
+
+<file path=customXml/item3.xml><?xml version="1.0" encoding="utf-8"?>
 <ct:contentTypeSchema xmlns:ct="http://schemas.microsoft.com/office/2006/metadata/contentType" xmlns:ma="http://schemas.microsoft.com/office/2006/metadata/properties/metaAttributes" ct:_="" ma:_="" ma:contentTypeName="Document" ma:contentTypeID="0x010100B805CA1546A9EF4D874C41813FBCFE77" ma:contentTypeVersion="0" ma:contentTypeDescription="Create a new document." ma:contentTypeScope="" ma:versionID="c9aa000eea19acce3b3ed41d1e1eb400">
   <xsd:schema xmlns:xsd="http://www.w3.org/2001/XMLSchema" xmlns:xs="http://www.w3.org/2001/XMLSchema" xmlns:p="http://schemas.microsoft.com/office/2006/metadata/properties" targetNamespace="http://schemas.microsoft.com/office/2006/metadata/properties" ma:root="true" ma:fieldsID="28e93d0e610ade8792d1bdc0e02464c8">
     <xsd:element name="properties">
@@ -8419,33 +8427,10 @@
 </ct:contentTypeSchema>
 </file>
 
-<file path=customXml/item2.xml><?xml version="1.0" encoding="utf-8"?>
-<p:properties xmlns:p="http://schemas.microsoft.com/office/2006/metadata/properties" xmlns:xsi="http://www.w3.org/2001/XMLSchema-instance" xmlns:pc="http://schemas.microsoft.com/office/infopath/2007/PartnerControls">
-  <documentManagement/>
-</p:properties>
-</file>
-
-<file path=customXml/item3.xml><?xml version="1.0" encoding="utf-8"?>
-<?mso-contentType ?>
-<FormTemplates xmlns="http://schemas.microsoft.com/sharepoint/v3/contenttype/forms">
-  <Display>DocumentLibraryForm</Display>
-  <Edit>DocumentLibraryForm</Edit>
-  <New>DocumentLibraryForm</New>
-</FormTemplates>
-</file>
-
 <file path=customXml/itemProps1.xml><?xml version="1.0" encoding="utf-8"?>
-<ds:datastoreItem xmlns:ds="http://schemas.openxmlformats.org/officeDocument/2006/customXml" ds:itemID="{207A3D48-3576-4080-9DEA-24F2312CB1E3}">
+<ds:datastoreItem xmlns:ds="http://schemas.openxmlformats.org/officeDocument/2006/customXml" ds:itemID="{B0E0D0C5-8FBD-4F03-9B80-A8C6BB21FC66}">
   <ds:schemaRefs>
-    <ds:schemaRef ds:uri="http://schemas.microsoft.com/office/2006/metadata/contentType"/>
-    <ds:schemaRef ds:uri="http://schemas.microsoft.com/office/2006/metadata/properties/metaAttributes"/>
-    <ds:schemaRef ds:uri="http://www.w3.org/2001/XMLSchema"/>
-    <ds:schemaRef ds:uri="http://schemas.microsoft.com/office/2006/metadata/properties"/>
-    <ds:schemaRef ds:uri="http://schemas.openxmlformats.org/package/2006/metadata/core-properties"/>
-    <ds:schemaRef ds:uri="http://purl.org/dc/elements/1.1/"/>
-    <ds:schemaRef ds:uri="http://purl.org/dc/terms/"/>
-    <ds:schemaRef ds:uri="http://schemas.microsoft.com/internal/obd"/>
-    <ds:schemaRef ds:uri="http://schemas.microsoft.com/office/infopath/2007/PartnerControls"/>
+    <ds:schemaRef ds:uri="http://schemas.microsoft.com/sharepoint/v3/contenttype/forms"/>
   </ds:schemaRefs>
 </ds:datastoreItem>
 </file>
@@ -8466,9 +8451,17 @@
 </file>
 
 <file path=customXml/itemProps3.xml><?xml version="1.0" encoding="utf-8"?>
-<ds:datastoreItem xmlns:ds="http://schemas.openxmlformats.org/officeDocument/2006/customXml" ds:itemID="{B0E0D0C5-8FBD-4F03-9B80-A8C6BB21FC66}">
+<ds:datastoreItem xmlns:ds="http://schemas.openxmlformats.org/officeDocument/2006/customXml" ds:itemID="{207A3D48-3576-4080-9DEA-24F2312CB1E3}">
   <ds:schemaRefs>
-    <ds:schemaRef ds:uri="http://schemas.microsoft.com/sharepoint/v3/contenttype/forms"/>
+    <ds:schemaRef ds:uri="http://schemas.microsoft.com/office/2006/metadata/contentType"/>
+    <ds:schemaRef ds:uri="http://schemas.microsoft.com/office/2006/metadata/properties/metaAttributes"/>
+    <ds:schemaRef ds:uri="http://www.w3.org/2001/XMLSchema"/>
+    <ds:schemaRef ds:uri="http://schemas.microsoft.com/office/2006/metadata/properties"/>
+    <ds:schemaRef ds:uri="http://schemas.openxmlformats.org/package/2006/metadata/core-properties"/>
+    <ds:schemaRef ds:uri="http://purl.org/dc/elements/1.1/"/>
+    <ds:schemaRef ds:uri="http://purl.org/dc/terms/"/>
+    <ds:schemaRef ds:uri="http://schemas.microsoft.com/internal/obd"/>
+    <ds:schemaRef ds:uri="http://schemas.microsoft.com/office/infopath/2007/PartnerControls"/>
   </ds:schemaRefs>
 </ds:datastoreItem>
 </file>
--- a/Azure Governance Hack.pptx
+++ b/Azure Governance Hack.pptx
@@ -1021,7 +1021,7 @@
           <a:p>
             <a:fld id="{53D76E38-EB4B-425D-87E0-B33791D2CD91}" type="datetimeFigureOut">
               <a:rPr lang="en-US" smtClean="0"/>
-              <a:t>12/9/2019</a:t>
+              <a:t>12/10/2019</a:t>
             </a:fld>
             <a:endParaRPr lang="en-US"/>
           </a:p>
@@ -1416,6 +1416,90 @@
           <a:bodyPr/>
           <a:lstStyle/>
           <a:p>
+            <a:endParaRPr lang="sv-SE" dirty="0"/>
+          </a:p>
+        </p:txBody>
+      </p:sp>
+      <p:sp>
+        <p:nvSpPr>
+          <p:cNvPr id="4" name="Slide Number Placeholder 3"/>
+          <p:cNvSpPr>
+            <a:spLocks noGrp="1"/>
+          </p:cNvSpPr>
+          <p:nvPr>
+            <p:ph type="sldNum" sz="quarter" idx="5"/>
+          </p:nvPr>
+        </p:nvSpPr>
+        <p:spPr/>
+        <p:txBody>
+          <a:bodyPr/>
+          <a:lstStyle/>
+          <a:p>
+            <a:fld id="{D1ABA2CB-342C-46F9-95EC-88F4F68DF547}" type="slidenum">
+              <a:rPr lang="en-US" smtClean="0"/>
+              <a:t>4</a:t>
+            </a:fld>
+            <a:endParaRPr lang="en-US"/>
+          </a:p>
+        </p:txBody>
+      </p:sp>
+    </p:spTree>
+    <p:extLst>
+      <p:ext uri="{BB962C8B-B14F-4D97-AF65-F5344CB8AC3E}">
+        <p14:creationId xmlns:p14="http://schemas.microsoft.com/office/powerpoint/2010/main" val="1789706221"/>
+      </p:ext>
+    </p:extLst>
+  </p:cSld>
+  <p:clrMapOvr>
+    <a:masterClrMapping/>
+  </p:clrMapOvr>
+</p:notes>
+</file>
+
+<file path=ppt/notesSlides/notesSlide3.xml><?xml version="1.0" encoding="utf-8"?>
+<p:notes xmlns:a="http://schemas.openxmlformats.org/drawingml/2006/main" xmlns:r="http://schemas.openxmlformats.org/officeDocument/2006/relationships" xmlns:p="http://schemas.openxmlformats.org/presentationml/2006/main">
+  <p:cSld>
+    <p:spTree>
+      <p:nvGrpSpPr>
+        <p:cNvPr id="1" name=""/>
+        <p:cNvGrpSpPr/>
+        <p:nvPr/>
+      </p:nvGrpSpPr>
+      <p:grpSpPr>
+        <a:xfrm>
+          <a:off x="0" y="0"/>
+          <a:ext cx="0" cy="0"/>
+          <a:chOff x="0" y="0"/>
+          <a:chExt cx="0" cy="0"/>
+        </a:xfrm>
+      </p:grpSpPr>
+      <p:sp>
+        <p:nvSpPr>
+          <p:cNvPr id="2" name="Slide Image Placeholder 1"/>
+          <p:cNvSpPr>
+            <a:spLocks noGrp="1" noRot="1" noChangeAspect="1"/>
+          </p:cNvSpPr>
+          <p:nvPr>
+            <p:ph type="sldImg"/>
+          </p:nvPr>
+        </p:nvSpPr>
+        <p:spPr/>
+      </p:sp>
+      <p:sp>
+        <p:nvSpPr>
+          <p:cNvPr id="3" name="Notes Placeholder 2"/>
+          <p:cNvSpPr>
+            <a:spLocks noGrp="1"/>
+          </p:cNvSpPr>
+          <p:nvPr>
+            <p:ph type="body" idx="1"/>
+          </p:nvPr>
+        </p:nvSpPr>
+        <p:spPr/>
+        <p:txBody>
+          <a:bodyPr/>
+          <a:lstStyle/>
+          <a:p>
             <a:pPr marL="0" marR="0" lvl="0" indent="0" algn="l" defTabSz="914400" rtl="0" eaLnBrk="1" fontAlgn="auto" latinLnBrk="0" hangingPunct="1">
               <a:lnSpc>
                 <a:spcPct val="100000"/>
@@ -2955,6 +3039,90 @@
     <p:extLst>
       <p:ext uri="{BB962C8B-B14F-4D97-AF65-F5344CB8AC3E}">
         <p14:creationId xmlns:p14="http://schemas.microsoft.com/office/powerpoint/2010/main" val="1703229467"/>
+      </p:ext>
+    </p:extLst>
+  </p:cSld>
+  <p:clrMapOvr>
+    <a:masterClrMapping/>
+  </p:clrMapOvr>
+</p:notes>
+</file>
+
+<file path=ppt/notesSlides/notesSlide4.xml><?xml version="1.0" encoding="utf-8"?>
+<p:notes xmlns:a="http://schemas.openxmlformats.org/drawingml/2006/main" xmlns:r="http://schemas.openxmlformats.org/officeDocument/2006/relationships" xmlns:p="http://schemas.openxmlformats.org/presentationml/2006/main">
+  <p:cSld>
+    <p:spTree>
+      <p:nvGrpSpPr>
+        <p:cNvPr id="1" name=""/>
+        <p:cNvGrpSpPr/>
+        <p:nvPr/>
+      </p:nvGrpSpPr>
+      <p:grpSpPr>
+        <a:xfrm>
+          <a:off x="0" y="0"/>
+          <a:ext cx="0" cy="0"/>
+          <a:chOff x="0" y="0"/>
+          <a:chExt cx="0" cy="0"/>
+        </a:xfrm>
+      </p:grpSpPr>
+      <p:sp>
+        <p:nvSpPr>
+          <p:cNvPr id="2" name="Slide Image Placeholder 1"/>
+          <p:cNvSpPr>
+            <a:spLocks noGrp="1" noRot="1" noChangeAspect="1"/>
+          </p:cNvSpPr>
+          <p:nvPr>
+            <p:ph type="sldImg"/>
+          </p:nvPr>
+        </p:nvSpPr>
+        <p:spPr/>
+      </p:sp>
+      <p:sp>
+        <p:nvSpPr>
+          <p:cNvPr id="3" name="Notes Placeholder 2"/>
+          <p:cNvSpPr>
+            <a:spLocks noGrp="1"/>
+          </p:cNvSpPr>
+          <p:nvPr>
+            <p:ph type="body" idx="1"/>
+          </p:nvPr>
+        </p:nvSpPr>
+        <p:spPr/>
+        <p:txBody>
+          <a:bodyPr/>
+          <a:lstStyle/>
+          <a:p>
+            <a:endParaRPr lang="sv-SE" dirty="0"/>
+          </a:p>
+        </p:txBody>
+      </p:sp>
+      <p:sp>
+        <p:nvSpPr>
+          <p:cNvPr id="4" name="Slide Number Placeholder 3"/>
+          <p:cNvSpPr>
+            <a:spLocks noGrp="1"/>
+          </p:cNvSpPr>
+          <p:nvPr>
+            <p:ph type="sldNum" sz="quarter" idx="5"/>
+          </p:nvPr>
+        </p:nvSpPr>
+        <p:spPr/>
+        <p:txBody>
+          <a:bodyPr/>
+          <a:lstStyle/>
+          <a:p>
+            <a:fld id="{D1ABA2CB-342C-46F9-95EC-88F4F68DF547}" type="slidenum">
+              <a:rPr lang="en-US" smtClean="0"/>
+              <a:t>6</a:t>
+            </a:fld>
+            <a:endParaRPr lang="en-US"/>
+          </a:p>
+        </p:txBody>
+      </p:sp>
+    </p:spTree>
+    <p:extLst>
+      <p:ext uri="{BB962C8B-B14F-4D97-AF65-F5344CB8AC3E}">
+        <p14:creationId xmlns:p14="http://schemas.microsoft.com/office/powerpoint/2010/main" val="501550754"/>
       </p:ext>
     </p:extLst>
   </p:cSld>
@@ -3111,7 +3279,7 @@
           <a:p>
             <a:fld id="{3E3C2F32-47E1-4D90-8C64-89D7BCB0B356}" type="datetimeFigureOut">
               <a:rPr lang="en-US" smtClean="0"/>
-              <a:t>12/9/2019</a:t>
+              <a:t>12/10/2019</a:t>
             </a:fld>
             <a:endParaRPr lang="en-US"/>
           </a:p>
@@ -3309,7 +3477,7 @@
           <a:p>
             <a:fld id="{3E3C2F32-47E1-4D90-8C64-89D7BCB0B356}" type="datetimeFigureOut">
               <a:rPr lang="en-US" smtClean="0"/>
-              <a:t>12/9/2019</a:t>
+              <a:t>12/10/2019</a:t>
             </a:fld>
             <a:endParaRPr lang="en-US"/>
           </a:p>
@@ -3517,7 +3685,7 @@
           <a:p>
             <a:fld id="{3E3C2F32-47E1-4D90-8C64-89D7BCB0B356}" type="datetimeFigureOut">
               <a:rPr lang="en-US" smtClean="0"/>
-              <a:t>12/9/2019</a:t>
+              <a:t>12/10/2019</a:t>
             </a:fld>
             <a:endParaRPr lang="en-US"/>
           </a:p>
@@ -3715,7 +3883,7 @@
           <a:p>
             <a:fld id="{3E3C2F32-47E1-4D90-8C64-89D7BCB0B356}" type="datetimeFigureOut">
               <a:rPr lang="en-US" smtClean="0"/>
-              <a:t>12/9/2019</a:t>
+              <a:t>12/10/2019</a:t>
             </a:fld>
             <a:endParaRPr lang="en-US"/>
           </a:p>
@@ -3990,7 +4158,7 @@
           <a:p>
             <a:fld id="{3E3C2F32-47E1-4D90-8C64-89D7BCB0B356}" type="datetimeFigureOut">
               <a:rPr lang="en-US" smtClean="0"/>
-              <a:t>12/9/2019</a:t>
+              <a:t>12/10/2019</a:t>
             </a:fld>
             <a:endParaRPr lang="en-US"/>
           </a:p>
@@ -4255,7 +4423,7 @@
           <a:p>
             <a:fld id="{3E3C2F32-47E1-4D90-8C64-89D7BCB0B356}" type="datetimeFigureOut">
               <a:rPr lang="en-US" smtClean="0"/>
-              <a:t>12/9/2019</a:t>
+              <a:t>12/10/2019</a:t>
             </a:fld>
             <a:endParaRPr lang="en-US"/>
           </a:p>
@@ -4667,7 +4835,7 @@
           <a:p>
             <a:fld id="{3E3C2F32-47E1-4D90-8C64-89D7BCB0B356}" type="datetimeFigureOut">
               <a:rPr lang="en-US" smtClean="0"/>
-              <a:t>12/9/2019</a:t>
+              <a:t>12/10/2019</a:t>
             </a:fld>
             <a:endParaRPr lang="en-US"/>
           </a:p>
@@ -4808,7 +4976,7 @@
           <a:p>
             <a:fld id="{3E3C2F32-47E1-4D90-8C64-89D7BCB0B356}" type="datetimeFigureOut">
               <a:rPr lang="en-US" smtClean="0"/>
-              <a:t>12/9/2019</a:t>
+              <a:t>12/10/2019</a:t>
             </a:fld>
             <a:endParaRPr lang="en-US"/>
           </a:p>
@@ -4921,7 +5089,7 @@
           <a:p>
             <a:fld id="{3E3C2F32-47E1-4D90-8C64-89D7BCB0B356}" type="datetimeFigureOut">
               <a:rPr lang="en-US" smtClean="0"/>
-              <a:t>12/9/2019</a:t>
+              <a:t>12/10/2019</a:t>
             </a:fld>
             <a:endParaRPr lang="en-US"/>
           </a:p>
@@ -5232,7 +5400,7 @@
           <a:p>
             <a:fld id="{3E3C2F32-47E1-4D90-8C64-89D7BCB0B356}" type="datetimeFigureOut">
               <a:rPr lang="en-US" smtClean="0"/>
-              <a:t>12/9/2019</a:t>
+              <a:t>12/10/2019</a:t>
             </a:fld>
             <a:endParaRPr lang="en-US"/>
           </a:p>
@@ -5520,7 +5688,7 @@
           <a:p>
             <a:fld id="{3E3C2F32-47E1-4D90-8C64-89D7BCB0B356}" type="datetimeFigureOut">
               <a:rPr lang="en-US" smtClean="0"/>
-              <a:t>12/9/2019</a:t>
+              <a:t>12/10/2019</a:t>
             </a:fld>
             <a:endParaRPr lang="en-US"/>
           </a:p>
@@ -5761,7 +5929,7 @@
           <a:p>
             <a:fld id="{3E3C2F32-47E1-4D90-8C64-89D7BCB0B356}" type="datetimeFigureOut">
               <a:rPr lang="en-US" smtClean="0"/>
-              <a:t>12/9/2019</a:t>
+              <a:t>12/10/2019</a:t>
             </a:fld>
             <a:endParaRPr lang="en-US"/>
           </a:p>
@@ -6552,6 +6720,22 @@
             </a:r>
           </a:p>
           <a:p>
+            <a:pPr fontAlgn="ctr"/>
+            <a:r>
+              <a:rPr lang="en-US" sz="2400" dirty="0"/>
+              <a:t>Move your subscription to App1 Management Group</a:t>
+            </a:r>
+          </a:p>
+          <a:p>
+            <a:pPr marL="0" indent="0" algn="ctr">
+              <a:buNone/>
+            </a:pPr>
+            <a:endParaRPr lang="en-US" sz="2400" dirty="0"/>
+          </a:p>
+          <a:p>
+            <a:pPr marL="0" indent="0" algn="ctr">
+              <a:buNone/>
+            </a:pPr>
             <a:r>
               <a:rPr lang="en-US" sz="2400" dirty="0"/>
               <a:t>Good luck!</a:t>
@@ -6711,6 +6895,18 @@
             </a:r>
           </a:p>
           <a:p>
+            <a:pPr lvl="1" fontAlgn="ctr"/>
+            <a:r>
+              <a:rPr lang="en-US" sz="2000" dirty="0">
+                <a:highlight>
+                  <a:srgbClr val="FFFF00"/>
+                </a:highlight>
+              </a:rPr>
+              <a:t>Note: json for policy can be found at the link below</a:t>
+            </a:r>
+            <a:endParaRPr lang="en-US" sz="2000" dirty="0"/>
+          </a:p>
+          <a:p>
             <a:pPr fontAlgn="ctr"/>
             <a:r>
               <a:rPr lang="en-US" sz="2000" dirty="0"/>
@@ -6718,10 +6914,37 @@
             </a:r>
           </a:p>
           <a:p>
+            <a:pPr marL="0" indent="0" algn="ctr">
+              <a:buNone/>
+            </a:pPr>
             <a:r>
               <a:rPr lang="en-US" sz="2000" dirty="0"/>
               <a:t>Good luck!</a:t>
             </a:r>
+          </a:p>
+          <a:p>
+            <a:endParaRPr lang="en-US" sz="2000" dirty="0"/>
+          </a:p>
+          <a:p>
+            <a:pPr marL="0" indent="0" algn="ctr">
+              <a:buNone/>
+            </a:pPr>
+            <a:r>
+              <a:rPr lang="en-US" sz="4800" dirty="0"/>
+              <a:t>Resources:</a:t>
+            </a:r>
+          </a:p>
+          <a:p>
+            <a:pPr marL="0" indent="0" algn="ctr">
+              <a:buNone/>
+            </a:pPr>
+            <a:r>
+              <a:rPr lang="sv-SE" sz="4800" dirty="0">
+                <a:hlinkClick r:id="rId3"/>
+              </a:rPr>
+              <a:t>http://aka.ms/mtcsto/ws</a:t>
+            </a:r>
+            <a:endParaRPr lang="en-US" sz="4800" dirty="0"/>
           </a:p>
         </p:txBody>
       </p:sp>
@@ -6841,7 +7064,7 @@
         <p:spPr>
           <a:xfrm>
             <a:off x="374984" y="1567543"/>
-            <a:ext cx="10848073" cy="3785652"/>
+            <a:ext cx="10848073" cy="5632311"/>
           </a:xfrm>
           <a:prstGeom prst="rect">
             <a:avLst/>
@@ -6890,7 +7113,7 @@
             </a:pPr>
             <a:r>
               <a:rPr lang="en-US" sz="2400" dirty="0"/>
-              <a:t>Resource Group</a:t>
+              <a:t>A Resource Group</a:t>
             </a:r>
           </a:p>
           <a:p>
@@ -6914,8 +7137,12 @@
               <a:rPr lang="en-US" sz="2400" dirty="0"/>
             </a:br>
             <a:r>
-              <a:rPr lang="en-US" sz="2400" dirty="0"/>
-              <a:t>Note: Json for template is in the notes on this slide</a:t>
+              <a:rPr lang="en-US" sz="2400" dirty="0">
+                <a:highlight>
+                  <a:srgbClr val="FFFF00"/>
+                </a:highlight>
+              </a:rPr>
+              <a:t>Note: json for template can be found at the link below</a:t>
             </a:r>
           </a:p>
           <a:p>
@@ -6935,11 +7162,19 @@
             </a:pPr>
             <a:r>
               <a:rPr lang="en-US" sz="2400" dirty="0"/>
-              <a:t>Add a description, publish and assign this Blueprint to the Free Trial Subscription.  Make sure to use the App1DevAccess Group for role assignment Contributor.  Set Tag Name to </a:t>
+              <a:t>Add a description, publish and assign this Blueprint to the Free Trial Subscription.  Use </a:t>
+            </a:r>
+            <a:r>
+              <a:rPr lang="en-US" sz="2400"/>
+              <a:t>an existing group </a:t>
+            </a:r>
+            <a:r>
+              <a:rPr lang="en-US" sz="2400" dirty="0"/>
+              <a:t>for role assignment Contributor.  Set Tag Name to </a:t>
             </a:r>
             <a:r>
               <a:rPr lang="en-US" sz="2400" dirty="0" err="1"/>
-              <a:t>CostCenter</a:t>
+              <a:t>costCenter</a:t>
             </a:r>
             <a:r>
               <a:rPr lang="en-US" sz="2400" dirty="0"/>
@@ -6953,6 +7188,27 @@
               <a:rPr lang="en-US" sz="2400" dirty="0"/>
               <a:t>.</a:t>
             </a:r>
+          </a:p>
+          <a:p>
+            <a:pPr algn="ctr"/>
+            <a:r>
+              <a:rPr lang="en-US" sz="4800" dirty="0"/>
+              <a:t>Resources:</a:t>
+            </a:r>
+          </a:p>
+          <a:p>
+            <a:pPr algn="ctr"/>
+            <a:r>
+              <a:rPr lang="sv-SE" sz="4800" dirty="0">
+                <a:hlinkClick r:id="rId3"/>
+              </a:rPr>
+              <a:t>http://aka.ms/mtcsto/ws</a:t>
+            </a:r>
+            <a:endParaRPr lang="en-US" sz="4800" dirty="0"/>
+          </a:p>
+          <a:p>
+            <a:pPr lvl="1"/>
+            <a:endParaRPr lang="en-US" sz="2400" dirty="0"/>
           </a:p>
         </p:txBody>
       </p:sp>
@@ -7110,6 +7366,14 @@
 <file path=ppt/slides/slide6.xml><?xml version="1.0" encoding="utf-8"?>
 <p:sld xmlns:a="http://schemas.openxmlformats.org/drawingml/2006/main" xmlns:r="http://schemas.openxmlformats.org/officeDocument/2006/relationships" xmlns:p="http://schemas.openxmlformats.org/presentationml/2006/main">
   <p:cSld>
+    <p:bg>
+      <p:bgPr>
+        <a:solidFill>
+          <a:schemeClr val="bg1"/>
+        </a:solidFill>
+        <a:effectLst/>
+      </p:bgPr>
+    </p:bg>
     <p:spTree>
       <p:nvGrpSpPr>
         <p:cNvPr id="1" name=""/>
@@ -7126,6 +7390,100 @@
       </p:grpSpPr>
       <p:sp>
         <p:nvSpPr>
+          <p:cNvPr id="8" name="Rectangle 7">
+            <a:extLst>
+              <a:ext uri="{FF2B5EF4-FFF2-40B4-BE49-F238E27FC236}">
+                <a16:creationId xmlns:a16="http://schemas.microsoft.com/office/drawing/2014/main" id="{823AC064-BC96-4F32-8AE1-B2FD38754823}"/>
+              </a:ext>
+              <a:ext uri="{C183D7F6-B498-43B3-948B-1728B52AA6E4}">
+                <adec:decorative xmlns:adec="http://schemas.microsoft.com/office/drawing/2017/decorative" val="1"/>
+              </a:ext>
+            </a:extLst>
+          </p:cNvPr>
+          <p:cNvSpPr>
+            <a:spLocks noGrp="1" noRot="1" noChangeAspect="1" noMove="1" noResize="1" noEditPoints="1" noAdjustHandles="1" noChangeArrowheads="1" noChangeShapeType="1" noTextEdit="1"/>
+          </p:cNvSpPr>
+          <p:nvPr>
+            <p:extLst>
+              <p:ext uri="{386F3935-93C4-4BCD-93E2-E3B085C9AB24}">
+                <p16:designElem xmlns:p16="http://schemas.microsoft.com/office/powerpoint/2015/main" val="1"/>
+              </p:ext>
+            </p:extLst>
+          </p:nvPr>
+        </p:nvSpPr>
+        <p:spPr bwMode="ltGray">
+          <a:xfrm>
+            <a:off x="378068" y="343486"/>
+            <a:ext cx="11438793" cy="1844256"/>
+          </a:xfrm>
+          <a:prstGeom prst="rect">
+            <a:avLst/>
+          </a:prstGeom>
+          <a:solidFill>
+            <a:srgbClr val="404040"/>
+          </a:solidFill>
+          <a:ln w="127000" cap="sq" cmpd="thinThick">
+            <a:solidFill>
+              <a:srgbClr val="404040"/>
+            </a:solidFill>
+          </a:ln>
+        </p:spPr>
+        <p:style>
+          <a:lnRef idx="2">
+            <a:schemeClr val="accent1">
+              <a:shade val="50000"/>
+            </a:schemeClr>
+          </a:lnRef>
+          <a:fillRef idx="1">
+            <a:schemeClr val="accent1"/>
+          </a:fillRef>
+          <a:effectRef idx="0">
+            <a:schemeClr val="accent1"/>
+          </a:effectRef>
+          <a:fontRef idx="minor">
+            <a:schemeClr val="lt1"/>
+          </a:fontRef>
+        </p:style>
+        <p:txBody>
+          <a:bodyPr rtlCol="0" anchor="ctr"/>
+          <a:lstStyle/>
+          <a:p>
+            <a:pPr marL="0" marR="0" lvl="0" indent="0" algn="ctr" defTabSz="914400" rtl="0" eaLnBrk="1" fontAlgn="auto" latinLnBrk="0" hangingPunct="1">
+              <a:lnSpc>
+                <a:spcPct val="100000"/>
+              </a:lnSpc>
+              <a:spcBef>
+                <a:spcPts val="0"/>
+              </a:spcBef>
+              <a:spcAft>
+                <a:spcPts val="0"/>
+              </a:spcAft>
+              <a:buClrTx/>
+              <a:buSzTx/>
+              <a:buFontTx/>
+              <a:buNone/>
+              <a:tabLst/>
+              <a:defRPr/>
+            </a:pPr>
+            <a:endParaRPr kumimoji="0" lang="en-US" sz="1800" b="0" i="0" u="none" strike="noStrike" kern="1200" cap="none" spc="0" normalizeH="0" baseline="0" noProof="0">
+              <a:ln>
+                <a:noFill/>
+              </a:ln>
+              <a:solidFill>
+                <a:prstClr val="white"/>
+              </a:solidFill>
+              <a:effectLst/>
+              <a:uLnTx/>
+              <a:uFillTx/>
+              <a:latin typeface="Calibri" panose="020F0502020204030204"/>
+              <a:ea typeface="+mn-ea"/>
+              <a:cs typeface="+mn-cs"/>
+            </a:endParaRPr>
+          </a:p>
+        </p:txBody>
+      </p:sp>
+      <p:sp>
+        <p:nvSpPr>
           <p:cNvPr id="2" name="Title 1">
             <a:extLst>
               <a:ext uri="{FF2B5EF4-FFF2-40B4-BE49-F238E27FC236}">
@@ -7140,24 +7498,91 @@
             <p:ph type="title"/>
           </p:nvPr>
         </p:nvSpPr>
-        <p:spPr/>
-        <p:txBody>
-          <a:bodyPr/>
+        <p:spPr>
+          <a:xfrm>
+            <a:off x="526073" y="466578"/>
+            <a:ext cx="11139854" cy="930447"/>
+          </a:xfrm>
+        </p:spPr>
+        <p:txBody>
+          <a:bodyPr vert="horz" lIns="91440" tIns="45720" rIns="91440" bIns="45720" rtlCol="0" anchor="b">
+            <a:normAutofit/>
+          </a:bodyPr>
           <a:lstStyle/>
           <a:p>
-            <a:r>
-              <a:rPr lang="en-US"/>
+            <a:pPr algn="ctr"/>
+            <a:r>
+              <a:rPr lang="en-US" sz="5400" kern="1200">
+                <a:solidFill>
+                  <a:srgbClr val="FFFFFF"/>
+                </a:solidFill>
+                <a:latin typeface="+mj-lt"/>
+                <a:ea typeface="+mj-ea"/>
+                <a:cs typeface="+mj-cs"/>
+              </a:rPr>
               <a:t>Blueprint Challenge Screenshot</a:t>
             </a:r>
           </a:p>
         </p:txBody>
       </p:sp>
+      <p:cxnSp>
+        <p:nvCxnSpPr>
+          <p:cNvPr id="10" name="Straight Connector 9">
+            <a:extLst>
+              <a:ext uri="{FF2B5EF4-FFF2-40B4-BE49-F238E27FC236}">
+                <a16:creationId xmlns:a16="http://schemas.microsoft.com/office/drawing/2014/main" id="{7E7C77BC-7138-40B1-A15B-20F57A494629}"/>
+              </a:ext>
+              <a:ext uri="{C183D7F6-B498-43B3-948B-1728B52AA6E4}">
+                <adec:decorative xmlns:adec="http://schemas.microsoft.com/office/drawing/2017/decorative" val="1"/>
+              </a:ext>
+            </a:extLst>
+          </p:cNvPr>
+          <p:cNvCxnSpPr>
+            <a:cxnSpLocks noGrp="1" noRot="1" noChangeAspect="1" noMove="1" noResize="1" noEditPoints="1" noAdjustHandles="1" noChangeArrowheads="1" noChangeShapeType="1"/>
+          </p:cNvCxnSpPr>
+          <p:nvPr>
+            <p:extLst>
+              <p:ext uri="{386F3935-93C4-4BCD-93E2-E3B085C9AB24}">
+                <p16:designElem xmlns:p16="http://schemas.microsoft.com/office/powerpoint/2015/main" val="1"/>
+              </p:ext>
+            </p:extLst>
+          </p:nvPr>
+        </p:nvCxnSpPr>
+        <p:spPr>
+          <a:xfrm>
+            <a:off x="2209800" y="1448631"/>
+            <a:ext cx="7772400" cy="0"/>
+          </a:xfrm>
+          <a:prstGeom prst="line">
+            <a:avLst/>
+          </a:prstGeom>
+          <a:ln w="22225">
+            <a:solidFill>
+              <a:srgbClr val="D9D9D9"/>
+            </a:solidFill>
+          </a:ln>
+        </p:spPr>
+        <p:style>
+          <a:lnRef idx="1">
+            <a:schemeClr val="accent1"/>
+          </a:lnRef>
+          <a:fillRef idx="0">
+            <a:schemeClr val="accent1"/>
+          </a:fillRef>
+          <a:effectRef idx="0">
+            <a:schemeClr val="accent1"/>
+          </a:effectRef>
+          <a:fontRef idx="minor">
+            <a:schemeClr val="tx1"/>
+          </a:fontRef>
+        </p:style>
+      </p:cxnSp>
       <p:pic>
         <p:nvPicPr>
-          <p:cNvPr id="4" name="Picture 3">
+          <p:cNvPr id="3" name="Picture 2">
             <a:extLst>
               <a:ext uri="{FF2B5EF4-FFF2-40B4-BE49-F238E27FC236}">
-                <a16:creationId xmlns:a16="http://schemas.microsoft.com/office/drawing/2014/main" id="{12756FAA-0850-4621-9C2C-7645F07A4A85}"/>
+                <a16:creationId xmlns:a16="http://schemas.microsoft.com/office/drawing/2014/main" id="{BAF77C2B-77B5-4FBD-9AF6-D09D2074FE80}"/>
               </a:ext>
             </a:extLst>
           </p:cNvPr>
@@ -7167,15 +7592,15 @@
           <p:nvPr/>
         </p:nvPicPr>
         <p:blipFill>
-          <a:blip r:embed="rId2"/>
+          <a:blip r:embed="rId3"/>
           <a:stretch>
             <a:fillRect/>
           </a:stretch>
         </p:blipFill>
         <p:spPr>
           <a:xfrm>
-            <a:off x="838200" y="1619073"/>
-            <a:ext cx="10303157" cy="4329340"/>
+            <a:off x="320040" y="2827319"/>
+            <a:ext cx="11496821" cy="3362821"/>
           </a:xfrm>
           <a:prstGeom prst="rect">
             <a:avLst/>
@@ -7284,6 +7709,15 @@
             </a:r>
           </a:p>
           <a:p>
+            <a:pPr marL="0" indent="0" algn="ctr">
+              <a:buNone/>
+            </a:pPr>
+            <a:endParaRPr lang="en-US" dirty="0"/>
+          </a:p>
+          <a:p>
+            <a:pPr marL="0" indent="0" algn="ctr">
+              <a:buNone/>
+            </a:pPr>
             <a:r>
               <a:rPr lang="en-US" dirty="0"/>
               <a:t>Good luck</a:t>
@@ -7371,13 +7805,13 @@
         <p:spPr/>
         <p:txBody>
           <a:bodyPr vert="horz" lIns="91440" tIns="45720" rIns="91440" bIns="45720" rtlCol="0" anchor="t">
-            <a:normAutofit/>
+            <a:normAutofit lnSpcReduction="10000"/>
           </a:bodyPr>
           <a:lstStyle/>
           <a:p>
             <a:r>
               <a:rPr lang="en-US" dirty="0"/>
-              <a:t>Using Resource Graph Explorer (preview)</a:t>
+              <a:t>Using Resource Graph Explorer</a:t>
             </a:r>
           </a:p>
           <a:p>
@@ -7400,16 +7834,49 @@
           <a:p>
             <a:r>
               <a:rPr lang="en-US" dirty="0"/>
-              <a:t>List the distinct values of compute size in the Free Trial Subscription</a:t>
-            </a:r>
-          </a:p>
-          <a:p>
+              <a:t>List the distinct values of compute size in your Subscription</a:t>
+            </a:r>
+          </a:p>
+          <a:p>
+            <a:pPr marL="0" indent="0" algn="ctr">
+              <a:buNone/>
+            </a:pPr>
+            <a:endParaRPr lang="en-US" dirty="0"/>
+          </a:p>
+          <a:p>
+            <a:pPr marL="0" indent="0" algn="ctr">
+              <a:buNone/>
+            </a:pPr>
             <a:r>
               <a:rPr lang="en-US" dirty="0"/>
               <a:t>Good luck</a:t>
             </a:r>
           </a:p>
           <a:p>
+            <a:pPr marL="0" indent="0" algn="ctr">
+              <a:buNone/>
+            </a:pPr>
+            <a:r>
+              <a:rPr lang="en-US" dirty="0"/>
+              <a:t>Hints:</a:t>
+            </a:r>
+          </a:p>
+          <a:p>
+            <a:pPr marL="0" indent="0" algn="ctr">
+              <a:buNone/>
+            </a:pPr>
+            <a:r>
+              <a:rPr lang="sv-SE" dirty="0">
+                <a:hlinkClick r:id="rId2"/>
+              </a:rPr>
+              <a:t>https://docs.microsoft.com/en-us/azure/governance/resource-graph/samples/starter</a:t>
+            </a:r>
+            <a:endParaRPr lang="sv-SE" dirty="0"/>
+          </a:p>
+          <a:p>
+            <a:pPr marL="0" indent="0" algn="ctr">
+              <a:buNone/>
+            </a:pPr>
             <a:endParaRPr lang="en-US" dirty="0"/>
           </a:p>
         </p:txBody>
@@ -8299,21 +8766,6 @@
 </file>
 
 <file path=customXml/item1.xml><?xml version="1.0" encoding="utf-8"?>
-<?mso-contentType ?>
-<FormTemplates xmlns="http://schemas.microsoft.com/sharepoint/v3/contenttype/forms">
-  <Display>DocumentLibraryForm</Display>
-  <Edit>DocumentLibraryForm</Edit>
-  <New>DocumentLibraryForm</New>
-</FormTemplates>
-</file>
-
-<file path=customXml/item2.xml><?xml version="1.0" encoding="utf-8"?>
-<p:properties xmlns:p="http://schemas.microsoft.com/office/2006/metadata/properties" xmlns:xsi="http://www.w3.org/2001/XMLSchema-instance" xmlns:pc="http://schemas.microsoft.com/office/infopath/2007/PartnerControls">
-  <documentManagement/>
-</p:properties>
-</file>
-
-<file path=customXml/item3.xml><?xml version="1.0" encoding="utf-8"?>
 <ct:contentTypeSchema xmlns:ct="http://schemas.microsoft.com/office/2006/metadata/contentType" xmlns:ma="http://schemas.microsoft.com/office/2006/metadata/properties/metaAttributes" ct:_="" ma:_="" ma:contentTypeName="Document" ma:contentTypeID="0x010100B805CA1546A9EF4D874C41813FBCFE77" ma:contentTypeVersion="0" ma:contentTypeDescription="Create a new document." ma:contentTypeScope="" ma:versionID="c9aa000eea19acce3b3ed41d1e1eb400">
   <xsd:schema xmlns:xsd="http://www.w3.org/2001/XMLSchema" xmlns:xs="http://www.w3.org/2001/XMLSchema" xmlns:p="http://schemas.microsoft.com/office/2006/metadata/properties" targetNamespace="http://schemas.microsoft.com/office/2006/metadata/properties" ma:root="true" ma:fieldsID="28e93d0e610ade8792d1bdc0e02464c8">
     <xsd:element name="properties">
@@ -8427,10 +8879,33 @@
 </ct:contentTypeSchema>
 </file>
 
+<file path=customXml/item2.xml><?xml version="1.0" encoding="utf-8"?>
+<p:properties xmlns:p="http://schemas.microsoft.com/office/2006/metadata/properties" xmlns:xsi="http://www.w3.org/2001/XMLSchema-instance" xmlns:pc="http://schemas.microsoft.com/office/infopath/2007/PartnerControls">
+  <documentManagement/>
+</p:properties>
+</file>
+
+<file path=customXml/item3.xml><?xml version="1.0" encoding="utf-8"?>
+<?mso-contentType ?>
+<FormTemplates xmlns="http://schemas.microsoft.com/sharepoint/v3/contenttype/forms">
+  <Display>DocumentLibraryForm</Display>
+  <Edit>DocumentLibraryForm</Edit>
+  <New>DocumentLibraryForm</New>
+</FormTemplates>
+</file>
+
 <file path=customXml/itemProps1.xml><?xml version="1.0" encoding="utf-8"?>
-<ds:datastoreItem xmlns:ds="http://schemas.openxmlformats.org/officeDocument/2006/customXml" ds:itemID="{B0E0D0C5-8FBD-4F03-9B80-A8C6BB21FC66}">
+<ds:datastoreItem xmlns:ds="http://schemas.openxmlformats.org/officeDocument/2006/customXml" ds:itemID="{207A3D48-3576-4080-9DEA-24F2312CB1E3}">
   <ds:schemaRefs>
-    <ds:schemaRef ds:uri="http://schemas.microsoft.com/sharepoint/v3/contenttype/forms"/>
+    <ds:schemaRef ds:uri="http://schemas.microsoft.com/office/2006/metadata/contentType"/>
+    <ds:schemaRef ds:uri="http://schemas.microsoft.com/office/2006/metadata/properties/metaAttributes"/>
+    <ds:schemaRef ds:uri="http://www.w3.org/2001/XMLSchema"/>
+    <ds:schemaRef ds:uri="http://schemas.microsoft.com/office/2006/metadata/properties"/>
+    <ds:schemaRef ds:uri="http://schemas.openxmlformats.org/package/2006/metadata/core-properties"/>
+    <ds:schemaRef ds:uri="http://purl.org/dc/elements/1.1/"/>
+    <ds:schemaRef ds:uri="http://purl.org/dc/terms/"/>
+    <ds:schemaRef ds:uri="http://schemas.microsoft.com/internal/obd"/>
+    <ds:schemaRef ds:uri="http://schemas.microsoft.com/office/infopath/2007/PartnerControls"/>
   </ds:schemaRefs>
 </ds:datastoreItem>
 </file>
@@ -8451,17 +8926,9 @@
 </file>
 
 <file path=customXml/itemProps3.xml><?xml version="1.0" encoding="utf-8"?>
-<ds:datastoreItem xmlns:ds="http://schemas.openxmlformats.org/officeDocument/2006/customXml" ds:itemID="{207A3D48-3576-4080-9DEA-24F2312CB1E3}">
+<ds:datastoreItem xmlns:ds="http://schemas.openxmlformats.org/officeDocument/2006/customXml" ds:itemID="{B0E0D0C5-8FBD-4F03-9B80-A8C6BB21FC66}">
   <ds:schemaRefs>
-    <ds:schemaRef ds:uri="http://schemas.microsoft.com/office/2006/metadata/contentType"/>
-    <ds:schemaRef ds:uri="http://schemas.microsoft.com/office/2006/metadata/properties/metaAttributes"/>
-    <ds:schemaRef ds:uri="http://www.w3.org/2001/XMLSchema"/>
-    <ds:schemaRef ds:uri="http://schemas.microsoft.com/office/2006/metadata/properties"/>
-    <ds:schemaRef ds:uri="http://schemas.openxmlformats.org/package/2006/metadata/core-properties"/>
-    <ds:schemaRef ds:uri="http://purl.org/dc/elements/1.1/"/>
-    <ds:schemaRef ds:uri="http://purl.org/dc/terms/"/>
-    <ds:schemaRef ds:uri="http://schemas.microsoft.com/internal/obd"/>
-    <ds:schemaRef ds:uri="http://schemas.microsoft.com/office/infopath/2007/PartnerControls"/>
+    <ds:schemaRef ds:uri="http://schemas.microsoft.com/sharepoint/v3/contenttype/forms"/>
   </ds:schemaRefs>
 </ds:datastoreItem>
 </file>
--- a/Azure Governance Hack.pptx
+++ b/Azure Governance Hack.pptx
@@ -1021,7 +1021,7 @@
           <a:p>
             <a:fld id="{53D76E38-EB4B-425D-87E0-B33791D2CD91}" type="datetimeFigureOut">
               <a:rPr lang="en-US" smtClean="0"/>
-              <a:t>12/10/2019</a:t>
+              <a:t>12/11/2019</a:t>
             </a:fld>
             <a:endParaRPr lang="en-US"/>
           </a:p>
@@ -3279,7 +3279,7 @@
           <a:p>
             <a:fld id="{3E3C2F32-47E1-4D90-8C64-89D7BCB0B356}" type="datetimeFigureOut">
               <a:rPr lang="en-US" smtClean="0"/>
-              <a:t>12/10/2019</a:t>
+              <a:t>12/11/2019</a:t>
             </a:fld>
             <a:endParaRPr lang="en-US"/>
           </a:p>
@@ -3477,7 +3477,7 @@
           <a:p>
             <a:fld id="{3E3C2F32-47E1-4D90-8C64-89D7BCB0B356}" type="datetimeFigureOut">
               <a:rPr lang="en-US" smtClean="0"/>
-              <a:t>12/10/2019</a:t>
+              <a:t>12/11/2019</a:t>
             </a:fld>
             <a:endParaRPr lang="en-US"/>
           </a:p>
@@ -3685,7 +3685,7 @@
           <a:p>
             <a:fld id="{3E3C2F32-47E1-4D90-8C64-89D7BCB0B356}" type="datetimeFigureOut">
               <a:rPr lang="en-US" smtClean="0"/>
-              <a:t>12/10/2019</a:t>
+              <a:t>12/11/2019</a:t>
             </a:fld>
             <a:endParaRPr lang="en-US"/>
           </a:p>
@@ -3883,7 +3883,7 @@
           <a:p>
             <a:fld id="{3E3C2F32-47E1-4D90-8C64-89D7BCB0B356}" type="datetimeFigureOut">
               <a:rPr lang="en-US" smtClean="0"/>
-              <a:t>12/10/2019</a:t>
+              <a:t>12/11/2019</a:t>
             </a:fld>
             <a:endParaRPr lang="en-US"/>
           </a:p>
@@ -4158,7 +4158,7 @@
           <a:p>
             <a:fld id="{3E3C2F32-47E1-4D90-8C64-89D7BCB0B356}" type="datetimeFigureOut">
               <a:rPr lang="en-US" smtClean="0"/>
-              <a:t>12/10/2019</a:t>
+              <a:t>12/11/2019</a:t>
             </a:fld>
             <a:endParaRPr lang="en-US"/>
           </a:p>
@@ -4423,7 +4423,7 @@
           <a:p>
             <a:fld id="{3E3C2F32-47E1-4D90-8C64-89D7BCB0B356}" type="datetimeFigureOut">
               <a:rPr lang="en-US" smtClean="0"/>
-              <a:t>12/10/2019</a:t>
+              <a:t>12/11/2019</a:t>
             </a:fld>
             <a:endParaRPr lang="en-US"/>
           </a:p>
@@ -4835,7 +4835,7 @@
           <a:p>
             <a:fld id="{3E3C2F32-47E1-4D90-8C64-89D7BCB0B356}" type="datetimeFigureOut">
               <a:rPr lang="en-US" smtClean="0"/>
-              <a:t>12/10/2019</a:t>
+              <a:t>12/11/2019</a:t>
             </a:fld>
             <a:endParaRPr lang="en-US"/>
           </a:p>
@@ -4976,7 +4976,7 @@
           <a:p>
             <a:fld id="{3E3C2F32-47E1-4D90-8C64-89D7BCB0B356}" type="datetimeFigureOut">
               <a:rPr lang="en-US" smtClean="0"/>
-              <a:t>12/10/2019</a:t>
+              <a:t>12/11/2019</a:t>
             </a:fld>
             <a:endParaRPr lang="en-US"/>
           </a:p>
@@ -5089,7 +5089,7 @@
           <a:p>
             <a:fld id="{3E3C2F32-47E1-4D90-8C64-89D7BCB0B356}" type="datetimeFigureOut">
               <a:rPr lang="en-US" smtClean="0"/>
-              <a:t>12/10/2019</a:t>
+              <a:t>12/11/2019</a:t>
             </a:fld>
             <a:endParaRPr lang="en-US"/>
           </a:p>
@@ -5400,7 +5400,7 @@
           <a:p>
             <a:fld id="{3E3C2F32-47E1-4D90-8C64-89D7BCB0B356}" type="datetimeFigureOut">
               <a:rPr lang="en-US" smtClean="0"/>
-              <a:t>12/10/2019</a:t>
+              <a:t>12/11/2019</a:t>
             </a:fld>
             <a:endParaRPr lang="en-US"/>
           </a:p>
@@ -5688,7 +5688,7 @@
           <a:p>
             <a:fld id="{3E3C2F32-47E1-4D90-8C64-89D7BCB0B356}" type="datetimeFigureOut">
               <a:rPr lang="en-US" smtClean="0"/>
-              <a:t>12/10/2019</a:t>
+              <a:t>12/11/2019</a:t>
             </a:fld>
             <a:endParaRPr lang="en-US"/>
           </a:p>
@@ -5929,7 +5929,7 @@
           <a:p>
             <a:fld id="{3E3C2F32-47E1-4D90-8C64-89D7BCB0B356}" type="datetimeFigureOut">
               <a:rPr lang="en-US" smtClean="0"/>
-              <a:t>12/10/2019</a:t>
+              <a:t>12/11/2019</a:t>
             </a:fld>
             <a:endParaRPr lang="en-US"/>
           </a:p>
@@ -6727,10 +6727,11 @@
             </a:r>
           </a:p>
           <a:p>
-            <a:pPr marL="0" indent="0" algn="ctr">
-              <a:buNone/>
-            </a:pPr>
-            <a:endParaRPr lang="en-US" sz="2400" dirty="0"/>
+            <a:pPr fontAlgn="ctr"/>
+            <a:r>
+              <a:rPr lang="en-US" sz="2400" dirty="0"/>
+              <a:t>Create an AAD group and assign permissions at management group level</a:t>
+            </a:r>
           </a:p>
           <a:p>
             <a:pPr marL="0" indent="0" algn="ctr">
@@ -8766,6 +8767,12 @@
 </file>
 
 <file path=customXml/item1.xml><?xml version="1.0" encoding="utf-8"?>
+<p:properties xmlns:p="http://schemas.microsoft.com/office/2006/metadata/properties" xmlns:xsi="http://www.w3.org/2001/XMLSchema-instance" xmlns:pc="http://schemas.microsoft.com/office/infopath/2007/PartnerControls">
+  <documentManagement/>
+</p:properties>
+</file>
+
+<file path=customXml/item2.xml><?xml version="1.0" encoding="utf-8"?>
 <ct:contentTypeSchema xmlns:ct="http://schemas.microsoft.com/office/2006/metadata/contentType" xmlns:ma="http://schemas.microsoft.com/office/2006/metadata/properties/metaAttributes" ct:_="" ma:_="" ma:contentTypeName="Document" ma:contentTypeID="0x010100B805CA1546A9EF4D874C41813FBCFE77" ma:contentTypeVersion="0" ma:contentTypeDescription="Create a new document." ma:contentTypeScope="" ma:versionID="c9aa000eea19acce3b3ed41d1e1eb400">
   <xsd:schema xmlns:xsd="http://www.w3.org/2001/XMLSchema" xmlns:xs="http://www.w3.org/2001/XMLSchema" xmlns:p="http://schemas.microsoft.com/office/2006/metadata/properties" targetNamespace="http://schemas.microsoft.com/office/2006/metadata/properties" ma:root="true" ma:fieldsID="28e93d0e610ade8792d1bdc0e02464c8">
     <xsd:element name="properties">
@@ -8879,12 +8886,6 @@
 </ct:contentTypeSchema>
 </file>
 
-<file path=customXml/item2.xml><?xml version="1.0" encoding="utf-8"?>
-<p:properties xmlns:p="http://schemas.microsoft.com/office/2006/metadata/properties" xmlns:xsi="http://www.w3.org/2001/XMLSchema-instance" xmlns:pc="http://schemas.microsoft.com/office/infopath/2007/PartnerControls">
-  <documentManagement/>
-</p:properties>
-</file>
-
 <file path=customXml/item3.xml><?xml version="1.0" encoding="utf-8"?>
 <?mso-contentType ?>
 <FormTemplates xmlns="http://schemas.microsoft.com/sharepoint/v3/contenttype/forms">
@@ -8895,6 +8896,21 @@
 </file>
 
 <file path=customXml/itemProps1.xml><?xml version="1.0" encoding="utf-8"?>
+<ds:datastoreItem xmlns:ds="http://schemas.openxmlformats.org/officeDocument/2006/customXml" ds:itemID="{340C701A-5FB1-44EE-9224-D2AB29221C3D}">
+  <ds:schemaRefs>
+    <ds:schemaRef ds:uri="http://purl.org/dc/elements/1.1/"/>
+    <ds:schemaRef ds:uri="http://purl.org/dc/terms/"/>
+    <ds:schemaRef ds:uri="http://schemas.microsoft.com/office/2006/documentManagement/types"/>
+    <ds:schemaRef ds:uri="http://schemas.openxmlformats.org/package/2006/metadata/core-properties"/>
+    <ds:schemaRef ds:uri="http://www.w3.org/XML/1998/namespace"/>
+    <ds:schemaRef ds:uri="http://schemas.microsoft.com/office/2006/metadata/properties"/>
+    <ds:schemaRef ds:uri="http://schemas.microsoft.com/office/infopath/2007/PartnerControls"/>
+    <ds:schemaRef ds:uri="http://purl.org/dc/dcmitype/"/>
+  </ds:schemaRefs>
+</ds:datastoreItem>
+</file>
+
+<file path=customXml/itemProps2.xml><?xml version="1.0" encoding="utf-8"?>
 <ds:datastoreItem xmlns:ds="http://schemas.openxmlformats.org/officeDocument/2006/customXml" ds:itemID="{207A3D48-3576-4080-9DEA-24F2312CB1E3}">
   <ds:schemaRefs>
     <ds:schemaRef ds:uri="http://schemas.microsoft.com/office/2006/metadata/contentType"/>
@@ -8910,21 +8926,6 @@
 </ds:datastoreItem>
 </file>
 
-<file path=customXml/itemProps2.xml><?xml version="1.0" encoding="utf-8"?>
-<ds:datastoreItem xmlns:ds="http://schemas.openxmlformats.org/officeDocument/2006/customXml" ds:itemID="{340C701A-5FB1-44EE-9224-D2AB29221C3D}">
-  <ds:schemaRefs>
-    <ds:schemaRef ds:uri="http://purl.org/dc/elements/1.1/"/>
-    <ds:schemaRef ds:uri="http://purl.org/dc/terms/"/>
-    <ds:schemaRef ds:uri="http://schemas.microsoft.com/office/2006/documentManagement/types"/>
-    <ds:schemaRef ds:uri="http://schemas.openxmlformats.org/package/2006/metadata/core-properties"/>
-    <ds:schemaRef ds:uri="http://www.w3.org/XML/1998/namespace"/>
-    <ds:schemaRef ds:uri="http://schemas.microsoft.com/office/2006/metadata/properties"/>
-    <ds:schemaRef ds:uri="http://schemas.microsoft.com/office/infopath/2007/PartnerControls"/>
-    <ds:schemaRef ds:uri="http://purl.org/dc/dcmitype/"/>
-  </ds:schemaRefs>
-</ds:datastoreItem>
-</file>
-
 <file path=customXml/itemProps3.xml><?xml version="1.0" encoding="utf-8"?>
 <ds:datastoreItem xmlns:ds="http://schemas.openxmlformats.org/officeDocument/2006/customXml" ds:itemID="{B0E0D0C5-8FBD-4F03-9B80-A8C6BB21FC66}">
   <ds:schemaRefs>

--- a/Azure Governance Hack.pptx
+++ b/Azure Governance Hack.pptx
@@ -1021,7 +1021,7 @@
           <a:p>
             <a:fld id="{53D76E38-EB4B-425D-87E0-B33791D2CD91}" type="datetimeFigureOut">
               <a:rPr lang="en-US" smtClean="0"/>
-              <a:t>12/11/2019</a:t>
+              <a:t>12/12/2019</a:t>
             </a:fld>
             <a:endParaRPr lang="en-US"/>
           </a:p>
@@ -1332,7 +1332,7 @@
           <a:bodyPr/>
           <a:lstStyle/>
           <a:p>
-            <a:endParaRPr lang="en-US"/>
+            <a:endParaRPr lang="en-US" dirty="0"/>
           </a:p>
         </p:txBody>
       </p:sp>
@@ -3123,6 +3123,90 @@
     <p:extLst>
       <p:ext uri="{BB962C8B-B14F-4D97-AF65-F5344CB8AC3E}">
         <p14:creationId xmlns:p14="http://schemas.microsoft.com/office/powerpoint/2010/main" val="501550754"/>
+      </p:ext>
+    </p:extLst>
+  </p:cSld>
+  <p:clrMapOvr>
+    <a:masterClrMapping/>
+  </p:clrMapOvr>
+</p:notes>
+</file>
+
+<file path=ppt/notesSlides/notesSlide5.xml><?xml version="1.0" encoding="utf-8"?>
+<p:notes xmlns:a="http://schemas.openxmlformats.org/drawingml/2006/main" xmlns:r="http://schemas.openxmlformats.org/officeDocument/2006/relationships" xmlns:p="http://schemas.openxmlformats.org/presentationml/2006/main">
+  <p:cSld>
+    <p:spTree>
+      <p:nvGrpSpPr>
+        <p:cNvPr id="1" name=""/>
+        <p:cNvGrpSpPr/>
+        <p:nvPr/>
+      </p:nvGrpSpPr>
+      <p:grpSpPr>
+        <a:xfrm>
+          <a:off x="0" y="0"/>
+          <a:ext cx="0" cy="0"/>
+          <a:chOff x="0" y="0"/>
+          <a:chExt cx="0" cy="0"/>
+        </a:xfrm>
+      </p:grpSpPr>
+      <p:sp>
+        <p:nvSpPr>
+          <p:cNvPr id="2" name="Slide Image Placeholder 1"/>
+          <p:cNvSpPr>
+            <a:spLocks noGrp="1" noRot="1" noChangeAspect="1"/>
+          </p:cNvSpPr>
+          <p:nvPr>
+            <p:ph type="sldImg"/>
+          </p:nvPr>
+        </p:nvSpPr>
+        <p:spPr/>
+      </p:sp>
+      <p:sp>
+        <p:nvSpPr>
+          <p:cNvPr id="3" name="Notes Placeholder 2"/>
+          <p:cNvSpPr>
+            <a:spLocks noGrp="1"/>
+          </p:cNvSpPr>
+          <p:nvPr>
+            <p:ph type="body" idx="1"/>
+          </p:nvPr>
+        </p:nvSpPr>
+        <p:spPr/>
+        <p:txBody>
+          <a:bodyPr/>
+          <a:lstStyle/>
+          <a:p>
+            <a:endParaRPr lang="sv-SE"/>
+          </a:p>
+        </p:txBody>
+      </p:sp>
+      <p:sp>
+        <p:nvSpPr>
+          <p:cNvPr id="4" name="Slide Number Placeholder 3"/>
+          <p:cNvSpPr>
+            <a:spLocks noGrp="1"/>
+          </p:cNvSpPr>
+          <p:nvPr>
+            <p:ph type="sldNum" sz="quarter" idx="5"/>
+          </p:nvPr>
+        </p:nvSpPr>
+        <p:spPr/>
+        <p:txBody>
+          <a:bodyPr/>
+          <a:lstStyle/>
+          <a:p>
+            <a:fld id="{D1ABA2CB-342C-46F9-95EC-88F4F68DF547}" type="slidenum">
+              <a:rPr lang="en-US" smtClean="0"/>
+              <a:t>9</a:t>
+            </a:fld>
+            <a:endParaRPr lang="en-US"/>
+          </a:p>
+        </p:txBody>
+      </p:sp>
+    </p:spTree>
+    <p:extLst>
+      <p:ext uri="{BB962C8B-B14F-4D97-AF65-F5344CB8AC3E}">
+        <p14:creationId xmlns:p14="http://schemas.microsoft.com/office/powerpoint/2010/main" val="1470017287"/>
       </p:ext>
     </p:extLst>
   </p:cSld>
@@ -3279,7 +3363,7 @@
           <a:p>
             <a:fld id="{3E3C2F32-47E1-4D90-8C64-89D7BCB0B356}" type="datetimeFigureOut">
               <a:rPr lang="en-US" smtClean="0"/>
-              <a:t>12/11/2019</a:t>
+              <a:t>12/12/2019</a:t>
             </a:fld>
             <a:endParaRPr lang="en-US"/>
           </a:p>
@@ -3477,7 +3561,7 @@
           <a:p>
             <a:fld id="{3E3C2F32-47E1-4D90-8C64-89D7BCB0B356}" type="datetimeFigureOut">
               <a:rPr lang="en-US" smtClean="0"/>
-              <a:t>12/11/2019</a:t>
+              <a:t>12/12/2019</a:t>
             </a:fld>
             <a:endParaRPr lang="en-US"/>
           </a:p>
@@ -3685,7 +3769,7 @@
           <a:p>
             <a:fld id="{3E3C2F32-47E1-4D90-8C64-89D7BCB0B356}" type="datetimeFigureOut">
               <a:rPr lang="en-US" smtClean="0"/>
-              <a:t>12/11/2019</a:t>
+              <a:t>12/12/2019</a:t>
             </a:fld>
             <a:endParaRPr lang="en-US"/>
           </a:p>
@@ -3883,7 +3967,7 @@
           <a:p>
             <a:fld id="{3E3C2F32-47E1-4D90-8C64-89D7BCB0B356}" type="datetimeFigureOut">
               <a:rPr lang="en-US" smtClean="0"/>
-              <a:t>12/11/2019</a:t>
+              <a:t>12/12/2019</a:t>
             </a:fld>
             <a:endParaRPr lang="en-US"/>
           </a:p>
@@ -4158,7 +4242,7 @@
           <a:p>
             <a:fld id="{3E3C2F32-47E1-4D90-8C64-89D7BCB0B356}" type="datetimeFigureOut">
               <a:rPr lang="en-US" smtClean="0"/>
-              <a:t>12/11/2019</a:t>
+              <a:t>12/12/2019</a:t>
             </a:fld>
             <a:endParaRPr lang="en-US"/>
           </a:p>
@@ -4423,7 +4507,7 @@
           <a:p>
             <a:fld id="{3E3C2F32-47E1-4D90-8C64-89D7BCB0B356}" type="datetimeFigureOut">
               <a:rPr lang="en-US" smtClean="0"/>
-              <a:t>12/11/2019</a:t>
+              <a:t>12/12/2019</a:t>
             </a:fld>
             <a:endParaRPr lang="en-US"/>
           </a:p>
@@ -4835,7 +4919,7 @@
           <a:p>
             <a:fld id="{3E3C2F32-47E1-4D90-8C64-89D7BCB0B356}" type="datetimeFigureOut">
               <a:rPr lang="en-US" smtClean="0"/>
-              <a:t>12/11/2019</a:t>
+              <a:t>12/12/2019</a:t>
             </a:fld>
             <a:endParaRPr lang="en-US"/>
           </a:p>
@@ -4976,7 +5060,7 @@
           <a:p>
             <a:fld id="{3E3C2F32-47E1-4D90-8C64-89D7BCB0B356}" type="datetimeFigureOut">
               <a:rPr lang="en-US" smtClean="0"/>
-              <a:t>12/11/2019</a:t>
+              <a:t>12/12/2019</a:t>
             </a:fld>
             <a:endParaRPr lang="en-US"/>
           </a:p>
@@ -5089,7 +5173,7 @@
           <a:p>
             <a:fld id="{3E3C2F32-47E1-4D90-8C64-89D7BCB0B356}" type="datetimeFigureOut">
               <a:rPr lang="en-US" smtClean="0"/>
-              <a:t>12/11/2019</a:t>
+              <a:t>12/12/2019</a:t>
             </a:fld>
             <a:endParaRPr lang="en-US"/>
           </a:p>
@@ -5400,7 +5484,7 @@
           <a:p>
             <a:fld id="{3E3C2F32-47E1-4D90-8C64-89D7BCB0B356}" type="datetimeFigureOut">
               <a:rPr lang="en-US" smtClean="0"/>
-              <a:t>12/11/2019</a:t>
+              <a:t>12/12/2019</a:t>
             </a:fld>
             <a:endParaRPr lang="en-US"/>
           </a:p>
@@ -5688,7 +5772,7 @@
           <a:p>
             <a:fld id="{3E3C2F32-47E1-4D90-8C64-89D7BCB0B356}" type="datetimeFigureOut">
               <a:rPr lang="en-US" smtClean="0"/>
-              <a:t>12/11/2019</a:t>
+              <a:t>12/12/2019</a:t>
             </a:fld>
             <a:endParaRPr lang="en-US"/>
           </a:p>
@@ -5929,7 +6013,7 @@
           <a:p>
             <a:fld id="{3E3C2F32-47E1-4D90-8C64-89D7BCB0B356}" type="datetimeFigureOut">
               <a:rPr lang="en-US" smtClean="0"/>
-              <a:t>12/11/2019</a:t>
+              <a:t>12/12/2019</a:t>
             </a:fld>
             <a:endParaRPr lang="en-US"/>
           </a:p>
@@ -6709,7 +6793,7 @@
         </p:spPr>
         <p:txBody>
           <a:bodyPr>
-            <a:normAutofit/>
+            <a:normAutofit fontScale="92500"/>
           </a:bodyPr>
           <a:lstStyle/>
           <a:p>
@@ -6731,6 +6815,13 @@
             <a:r>
               <a:rPr lang="en-US" sz="2400" dirty="0"/>
               <a:t>Create an AAD group and assign permissions at management group level</a:t>
+            </a:r>
+          </a:p>
+          <a:p>
+            <a:pPr fontAlgn="ctr"/>
+            <a:r>
+              <a:rPr lang="en-US" sz="2400" dirty="0"/>
+              <a:t>Create a resource lock on one of the VMs</a:t>
             </a:r>
           </a:p>
           <a:p>
@@ -7391,100 +7482,6 @@
       </p:grpSpPr>
       <p:sp>
         <p:nvSpPr>
-          <p:cNvPr id="8" name="Rectangle 7">
-            <a:extLst>
-              <a:ext uri="{FF2B5EF4-FFF2-40B4-BE49-F238E27FC236}">
-                <a16:creationId xmlns:a16="http://schemas.microsoft.com/office/drawing/2014/main" id="{823AC064-BC96-4F32-8AE1-B2FD38754823}"/>
-              </a:ext>
-              <a:ext uri="{C183D7F6-B498-43B3-948B-1728B52AA6E4}">
-                <adec:decorative xmlns:adec="http://schemas.microsoft.com/office/drawing/2017/decorative" val="1"/>
-              </a:ext>
-            </a:extLst>
-          </p:cNvPr>
-          <p:cNvSpPr>
-            <a:spLocks noGrp="1" noRot="1" noChangeAspect="1" noMove="1" noResize="1" noEditPoints="1" noAdjustHandles="1" noChangeArrowheads="1" noChangeShapeType="1" noTextEdit="1"/>
-          </p:cNvSpPr>
-          <p:nvPr>
-            <p:extLst>
-              <p:ext uri="{386F3935-93C4-4BCD-93E2-E3B085C9AB24}">
-                <p16:designElem xmlns:p16="http://schemas.microsoft.com/office/powerpoint/2015/main" val="1"/>
-              </p:ext>
-            </p:extLst>
-          </p:nvPr>
-        </p:nvSpPr>
-        <p:spPr bwMode="ltGray">
-          <a:xfrm>
-            <a:off x="378068" y="343486"/>
-            <a:ext cx="11438793" cy="1844256"/>
-          </a:xfrm>
-          <a:prstGeom prst="rect">
-            <a:avLst/>
-          </a:prstGeom>
-          <a:solidFill>
-            <a:srgbClr val="404040"/>
-          </a:solidFill>
-          <a:ln w="127000" cap="sq" cmpd="thinThick">
-            <a:solidFill>
-              <a:srgbClr val="404040"/>
-            </a:solidFill>
-          </a:ln>
-        </p:spPr>
-        <p:style>
-          <a:lnRef idx="2">
-            <a:schemeClr val="accent1">
-              <a:shade val="50000"/>
-            </a:schemeClr>
-          </a:lnRef>
-          <a:fillRef idx="1">
-            <a:schemeClr val="accent1"/>
-          </a:fillRef>
-          <a:effectRef idx="0">
-            <a:schemeClr val="accent1"/>
-          </a:effectRef>
-          <a:fontRef idx="minor">
-            <a:schemeClr val="lt1"/>
-          </a:fontRef>
-        </p:style>
-        <p:txBody>
-          <a:bodyPr rtlCol="0" anchor="ctr"/>
-          <a:lstStyle/>
-          <a:p>
-            <a:pPr marL="0" marR="0" lvl="0" indent="0" algn="ctr" defTabSz="914400" rtl="0" eaLnBrk="1" fontAlgn="auto" latinLnBrk="0" hangingPunct="1">
-              <a:lnSpc>
-                <a:spcPct val="100000"/>
-              </a:lnSpc>
-              <a:spcBef>
-                <a:spcPts val="0"/>
-              </a:spcBef>
-              <a:spcAft>
-                <a:spcPts val="0"/>
-              </a:spcAft>
-              <a:buClrTx/>
-              <a:buSzTx/>
-              <a:buFontTx/>
-              <a:buNone/>
-              <a:tabLst/>
-              <a:defRPr/>
-            </a:pPr>
-            <a:endParaRPr kumimoji="0" lang="en-US" sz="1800" b="0" i="0" u="none" strike="noStrike" kern="1200" cap="none" spc="0" normalizeH="0" baseline="0" noProof="0">
-              <a:ln>
-                <a:noFill/>
-              </a:ln>
-              <a:solidFill>
-                <a:prstClr val="white"/>
-              </a:solidFill>
-              <a:effectLst/>
-              <a:uLnTx/>
-              <a:uFillTx/>
-              <a:latin typeface="Calibri" panose="020F0502020204030204"/>
-              <a:ea typeface="+mn-ea"/>
-              <a:cs typeface="+mn-cs"/>
-            </a:endParaRPr>
-          </a:p>
-        </p:txBody>
-      </p:sp>
-      <p:sp>
-        <p:nvSpPr>
           <p:cNvPr id="2" name="Title 1">
             <a:extLst>
               <a:ext uri="{FF2B5EF4-FFF2-40B4-BE49-F238E27FC236}">
@@ -7499,12 +7496,7 @@
             <p:ph type="title"/>
           </p:nvPr>
         </p:nvSpPr>
-        <p:spPr>
-          <a:xfrm>
-            <a:off x="526073" y="466578"/>
-            <a:ext cx="11139854" cy="930447"/>
-          </a:xfrm>
-        </p:spPr>
+        <p:spPr/>
         <p:txBody>
           <a:bodyPr vert="horz" lIns="91440" tIns="45720" rIns="91440" bIns="45720" rtlCol="0" anchor="b">
             <a:normAutofit/>
@@ -7513,71 +7505,16 @@
           <a:p>
             <a:pPr algn="ctr"/>
             <a:r>
-              <a:rPr lang="en-US" sz="5400" kern="1200">
-                <a:solidFill>
-                  <a:srgbClr val="FFFFFF"/>
-                </a:solidFill>
+              <a:rPr lang="en-US" sz="5400" kern="1200" dirty="0">
                 <a:latin typeface="+mj-lt"/>
                 <a:ea typeface="+mj-ea"/>
                 <a:cs typeface="+mj-cs"/>
               </a:rPr>
-              <a:t>Blueprint Challenge Screenshot</a:t>
-            </a:r>
-          </a:p>
-        </p:txBody>
-      </p:sp>
-      <p:cxnSp>
-        <p:nvCxnSpPr>
-          <p:cNvPr id="10" name="Straight Connector 9">
-            <a:extLst>
-              <a:ext uri="{FF2B5EF4-FFF2-40B4-BE49-F238E27FC236}">
-                <a16:creationId xmlns:a16="http://schemas.microsoft.com/office/drawing/2014/main" id="{7E7C77BC-7138-40B1-A15B-20F57A494629}"/>
-              </a:ext>
-              <a:ext uri="{C183D7F6-B498-43B3-948B-1728B52AA6E4}">
-                <adec:decorative xmlns:adec="http://schemas.microsoft.com/office/drawing/2017/decorative" val="1"/>
-              </a:ext>
-            </a:extLst>
-          </p:cNvPr>
-          <p:cNvCxnSpPr>
-            <a:cxnSpLocks noGrp="1" noRot="1" noChangeAspect="1" noMove="1" noResize="1" noEditPoints="1" noAdjustHandles="1" noChangeArrowheads="1" noChangeShapeType="1"/>
-          </p:cNvCxnSpPr>
-          <p:nvPr>
-            <p:extLst>
-              <p:ext uri="{386F3935-93C4-4BCD-93E2-E3B085C9AB24}">
-                <p16:designElem xmlns:p16="http://schemas.microsoft.com/office/powerpoint/2015/main" val="1"/>
-              </p:ext>
-            </p:extLst>
-          </p:nvPr>
-        </p:nvCxnSpPr>
-        <p:spPr>
-          <a:xfrm>
-            <a:off x="2209800" y="1448631"/>
-            <a:ext cx="7772400" cy="0"/>
-          </a:xfrm>
-          <a:prstGeom prst="line">
-            <a:avLst/>
-          </a:prstGeom>
-          <a:ln w="22225">
-            <a:solidFill>
-              <a:srgbClr val="D9D9D9"/>
-            </a:solidFill>
-          </a:ln>
-        </p:spPr>
-        <p:style>
-          <a:lnRef idx="1">
-            <a:schemeClr val="accent1"/>
-          </a:lnRef>
-          <a:fillRef idx="0">
-            <a:schemeClr val="accent1"/>
-          </a:fillRef>
-          <a:effectRef idx="0">
-            <a:schemeClr val="accent1"/>
-          </a:effectRef>
-          <a:fontRef idx="minor">
-            <a:schemeClr val="tx1"/>
-          </a:fontRef>
-        </p:style>
-      </p:cxnSp>
+              <a:t>Blueprint</a:t>
+            </a:r>
+          </a:p>
+        </p:txBody>
+      </p:sp>
       <p:pic>
         <p:nvPicPr>
           <p:cNvPr id="3" name="Picture 2">
@@ -7896,7 +7833,7 @@
 </file>
 
 <file path=ppt/slides/slide9.xml><?xml version="1.0" encoding="utf-8"?>
-<p:sld xmlns:a="http://schemas.openxmlformats.org/drawingml/2006/main" xmlns:r="http://schemas.openxmlformats.org/officeDocument/2006/relationships" xmlns:p="http://schemas.openxmlformats.org/presentationml/2006/main">
+<p:sld xmlns:a="http://schemas.openxmlformats.org/drawingml/2006/main" xmlns:r="http://schemas.openxmlformats.org/officeDocument/2006/relationships" xmlns:p="http://schemas.openxmlformats.org/presentationml/2006/main" show="0">
   <p:cSld>
     <p:spTree>
       <p:nvGrpSpPr>
@@ -8767,9 +8704,12 @@
 </file>
 
 <file path=customXml/item1.xml><?xml version="1.0" encoding="utf-8"?>
-<p:properties xmlns:p="http://schemas.microsoft.com/office/2006/metadata/properties" xmlns:xsi="http://www.w3.org/2001/XMLSchema-instance" xmlns:pc="http://schemas.microsoft.com/office/infopath/2007/PartnerControls">
-  <documentManagement/>
-</p:properties>
+<?mso-contentType ?>
+<FormTemplates xmlns="http://schemas.microsoft.com/sharepoint/v3/contenttype/forms">
+  <Display>DocumentLibraryForm</Display>
+  <Edit>DocumentLibraryForm</Edit>
+  <New>DocumentLibraryForm</New>
+</FormTemplates>
 </file>
 
 <file path=customXml/item2.xml><?xml version="1.0" encoding="utf-8"?>
@@ -8887,25 +8827,15 @@
 </file>
 
 <file path=customXml/item3.xml><?xml version="1.0" encoding="utf-8"?>
-<?mso-contentType ?>
-<FormTemplates xmlns="http://schemas.microsoft.com/sharepoint/v3/contenttype/forms">
-  <Display>DocumentLibraryForm</Display>
-  <Edit>DocumentLibraryForm</Edit>
-  <New>DocumentLibraryForm</New>
-</FormTemplates>
+<p:properties xmlns:p="http://schemas.microsoft.com/office/2006/metadata/properties" xmlns:xsi="http://www.w3.org/2001/XMLSchema-instance" xmlns:pc="http://schemas.microsoft.com/office/infopath/2007/PartnerControls">
+  <documentManagement/>
+</p:properties>
 </file>
 
 <file path=customXml/itemProps1.xml><?xml version="1.0" encoding="utf-8"?>
-<ds:datastoreItem xmlns:ds="http://schemas.openxmlformats.org/officeDocument/2006/customXml" ds:itemID="{340C701A-5FB1-44EE-9224-D2AB29221C3D}">
+<ds:datastoreItem xmlns:ds="http://schemas.openxmlformats.org/officeDocument/2006/customXml" ds:itemID="{B0E0D0C5-8FBD-4F03-9B80-A8C6BB21FC66}">
   <ds:schemaRefs>
-    <ds:schemaRef ds:uri="http://purl.org/dc/elements/1.1/"/>
-    <ds:schemaRef ds:uri="http://purl.org/dc/terms/"/>
-    <ds:schemaRef ds:uri="http://schemas.microsoft.com/office/2006/documentManagement/types"/>
-    <ds:schemaRef ds:uri="http://schemas.openxmlformats.org/package/2006/metadata/core-properties"/>
-    <ds:schemaRef ds:uri="http://www.w3.org/XML/1998/namespace"/>
-    <ds:schemaRef ds:uri="http://schemas.microsoft.com/office/2006/metadata/properties"/>
-    <ds:schemaRef ds:uri="http://schemas.microsoft.com/office/infopath/2007/PartnerControls"/>
-    <ds:schemaRef ds:uri="http://purl.org/dc/dcmitype/"/>
+    <ds:schemaRef ds:uri="http://schemas.microsoft.com/sharepoint/v3/contenttype/forms"/>
   </ds:schemaRefs>
 </ds:datastoreItem>
 </file>
@@ -8927,9 +8857,16 @@
 </file>
 
 <file path=customXml/itemProps3.xml><?xml version="1.0" encoding="utf-8"?>
-<ds:datastoreItem xmlns:ds="http://schemas.openxmlformats.org/officeDocument/2006/customXml" ds:itemID="{B0E0D0C5-8FBD-4F03-9B80-A8C6BB21FC66}">
+<ds:datastoreItem xmlns:ds="http://schemas.openxmlformats.org/officeDocument/2006/customXml" ds:itemID="{340C701A-5FB1-44EE-9224-D2AB29221C3D}">
   <ds:schemaRefs>
-    <ds:schemaRef ds:uri="http://schemas.microsoft.com/sharepoint/v3/contenttype/forms"/>
+    <ds:schemaRef ds:uri="http://purl.org/dc/elements/1.1/"/>
+    <ds:schemaRef ds:uri="http://purl.org/dc/terms/"/>
+    <ds:schemaRef ds:uri="http://schemas.microsoft.com/office/2006/documentManagement/types"/>
+    <ds:schemaRef ds:uri="http://schemas.openxmlformats.org/package/2006/metadata/core-properties"/>
+    <ds:schemaRef ds:uri="http://www.w3.org/XML/1998/namespace"/>
+    <ds:schemaRef ds:uri="http://schemas.microsoft.com/office/2006/metadata/properties"/>
+    <ds:schemaRef ds:uri="http://schemas.microsoft.com/office/infopath/2007/PartnerControls"/>
+    <ds:schemaRef ds:uri="http://purl.org/dc/dcmitype/"/>
   </ds:schemaRefs>
 </ds:datastoreItem>
 </file>
--- a/Azure Governance Hack.pptx
+++ b/Azure Governance Hack.pptx
@@ -1021,7 +1021,7 @@
           <a:p>
             <a:fld id="{53D76E38-EB4B-425D-87E0-B33791D2CD91}" type="datetimeFigureOut">
               <a:rPr lang="en-US" smtClean="0"/>
-              <a:t>12/12/2019</a:t>
+              <a:t>12/17/2019</a:t>
             </a:fld>
             <a:endParaRPr lang="en-US"/>
           </a:p>
@@ -3363,7 +3363,7 @@
           <a:p>
             <a:fld id="{3E3C2F32-47E1-4D90-8C64-89D7BCB0B356}" type="datetimeFigureOut">
               <a:rPr lang="en-US" smtClean="0"/>
-              <a:t>12/12/2019</a:t>
+              <a:t>12/17/2019</a:t>
             </a:fld>
             <a:endParaRPr lang="en-US"/>
           </a:p>
@@ -3561,7 +3561,7 @@
           <a:p>
             <a:fld id="{3E3C2F32-47E1-4D90-8C64-89D7BCB0B356}" type="datetimeFigureOut">
               <a:rPr lang="en-US" smtClean="0"/>
-              <a:t>12/12/2019</a:t>
+              <a:t>12/17/2019</a:t>
             </a:fld>
             <a:endParaRPr lang="en-US"/>
           </a:p>
@@ -3769,7 +3769,7 @@
           <a:p>
             <a:fld id="{3E3C2F32-47E1-4D90-8C64-89D7BCB0B356}" type="datetimeFigureOut">
               <a:rPr lang="en-US" smtClean="0"/>
-              <a:t>12/12/2019</a:t>
+              <a:t>12/17/2019</a:t>
             </a:fld>
             <a:endParaRPr lang="en-US"/>
           </a:p>
@@ -3967,7 +3967,7 @@
           <a:p>
             <a:fld id="{3E3C2F32-47E1-4D90-8C64-89D7BCB0B356}" type="datetimeFigureOut">
               <a:rPr lang="en-US" smtClean="0"/>
-              <a:t>12/12/2019</a:t>
+              <a:t>12/17/2019</a:t>
             </a:fld>
             <a:endParaRPr lang="en-US"/>
           </a:p>
@@ -4242,7 +4242,7 @@
           <a:p>
             <a:fld id="{3E3C2F32-47E1-4D90-8C64-89D7BCB0B356}" type="datetimeFigureOut">
               <a:rPr lang="en-US" smtClean="0"/>
-              <a:t>12/12/2019</a:t>
+              <a:t>12/17/2019</a:t>
             </a:fld>
             <a:endParaRPr lang="en-US"/>
           </a:p>
@@ -4507,7 +4507,7 @@
           <a:p>
             <a:fld id="{3E3C2F32-47E1-4D90-8C64-89D7BCB0B356}" type="datetimeFigureOut">
               <a:rPr lang="en-US" smtClean="0"/>
-              <a:t>12/12/2019</a:t>
+              <a:t>12/17/2019</a:t>
             </a:fld>
             <a:endParaRPr lang="en-US"/>
           </a:p>
@@ -4919,7 +4919,7 @@
           <a:p>
             <a:fld id="{3E3C2F32-47E1-4D90-8C64-89D7BCB0B356}" type="datetimeFigureOut">
               <a:rPr lang="en-US" smtClean="0"/>
-              <a:t>12/12/2019</a:t>
+              <a:t>12/17/2019</a:t>
             </a:fld>
             <a:endParaRPr lang="en-US"/>
           </a:p>
@@ -5060,7 +5060,7 @@
           <a:p>
             <a:fld id="{3E3C2F32-47E1-4D90-8C64-89D7BCB0B356}" type="datetimeFigureOut">
               <a:rPr lang="en-US" smtClean="0"/>
-              <a:t>12/12/2019</a:t>
+              <a:t>12/17/2019</a:t>
             </a:fld>
             <a:endParaRPr lang="en-US"/>
           </a:p>
@@ -5173,7 +5173,7 @@
           <a:p>
             <a:fld id="{3E3C2F32-47E1-4D90-8C64-89D7BCB0B356}" type="datetimeFigureOut">
               <a:rPr lang="en-US" smtClean="0"/>
-              <a:t>12/12/2019</a:t>
+              <a:t>12/17/2019</a:t>
             </a:fld>
             <a:endParaRPr lang="en-US"/>
           </a:p>
@@ -5484,7 +5484,7 @@
           <a:p>
             <a:fld id="{3E3C2F32-47E1-4D90-8C64-89D7BCB0B356}" type="datetimeFigureOut">
               <a:rPr lang="en-US" smtClean="0"/>
-              <a:t>12/12/2019</a:t>
+              <a:t>12/17/2019</a:t>
             </a:fld>
             <a:endParaRPr lang="en-US"/>
           </a:p>
@@ -5772,7 +5772,7 @@
           <a:p>
             <a:fld id="{3E3C2F32-47E1-4D90-8C64-89D7BCB0B356}" type="datetimeFigureOut">
               <a:rPr lang="en-US" smtClean="0"/>
-              <a:t>12/12/2019</a:t>
+              <a:t>12/17/2019</a:t>
             </a:fld>
             <a:endParaRPr lang="en-US"/>
           </a:p>
@@ -6013,7 +6013,7 @@
           <a:p>
             <a:fld id="{3E3C2F32-47E1-4D90-8C64-89D7BCB0B356}" type="datetimeFigureOut">
               <a:rPr lang="en-US" smtClean="0"/>
-              <a:t>12/12/2019</a:t>
+              <a:t>12/17/2019</a:t>
             </a:fld>
             <a:endParaRPr lang="en-US"/>
           </a:p>
@@ -7195,7 +7195,7 @@
             </a:pPr>
             <a:r>
               <a:rPr lang="en-US" sz="2400" dirty="0"/>
-              <a:t>Policy Assignment for ‘Append tag and its default value to resource groups’</a:t>
+              <a:t>Policy Assignment for ‘Add or replace a tag on resource groups’</a:t>
             </a:r>
           </a:p>
           <a:p>
@@ -7254,15 +7254,7 @@
             </a:pPr>
             <a:r>
               <a:rPr lang="en-US" sz="2400" dirty="0"/>
-              <a:t>Add a description, publish and assign this Blueprint to the Free Trial Subscription.  Use </a:t>
-            </a:r>
-            <a:r>
-              <a:rPr lang="en-US" sz="2400"/>
-              <a:t>an existing group </a:t>
-            </a:r>
-            <a:r>
-              <a:rPr lang="en-US" sz="2400" dirty="0"/>
-              <a:t>for role assignment Contributor.  Set Tag Name to </a:t>
+              <a:t>Add a description, publish and assign this Blueprint to the Free Trial Subscription.  Use an existing group for role assignment Contributor.  Set Tag Name to </a:t>
             </a:r>
             <a:r>
               <a:rPr lang="en-US" sz="2400" dirty="0" err="1"/>
@@ -8704,15 +8696,6 @@
 </file>
 
 <file path=customXml/item1.xml><?xml version="1.0" encoding="utf-8"?>
-<?mso-contentType ?>
-<FormTemplates xmlns="http://schemas.microsoft.com/sharepoint/v3/contenttype/forms">
-  <Display>DocumentLibraryForm</Display>
-  <Edit>DocumentLibraryForm</Edit>
-  <New>DocumentLibraryForm</New>
-</FormTemplates>
-</file>
-
-<file path=customXml/item2.xml><?xml version="1.0" encoding="utf-8"?>
 <ct:contentTypeSchema xmlns:ct="http://schemas.microsoft.com/office/2006/metadata/contentType" xmlns:ma="http://schemas.microsoft.com/office/2006/metadata/properties/metaAttributes" ct:_="" ma:_="" ma:contentTypeName="Document" ma:contentTypeID="0x010100B805CA1546A9EF4D874C41813FBCFE77" ma:contentTypeVersion="0" ma:contentTypeDescription="Create a new document." ma:contentTypeScope="" ma:versionID="c9aa000eea19acce3b3ed41d1e1eb400">
   <xsd:schema xmlns:xsd="http://www.w3.org/2001/XMLSchema" xmlns:xs="http://www.w3.org/2001/XMLSchema" xmlns:p="http://schemas.microsoft.com/office/2006/metadata/properties" targetNamespace="http://schemas.microsoft.com/office/2006/metadata/properties" ma:root="true" ma:fieldsID="28e93d0e610ade8792d1bdc0e02464c8">
     <xsd:element name="properties">
@@ -8826,21 +8809,22 @@
 </ct:contentTypeSchema>
 </file>
 
-<file path=customXml/item3.xml><?xml version="1.0" encoding="utf-8"?>
+<file path=customXml/item2.xml><?xml version="1.0" encoding="utf-8"?>
 <p:properties xmlns:p="http://schemas.microsoft.com/office/2006/metadata/properties" xmlns:xsi="http://www.w3.org/2001/XMLSchema-instance" xmlns:pc="http://schemas.microsoft.com/office/infopath/2007/PartnerControls">
   <documentManagement/>
 </p:properties>
 </file>
 
-<file path=customXml/itemProps1.xml><?xml version="1.0" encoding="utf-8"?>
-<ds:datastoreItem xmlns:ds="http://schemas.openxmlformats.org/officeDocument/2006/customXml" ds:itemID="{B0E0D0C5-8FBD-4F03-9B80-A8C6BB21FC66}">
-  <ds:schemaRefs>
-    <ds:schemaRef ds:uri="http://schemas.microsoft.com/sharepoint/v3/contenttype/forms"/>
-  </ds:schemaRefs>
-</ds:datastoreItem>
+<file path=customXml/item3.xml><?xml version="1.0" encoding="utf-8"?>
+<?mso-contentType ?>
+<FormTemplates xmlns="http://schemas.microsoft.com/sharepoint/v3/contenttype/forms">
+  <Display>DocumentLibraryForm</Display>
+  <Edit>DocumentLibraryForm</Edit>
+  <New>DocumentLibraryForm</New>
+</FormTemplates>
 </file>
 
-<file path=customXml/itemProps2.xml><?xml version="1.0" encoding="utf-8"?>
+<file path=customXml/itemProps1.xml><?xml version="1.0" encoding="utf-8"?>
 <ds:datastoreItem xmlns:ds="http://schemas.openxmlformats.org/officeDocument/2006/customXml" ds:itemID="{207A3D48-3576-4080-9DEA-24F2312CB1E3}">
   <ds:schemaRefs>
     <ds:schemaRef ds:uri="http://schemas.microsoft.com/office/2006/metadata/contentType"/>
@@ -8856,7 +8840,7 @@
 </ds:datastoreItem>
 </file>
 
-<file path=customXml/itemProps3.xml><?xml version="1.0" encoding="utf-8"?>
+<file path=customXml/itemProps2.xml><?xml version="1.0" encoding="utf-8"?>
 <ds:datastoreItem xmlns:ds="http://schemas.openxmlformats.org/officeDocument/2006/customXml" ds:itemID="{340C701A-5FB1-44EE-9224-D2AB29221C3D}">
   <ds:schemaRefs>
     <ds:schemaRef ds:uri="http://purl.org/dc/elements/1.1/"/>
@@ -8869,4 +8853,12 @@
     <ds:schemaRef ds:uri="http://purl.org/dc/dcmitype/"/>
   </ds:schemaRefs>
 </ds:datastoreItem>
+</file>
+
+<file path=customXml/itemProps3.xml><?xml version="1.0" encoding="utf-8"?>
+<ds:datastoreItem xmlns:ds="http://schemas.openxmlformats.org/officeDocument/2006/customXml" ds:itemID="{B0E0D0C5-8FBD-4F03-9B80-A8C6BB21FC66}">
+  <ds:schemaRefs>
+    <ds:schemaRef ds:uri="http://schemas.microsoft.com/sharepoint/v3/contenttype/forms"/>
+  </ds:schemaRefs>
+</ds:datastoreItem>
 </file>
--- a/Azure Governance Hack.pptx
+++ b/Azure Governance Hack.pptx
@@ -1021,7 +1021,7 @@
           <a:p>
             <a:fld id="{53D76E38-EB4B-425D-87E0-B33791D2CD91}" type="datetimeFigureOut">
               <a:rPr lang="en-US" smtClean="0"/>
-              <a:t>12/17/2019</a:t>
+              <a:t>3/18/2020</a:t>
             </a:fld>
             <a:endParaRPr lang="en-US"/>
           </a:p>
@@ -3363,7 +3363,7 @@
           <a:p>
             <a:fld id="{3E3C2F32-47E1-4D90-8C64-89D7BCB0B356}" type="datetimeFigureOut">
               <a:rPr lang="en-US" smtClean="0"/>
-              <a:t>12/17/2019</a:t>
+              <a:t>3/18/2020</a:t>
             </a:fld>
             <a:endParaRPr lang="en-US"/>
           </a:p>
@@ -3561,7 +3561,7 @@
           <a:p>
             <a:fld id="{3E3C2F32-47E1-4D90-8C64-89D7BCB0B356}" type="datetimeFigureOut">
               <a:rPr lang="en-US" smtClean="0"/>
-              <a:t>12/17/2019</a:t>
+              <a:t>3/18/2020</a:t>
             </a:fld>
             <a:endParaRPr lang="en-US"/>
           </a:p>
@@ -3769,7 +3769,7 @@
           <a:p>
             <a:fld id="{3E3C2F32-47E1-4D90-8C64-89D7BCB0B356}" type="datetimeFigureOut">
               <a:rPr lang="en-US" smtClean="0"/>
-              <a:t>12/17/2019</a:t>
+              <a:t>3/18/2020</a:t>
             </a:fld>
             <a:endParaRPr lang="en-US"/>
           </a:p>
@@ -3967,7 +3967,7 @@
           <a:p>
             <a:fld id="{3E3C2F32-47E1-4D90-8C64-89D7BCB0B356}" type="datetimeFigureOut">
               <a:rPr lang="en-US" smtClean="0"/>
-              <a:t>12/17/2019</a:t>
+              <a:t>3/18/2020</a:t>
             </a:fld>
             <a:endParaRPr lang="en-US"/>
           </a:p>
@@ -4242,7 +4242,7 @@
           <a:p>
             <a:fld id="{3E3C2F32-47E1-4D90-8C64-89D7BCB0B356}" type="datetimeFigureOut">
               <a:rPr lang="en-US" smtClean="0"/>
-              <a:t>12/17/2019</a:t>
+              <a:t>3/18/2020</a:t>
             </a:fld>
             <a:endParaRPr lang="en-US"/>
           </a:p>
@@ -4507,7 +4507,7 @@
           <a:p>
             <a:fld id="{3E3C2F32-47E1-4D90-8C64-89D7BCB0B356}" type="datetimeFigureOut">
               <a:rPr lang="en-US" smtClean="0"/>
-              <a:t>12/17/2019</a:t>
+              <a:t>3/18/2020</a:t>
             </a:fld>
             <a:endParaRPr lang="en-US"/>
           </a:p>
@@ -4919,7 +4919,7 @@
           <a:p>
             <a:fld id="{3E3C2F32-47E1-4D90-8C64-89D7BCB0B356}" type="datetimeFigureOut">
               <a:rPr lang="en-US" smtClean="0"/>
-              <a:t>12/17/2019</a:t>
+              <a:t>3/18/2020</a:t>
             </a:fld>
             <a:endParaRPr lang="en-US"/>
           </a:p>
@@ -5060,7 +5060,7 @@
           <a:p>
             <a:fld id="{3E3C2F32-47E1-4D90-8C64-89D7BCB0B356}" type="datetimeFigureOut">
               <a:rPr lang="en-US" smtClean="0"/>
-              <a:t>12/17/2019</a:t>
+              <a:t>3/18/2020</a:t>
             </a:fld>
             <a:endParaRPr lang="en-US"/>
           </a:p>
@@ -5173,7 +5173,7 @@
           <a:p>
             <a:fld id="{3E3C2F32-47E1-4D90-8C64-89D7BCB0B356}" type="datetimeFigureOut">
               <a:rPr lang="en-US" smtClean="0"/>
-              <a:t>12/17/2019</a:t>
+              <a:t>3/18/2020</a:t>
             </a:fld>
             <a:endParaRPr lang="en-US"/>
           </a:p>
@@ -5484,7 +5484,7 @@
           <a:p>
             <a:fld id="{3E3C2F32-47E1-4D90-8C64-89D7BCB0B356}" type="datetimeFigureOut">
               <a:rPr lang="en-US" smtClean="0"/>
-              <a:t>12/17/2019</a:t>
+              <a:t>3/18/2020</a:t>
             </a:fld>
             <a:endParaRPr lang="en-US"/>
           </a:p>
@@ -5772,7 +5772,7 @@
           <a:p>
             <a:fld id="{3E3C2F32-47E1-4D90-8C64-89D7BCB0B356}" type="datetimeFigureOut">
               <a:rPr lang="en-US" smtClean="0"/>
-              <a:t>12/17/2019</a:t>
+              <a:t>3/18/2020</a:t>
             </a:fld>
             <a:endParaRPr lang="en-US"/>
           </a:p>
@@ -6013,7 +6013,7 @@
           <a:p>
             <a:fld id="{3E3C2F32-47E1-4D90-8C64-89D7BCB0B356}" type="datetimeFigureOut">
               <a:rPr lang="en-US" smtClean="0"/>
-              <a:t>12/17/2019</a:t>
+              <a:t>3/18/2020</a:t>
             </a:fld>
             <a:endParaRPr lang="en-US"/>
           </a:p>
@@ -6690,9 +6690,14 @@
               <a:buChar char="Ø"/>
             </a:pPr>
             <a:r>
+              <a:rPr lang="en-US" dirty="0"/>
+              <a:t>11:00 – 12:00 : </a:t>
+            </a:r>
+            <a:r>
               <a:rPr lang="en-US"/>
-              <a:t>11:00 – 12:00 : Practice Building Discussion</a:t>
-            </a:r>
+              <a:t>QnA</a:t>
+            </a:r>
+            <a:endParaRPr lang="en-US" dirty="0"/>
           </a:p>
         </p:txBody>
       </p:sp>
@@ -8696,6 +8701,21 @@
 </file>
 
 <file path=customXml/item1.xml><?xml version="1.0" encoding="utf-8"?>
+<?mso-contentType ?>
+<FormTemplates xmlns="http://schemas.microsoft.com/sharepoint/v3/contenttype/forms">
+  <Display>DocumentLibraryForm</Display>
+  <Edit>DocumentLibraryForm</Edit>
+  <New>DocumentLibraryForm</New>
+</FormTemplates>
+</file>
+
+<file path=customXml/item2.xml><?xml version="1.0" encoding="utf-8"?>
+<p:properties xmlns:p="http://schemas.microsoft.com/office/2006/metadata/properties" xmlns:xsi="http://www.w3.org/2001/XMLSchema-instance" xmlns:pc="http://schemas.microsoft.com/office/infopath/2007/PartnerControls">
+  <documentManagement/>
+</p:properties>
+</file>
+
+<file path=customXml/item3.xml><?xml version="1.0" encoding="utf-8"?>
 <ct:contentTypeSchema xmlns:ct="http://schemas.microsoft.com/office/2006/metadata/contentType" xmlns:ma="http://schemas.microsoft.com/office/2006/metadata/properties/metaAttributes" ct:_="" ma:_="" ma:contentTypeName="Document" ma:contentTypeID="0x010100B805CA1546A9EF4D874C41813FBCFE77" ma:contentTypeVersion="0" ma:contentTypeDescription="Create a new document." ma:contentTypeScope="" ma:versionID="c9aa000eea19acce3b3ed41d1e1eb400">
   <xsd:schema xmlns:xsd="http://www.w3.org/2001/XMLSchema" xmlns:xs="http://www.w3.org/2001/XMLSchema" xmlns:p="http://schemas.microsoft.com/office/2006/metadata/properties" targetNamespace="http://schemas.microsoft.com/office/2006/metadata/properties" ma:root="true" ma:fieldsID="28e93d0e610ade8792d1bdc0e02464c8">
     <xsd:element name="properties">
@@ -8809,33 +8829,10 @@
 </ct:contentTypeSchema>
 </file>
 
-<file path=customXml/item2.xml><?xml version="1.0" encoding="utf-8"?>
-<p:properties xmlns:p="http://schemas.microsoft.com/office/2006/metadata/properties" xmlns:xsi="http://www.w3.org/2001/XMLSchema-instance" xmlns:pc="http://schemas.microsoft.com/office/infopath/2007/PartnerControls">
-  <documentManagement/>
-</p:properties>
-</file>
-
-<file path=customXml/item3.xml><?xml version="1.0" encoding="utf-8"?>
-<?mso-contentType ?>
-<FormTemplates xmlns="http://schemas.microsoft.com/sharepoint/v3/contenttype/forms">
-  <Display>DocumentLibraryForm</Display>
-  <Edit>DocumentLibraryForm</Edit>
-  <New>DocumentLibraryForm</New>
-</FormTemplates>
-</file>
-
 <file path=customXml/itemProps1.xml><?xml version="1.0" encoding="utf-8"?>
-<ds:datastoreItem xmlns:ds="http://schemas.openxmlformats.org/officeDocument/2006/customXml" ds:itemID="{207A3D48-3576-4080-9DEA-24F2312CB1E3}">
+<ds:datastoreItem xmlns:ds="http://schemas.openxmlformats.org/officeDocument/2006/customXml" ds:itemID="{B0E0D0C5-8FBD-4F03-9B80-A8C6BB21FC66}">
   <ds:schemaRefs>
-    <ds:schemaRef ds:uri="http://schemas.microsoft.com/office/2006/metadata/contentType"/>
-    <ds:schemaRef ds:uri="http://schemas.microsoft.com/office/2006/metadata/properties/metaAttributes"/>
-    <ds:schemaRef ds:uri="http://www.w3.org/2001/XMLSchema"/>
-    <ds:schemaRef ds:uri="http://schemas.microsoft.com/office/2006/metadata/properties"/>
-    <ds:schemaRef ds:uri="http://schemas.openxmlformats.org/package/2006/metadata/core-properties"/>
-    <ds:schemaRef ds:uri="http://purl.org/dc/elements/1.1/"/>
-    <ds:schemaRef ds:uri="http://purl.org/dc/terms/"/>
-    <ds:schemaRef ds:uri="http://schemas.microsoft.com/internal/obd"/>
-    <ds:schemaRef ds:uri="http://schemas.microsoft.com/office/infopath/2007/PartnerControls"/>
+    <ds:schemaRef ds:uri="http://schemas.microsoft.com/sharepoint/v3/contenttype/forms"/>
   </ds:schemaRefs>
 </ds:datastoreItem>
 </file>
@@ -8856,9 +8853,17 @@
 </file>
 
 <file path=customXml/itemProps3.xml><?xml version="1.0" encoding="utf-8"?>
-<ds:datastoreItem xmlns:ds="http://schemas.openxmlformats.org/officeDocument/2006/customXml" ds:itemID="{B0E0D0C5-8FBD-4F03-9B80-A8C6BB21FC66}">
+<ds:datastoreItem xmlns:ds="http://schemas.openxmlformats.org/officeDocument/2006/customXml" ds:itemID="{207A3D48-3576-4080-9DEA-24F2312CB1E3}">
   <ds:schemaRefs>
-    <ds:schemaRef ds:uri="http://schemas.microsoft.com/sharepoint/v3/contenttype/forms"/>
+    <ds:schemaRef ds:uri="http://schemas.microsoft.com/office/2006/metadata/contentType"/>
+    <ds:schemaRef ds:uri="http://schemas.microsoft.com/office/2006/metadata/properties/metaAttributes"/>
+    <ds:schemaRef ds:uri="http://www.w3.org/2001/XMLSchema"/>
+    <ds:schemaRef ds:uri="http://schemas.microsoft.com/office/2006/metadata/properties"/>
+    <ds:schemaRef ds:uri="http://schemas.openxmlformats.org/package/2006/metadata/core-properties"/>
+    <ds:schemaRef ds:uri="http://purl.org/dc/elements/1.1/"/>
+    <ds:schemaRef ds:uri="http://purl.org/dc/terms/"/>
+    <ds:schemaRef ds:uri="http://schemas.microsoft.com/internal/obd"/>
+    <ds:schemaRef ds:uri="http://schemas.microsoft.com/office/infopath/2007/PartnerControls"/>
   </ds:schemaRefs>
 </ds:datastoreItem>
 </file>
--- a/Azure Governance Hack.pptx
+++ b/Azure Governance Hack.pptx
@@ -5,18 +5,20 @@
     <p:sldMasterId id="2147483648" r:id="rId4"/>
   </p:sldMasterIdLst>
   <p:notesMasterIdLst>
-    <p:notesMasterId r:id="rId14"/>
+    <p:notesMasterId r:id="rId16"/>
   </p:notesMasterIdLst>
   <p:sldIdLst>
     <p:sldId id="256" r:id="rId5"/>
     <p:sldId id="260" r:id="rId6"/>
     <p:sldId id="262" r:id="rId7"/>
-    <p:sldId id="270" r:id="rId8"/>
-    <p:sldId id="263" r:id="rId9"/>
-    <p:sldId id="271" r:id="rId10"/>
-    <p:sldId id="266" r:id="rId11"/>
-    <p:sldId id="272" r:id="rId12"/>
-    <p:sldId id="273" r:id="rId13"/>
+    <p:sldId id="274" r:id="rId8"/>
+    <p:sldId id="275" r:id="rId9"/>
+    <p:sldId id="270" r:id="rId10"/>
+    <p:sldId id="263" r:id="rId11"/>
+    <p:sldId id="271" r:id="rId12"/>
+    <p:sldId id="266" r:id="rId13"/>
+    <p:sldId id="272" r:id="rId14"/>
+    <p:sldId id="273" r:id="rId15"/>
   </p:sldIdLst>
   <p:sldSz cx="12192000" cy="6858000"/>
   <p:notesSz cx="6858000" cy="9144000"/>
@@ -1416,7 +1418,7 @@
           <a:bodyPr/>
           <a:lstStyle/>
           <a:p>
-            <a:endParaRPr lang="sv-SE" dirty="0"/>
+            <a:endParaRPr lang="en-US" dirty="0"/>
           </a:p>
         </p:txBody>
       </p:sp>
@@ -1446,7 +1448,7 @@
     </p:spTree>
     <p:extLst>
       <p:ext uri="{BB962C8B-B14F-4D97-AF65-F5344CB8AC3E}">
-        <p14:creationId xmlns:p14="http://schemas.microsoft.com/office/powerpoint/2010/main" val="1789706221"/>
+        <p14:creationId xmlns:p14="http://schemas.microsoft.com/office/powerpoint/2010/main" val="657472787"/>
       </p:ext>
     </p:extLst>
   </p:cSld>
@@ -1500,1514 +1502,6 @@
           <a:bodyPr/>
           <a:lstStyle/>
           <a:p>
-            <a:pPr marL="0" marR="0" lvl="0" indent="0" algn="l" defTabSz="914400" rtl="0" eaLnBrk="1" fontAlgn="auto" latinLnBrk="0" hangingPunct="1">
-              <a:lnSpc>
-                <a:spcPct val="100000"/>
-              </a:lnSpc>
-              <a:spcBef>
-                <a:spcPts val="0"/>
-              </a:spcBef>
-              <a:spcAft>
-                <a:spcPts val="0"/>
-              </a:spcAft>
-              <a:buClrTx/>
-              <a:buSzTx/>
-              <a:buFontTx/>
-              <a:buNone/>
-              <a:tabLst/>
-              <a:defRPr/>
-            </a:pPr>
-            <a:r>
-              <a:rPr lang="en-US" sz="1200" kern="1200" dirty="0">
-                <a:solidFill>
-                  <a:schemeClr val="tx1"/>
-                </a:solidFill>
-                <a:effectLst/>
-                <a:latin typeface="+mn-lt"/>
-                <a:ea typeface="+mn-ea"/>
-                <a:cs typeface="+mn-cs"/>
-              </a:rPr>
-              <a:t>{</a:t>
-            </a:r>
-            <a:br>
-              <a:rPr lang="en-US" sz="1200" kern="1200" dirty="0">
-                <a:solidFill>
-                  <a:schemeClr val="tx1"/>
-                </a:solidFill>
-                <a:effectLst/>
-                <a:latin typeface="+mn-lt"/>
-                <a:ea typeface="+mn-ea"/>
-                <a:cs typeface="+mn-cs"/>
-              </a:rPr>
-            </a:br>
-            <a:r>
-              <a:rPr lang="en-US" sz="1200" kern="1200" dirty="0">
-                <a:solidFill>
-                  <a:schemeClr val="tx1"/>
-                </a:solidFill>
-                <a:effectLst/>
-                <a:latin typeface="+mn-lt"/>
-                <a:ea typeface="+mn-ea"/>
-                <a:cs typeface="+mn-cs"/>
-              </a:rPr>
-              <a:t>    "$schema": "</a:t>
-            </a:r>
-            <a:r>
-              <a:rPr lang="en-US" sz="1200" u="sng" kern="1200" dirty="0">
-                <a:solidFill>
-                  <a:schemeClr val="tx1"/>
-                </a:solidFill>
-                <a:effectLst/>
-                <a:latin typeface="+mn-lt"/>
-                <a:ea typeface="+mn-ea"/>
-                <a:cs typeface="+mn-cs"/>
-                <a:hlinkClick r:id="rId3"/>
-              </a:rPr>
-              <a:t>https://schema.management.azure.com/schemas/2015-01-01/</a:t>
-            </a:r>
-            <a:r>
-              <a:rPr lang="en-US" sz="1200" u="sng" kern="1200" dirty="0" err="1">
-                <a:solidFill>
-                  <a:schemeClr val="tx1"/>
-                </a:solidFill>
-                <a:effectLst/>
-                <a:latin typeface="+mn-lt"/>
-                <a:ea typeface="+mn-ea"/>
-                <a:cs typeface="+mn-cs"/>
-                <a:hlinkClick r:id="rId3"/>
-              </a:rPr>
-              <a:t>deploymentTemplate.json</a:t>
-            </a:r>
-            <a:r>
-              <a:rPr lang="en-US" sz="1200" u="sng" kern="1200" dirty="0">
-                <a:solidFill>
-                  <a:schemeClr val="tx1"/>
-                </a:solidFill>
-                <a:effectLst/>
-                <a:latin typeface="+mn-lt"/>
-                <a:ea typeface="+mn-ea"/>
-                <a:cs typeface="+mn-cs"/>
-                <a:hlinkClick r:id="rId3"/>
-              </a:rPr>
-              <a:t>#</a:t>
-            </a:r>
-            <a:r>
-              <a:rPr lang="en-US" sz="1200" kern="1200" dirty="0">
-                <a:solidFill>
-                  <a:schemeClr val="tx1"/>
-                </a:solidFill>
-                <a:effectLst/>
-                <a:latin typeface="+mn-lt"/>
-                <a:ea typeface="+mn-ea"/>
-                <a:cs typeface="+mn-cs"/>
-              </a:rPr>
-              <a:t>",</a:t>
-            </a:r>
-            <a:br>
-              <a:rPr lang="en-US" sz="1200" kern="1200" dirty="0">
-                <a:solidFill>
-                  <a:schemeClr val="tx1"/>
-                </a:solidFill>
-                <a:effectLst/>
-                <a:latin typeface="+mn-lt"/>
-                <a:ea typeface="+mn-ea"/>
-                <a:cs typeface="+mn-cs"/>
-              </a:rPr>
-            </a:br>
-            <a:r>
-              <a:rPr lang="en-US" sz="1200" kern="1200" dirty="0">
-                <a:solidFill>
-                  <a:schemeClr val="tx1"/>
-                </a:solidFill>
-                <a:effectLst/>
-                <a:latin typeface="+mn-lt"/>
-                <a:ea typeface="+mn-ea"/>
-                <a:cs typeface="+mn-cs"/>
-              </a:rPr>
-              <a:t>    "</a:t>
-            </a:r>
-            <a:r>
-              <a:rPr lang="en-US" sz="1200" kern="1200" dirty="0" err="1">
-                <a:solidFill>
-                  <a:schemeClr val="tx1"/>
-                </a:solidFill>
-                <a:effectLst/>
-                <a:latin typeface="+mn-lt"/>
-                <a:ea typeface="+mn-ea"/>
-                <a:cs typeface="+mn-cs"/>
-              </a:rPr>
-              <a:t>contentVersion</a:t>
-            </a:r>
-            <a:r>
-              <a:rPr lang="en-US" sz="1200" kern="1200" dirty="0">
-                <a:solidFill>
-                  <a:schemeClr val="tx1"/>
-                </a:solidFill>
-                <a:effectLst/>
-                <a:latin typeface="+mn-lt"/>
-                <a:ea typeface="+mn-ea"/>
-                <a:cs typeface="+mn-cs"/>
-              </a:rPr>
-              <a:t>": "1.0.0.0",</a:t>
-            </a:r>
-            <a:br>
-              <a:rPr lang="en-US" sz="1200" kern="1200" dirty="0">
-                <a:solidFill>
-                  <a:schemeClr val="tx1"/>
-                </a:solidFill>
-                <a:effectLst/>
-                <a:latin typeface="+mn-lt"/>
-                <a:ea typeface="+mn-ea"/>
-                <a:cs typeface="+mn-cs"/>
-              </a:rPr>
-            </a:br>
-            <a:r>
-              <a:rPr lang="en-US" sz="1200" kern="1200" dirty="0">
-                <a:solidFill>
-                  <a:schemeClr val="tx1"/>
-                </a:solidFill>
-                <a:effectLst/>
-                <a:latin typeface="+mn-lt"/>
-                <a:ea typeface="+mn-ea"/>
-                <a:cs typeface="+mn-cs"/>
-              </a:rPr>
-              <a:t>    "parameters": {</a:t>
-            </a:r>
-            <a:br>
-              <a:rPr lang="en-US" sz="1200" kern="1200" dirty="0">
-                <a:solidFill>
-                  <a:schemeClr val="tx1"/>
-                </a:solidFill>
-                <a:effectLst/>
-                <a:latin typeface="+mn-lt"/>
-                <a:ea typeface="+mn-ea"/>
-                <a:cs typeface="+mn-cs"/>
-              </a:rPr>
-            </a:br>
-            <a:r>
-              <a:rPr lang="en-US" sz="1200" kern="1200" dirty="0">
-                <a:solidFill>
-                  <a:schemeClr val="tx1"/>
-                </a:solidFill>
-                <a:effectLst/>
-                <a:latin typeface="+mn-lt"/>
-                <a:ea typeface="+mn-ea"/>
-                <a:cs typeface="+mn-cs"/>
-              </a:rPr>
-              <a:t>        "</a:t>
-            </a:r>
-            <a:r>
-              <a:rPr lang="en-US" sz="1200" kern="1200" dirty="0" err="1">
-                <a:solidFill>
-                  <a:schemeClr val="tx1"/>
-                </a:solidFill>
-                <a:effectLst/>
-                <a:latin typeface="+mn-lt"/>
-                <a:ea typeface="+mn-ea"/>
-                <a:cs typeface="+mn-cs"/>
-              </a:rPr>
-              <a:t>storageAccountType</a:t>
-            </a:r>
-            <a:r>
-              <a:rPr lang="en-US" sz="1200" kern="1200" dirty="0">
-                <a:solidFill>
-                  <a:schemeClr val="tx1"/>
-                </a:solidFill>
-                <a:effectLst/>
-                <a:latin typeface="+mn-lt"/>
-                <a:ea typeface="+mn-ea"/>
-                <a:cs typeface="+mn-cs"/>
-              </a:rPr>
-              <a:t>": {</a:t>
-            </a:r>
-            <a:br>
-              <a:rPr lang="en-US" sz="1200" kern="1200" dirty="0">
-                <a:solidFill>
-                  <a:schemeClr val="tx1"/>
-                </a:solidFill>
-                <a:effectLst/>
-                <a:latin typeface="+mn-lt"/>
-                <a:ea typeface="+mn-ea"/>
-                <a:cs typeface="+mn-cs"/>
-              </a:rPr>
-            </a:br>
-            <a:r>
-              <a:rPr lang="en-US" sz="1200" kern="1200" dirty="0">
-                <a:solidFill>
-                  <a:schemeClr val="tx1"/>
-                </a:solidFill>
-                <a:effectLst/>
-                <a:latin typeface="+mn-lt"/>
-                <a:ea typeface="+mn-ea"/>
-                <a:cs typeface="+mn-cs"/>
-              </a:rPr>
-              <a:t>            "type": "string",</a:t>
-            </a:r>
-            <a:br>
-              <a:rPr lang="en-US" sz="1200" kern="1200" dirty="0">
-                <a:solidFill>
-                  <a:schemeClr val="tx1"/>
-                </a:solidFill>
-                <a:effectLst/>
-                <a:latin typeface="+mn-lt"/>
-                <a:ea typeface="+mn-ea"/>
-                <a:cs typeface="+mn-cs"/>
-              </a:rPr>
-            </a:br>
-            <a:r>
-              <a:rPr lang="en-US" sz="1200" kern="1200" dirty="0">
-                <a:solidFill>
-                  <a:schemeClr val="tx1"/>
-                </a:solidFill>
-                <a:effectLst/>
-                <a:latin typeface="+mn-lt"/>
-                <a:ea typeface="+mn-ea"/>
-                <a:cs typeface="+mn-cs"/>
-              </a:rPr>
-              <a:t>            "</a:t>
-            </a:r>
-            <a:r>
-              <a:rPr lang="en-US" sz="1200" kern="1200" dirty="0" err="1">
-                <a:solidFill>
-                  <a:schemeClr val="tx1"/>
-                </a:solidFill>
-                <a:effectLst/>
-                <a:latin typeface="+mn-lt"/>
-                <a:ea typeface="+mn-ea"/>
-                <a:cs typeface="+mn-cs"/>
-              </a:rPr>
-              <a:t>defaultValue</a:t>
-            </a:r>
-            <a:r>
-              <a:rPr lang="en-US" sz="1200" kern="1200" dirty="0">
-                <a:solidFill>
-                  <a:schemeClr val="tx1"/>
-                </a:solidFill>
-                <a:effectLst/>
-                <a:latin typeface="+mn-lt"/>
-                <a:ea typeface="+mn-ea"/>
-                <a:cs typeface="+mn-cs"/>
-              </a:rPr>
-              <a:t>": "</a:t>
-            </a:r>
-            <a:r>
-              <a:rPr lang="en-US" sz="1200" kern="1200" dirty="0" err="1">
-                <a:solidFill>
-                  <a:schemeClr val="tx1"/>
-                </a:solidFill>
-                <a:effectLst/>
-                <a:latin typeface="+mn-lt"/>
-                <a:ea typeface="+mn-ea"/>
-                <a:cs typeface="+mn-cs"/>
-              </a:rPr>
-              <a:t>Standard_LRS</a:t>
-            </a:r>
-            <a:r>
-              <a:rPr lang="en-US" sz="1200" kern="1200" dirty="0">
-                <a:solidFill>
-                  <a:schemeClr val="tx1"/>
-                </a:solidFill>
-                <a:effectLst/>
-                <a:latin typeface="+mn-lt"/>
-                <a:ea typeface="+mn-ea"/>
-                <a:cs typeface="+mn-cs"/>
-              </a:rPr>
-              <a:t>",</a:t>
-            </a:r>
-            <a:br>
-              <a:rPr lang="en-US" sz="1200" kern="1200" dirty="0">
-                <a:solidFill>
-                  <a:schemeClr val="tx1"/>
-                </a:solidFill>
-                <a:effectLst/>
-                <a:latin typeface="+mn-lt"/>
-                <a:ea typeface="+mn-ea"/>
-                <a:cs typeface="+mn-cs"/>
-              </a:rPr>
-            </a:br>
-            <a:r>
-              <a:rPr lang="en-US" sz="1200" kern="1200" dirty="0">
-                <a:solidFill>
-                  <a:schemeClr val="tx1"/>
-                </a:solidFill>
-                <a:effectLst/>
-                <a:latin typeface="+mn-lt"/>
-                <a:ea typeface="+mn-ea"/>
-                <a:cs typeface="+mn-cs"/>
-              </a:rPr>
-              <a:t>            "</a:t>
-            </a:r>
-            <a:r>
-              <a:rPr lang="en-US" sz="1200" kern="1200" dirty="0" err="1">
-                <a:solidFill>
-                  <a:schemeClr val="tx1"/>
-                </a:solidFill>
-                <a:effectLst/>
-                <a:latin typeface="+mn-lt"/>
-                <a:ea typeface="+mn-ea"/>
-                <a:cs typeface="+mn-cs"/>
-              </a:rPr>
-              <a:t>allowedValues</a:t>
-            </a:r>
-            <a:r>
-              <a:rPr lang="en-US" sz="1200" kern="1200" dirty="0">
-                <a:solidFill>
-                  <a:schemeClr val="tx1"/>
-                </a:solidFill>
-                <a:effectLst/>
-                <a:latin typeface="+mn-lt"/>
-                <a:ea typeface="+mn-ea"/>
-                <a:cs typeface="+mn-cs"/>
-              </a:rPr>
-              <a:t>": [</a:t>
-            </a:r>
-            <a:br>
-              <a:rPr lang="en-US" sz="1200" kern="1200" dirty="0">
-                <a:solidFill>
-                  <a:schemeClr val="tx1"/>
-                </a:solidFill>
-                <a:effectLst/>
-                <a:latin typeface="+mn-lt"/>
-                <a:ea typeface="+mn-ea"/>
-                <a:cs typeface="+mn-cs"/>
-              </a:rPr>
-            </a:br>
-            <a:r>
-              <a:rPr lang="en-US" sz="1200" kern="1200" dirty="0">
-                <a:solidFill>
-                  <a:schemeClr val="tx1"/>
-                </a:solidFill>
-                <a:effectLst/>
-                <a:latin typeface="+mn-lt"/>
-                <a:ea typeface="+mn-ea"/>
-                <a:cs typeface="+mn-cs"/>
-              </a:rPr>
-              <a:t>                "</a:t>
-            </a:r>
-            <a:r>
-              <a:rPr lang="en-US" sz="1200" kern="1200" dirty="0" err="1">
-                <a:solidFill>
-                  <a:schemeClr val="tx1"/>
-                </a:solidFill>
-                <a:effectLst/>
-                <a:latin typeface="+mn-lt"/>
-                <a:ea typeface="+mn-ea"/>
-                <a:cs typeface="+mn-cs"/>
-              </a:rPr>
-              <a:t>Standard_LRS</a:t>
-            </a:r>
-            <a:r>
-              <a:rPr lang="en-US" sz="1200" kern="1200" dirty="0">
-                <a:solidFill>
-                  <a:schemeClr val="tx1"/>
-                </a:solidFill>
-                <a:effectLst/>
-                <a:latin typeface="+mn-lt"/>
-                <a:ea typeface="+mn-ea"/>
-                <a:cs typeface="+mn-cs"/>
-              </a:rPr>
-              <a:t>",</a:t>
-            </a:r>
-            <a:br>
-              <a:rPr lang="en-US" sz="1200" kern="1200" dirty="0">
-                <a:solidFill>
-                  <a:schemeClr val="tx1"/>
-                </a:solidFill>
-                <a:effectLst/>
-                <a:latin typeface="+mn-lt"/>
-                <a:ea typeface="+mn-ea"/>
-                <a:cs typeface="+mn-cs"/>
-              </a:rPr>
-            </a:br>
-            <a:r>
-              <a:rPr lang="en-US" sz="1200" kern="1200" dirty="0">
-                <a:solidFill>
-                  <a:schemeClr val="tx1"/>
-                </a:solidFill>
-                <a:effectLst/>
-                <a:latin typeface="+mn-lt"/>
-                <a:ea typeface="+mn-ea"/>
-                <a:cs typeface="+mn-cs"/>
-              </a:rPr>
-              <a:t>                "</a:t>
-            </a:r>
-            <a:r>
-              <a:rPr lang="en-US" sz="1200" kern="1200" dirty="0" err="1">
-                <a:solidFill>
-                  <a:schemeClr val="tx1"/>
-                </a:solidFill>
-                <a:effectLst/>
-                <a:latin typeface="+mn-lt"/>
-                <a:ea typeface="+mn-ea"/>
-                <a:cs typeface="+mn-cs"/>
-              </a:rPr>
-              <a:t>Standard_GRS</a:t>
-            </a:r>
-            <a:r>
-              <a:rPr lang="en-US" sz="1200" kern="1200" dirty="0">
-                <a:solidFill>
-                  <a:schemeClr val="tx1"/>
-                </a:solidFill>
-                <a:effectLst/>
-                <a:latin typeface="+mn-lt"/>
-                <a:ea typeface="+mn-ea"/>
-                <a:cs typeface="+mn-cs"/>
-              </a:rPr>
-              <a:t>",</a:t>
-            </a:r>
-            <a:br>
-              <a:rPr lang="en-US" sz="1200" kern="1200" dirty="0">
-                <a:solidFill>
-                  <a:schemeClr val="tx1"/>
-                </a:solidFill>
-                <a:effectLst/>
-                <a:latin typeface="+mn-lt"/>
-                <a:ea typeface="+mn-ea"/>
-                <a:cs typeface="+mn-cs"/>
-              </a:rPr>
-            </a:br>
-            <a:r>
-              <a:rPr lang="en-US" sz="1200" kern="1200" dirty="0">
-                <a:solidFill>
-                  <a:schemeClr val="tx1"/>
-                </a:solidFill>
-                <a:effectLst/>
-                <a:latin typeface="+mn-lt"/>
-                <a:ea typeface="+mn-ea"/>
-                <a:cs typeface="+mn-cs"/>
-              </a:rPr>
-              <a:t>                "</a:t>
-            </a:r>
-            <a:r>
-              <a:rPr lang="en-US" sz="1200" kern="1200" dirty="0" err="1">
-                <a:solidFill>
-                  <a:schemeClr val="tx1"/>
-                </a:solidFill>
-                <a:effectLst/>
-                <a:latin typeface="+mn-lt"/>
-                <a:ea typeface="+mn-ea"/>
-                <a:cs typeface="+mn-cs"/>
-              </a:rPr>
-              <a:t>Standard_ZRS</a:t>
-            </a:r>
-            <a:r>
-              <a:rPr lang="en-US" sz="1200" kern="1200" dirty="0">
-                <a:solidFill>
-                  <a:schemeClr val="tx1"/>
-                </a:solidFill>
-                <a:effectLst/>
-                <a:latin typeface="+mn-lt"/>
-                <a:ea typeface="+mn-ea"/>
-                <a:cs typeface="+mn-cs"/>
-              </a:rPr>
-              <a:t>",</a:t>
-            </a:r>
-            <a:br>
-              <a:rPr lang="en-US" sz="1200" kern="1200" dirty="0">
-                <a:solidFill>
-                  <a:schemeClr val="tx1"/>
-                </a:solidFill>
-                <a:effectLst/>
-                <a:latin typeface="+mn-lt"/>
-                <a:ea typeface="+mn-ea"/>
-                <a:cs typeface="+mn-cs"/>
-              </a:rPr>
-            </a:br>
-            <a:r>
-              <a:rPr lang="en-US" sz="1200" kern="1200" dirty="0">
-                <a:solidFill>
-                  <a:schemeClr val="tx1"/>
-                </a:solidFill>
-                <a:effectLst/>
-                <a:latin typeface="+mn-lt"/>
-                <a:ea typeface="+mn-ea"/>
-                <a:cs typeface="+mn-cs"/>
-              </a:rPr>
-              <a:t>                "</a:t>
-            </a:r>
-            <a:r>
-              <a:rPr lang="en-US" sz="1200" kern="1200" dirty="0" err="1">
-                <a:solidFill>
-                  <a:schemeClr val="tx1"/>
-                </a:solidFill>
-                <a:effectLst/>
-                <a:latin typeface="+mn-lt"/>
-                <a:ea typeface="+mn-ea"/>
-                <a:cs typeface="+mn-cs"/>
-              </a:rPr>
-              <a:t>Premium_LRS</a:t>
-            </a:r>
-            <a:r>
-              <a:rPr lang="en-US" sz="1200" kern="1200" dirty="0">
-                <a:solidFill>
-                  <a:schemeClr val="tx1"/>
-                </a:solidFill>
-                <a:effectLst/>
-                <a:latin typeface="+mn-lt"/>
-                <a:ea typeface="+mn-ea"/>
-                <a:cs typeface="+mn-cs"/>
-              </a:rPr>
-              <a:t>"</a:t>
-            </a:r>
-            <a:br>
-              <a:rPr lang="en-US" sz="1200" kern="1200" dirty="0">
-                <a:solidFill>
-                  <a:schemeClr val="tx1"/>
-                </a:solidFill>
-                <a:effectLst/>
-                <a:latin typeface="+mn-lt"/>
-                <a:ea typeface="+mn-ea"/>
-                <a:cs typeface="+mn-cs"/>
-              </a:rPr>
-            </a:br>
-            <a:r>
-              <a:rPr lang="en-US" sz="1200" kern="1200" dirty="0">
-                <a:solidFill>
-                  <a:schemeClr val="tx1"/>
-                </a:solidFill>
-                <a:effectLst/>
-                <a:latin typeface="+mn-lt"/>
-                <a:ea typeface="+mn-ea"/>
-                <a:cs typeface="+mn-cs"/>
-              </a:rPr>
-              <a:t>            ],</a:t>
-            </a:r>
-            <a:br>
-              <a:rPr lang="en-US" sz="1200" kern="1200" dirty="0">
-                <a:solidFill>
-                  <a:schemeClr val="tx1"/>
-                </a:solidFill>
-                <a:effectLst/>
-                <a:latin typeface="+mn-lt"/>
-                <a:ea typeface="+mn-ea"/>
-                <a:cs typeface="+mn-cs"/>
-              </a:rPr>
-            </a:br>
-            <a:r>
-              <a:rPr lang="en-US" sz="1200" kern="1200" dirty="0">
-                <a:solidFill>
-                  <a:schemeClr val="tx1"/>
-                </a:solidFill>
-                <a:effectLst/>
-                <a:latin typeface="+mn-lt"/>
-                <a:ea typeface="+mn-ea"/>
-                <a:cs typeface="+mn-cs"/>
-              </a:rPr>
-              <a:t>            "metadata": {</a:t>
-            </a:r>
-            <a:br>
-              <a:rPr lang="en-US" sz="1200" kern="1200" dirty="0">
-                <a:solidFill>
-                  <a:schemeClr val="tx1"/>
-                </a:solidFill>
-                <a:effectLst/>
-                <a:latin typeface="+mn-lt"/>
-                <a:ea typeface="+mn-ea"/>
-                <a:cs typeface="+mn-cs"/>
-              </a:rPr>
-            </a:br>
-            <a:r>
-              <a:rPr lang="en-US" sz="1200" kern="1200" dirty="0">
-                <a:solidFill>
-                  <a:schemeClr val="tx1"/>
-                </a:solidFill>
-                <a:effectLst/>
-                <a:latin typeface="+mn-lt"/>
-                <a:ea typeface="+mn-ea"/>
-                <a:cs typeface="+mn-cs"/>
-              </a:rPr>
-              <a:t>                "description": "Storage Account type"</a:t>
-            </a:r>
-            <a:br>
-              <a:rPr lang="en-US" sz="1200" kern="1200" dirty="0">
-                <a:solidFill>
-                  <a:schemeClr val="tx1"/>
-                </a:solidFill>
-                <a:effectLst/>
-                <a:latin typeface="+mn-lt"/>
-                <a:ea typeface="+mn-ea"/>
-                <a:cs typeface="+mn-cs"/>
-              </a:rPr>
-            </a:br>
-            <a:r>
-              <a:rPr lang="en-US" sz="1200" kern="1200" dirty="0">
-                <a:solidFill>
-                  <a:schemeClr val="tx1"/>
-                </a:solidFill>
-                <a:effectLst/>
-                <a:latin typeface="+mn-lt"/>
-                <a:ea typeface="+mn-ea"/>
-                <a:cs typeface="+mn-cs"/>
-              </a:rPr>
-              <a:t>            }</a:t>
-            </a:r>
-            <a:br>
-              <a:rPr lang="en-US" sz="1200" kern="1200" dirty="0">
-                <a:solidFill>
-                  <a:schemeClr val="tx1"/>
-                </a:solidFill>
-                <a:effectLst/>
-                <a:latin typeface="+mn-lt"/>
-                <a:ea typeface="+mn-ea"/>
-                <a:cs typeface="+mn-cs"/>
-              </a:rPr>
-            </a:br>
-            <a:r>
-              <a:rPr lang="en-US" sz="1200" kern="1200" dirty="0">
-                <a:solidFill>
-                  <a:schemeClr val="tx1"/>
-                </a:solidFill>
-                <a:effectLst/>
-                <a:latin typeface="+mn-lt"/>
-                <a:ea typeface="+mn-ea"/>
-                <a:cs typeface="+mn-cs"/>
-              </a:rPr>
-              <a:t>        }</a:t>
-            </a:r>
-            <a:br>
-              <a:rPr lang="en-US" sz="1200" kern="1200" dirty="0">
-                <a:solidFill>
-                  <a:schemeClr val="tx1"/>
-                </a:solidFill>
-                <a:effectLst/>
-                <a:latin typeface="+mn-lt"/>
-                <a:ea typeface="+mn-ea"/>
-                <a:cs typeface="+mn-cs"/>
-              </a:rPr>
-            </a:br>
-            <a:r>
-              <a:rPr lang="en-US" sz="1200" kern="1200" dirty="0">
-                <a:solidFill>
-                  <a:schemeClr val="tx1"/>
-                </a:solidFill>
-                <a:effectLst/>
-                <a:latin typeface="+mn-lt"/>
-                <a:ea typeface="+mn-ea"/>
-                <a:cs typeface="+mn-cs"/>
-              </a:rPr>
-              <a:t>    },</a:t>
-            </a:r>
-            <a:br>
-              <a:rPr lang="en-US" sz="1200" kern="1200" dirty="0">
-                <a:solidFill>
-                  <a:schemeClr val="tx1"/>
-                </a:solidFill>
-                <a:effectLst/>
-                <a:latin typeface="+mn-lt"/>
-                <a:ea typeface="+mn-ea"/>
-                <a:cs typeface="+mn-cs"/>
-              </a:rPr>
-            </a:br>
-            <a:r>
-              <a:rPr lang="en-US" sz="1200" kern="1200" dirty="0">
-                <a:solidFill>
-                  <a:schemeClr val="tx1"/>
-                </a:solidFill>
-                <a:effectLst/>
-                <a:latin typeface="+mn-lt"/>
-                <a:ea typeface="+mn-ea"/>
-                <a:cs typeface="+mn-cs"/>
-              </a:rPr>
-              <a:t>    "variables": {</a:t>
-            </a:r>
-            <a:br>
-              <a:rPr lang="en-US" sz="1200" kern="1200" dirty="0">
-                <a:solidFill>
-                  <a:schemeClr val="tx1"/>
-                </a:solidFill>
-                <a:effectLst/>
-                <a:latin typeface="+mn-lt"/>
-                <a:ea typeface="+mn-ea"/>
-                <a:cs typeface="+mn-cs"/>
-              </a:rPr>
-            </a:br>
-            <a:r>
-              <a:rPr lang="en-US" sz="1200" kern="1200" dirty="0">
-                <a:solidFill>
-                  <a:schemeClr val="tx1"/>
-                </a:solidFill>
-                <a:effectLst/>
-                <a:latin typeface="+mn-lt"/>
-                <a:ea typeface="+mn-ea"/>
-                <a:cs typeface="+mn-cs"/>
-              </a:rPr>
-              <a:t>        "</a:t>
-            </a:r>
-            <a:r>
-              <a:rPr lang="en-US" sz="1200" kern="1200" dirty="0" err="1">
-                <a:solidFill>
-                  <a:schemeClr val="tx1"/>
-                </a:solidFill>
-                <a:effectLst/>
-                <a:latin typeface="+mn-lt"/>
-                <a:ea typeface="+mn-ea"/>
-                <a:cs typeface="+mn-cs"/>
-              </a:rPr>
-              <a:t>storageAccountName</a:t>
-            </a:r>
-            <a:r>
-              <a:rPr lang="en-US" sz="1200" kern="1200" dirty="0">
-                <a:solidFill>
-                  <a:schemeClr val="tx1"/>
-                </a:solidFill>
-                <a:effectLst/>
-                <a:latin typeface="+mn-lt"/>
-                <a:ea typeface="+mn-ea"/>
-                <a:cs typeface="+mn-cs"/>
-              </a:rPr>
-              <a:t>": "[</a:t>
-            </a:r>
-            <a:r>
-              <a:rPr lang="en-US" sz="1200" kern="1200" dirty="0" err="1">
-                <a:solidFill>
-                  <a:schemeClr val="tx1"/>
-                </a:solidFill>
-                <a:effectLst/>
-                <a:latin typeface="+mn-lt"/>
-                <a:ea typeface="+mn-ea"/>
-                <a:cs typeface="+mn-cs"/>
-              </a:rPr>
-              <a:t>concat</a:t>
-            </a:r>
-            <a:r>
-              <a:rPr lang="en-US" sz="1200" kern="1200" dirty="0">
-                <a:solidFill>
-                  <a:schemeClr val="tx1"/>
-                </a:solidFill>
-                <a:effectLst/>
-                <a:latin typeface="+mn-lt"/>
-                <a:ea typeface="+mn-ea"/>
-                <a:cs typeface="+mn-cs"/>
-              </a:rPr>
-              <a:t>(</a:t>
-            </a:r>
-            <a:r>
-              <a:rPr lang="en-US" sz="1200" kern="1200" dirty="0" err="1">
-                <a:solidFill>
-                  <a:schemeClr val="tx1"/>
-                </a:solidFill>
-                <a:effectLst/>
-                <a:latin typeface="+mn-lt"/>
-                <a:ea typeface="+mn-ea"/>
-                <a:cs typeface="+mn-cs"/>
-              </a:rPr>
-              <a:t>uniquestring</a:t>
-            </a:r>
-            <a:r>
-              <a:rPr lang="en-US" sz="1200" kern="1200" dirty="0">
-                <a:solidFill>
-                  <a:schemeClr val="tx1"/>
-                </a:solidFill>
-                <a:effectLst/>
-                <a:latin typeface="+mn-lt"/>
-                <a:ea typeface="+mn-ea"/>
-                <a:cs typeface="+mn-cs"/>
-              </a:rPr>
-              <a:t>(</a:t>
-            </a:r>
-            <a:r>
-              <a:rPr lang="en-US" sz="1200" kern="1200" dirty="0" err="1">
-                <a:solidFill>
-                  <a:schemeClr val="tx1"/>
-                </a:solidFill>
-                <a:effectLst/>
-                <a:latin typeface="+mn-lt"/>
-                <a:ea typeface="+mn-ea"/>
-                <a:cs typeface="+mn-cs"/>
-              </a:rPr>
-              <a:t>resourceGroup</a:t>
-            </a:r>
-            <a:r>
-              <a:rPr lang="en-US" sz="1200" kern="1200" dirty="0">
-                <a:solidFill>
-                  <a:schemeClr val="tx1"/>
-                </a:solidFill>
-                <a:effectLst/>
-                <a:latin typeface="+mn-lt"/>
-                <a:ea typeface="+mn-ea"/>
-                <a:cs typeface="+mn-cs"/>
-              </a:rPr>
-              <a:t>().id), '</a:t>
-            </a:r>
-            <a:r>
-              <a:rPr lang="en-US" sz="1200" kern="1200" dirty="0" err="1">
-                <a:solidFill>
-                  <a:schemeClr val="tx1"/>
-                </a:solidFill>
-                <a:effectLst/>
-                <a:latin typeface="+mn-lt"/>
-                <a:ea typeface="+mn-ea"/>
-                <a:cs typeface="+mn-cs"/>
-              </a:rPr>
-              <a:t>standardsa</a:t>
-            </a:r>
-            <a:r>
-              <a:rPr lang="en-US" sz="1200" kern="1200" dirty="0">
-                <a:solidFill>
-                  <a:schemeClr val="tx1"/>
-                </a:solidFill>
-                <a:effectLst/>
-                <a:latin typeface="+mn-lt"/>
-                <a:ea typeface="+mn-ea"/>
-                <a:cs typeface="+mn-cs"/>
-              </a:rPr>
-              <a:t>')]"</a:t>
-            </a:r>
-            <a:br>
-              <a:rPr lang="en-US" sz="1200" kern="1200" dirty="0">
-                <a:solidFill>
-                  <a:schemeClr val="tx1"/>
-                </a:solidFill>
-                <a:effectLst/>
-                <a:latin typeface="+mn-lt"/>
-                <a:ea typeface="+mn-ea"/>
-                <a:cs typeface="+mn-cs"/>
-              </a:rPr>
-            </a:br>
-            <a:r>
-              <a:rPr lang="en-US" sz="1200" kern="1200" dirty="0">
-                <a:solidFill>
-                  <a:schemeClr val="tx1"/>
-                </a:solidFill>
-                <a:effectLst/>
-                <a:latin typeface="+mn-lt"/>
-                <a:ea typeface="+mn-ea"/>
-                <a:cs typeface="+mn-cs"/>
-              </a:rPr>
-              <a:t>    },</a:t>
-            </a:r>
-            <a:br>
-              <a:rPr lang="en-US" sz="1200" kern="1200" dirty="0">
-                <a:solidFill>
-                  <a:schemeClr val="tx1"/>
-                </a:solidFill>
-                <a:effectLst/>
-                <a:latin typeface="+mn-lt"/>
-                <a:ea typeface="+mn-ea"/>
-                <a:cs typeface="+mn-cs"/>
-              </a:rPr>
-            </a:br>
-            <a:r>
-              <a:rPr lang="en-US" sz="1200" kern="1200" dirty="0">
-                <a:solidFill>
-                  <a:schemeClr val="tx1"/>
-                </a:solidFill>
-                <a:effectLst/>
-                <a:latin typeface="+mn-lt"/>
-                <a:ea typeface="+mn-ea"/>
-                <a:cs typeface="+mn-cs"/>
-              </a:rPr>
-              <a:t>    "resources": [{</a:t>
-            </a:r>
-            <a:br>
-              <a:rPr lang="en-US" sz="1200" kern="1200" dirty="0">
-                <a:solidFill>
-                  <a:schemeClr val="tx1"/>
-                </a:solidFill>
-                <a:effectLst/>
-                <a:latin typeface="+mn-lt"/>
-                <a:ea typeface="+mn-ea"/>
-                <a:cs typeface="+mn-cs"/>
-              </a:rPr>
-            </a:br>
-            <a:r>
-              <a:rPr lang="en-US" sz="1200" kern="1200" dirty="0">
-                <a:solidFill>
-                  <a:schemeClr val="tx1"/>
-                </a:solidFill>
-                <a:effectLst/>
-                <a:latin typeface="+mn-lt"/>
-                <a:ea typeface="+mn-ea"/>
-                <a:cs typeface="+mn-cs"/>
-              </a:rPr>
-              <a:t>        "type": "</a:t>
-            </a:r>
-            <a:r>
-              <a:rPr lang="en-US" sz="1200" kern="1200" dirty="0" err="1">
-                <a:solidFill>
-                  <a:schemeClr val="tx1"/>
-                </a:solidFill>
-                <a:effectLst/>
-                <a:latin typeface="+mn-lt"/>
-                <a:ea typeface="+mn-ea"/>
-                <a:cs typeface="+mn-cs"/>
-              </a:rPr>
-              <a:t>Microsoft.Storage</a:t>
-            </a:r>
-            <a:r>
-              <a:rPr lang="en-US" sz="1200" kern="1200" dirty="0">
-                <a:solidFill>
-                  <a:schemeClr val="tx1"/>
-                </a:solidFill>
-                <a:effectLst/>
-                <a:latin typeface="+mn-lt"/>
-                <a:ea typeface="+mn-ea"/>
-                <a:cs typeface="+mn-cs"/>
-              </a:rPr>
-              <a:t>/</a:t>
-            </a:r>
-            <a:r>
-              <a:rPr lang="en-US" sz="1200" kern="1200" dirty="0" err="1">
-                <a:solidFill>
-                  <a:schemeClr val="tx1"/>
-                </a:solidFill>
-                <a:effectLst/>
-                <a:latin typeface="+mn-lt"/>
-                <a:ea typeface="+mn-ea"/>
-                <a:cs typeface="+mn-cs"/>
-              </a:rPr>
-              <a:t>storageAccounts</a:t>
-            </a:r>
-            <a:r>
-              <a:rPr lang="en-US" sz="1200" kern="1200" dirty="0">
-                <a:solidFill>
-                  <a:schemeClr val="tx1"/>
-                </a:solidFill>
-                <a:effectLst/>
-                <a:latin typeface="+mn-lt"/>
-                <a:ea typeface="+mn-ea"/>
-                <a:cs typeface="+mn-cs"/>
-              </a:rPr>
-              <a:t>",</a:t>
-            </a:r>
-            <a:br>
-              <a:rPr lang="en-US" sz="1200" kern="1200" dirty="0">
-                <a:solidFill>
-                  <a:schemeClr val="tx1"/>
-                </a:solidFill>
-                <a:effectLst/>
-                <a:latin typeface="+mn-lt"/>
-                <a:ea typeface="+mn-ea"/>
-                <a:cs typeface="+mn-cs"/>
-              </a:rPr>
-            </a:br>
-            <a:r>
-              <a:rPr lang="en-US" sz="1200" kern="1200" dirty="0">
-                <a:solidFill>
-                  <a:schemeClr val="tx1"/>
-                </a:solidFill>
-                <a:effectLst/>
-                <a:latin typeface="+mn-lt"/>
-                <a:ea typeface="+mn-ea"/>
-                <a:cs typeface="+mn-cs"/>
-              </a:rPr>
-              <a:t>        "name": "[variables('</a:t>
-            </a:r>
-            <a:r>
-              <a:rPr lang="en-US" sz="1200" kern="1200" dirty="0" err="1">
-                <a:solidFill>
-                  <a:schemeClr val="tx1"/>
-                </a:solidFill>
-                <a:effectLst/>
-                <a:latin typeface="+mn-lt"/>
-                <a:ea typeface="+mn-ea"/>
-                <a:cs typeface="+mn-cs"/>
-              </a:rPr>
-              <a:t>storageAccountName</a:t>
-            </a:r>
-            <a:r>
-              <a:rPr lang="en-US" sz="1200" kern="1200" dirty="0">
-                <a:solidFill>
-                  <a:schemeClr val="tx1"/>
-                </a:solidFill>
-                <a:effectLst/>
-                <a:latin typeface="+mn-lt"/>
-                <a:ea typeface="+mn-ea"/>
-                <a:cs typeface="+mn-cs"/>
-              </a:rPr>
-              <a:t>')]",</a:t>
-            </a:r>
-            <a:br>
-              <a:rPr lang="en-US" sz="1200" kern="1200" dirty="0">
-                <a:solidFill>
-                  <a:schemeClr val="tx1"/>
-                </a:solidFill>
-                <a:effectLst/>
-                <a:latin typeface="+mn-lt"/>
-                <a:ea typeface="+mn-ea"/>
-                <a:cs typeface="+mn-cs"/>
-              </a:rPr>
-            </a:br>
-            <a:r>
-              <a:rPr lang="en-US" sz="1200" kern="1200" dirty="0">
-                <a:solidFill>
-                  <a:schemeClr val="tx1"/>
-                </a:solidFill>
-                <a:effectLst/>
-                <a:latin typeface="+mn-lt"/>
-                <a:ea typeface="+mn-ea"/>
-                <a:cs typeface="+mn-cs"/>
-              </a:rPr>
-              <a:t>        "</a:t>
-            </a:r>
-            <a:r>
-              <a:rPr lang="en-US" sz="1200" kern="1200" dirty="0" err="1">
-                <a:solidFill>
-                  <a:schemeClr val="tx1"/>
-                </a:solidFill>
-                <a:effectLst/>
-                <a:latin typeface="+mn-lt"/>
-                <a:ea typeface="+mn-ea"/>
-                <a:cs typeface="+mn-cs"/>
-              </a:rPr>
-              <a:t>apiVersion</a:t>
-            </a:r>
-            <a:r>
-              <a:rPr lang="en-US" sz="1200" kern="1200" dirty="0">
-                <a:solidFill>
-                  <a:schemeClr val="tx1"/>
-                </a:solidFill>
-                <a:effectLst/>
-                <a:latin typeface="+mn-lt"/>
-                <a:ea typeface="+mn-ea"/>
-                <a:cs typeface="+mn-cs"/>
-              </a:rPr>
-              <a:t>": "2016-01-01",</a:t>
-            </a:r>
-            <a:br>
-              <a:rPr lang="en-US" sz="1200" kern="1200" dirty="0">
-                <a:solidFill>
-                  <a:schemeClr val="tx1"/>
-                </a:solidFill>
-                <a:effectLst/>
-                <a:latin typeface="+mn-lt"/>
-                <a:ea typeface="+mn-ea"/>
-                <a:cs typeface="+mn-cs"/>
-              </a:rPr>
-            </a:br>
-            <a:r>
-              <a:rPr lang="en-US" sz="1200" kern="1200" dirty="0">
-                <a:solidFill>
-                  <a:schemeClr val="tx1"/>
-                </a:solidFill>
-                <a:effectLst/>
-                <a:latin typeface="+mn-lt"/>
-                <a:ea typeface="+mn-ea"/>
-                <a:cs typeface="+mn-cs"/>
-              </a:rPr>
-              <a:t>        "location": "[</a:t>
-            </a:r>
-            <a:r>
-              <a:rPr lang="en-US" sz="1200" kern="1200" dirty="0" err="1">
-                <a:solidFill>
-                  <a:schemeClr val="tx1"/>
-                </a:solidFill>
-                <a:effectLst/>
-                <a:latin typeface="+mn-lt"/>
-                <a:ea typeface="+mn-ea"/>
-                <a:cs typeface="+mn-cs"/>
-              </a:rPr>
-              <a:t>resourceGroup</a:t>
-            </a:r>
-            <a:r>
-              <a:rPr lang="en-US" sz="1200" kern="1200" dirty="0">
-                <a:solidFill>
-                  <a:schemeClr val="tx1"/>
-                </a:solidFill>
-                <a:effectLst/>
-                <a:latin typeface="+mn-lt"/>
-                <a:ea typeface="+mn-ea"/>
-                <a:cs typeface="+mn-cs"/>
-              </a:rPr>
-              <a:t>().location]",</a:t>
-            </a:r>
-            <a:br>
-              <a:rPr lang="en-US" sz="1200" kern="1200" dirty="0">
-                <a:solidFill>
-                  <a:schemeClr val="tx1"/>
-                </a:solidFill>
-                <a:effectLst/>
-                <a:latin typeface="+mn-lt"/>
-                <a:ea typeface="+mn-ea"/>
-                <a:cs typeface="+mn-cs"/>
-              </a:rPr>
-            </a:br>
-            <a:r>
-              <a:rPr lang="en-US" sz="1200" kern="1200" dirty="0">
-                <a:solidFill>
-                  <a:schemeClr val="tx1"/>
-                </a:solidFill>
-                <a:effectLst/>
-                <a:latin typeface="+mn-lt"/>
-                <a:ea typeface="+mn-ea"/>
-                <a:cs typeface="+mn-cs"/>
-              </a:rPr>
-              <a:t>        "</a:t>
-            </a:r>
-            <a:r>
-              <a:rPr lang="en-US" sz="1200" kern="1200" dirty="0" err="1">
-                <a:solidFill>
-                  <a:schemeClr val="tx1"/>
-                </a:solidFill>
-                <a:effectLst/>
-                <a:latin typeface="+mn-lt"/>
-                <a:ea typeface="+mn-ea"/>
-                <a:cs typeface="+mn-cs"/>
-              </a:rPr>
-              <a:t>sku</a:t>
-            </a:r>
-            <a:r>
-              <a:rPr lang="en-US" sz="1200" kern="1200" dirty="0">
-                <a:solidFill>
-                  <a:schemeClr val="tx1"/>
-                </a:solidFill>
-                <a:effectLst/>
-                <a:latin typeface="+mn-lt"/>
-                <a:ea typeface="+mn-ea"/>
-                <a:cs typeface="+mn-cs"/>
-              </a:rPr>
-              <a:t>": {</a:t>
-            </a:r>
-            <a:br>
-              <a:rPr lang="en-US" sz="1200" kern="1200" dirty="0">
-                <a:solidFill>
-                  <a:schemeClr val="tx1"/>
-                </a:solidFill>
-                <a:effectLst/>
-                <a:latin typeface="+mn-lt"/>
-                <a:ea typeface="+mn-ea"/>
-                <a:cs typeface="+mn-cs"/>
-              </a:rPr>
-            </a:br>
-            <a:r>
-              <a:rPr lang="en-US" sz="1200" kern="1200" dirty="0">
-                <a:solidFill>
-                  <a:schemeClr val="tx1"/>
-                </a:solidFill>
-                <a:effectLst/>
-                <a:latin typeface="+mn-lt"/>
-                <a:ea typeface="+mn-ea"/>
-                <a:cs typeface="+mn-cs"/>
-              </a:rPr>
-              <a:t>            "name": "[parameters('</a:t>
-            </a:r>
-            <a:r>
-              <a:rPr lang="en-US" sz="1200" kern="1200" dirty="0" err="1">
-                <a:solidFill>
-                  <a:schemeClr val="tx1"/>
-                </a:solidFill>
-                <a:effectLst/>
-                <a:latin typeface="+mn-lt"/>
-                <a:ea typeface="+mn-ea"/>
-                <a:cs typeface="+mn-cs"/>
-              </a:rPr>
-              <a:t>storageAccountType</a:t>
-            </a:r>
-            <a:r>
-              <a:rPr lang="en-US" sz="1200" kern="1200" dirty="0">
-                <a:solidFill>
-                  <a:schemeClr val="tx1"/>
-                </a:solidFill>
-                <a:effectLst/>
-                <a:latin typeface="+mn-lt"/>
-                <a:ea typeface="+mn-ea"/>
-                <a:cs typeface="+mn-cs"/>
-              </a:rPr>
-              <a:t>')]"</a:t>
-            </a:r>
-            <a:br>
-              <a:rPr lang="en-US" sz="1200" kern="1200" dirty="0">
-                <a:solidFill>
-                  <a:schemeClr val="tx1"/>
-                </a:solidFill>
-                <a:effectLst/>
-                <a:latin typeface="+mn-lt"/>
-                <a:ea typeface="+mn-ea"/>
-                <a:cs typeface="+mn-cs"/>
-              </a:rPr>
-            </a:br>
-            <a:r>
-              <a:rPr lang="en-US" sz="1200" kern="1200" dirty="0">
-                <a:solidFill>
-                  <a:schemeClr val="tx1"/>
-                </a:solidFill>
-                <a:effectLst/>
-                <a:latin typeface="+mn-lt"/>
-                <a:ea typeface="+mn-ea"/>
-                <a:cs typeface="+mn-cs"/>
-              </a:rPr>
-              <a:t>        },</a:t>
-            </a:r>
-            <a:br>
-              <a:rPr lang="en-US" sz="1200" kern="1200" dirty="0">
-                <a:solidFill>
-                  <a:schemeClr val="tx1"/>
-                </a:solidFill>
-                <a:effectLst/>
-                <a:latin typeface="+mn-lt"/>
-                <a:ea typeface="+mn-ea"/>
-                <a:cs typeface="+mn-cs"/>
-              </a:rPr>
-            </a:br>
-            <a:r>
-              <a:rPr lang="en-US" sz="1200" kern="1200" dirty="0">
-                <a:solidFill>
-                  <a:schemeClr val="tx1"/>
-                </a:solidFill>
-                <a:effectLst/>
-                <a:latin typeface="+mn-lt"/>
-                <a:ea typeface="+mn-ea"/>
-                <a:cs typeface="+mn-cs"/>
-              </a:rPr>
-              <a:t>        "kind": "Storage",</a:t>
-            </a:r>
-            <a:br>
-              <a:rPr lang="en-US" sz="1200" kern="1200" dirty="0">
-                <a:solidFill>
-                  <a:schemeClr val="tx1"/>
-                </a:solidFill>
-                <a:effectLst/>
-                <a:latin typeface="+mn-lt"/>
-                <a:ea typeface="+mn-ea"/>
-                <a:cs typeface="+mn-cs"/>
-              </a:rPr>
-            </a:br>
-            <a:r>
-              <a:rPr lang="en-US" sz="1200" kern="1200" dirty="0">
-                <a:solidFill>
-                  <a:schemeClr val="tx1"/>
-                </a:solidFill>
-                <a:effectLst/>
-                <a:latin typeface="+mn-lt"/>
-                <a:ea typeface="+mn-ea"/>
-                <a:cs typeface="+mn-cs"/>
-              </a:rPr>
-              <a:t>        "properties": {}</a:t>
-            </a:r>
-            <a:br>
-              <a:rPr lang="en-US" sz="1200" kern="1200" dirty="0">
-                <a:solidFill>
-                  <a:schemeClr val="tx1"/>
-                </a:solidFill>
-                <a:effectLst/>
-                <a:latin typeface="+mn-lt"/>
-                <a:ea typeface="+mn-ea"/>
-                <a:cs typeface="+mn-cs"/>
-              </a:rPr>
-            </a:br>
-            <a:r>
-              <a:rPr lang="en-US" sz="1200" kern="1200" dirty="0">
-                <a:solidFill>
-                  <a:schemeClr val="tx1"/>
-                </a:solidFill>
-                <a:effectLst/>
-                <a:latin typeface="+mn-lt"/>
-                <a:ea typeface="+mn-ea"/>
-                <a:cs typeface="+mn-cs"/>
-              </a:rPr>
-              <a:t>    }],</a:t>
-            </a:r>
-            <a:br>
-              <a:rPr lang="en-US" sz="1200" kern="1200" dirty="0">
-                <a:solidFill>
-                  <a:schemeClr val="tx1"/>
-                </a:solidFill>
-                <a:effectLst/>
-                <a:latin typeface="+mn-lt"/>
-                <a:ea typeface="+mn-ea"/>
-                <a:cs typeface="+mn-cs"/>
-              </a:rPr>
-            </a:br>
-            <a:r>
-              <a:rPr lang="en-US" sz="1200" kern="1200" dirty="0">
-                <a:solidFill>
-                  <a:schemeClr val="tx1"/>
-                </a:solidFill>
-                <a:effectLst/>
-                <a:latin typeface="+mn-lt"/>
-                <a:ea typeface="+mn-ea"/>
-                <a:cs typeface="+mn-cs"/>
-              </a:rPr>
-              <a:t>    "outputs": {</a:t>
-            </a:r>
-            <a:br>
-              <a:rPr lang="en-US" sz="1200" kern="1200" dirty="0">
-                <a:solidFill>
-                  <a:schemeClr val="tx1"/>
-                </a:solidFill>
-                <a:effectLst/>
-                <a:latin typeface="+mn-lt"/>
-                <a:ea typeface="+mn-ea"/>
-                <a:cs typeface="+mn-cs"/>
-              </a:rPr>
-            </a:br>
-            <a:r>
-              <a:rPr lang="en-US" sz="1200" kern="1200" dirty="0">
-                <a:solidFill>
-                  <a:schemeClr val="tx1"/>
-                </a:solidFill>
-                <a:effectLst/>
-                <a:latin typeface="+mn-lt"/>
-                <a:ea typeface="+mn-ea"/>
-                <a:cs typeface="+mn-cs"/>
-              </a:rPr>
-              <a:t>        "</a:t>
-            </a:r>
-            <a:r>
-              <a:rPr lang="en-US" sz="1200" kern="1200" dirty="0" err="1">
-                <a:solidFill>
-                  <a:schemeClr val="tx1"/>
-                </a:solidFill>
-                <a:effectLst/>
-                <a:latin typeface="+mn-lt"/>
-                <a:ea typeface="+mn-ea"/>
-                <a:cs typeface="+mn-cs"/>
-              </a:rPr>
-              <a:t>storageAccountName</a:t>
-            </a:r>
-            <a:r>
-              <a:rPr lang="en-US" sz="1200" kern="1200" dirty="0">
-                <a:solidFill>
-                  <a:schemeClr val="tx1"/>
-                </a:solidFill>
-                <a:effectLst/>
-                <a:latin typeface="+mn-lt"/>
-                <a:ea typeface="+mn-ea"/>
-                <a:cs typeface="+mn-cs"/>
-              </a:rPr>
-              <a:t>": {</a:t>
-            </a:r>
-            <a:br>
-              <a:rPr lang="en-US" sz="1200" kern="1200" dirty="0">
-                <a:solidFill>
-                  <a:schemeClr val="tx1"/>
-                </a:solidFill>
-                <a:effectLst/>
-                <a:latin typeface="+mn-lt"/>
-                <a:ea typeface="+mn-ea"/>
-                <a:cs typeface="+mn-cs"/>
-              </a:rPr>
-            </a:br>
-            <a:r>
-              <a:rPr lang="en-US" sz="1200" kern="1200" dirty="0">
-                <a:solidFill>
-                  <a:schemeClr val="tx1"/>
-                </a:solidFill>
-                <a:effectLst/>
-                <a:latin typeface="+mn-lt"/>
-                <a:ea typeface="+mn-ea"/>
-                <a:cs typeface="+mn-cs"/>
-              </a:rPr>
-              <a:t>            "type": "string",</a:t>
-            </a:r>
-            <a:br>
-              <a:rPr lang="en-US" sz="1200" kern="1200" dirty="0">
-                <a:solidFill>
-                  <a:schemeClr val="tx1"/>
-                </a:solidFill>
-                <a:effectLst/>
-                <a:latin typeface="+mn-lt"/>
-                <a:ea typeface="+mn-ea"/>
-                <a:cs typeface="+mn-cs"/>
-              </a:rPr>
-            </a:br>
-            <a:r>
-              <a:rPr lang="en-US" sz="1200" kern="1200" dirty="0">
-                <a:solidFill>
-                  <a:schemeClr val="tx1"/>
-                </a:solidFill>
-                <a:effectLst/>
-                <a:latin typeface="+mn-lt"/>
-                <a:ea typeface="+mn-ea"/>
-                <a:cs typeface="+mn-cs"/>
-              </a:rPr>
-              <a:t>            "value": "[variables('</a:t>
-            </a:r>
-            <a:r>
-              <a:rPr lang="en-US" sz="1200" kern="1200" dirty="0" err="1">
-                <a:solidFill>
-                  <a:schemeClr val="tx1"/>
-                </a:solidFill>
-                <a:effectLst/>
-                <a:latin typeface="+mn-lt"/>
-                <a:ea typeface="+mn-ea"/>
-                <a:cs typeface="+mn-cs"/>
-              </a:rPr>
-              <a:t>storageAccountName</a:t>
-            </a:r>
-            <a:r>
-              <a:rPr lang="en-US" sz="1200" kern="1200" dirty="0">
-                <a:solidFill>
-                  <a:schemeClr val="tx1"/>
-                </a:solidFill>
-                <a:effectLst/>
-                <a:latin typeface="+mn-lt"/>
-                <a:ea typeface="+mn-ea"/>
-                <a:cs typeface="+mn-cs"/>
-              </a:rPr>
-              <a:t>')]"</a:t>
-            </a:r>
-            <a:br>
-              <a:rPr lang="en-US" sz="1200" kern="1200" dirty="0">
-                <a:solidFill>
-                  <a:schemeClr val="tx1"/>
-                </a:solidFill>
-                <a:effectLst/>
-                <a:latin typeface="+mn-lt"/>
-                <a:ea typeface="+mn-ea"/>
-                <a:cs typeface="+mn-cs"/>
-              </a:rPr>
-            </a:br>
-            <a:r>
-              <a:rPr lang="en-US" sz="1200" kern="1200" dirty="0">
-                <a:solidFill>
-                  <a:schemeClr val="tx1"/>
-                </a:solidFill>
-                <a:effectLst/>
-                <a:latin typeface="+mn-lt"/>
-                <a:ea typeface="+mn-ea"/>
-                <a:cs typeface="+mn-cs"/>
-              </a:rPr>
-              <a:t>        }</a:t>
-            </a:r>
-            <a:br>
-              <a:rPr lang="en-US" sz="1200" kern="1200" dirty="0">
-                <a:solidFill>
-                  <a:schemeClr val="tx1"/>
-                </a:solidFill>
-                <a:effectLst/>
-                <a:latin typeface="+mn-lt"/>
-                <a:ea typeface="+mn-ea"/>
-                <a:cs typeface="+mn-cs"/>
-              </a:rPr>
-            </a:br>
-            <a:r>
-              <a:rPr lang="en-US" sz="1200" kern="1200" dirty="0">
-                <a:solidFill>
-                  <a:schemeClr val="tx1"/>
-                </a:solidFill>
-                <a:effectLst/>
-                <a:latin typeface="+mn-lt"/>
-                <a:ea typeface="+mn-ea"/>
-                <a:cs typeface="+mn-cs"/>
-              </a:rPr>
-              <a:t>    }</a:t>
-            </a:r>
-            <a:br>
-              <a:rPr lang="en-US" sz="1200" kern="1200" dirty="0">
-                <a:solidFill>
-                  <a:schemeClr val="tx1"/>
-                </a:solidFill>
-                <a:effectLst/>
-                <a:latin typeface="+mn-lt"/>
-                <a:ea typeface="+mn-ea"/>
-                <a:cs typeface="+mn-cs"/>
-              </a:rPr>
-            </a:br>
-            <a:r>
-              <a:rPr lang="en-US" sz="1200" kern="1200" dirty="0">
-                <a:solidFill>
-                  <a:schemeClr val="tx1"/>
-                </a:solidFill>
-                <a:effectLst/>
-                <a:latin typeface="+mn-lt"/>
-                <a:ea typeface="+mn-ea"/>
-                <a:cs typeface="+mn-cs"/>
-              </a:rPr>
-              <a:t>}</a:t>
-            </a:r>
-          </a:p>
-          <a:p>
             <a:endParaRPr lang="en-US" dirty="0"/>
           </a:p>
         </p:txBody>
@@ -3038,7 +1532,7 @@
     </p:spTree>
     <p:extLst>
       <p:ext uri="{BB962C8B-B14F-4D97-AF65-F5344CB8AC3E}">
-        <p14:creationId xmlns:p14="http://schemas.microsoft.com/office/powerpoint/2010/main" val="1703229467"/>
+        <p14:creationId xmlns:p14="http://schemas.microsoft.com/office/powerpoint/2010/main" val="595616795"/>
       </p:ext>
     </p:extLst>
   </p:cSld>
@@ -3122,7 +1616,7 @@
     </p:spTree>
     <p:extLst>
       <p:ext uri="{BB962C8B-B14F-4D97-AF65-F5344CB8AC3E}">
-        <p14:creationId xmlns:p14="http://schemas.microsoft.com/office/powerpoint/2010/main" val="501550754"/>
+        <p14:creationId xmlns:p14="http://schemas.microsoft.com/office/powerpoint/2010/main" val="1789706221"/>
       </p:ext>
     </p:extLst>
   </p:cSld>
@@ -3176,7 +1670,1515 @@
           <a:bodyPr/>
           <a:lstStyle/>
           <a:p>
-            <a:endParaRPr lang="sv-SE"/>
+            <a:pPr marL="0" marR="0" lvl="0" indent="0" algn="l" defTabSz="914400" rtl="0" eaLnBrk="1" fontAlgn="auto" latinLnBrk="0" hangingPunct="1">
+              <a:lnSpc>
+                <a:spcPct val="100000"/>
+              </a:lnSpc>
+              <a:spcBef>
+                <a:spcPts val="0"/>
+              </a:spcBef>
+              <a:spcAft>
+                <a:spcPts val="0"/>
+              </a:spcAft>
+              <a:buClrTx/>
+              <a:buSzTx/>
+              <a:buFontTx/>
+              <a:buNone/>
+              <a:tabLst/>
+              <a:defRPr/>
+            </a:pPr>
+            <a:r>
+              <a:rPr lang="en-US" sz="1200" kern="1200" dirty="0">
+                <a:solidFill>
+                  <a:schemeClr val="tx1"/>
+                </a:solidFill>
+                <a:effectLst/>
+                <a:latin typeface="+mn-lt"/>
+                <a:ea typeface="+mn-ea"/>
+                <a:cs typeface="+mn-cs"/>
+              </a:rPr>
+              <a:t>{</a:t>
+            </a:r>
+            <a:br>
+              <a:rPr lang="en-US" sz="1200" kern="1200" dirty="0">
+                <a:solidFill>
+                  <a:schemeClr val="tx1"/>
+                </a:solidFill>
+                <a:effectLst/>
+                <a:latin typeface="+mn-lt"/>
+                <a:ea typeface="+mn-ea"/>
+                <a:cs typeface="+mn-cs"/>
+              </a:rPr>
+            </a:br>
+            <a:r>
+              <a:rPr lang="en-US" sz="1200" kern="1200" dirty="0">
+                <a:solidFill>
+                  <a:schemeClr val="tx1"/>
+                </a:solidFill>
+                <a:effectLst/>
+                <a:latin typeface="+mn-lt"/>
+                <a:ea typeface="+mn-ea"/>
+                <a:cs typeface="+mn-cs"/>
+              </a:rPr>
+              <a:t>    "$schema": "</a:t>
+            </a:r>
+            <a:r>
+              <a:rPr lang="en-US" sz="1200" u="sng" kern="1200" dirty="0">
+                <a:solidFill>
+                  <a:schemeClr val="tx1"/>
+                </a:solidFill>
+                <a:effectLst/>
+                <a:latin typeface="+mn-lt"/>
+                <a:ea typeface="+mn-ea"/>
+                <a:cs typeface="+mn-cs"/>
+                <a:hlinkClick r:id="rId3"/>
+              </a:rPr>
+              <a:t>https://schema.management.azure.com/schemas/2015-01-01/</a:t>
+            </a:r>
+            <a:r>
+              <a:rPr lang="en-US" sz="1200" u="sng" kern="1200" dirty="0" err="1">
+                <a:solidFill>
+                  <a:schemeClr val="tx1"/>
+                </a:solidFill>
+                <a:effectLst/>
+                <a:latin typeface="+mn-lt"/>
+                <a:ea typeface="+mn-ea"/>
+                <a:cs typeface="+mn-cs"/>
+                <a:hlinkClick r:id="rId3"/>
+              </a:rPr>
+              <a:t>deploymentTemplate.json</a:t>
+            </a:r>
+            <a:r>
+              <a:rPr lang="en-US" sz="1200" u="sng" kern="1200" dirty="0">
+                <a:solidFill>
+                  <a:schemeClr val="tx1"/>
+                </a:solidFill>
+                <a:effectLst/>
+                <a:latin typeface="+mn-lt"/>
+                <a:ea typeface="+mn-ea"/>
+                <a:cs typeface="+mn-cs"/>
+                <a:hlinkClick r:id="rId3"/>
+              </a:rPr>
+              <a:t>#</a:t>
+            </a:r>
+            <a:r>
+              <a:rPr lang="en-US" sz="1200" kern="1200" dirty="0">
+                <a:solidFill>
+                  <a:schemeClr val="tx1"/>
+                </a:solidFill>
+                <a:effectLst/>
+                <a:latin typeface="+mn-lt"/>
+                <a:ea typeface="+mn-ea"/>
+                <a:cs typeface="+mn-cs"/>
+              </a:rPr>
+              <a:t>",</a:t>
+            </a:r>
+            <a:br>
+              <a:rPr lang="en-US" sz="1200" kern="1200" dirty="0">
+                <a:solidFill>
+                  <a:schemeClr val="tx1"/>
+                </a:solidFill>
+                <a:effectLst/>
+                <a:latin typeface="+mn-lt"/>
+                <a:ea typeface="+mn-ea"/>
+                <a:cs typeface="+mn-cs"/>
+              </a:rPr>
+            </a:br>
+            <a:r>
+              <a:rPr lang="en-US" sz="1200" kern="1200" dirty="0">
+                <a:solidFill>
+                  <a:schemeClr val="tx1"/>
+                </a:solidFill>
+                <a:effectLst/>
+                <a:latin typeface="+mn-lt"/>
+                <a:ea typeface="+mn-ea"/>
+                <a:cs typeface="+mn-cs"/>
+              </a:rPr>
+              <a:t>    "</a:t>
+            </a:r>
+            <a:r>
+              <a:rPr lang="en-US" sz="1200" kern="1200" dirty="0" err="1">
+                <a:solidFill>
+                  <a:schemeClr val="tx1"/>
+                </a:solidFill>
+                <a:effectLst/>
+                <a:latin typeface="+mn-lt"/>
+                <a:ea typeface="+mn-ea"/>
+                <a:cs typeface="+mn-cs"/>
+              </a:rPr>
+              <a:t>contentVersion</a:t>
+            </a:r>
+            <a:r>
+              <a:rPr lang="en-US" sz="1200" kern="1200" dirty="0">
+                <a:solidFill>
+                  <a:schemeClr val="tx1"/>
+                </a:solidFill>
+                <a:effectLst/>
+                <a:latin typeface="+mn-lt"/>
+                <a:ea typeface="+mn-ea"/>
+                <a:cs typeface="+mn-cs"/>
+              </a:rPr>
+              <a:t>": "1.0.0.0",</a:t>
+            </a:r>
+            <a:br>
+              <a:rPr lang="en-US" sz="1200" kern="1200" dirty="0">
+                <a:solidFill>
+                  <a:schemeClr val="tx1"/>
+                </a:solidFill>
+                <a:effectLst/>
+                <a:latin typeface="+mn-lt"/>
+                <a:ea typeface="+mn-ea"/>
+                <a:cs typeface="+mn-cs"/>
+              </a:rPr>
+            </a:br>
+            <a:r>
+              <a:rPr lang="en-US" sz="1200" kern="1200" dirty="0">
+                <a:solidFill>
+                  <a:schemeClr val="tx1"/>
+                </a:solidFill>
+                <a:effectLst/>
+                <a:latin typeface="+mn-lt"/>
+                <a:ea typeface="+mn-ea"/>
+                <a:cs typeface="+mn-cs"/>
+              </a:rPr>
+              <a:t>    "parameters": {</a:t>
+            </a:r>
+            <a:br>
+              <a:rPr lang="en-US" sz="1200" kern="1200" dirty="0">
+                <a:solidFill>
+                  <a:schemeClr val="tx1"/>
+                </a:solidFill>
+                <a:effectLst/>
+                <a:latin typeface="+mn-lt"/>
+                <a:ea typeface="+mn-ea"/>
+                <a:cs typeface="+mn-cs"/>
+              </a:rPr>
+            </a:br>
+            <a:r>
+              <a:rPr lang="en-US" sz="1200" kern="1200" dirty="0">
+                <a:solidFill>
+                  <a:schemeClr val="tx1"/>
+                </a:solidFill>
+                <a:effectLst/>
+                <a:latin typeface="+mn-lt"/>
+                <a:ea typeface="+mn-ea"/>
+                <a:cs typeface="+mn-cs"/>
+              </a:rPr>
+              <a:t>        "</a:t>
+            </a:r>
+            <a:r>
+              <a:rPr lang="en-US" sz="1200" kern="1200" dirty="0" err="1">
+                <a:solidFill>
+                  <a:schemeClr val="tx1"/>
+                </a:solidFill>
+                <a:effectLst/>
+                <a:latin typeface="+mn-lt"/>
+                <a:ea typeface="+mn-ea"/>
+                <a:cs typeface="+mn-cs"/>
+              </a:rPr>
+              <a:t>storageAccountType</a:t>
+            </a:r>
+            <a:r>
+              <a:rPr lang="en-US" sz="1200" kern="1200" dirty="0">
+                <a:solidFill>
+                  <a:schemeClr val="tx1"/>
+                </a:solidFill>
+                <a:effectLst/>
+                <a:latin typeface="+mn-lt"/>
+                <a:ea typeface="+mn-ea"/>
+                <a:cs typeface="+mn-cs"/>
+              </a:rPr>
+              <a:t>": {</a:t>
+            </a:r>
+            <a:br>
+              <a:rPr lang="en-US" sz="1200" kern="1200" dirty="0">
+                <a:solidFill>
+                  <a:schemeClr val="tx1"/>
+                </a:solidFill>
+                <a:effectLst/>
+                <a:latin typeface="+mn-lt"/>
+                <a:ea typeface="+mn-ea"/>
+                <a:cs typeface="+mn-cs"/>
+              </a:rPr>
+            </a:br>
+            <a:r>
+              <a:rPr lang="en-US" sz="1200" kern="1200" dirty="0">
+                <a:solidFill>
+                  <a:schemeClr val="tx1"/>
+                </a:solidFill>
+                <a:effectLst/>
+                <a:latin typeface="+mn-lt"/>
+                <a:ea typeface="+mn-ea"/>
+                <a:cs typeface="+mn-cs"/>
+              </a:rPr>
+              <a:t>            "type": "string",</a:t>
+            </a:r>
+            <a:br>
+              <a:rPr lang="en-US" sz="1200" kern="1200" dirty="0">
+                <a:solidFill>
+                  <a:schemeClr val="tx1"/>
+                </a:solidFill>
+                <a:effectLst/>
+                <a:latin typeface="+mn-lt"/>
+                <a:ea typeface="+mn-ea"/>
+                <a:cs typeface="+mn-cs"/>
+              </a:rPr>
+            </a:br>
+            <a:r>
+              <a:rPr lang="en-US" sz="1200" kern="1200" dirty="0">
+                <a:solidFill>
+                  <a:schemeClr val="tx1"/>
+                </a:solidFill>
+                <a:effectLst/>
+                <a:latin typeface="+mn-lt"/>
+                <a:ea typeface="+mn-ea"/>
+                <a:cs typeface="+mn-cs"/>
+              </a:rPr>
+              <a:t>            "</a:t>
+            </a:r>
+            <a:r>
+              <a:rPr lang="en-US" sz="1200" kern="1200" dirty="0" err="1">
+                <a:solidFill>
+                  <a:schemeClr val="tx1"/>
+                </a:solidFill>
+                <a:effectLst/>
+                <a:latin typeface="+mn-lt"/>
+                <a:ea typeface="+mn-ea"/>
+                <a:cs typeface="+mn-cs"/>
+              </a:rPr>
+              <a:t>defaultValue</a:t>
+            </a:r>
+            <a:r>
+              <a:rPr lang="en-US" sz="1200" kern="1200" dirty="0">
+                <a:solidFill>
+                  <a:schemeClr val="tx1"/>
+                </a:solidFill>
+                <a:effectLst/>
+                <a:latin typeface="+mn-lt"/>
+                <a:ea typeface="+mn-ea"/>
+                <a:cs typeface="+mn-cs"/>
+              </a:rPr>
+              <a:t>": "</a:t>
+            </a:r>
+            <a:r>
+              <a:rPr lang="en-US" sz="1200" kern="1200" dirty="0" err="1">
+                <a:solidFill>
+                  <a:schemeClr val="tx1"/>
+                </a:solidFill>
+                <a:effectLst/>
+                <a:latin typeface="+mn-lt"/>
+                <a:ea typeface="+mn-ea"/>
+                <a:cs typeface="+mn-cs"/>
+              </a:rPr>
+              <a:t>Standard_LRS</a:t>
+            </a:r>
+            <a:r>
+              <a:rPr lang="en-US" sz="1200" kern="1200" dirty="0">
+                <a:solidFill>
+                  <a:schemeClr val="tx1"/>
+                </a:solidFill>
+                <a:effectLst/>
+                <a:latin typeface="+mn-lt"/>
+                <a:ea typeface="+mn-ea"/>
+                <a:cs typeface="+mn-cs"/>
+              </a:rPr>
+              <a:t>",</a:t>
+            </a:r>
+            <a:br>
+              <a:rPr lang="en-US" sz="1200" kern="1200" dirty="0">
+                <a:solidFill>
+                  <a:schemeClr val="tx1"/>
+                </a:solidFill>
+                <a:effectLst/>
+                <a:latin typeface="+mn-lt"/>
+                <a:ea typeface="+mn-ea"/>
+                <a:cs typeface="+mn-cs"/>
+              </a:rPr>
+            </a:br>
+            <a:r>
+              <a:rPr lang="en-US" sz="1200" kern="1200" dirty="0">
+                <a:solidFill>
+                  <a:schemeClr val="tx1"/>
+                </a:solidFill>
+                <a:effectLst/>
+                <a:latin typeface="+mn-lt"/>
+                <a:ea typeface="+mn-ea"/>
+                <a:cs typeface="+mn-cs"/>
+              </a:rPr>
+              <a:t>            "</a:t>
+            </a:r>
+            <a:r>
+              <a:rPr lang="en-US" sz="1200" kern="1200" dirty="0" err="1">
+                <a:solidFill>
+                  <a:schemeClr val="tx1"/>
+                </a:solidFill>
+                <a:effectLst/>
+                <a:latin typeface="+mn-lt"/>
+                <a:ea typeface="+mn-ea"/>
+                <a:cs typeface="+mn-cs"/>
+              </a:rPr>
+              <a:t>allowedValues</a:t>
+            </a:r>
+            <a:r>
+              <a:rPr lang="en-US" sz="1200" kern="1200" dirty="0">
+                <a:solidFill>
+                  <a:schemeClr val="tx1"/>
+                </a:solidFill>
+                <a:effectLst/>
+                <a:latin typeface="+mn-lt"/>
+                <a:ea typeface="+mn-ea"/>
+                <a:cs typeface="+mn-cs"/>
+              </a:rPr>
+              <a:t>": [</a:t>
+            </a:r>
+            <a:br>
+              <a:rPr lang="en-US" sz="1200" kern="1200" dirty="0">
+                <a:solidFill>
+                  <a:schemeClr val="tx1"/>
+                </a:solidFill>
+                <a:effectLst/>
+                <a:latin typeface="+mn-lt"/>
+                <a:ea typeface="+mn-ea"/>
+                <a:cs typeface="+mn-cs"/>
+              </a:rPr>
+            </a:br>
+            <a:r>
+              <a:rPr lang="en-US" sz="1200" kern="1200" dirty="0">
+                <a:solidFill>
+                  <a:schemeClr val="tx1"/>
+                </a:solidFill>
+                <a:effectLst/>
+                <a:latin typeface="+mn-lt"/>
+                <a:ea typeface="+mn-ea"/>
+                <a:cs typeface="+mn-cs"/>
+              </a:rPr>
+              <a:t>                "</a:t>
+            </a:r>
+            <a:r>
+              <a:rPr lang="en-US" sz="1200" kern="1200" dirty="0" err="1">
+                <a:solidFill>
+                  <a:schemeClr val="tx1"/>
+                </a:solidFill>
+                <a:effectLst/>
+                <a:latin typeface="+mn-lt"/>
+                <a:ea typeface="+mn-ea"/>
+                <a:cs typeface="+mn-cs"/>
+              </a:rPr>
+              <a:t>Standard_LRS</a:t>
+            </a:r>
+            <a:r>
+              <a:rPr lang="en-US" sz="1200" kern="1200" dirty="0">
+                <a:solidFill>
+                  <a:schemeClr val="tx1"/>
+                </a:solidFill>
+                <a:effectLst/>
+                <a:latin typeface="+mn-lt"/>
+                <a:ea typeface="+mn-ea"/>
+                <a:cs typeface="+mn-cs"/>
+              </a:rPr>
+              <a:t>",</a:t>
+            </a:r>
+            <a:br>
+              <a:rPr lang="en-US" sz="1200" kern="1200" dirty="0">
+                <a:solidFill>
+                  <a:schemeClr val="tx1"/>
+                </a:solidFill>
+                <a:effectLst/>
+                <a:latin typeface="+mn-lt"/>
+                <a:ea typeface="+mn-ea"/>
+                <a:cs typeface="+mn-cs"/>
+              </a:rPr>
+            </a:br>
+            <a:r>
+              <a:rPr lang="en-US" sz="1200" kern="1200" dirty="0">
+                <a:solidFill>
+                  <a:schemeClr val="tx1"/>
+                </a:solidFill>
+                <a:effectLst/>
+                <a:latin typeface="+mn-lt"/>
+                <a:ea typeface="+mn-ea"/>
+                <a:cs typeface="+mn-cs"/>
+              </a:rPr>
+              <a:t>                "</a:t>
+            </a:r>
+            <a:r>
+              <a:rPr lang="en-US" sz="1200" kern="1200" dirty="0" err="1">
+                <a:solidFill>
+                  <a:schemeClr val="tx1"/>
+                </a:solidFill>
+                <a:effectLst/>
+                <a:latin typeface="+mn-lt"/>
+                <a:ea typeface="+mn-ea"/>
+                <a:cs typeface="+mn-cs"/>
+              </a:rPr>
+              <a:t>Standard_GRS</a:t>
+            </a:r>
+            <a:r>
+              <a:rPr lang="en-US" sz="1200" kern="1200" dirty="0">
+                <a:solidFill>
+                  <a:schemeClr val="tx1"/>
+                </a:solidFill>
+                <a:effectLst/>
+                <a:latin typeface="+mn-lt"/>
+                <a:ea typeface="+mn-ea"/>
+                <a:cs typeface="+mn-cs"/>
+              </a:rPr>
+              <a:t>",</a:t>
+            </a:r>
+            <a:br>
+              <a:rPr lang="en-US" sz="1200" kern="1200" dirty="0">
+                <a:solidFill>
+                  <a:schemeClr val="tx1"/>
+                </a:solidFill>
+                <a:effectLst/>
+                <a:latin typeface="+mn-lt"/>
+                <a:ea typeface="+mn-ea"/>
+                <a:cs typeface="+mn-cs"/>
+              </a:rPr>
+            </a:br>
+            <a:r>
+              <a:rPr lang="en-US" sz="1200" kern="1200" dirty="0">
+                <a:solidFill>
+                  <a:schemeClr val="tx1"/>
+                </a:solidFill>
+                <a:effectLst/>
+                <a:latin typeface="+mn-lt"/>
+                <a:ea typeface="+mn-ea"/>
+                <a:cs typeface="+mn-cs"/>
+              </a:rPr>
+              <a:t>                "</a:t>
+            </a:r>
+            <a:r>
+              <a:rPr lang="en-US" sz="1200" kern="1200" dirty="0" err="1">
+                <a:solidFill>
+                  <a:schemeClr val="tx1"/>
+                </a:solidFill>
+                <a:effectLst/>
+                <a:latin typeface="+mn-lt"/>
+                <a:ea typeface="+mn-ea"/>
+                <a:cs typeface="+mn-cs"/>
+              </a:rPr>
+              <a:t>Standard_ZRS</a:t>
+            </a:r>
+            <a:r>
+              <a:rPr lang="en-US" sz="1200" kern="1200" dirty="0">
+                <a:solidFill>
+                  <a:schemeClr val="tx1"/>
+                </a:solidFill>
+                <a:effectLst/>
+                <a:latin typeface="+mn-lt"/>
+                <a:ea typeface="+mn-ea"/>
+                <a:cs typeface="+mn-cs"/>
+              </a:rPr>
+              <a:t>",</a:t>
+            </a:r>
+            <a:br>
+              <a:rPr lang="en-US" sz="1200" kern="1200" dirty="0">
+                <a:solidFill>
+                  <a:schemeClr val="tx1"/>
+                </a:solidFill>
+                <a:effectLst/>
+                <a:latin typeface="+mn-lt"/>
+                <a:ea typeface="+mn-ea"/>
+                <a:cs typeface="+mn-cs"/>
+              </a:rPr>
+            </a:br>
+            <a:r>
+              <a:rPr lang="en-US" sz="1200" kern="1200" dirty="0">
+                <a:solidFill>
+                  <a:schemeClr val="tx1"/>
+                </a:solidFill>
+                <a:effectLst/>
+                <a:latin typeface="+mn-lt"/>
+                <a:ea typeface="+mn-ea"/>
+                <a:cs typeface="+mn-cs"/>
+              </a:rPr>
+              <a:t>                "</a:t>
+            </a:r>
+            <a:r>
+              <a:rPr lang="en-US" sz="1200" kern="1200" dirty="0" err="1">
+                <a:solidFill>
+                  <a:schemeClr val="tx1"/>
+                </a:solidFill>
+                <a:effectLst/>
+                <a:latin typeface="+mn-lt"/>
+                <a:ea typeface="+mn-ea"/>
+                <a:cs typeface="+mn-cs"/>
+              </a:rPr>
+              <a:t>Premium_LRS</a:t>
+            </a:r>
+            <a:r>
+              <a:rPr lang="en-US" sz="1200" kern="1200" dirty="0">
+                <a:solidFill>
+                  <a:schemeClr val="tx1"/>
+                </a:solidFill>
+                <a:effectLst/>
+                <a:latin typeface="+mn-lt"/>
+                <a:ea typeface="+mn-ea"/>
+                <a:cs typeface="+mn-cs"/>
+              </a:rPr>
+              <a:t>"</a:t>
+            </a:r>
+            <a:br>
+              <a:rPr lang="en-US" sz="1200" kern="1200" dirty="0">
+                <a:solidFill>
+                  <a:schemeClr val="tx1"/>
+                </a:solidFill>
+                <a:effectLst/>
+                <a:latin typeface="+mn-lt"/>
+                <a:ea typeface="+mn-ea"/>
+                <a:cs typeface="+mn-cs"/>
+              </a:rPr>
+            </a:br>
+            <a:r>
+              <a:rPr lang="en-US" sz="1200" kern="1200" dirty="0">
+                <a:solidFill>
+                  <a:schemeClr val="tx1"/>
+                </a:solidFill>
+                <a:effectLst/>
+                <a:latin typeface="+mn-lt"/>
+                <a:ea typeface="+mn-ea"/>
+                <a:cs typeface="+mn-cs"/>
+              </a:rPr>
+              <a:t>            ],</a:t>
+            </a:r>
+            <a:br>
+              <a:rPr lang="en-US" sz="1200" kern="1200" dirty="0">
+                <a:solidFill>
+                  <a:schemeClr val="tx1"/>
+                </a:solidFill>
+                <a:effectLst/>
+                <a:latin typeface="+mn-lt"/>
+                <a:ea typeface="+mn-ea"/>
+                <a:cs typeface="+mn-cs"/>
+              </a:rPr>
+            </a:br>
+            <a:r>
+              <a:rPr lang="en-US" sz="1200" kern="1200" dirty="0">
+                <a:solidFill>
+                  <a:schemeClr val="tx1"/>
+                </a:solidFill>
+                <a:effectLst/>
+                <a:latin typeface="+mn-lt"/>
+                <a:ea typeface="+mn-ea"/>
+                <a:cs typeface="+mn-cs"/>
+              </a:rPr>
+              <a:t>            "metadata": {</a:t>
+            </a:r>
+            <a:br>
+              <a:rPr lang="en-US" sz="1200" kern="1200" dirty="0">
+                <a:solidFill>
+                  <a:schemeClr val="tx1"/>
+                </a:solidFill>
+                <a:effectLst/>
+                <a:latin typeface="+mn-lt"/>
+                <a:ea typeface="+mn-ea"/>
+                <a:cs typeface="+mn-cs"/>
+              </a:rPr>
+            </a:br>
+            <a:r>
+              <a:rPr lang="en-US" sz="1200" kern="1200" dirty="0">
+                <a:solidFill>
+                  <a:schemeClr val="tx1"/>
+                </a:solidFill>
+                <a:effectLst/>
+                <a:latin typeface="+mn-lt"/>
+                <a:ea typeface="+mn-ea"/>
+                <a:cs typeface="+mn-cs"/>
+              </a:rPr>
+              <a:t>                "description": "Storage Account type"</a:t>
+            </a:r>
+            <a:br>
+              <a:rPr lang="en-US" sz="1200" kern="1200" dirty="0">
+                <a:solidFill>
+                  <a:schemeClr val="tx1"/>
+                </a:solidFill>
+                <a:effectLst/>
+                <a:latin typeface="+mn-lt"/>
+                <a:ea typeface="+mn-ea"/>
+                <a:cs typeface="+mn-cs"/>
+              </a:rPr>
+            </a:br>
+            <a:r>
+              <a:rPr lang="en-US" sz="1200" kern="1200" dirty="0">
+                <a:solidFill>
+                  <a:schemeClr val="tx1"/>
+                </a:solidFill>
+                <a:effectLst/>
+                <a:latin typeface="+mn-lt"/>
+                <a:ea typeface="+mn-ea"/>
+                <a:cs typeface="+mn-cs"/>
+              </a:rPr>
+              <a:t>            }</a:t>
+            </a:r>
+            <a:br>
+              <a:rPr lang="en-US" sz="1200" kern="1200" dirty="0">
+                <a:solidFill>
+                  <a:schemeClr val="tx1"/>
+                </a:solidFill>
+                <a:effectLst/>
+                <a:latin typeface="+mn-lt"/>
+                <a:ea typeface="+mn-ea"/>
+                <a:cs typeface="+mn-cs"/>
+              </a:rPr>
+            </a:br>
+            <a:r>
+              <a:rPr lang="en-US" sz="1200" kern="1200" dirty="0">
+                <a:solidFill>
+                  <a:schemeClr val="tx1"/>
+                </a:solidFill>
+                <a:effectLst/>
+                <a:latin typeface="+mn-lt"/>
+                <a:ea typeface="+mn-ea"/>
+                <a:cs typeface="+mn-cs"/>
+              </a:rPr>
+              <a:t>        }</a:t>
+            </a:r>
+            <a:br>
+              <a:rPr lang="en-US" sz="1200" kern="1200" dirty="0">
+                <a:solidFill>
+                  <a:schemeClr val="tx1"/>
+                </a:solidFill>
+                <a:effectLst/>
+                <a:latin typeface="+mn-lt"/>
+                <a:ea typeface="+mn-ea"/>
+                <a:cs typeface="+mn-cs"/>
+              </a:rPr>
+            </a:br>
+            <a:r>
+              <a:rPr lang="en-US" sz="1200" kern="1200" dirty="0">
+                <a:solidFill>
+                  <a:schemeClr val="tx1"/>
+                </a:solidFill>
+                <a:effectLst/>
+                <a:latin typeface="+mn-lt"/>
+                <a:ea typeface="+mn-ea"/>
+                <a:cs typeface="+mn-cs"/>
+              </a:rPr>
+              <a:t>    },</a:t>
+            </a:r>
+            <a:br>
+              <a:rPr lang="en-US" sz="1200" kern="1200" dirty="0">
+                <a:solidFill>
+                  <a:schemeClr val="tx1"/>
+                </a:solidFill>
+                <a:effectLst/>
+                <a:latin typeface="+mn-lt"/>
+                <a:ea typeface="+mn-ea"/>
+                <a:cs typeface="+mn-cs"/>
+              </a:rPr>
+            </a:br>
+            <a:r>
+              <a:rPr lang="en-US" sz="1200" kern="1200" dirty="0">
+                <a:solidFill>
+                  <a:schemeClr val="tx1"/>
+                </a:solidFill>
+                <a:effectLst/>
+                <a:latin typeface="+mn-lt"/>
+                <a:ea typeface="+mn-ea"/>
+                <a:cs typeface="+mn-cs"/>
+              </a:rPr>
+              <a:t>    "variables": {</a:t>
+            </a:r>
+            <a:br>
+              <a:rPr lang="en-US" sz="1200" kern="1200" dirty="0">
+                <a:solidFill>
+                  <a:schemeClr val="tx1"/>
+                </a:solidFill>
+                <a:effectLst/>
+                <a:latin typeface="+mn-lt"/>
+                <a:ea typeface="+mn-ea"/>
+                <a:cs typeface="+mn-cs"/>
+              </a:rPr>
+            </a:br>
+            <a:r>
+              <a:rPr lang="en-US" sz="1200" kern="1200" dirty="0">
+                <a:solidFill>
+                  <a:schemeClr val="tx1"/>
+                </a:solidFill>
+                <a:effectLst/>
+                <a:latin typeface="+mn-lt"/>
+                <a:ea typeface="+mn-ea"/>
+                <a:cs typeface="+mn-cs"/>
+              </a:rPr>
+              <a:t>        "</a:t>
+            </a:r>
+            <a:r>
+              <a:rPr lang="en-US" sz="1200" kern="1200" dirty="0" err="1">
+                <a:solidFill>
+                  <a:schemeClr val="tx1"/>
+                </a:solidFill>
+                <a:effectLst/>
+                <a:latin typeface="+mn-lt"/>
+                <a:ea typeface="+mn-ea"/>
+                <a:cs typeface="+mn-cs"/>
+              </a:rPr>
+              <a:t>storageAccountName</a:t>
+            </a:r>
+            <a:r>
+              <a:rPr lang="en-US" sz="1200" kern="1200" dirty="0">
+                <a:solidFill>
+                  <a:schemeClr val="tx1"/>
+                </a:solidFill>
+                <a:effectLst/>
+                <a:latin typeface="+mn-lt"/>
+                <a:ea typeface="+mn-ea"/>
+                <a:cs typeface="+mn-cs"/>
+              </a:rPr>
+              <a:t>": "[</a:t>
+            </a:r>
+            <a:r>
+              <a:rPr lang="en-US" sz="1200" kern="1200" dirty="0" err="1">
+                <a:solidFill>
+                  <a:schemeClr val="tx1"/>
+                </a:solidFill>
+                <a:effectLst/>
+                <a:latin typeface="+mn-lt"/>
+                <a:ea typeface="+mn-ea"/>
+                <a:cs typeface="+mn-cs"/>
+              </a:rPr>
+              <a:t>concat</a:t>
+            </a:r>
+            <a:r>
+              <a:rPr lang="en-US" sz="1200" kern="1200" dirty="0">
+                <a:solidFill>
+                  <a:schemeClr val="tx1"/>
+                </a:solidFill>
+                <a:effectLst/>
+                <a:latin typeface="+mn-lt"/>
+                <a:ea typeface="+mn-ea"/>
+                <a:cs typeface="+mn-cs"/>
+              </a:rPr>
+              <a:t>(</a:t>
+            </a:r>
+            <a:r>
+              <a:rPr lang="en-US" sz="1200" kern="1200" dirty="0" err="1">
+                <a:solidFill>
+                  <a:schemeClr val="tx1"/>
+                </a:solidFill>
+                <a:effectLst/>
+                <a:latin typeface="+mn-lt"/>
+                <a:ea typeface="+mn-ea"/>
+                <a:cs typeface="+mn-cs"/>
+              </a:rPr>
+              <a:t>uniquestring</a:t>
+            </a:r>
+            <a:r>
+              <a:rPr lang="en-US" sz="1200" kern="1200" dirty="0">
+                <a:solidFill>
+                  <a:schemeClr val="tx1"/>
+                </a:solidFill>
+                <a:effectLst/>
+                <a:latin typeface="+mn-lt"/>
+                <a:ea typeface="+mn-ea"/>
+                <a:cs typeface="+mn-cs"/>
+              </a:rPr>
+              <a:t>(</a:t>
+            </a:r>
+            <a:r>
+              <a:rPr lang="en-US" sz="1200" kern="1200" dirty="0" err="1">
+                <a:solidFill>
+                  <a:schemeClr val="tx1"/>
+                </a:solidFill>
+                <a:effectLst/>
+                <a:latin typeface="+mn-lt"/>
+                <a:ea typeface="+mn-ea"/>
+                <a:cs typeface="+mn-cs"/>
+              </a:rPr>
+              <a:t>resourceGroup</a:t>
+            </a:r>
+            <a:r>
+              <a:rPr lang="en-US" sz="1200" kern="1200" dirty="0">
+                <a:solidFill>
+                  <a:schemeClr val="tx1"/>
+                </a:solidFill>
+                <a:effectLst/>
+                <a:latin typeface="+mn-lt"/>
+                <a:ea typeface="+mn-ea"/>
+                <a:cs typeface="+mn-cs"/>
+              </a:rPr>
+              <a:t>().id), '</a:t>
+            </a:r>
+            <a:r>
+              <a:rPr lang="en-US" sz="1200" kern="1200" dirty="0" err="1">
+                <a:solidFill>
+                  <a:schemeClr val="tx1"/>
+                </a:solidFill>
+                <a:effectLst/>
+                <a:latin typeface="+mn-lt"/>
+                <a:ea typeface="+mn-ea"/>
+                <a:cs typeface="+mn-cs"/>
+              </a:rPr>
+              <a:t>standardsa</a:t>
+            </a:r>
+            <a:r>
+              <a:rPr lang="en-US" sz="1200" kern="1200" dirty="0">
+                <a:solidFill>
+                  <a:schemeClr val="tx1"/>
+                </a:solidFill>
+                <a:effectLst/>
+                <a:latin typeface="+mn-lt"/>
+                <a:ea typeface="+mn-ea"/>
+                <a:cs typeface="+mn-cs"/>
+              </a:rPr>
+              <a:t>')]"</a:t>
+            </a:r>
+            <a:br>
+              <a:rPr lang="en-US" sz="1200" kern="1200" dirty="0">
+                <a:solidFill>
+                  <a:schemeClr val="tx1"/>
+                </a:solidFill>
+                <a:effectLst/>
+                <a:latin typeface="+mn-lt"/>
+                <a:ea typeface="+mn-ea"/>
+                <a:cs typeface="+mn-cs"/>
+              </a:rPr>
+            </a:br>
+            <a:r>
+              <a:rPr lang="en-US" sz="1200" kern="1200" dirty="0">
+                <a:solidFill>
+                  <a:schemeClr val="tx1"/>
+                </a:solidFill>
+                <a:effectLst/>
+                <a:latin typeface="+mn-lt"/>
+                <a:ea typeface="+mn-ea"/>
+                <a:cs typeface="+mn-cs"/>
+              </a:rPr>
+              <a:t>    },</a:t>
+            </a:r>
+            <a:br>
+              <a:rPr lang="en-US" sz="1200" kern="1200" dirty="0">
+                <a:solidFill>
+                  <a:schemeClr val="tx1"/>
+                </a:solidFill>
+                <a:effectLst/>
+                <a:latin typeface="+mn-lt"/>
+                <a:ea typeface="+mn-ea"/>
+                <a:cs typeface="+mn-cs"/>
+              </a:rPr>
+            </a:br>
+            <a:r>
+              <a:rPr lang="en-US" sz="1200" kern="1200" dirty="0">
+                <a:solidFill>
+                  <a:schemeClr val="tx1"/>
+                </a:solidFill>
+                <a:effectLst/>
+                <a:latin typeface="+mn-lt"/>
+                <a:ea typeface="+mn-ea"/>
+                <a:cs typeface="+mn-cs"/>
+              </a:rPr>
+              <a:t>    "resources": [{</a:t>
+            </a:r>
+            <a:br>
+              <a:rPr lang="en-US" sz="1200" kern="1200" dirty="0">
+                <a:solidFill>
+                  <a:schemeClr val="tx1"/>
+                </a:solidFill>
+                <a:effectLst/>
+                <a:latin typeface="+mn-lt"/>
+                <a:ea typeface="+mn-ea"/>
+                <a:cs typeface="+mn-cs"/>
+              </a:rPr>
+            </a:br>
+            <a:r>
+              <a:rPr lang="en-US" sz="1200" kern="1200" dirty="0">
+                <a:solidFill>
+                  <a:schemeClr val="tx1"/>
+                </a:solidFill>
+                <a:effectLst/>
+                <a:latin typeface="+mn-lt"/>
+                <a:ea typeface="+mn-ea"/>
+                <a:cs typeface="+mn-cs"/>
+              </a:rPr>
+              <a:t>        "type": "</a:t>
+            </a:r>
+            <a:r>
+              <a:rPr lang="en-US" sz="1200" kern="1200" dirty="0" err="1">
+                <a:solidFill>
+                  <a:schemeClr val="tx1"/>
+                </a:solidFill>
+                <a:effectLst/>
+                <a:latin typeface="+mn-lt"/>
+                <a:ea typeface="+mn-ea"/>
+                <a:cs typeface="+mn-cs"/>
+              </a:rPr>
+              <a:t>Microsoft.Storage</a:t>
+            </a:r>
+            <a:r>
+              <a:rPr lang="en-US" sz="1200" kern="1200" dirty="0">
+                <a:solidFill>
+                  <a:schemeClr val="tx1"/>
+                </a:solidFill>
+                <a:effectLst/>
+                <a:latin typeface="+mn-lt"/>
+                <a:ea typeface="+mn-ea"/>
+                <a:cs typeface="+mn-cs"/>
+              </a:rPr>
+              <a:t>/</a:t>
+            </a:r>
+            <a:r>
+              <a:rPr lang="en-US" sz="1200" kern="1200" dirty="0" err="1">
+                <a:solidFill>
+                  <a:schemeClr val="tx1"/>
+                </a:solidFill>
+                <a:effectLst/>
+                <a:latin typeface="+mn-lt"/>
+                <a:ea typeface="+mn-ea"/>
+                <a:cs typeface="+mn-cs"/>
+              </a:rPr>
+              <a:t>storageAccounts</a:t>
+            </a:r>
+            <a:r>
+              <a:rPr lang="en-US" sz="1200" kern="1200" dirty="0">
+                <a:solidFill>
+                  <a:schemeClr val="tx1"/>
+                </a:solidFill>
+                <a:effectLst/>
+                <a:latin typeface="+mn-lt"/>
+                <a:ea typeface="+mn-ea"/>
+                <a:cs typeface="+mn-cs"/>
+              </a:rPr>
+              <a:t>",</a:t>
+            </a:r>
+            <a:br>
+              <a:rPr lang="en-US" sz="1200" kern="1200" dirty="0">
+                <a:solidFill>
+                  <a:schemeClr val="tx1"/>
+                </a:solidFill>
+                <a:effectLst/>
+                <a:latin typeface="+mn-lt"/>
+                <a:ea typeface="+mn-ea"/>
+                <a:cs typeface="+mn-cs"/>
+              </a:rPr>
+            </a:br>
+            <a:r>
+              <a:rPr lang="en-US" sz="1200" kern="1200" dirty="0">
+                <a:solidFill>
+                  <a:schemeClr val="tx1"/>
+                </a:solidFill>
+                <a:effectLst/>
+                <a:latin typeface="+mn-lt"/>
+                <a:ea typeface="+mn-ea"/>
+                <a:cs typeface="+mn-cs"/>
+              </a:rPr>
+              <a:t>        "name": "[variables('</a:t>
+            </a:r>
+            <a:r>
+              <a:rPr lang="en-US" sz="1200" kern="1200" dirty="0" err="1">
+                <a:solidFill>
+                  <a:schemeClr val="tx1"/>
+                </a:solidFill>
+                <a:effectLst/>
+                <a:latin typeface="+mn-lt"/>
+                <a:ea typeface="+mn-ea"/>
+                <a:cs typeface="+mn-cs"/>
+              </a:rPr>
+              <a:t>storageAccountName</a:t>
+            </a:r>
+            <a:r>
+              <a:rPr lang="en-US" sz="1200" kern="1200" dirty="0">
+                <a:solidFill>
+                  <a:schemeClr val="tx1"/>
+                </a:solidFill>
+                <a:effectLst/>
+                <a:latin typeface="+mn-lt"/>
+                <a:ea typeface="+mn-ea"/>
+                <a:cs typeface="+mn-cs"/>
+              </a:rPr>
+              <a:t>')]",</a:t>
+            </a:r>
+            <a:br>
+              <a:rPr lang="en-US" sz="1200" kern="1200" dirty="0">
+                <a:solidFill>
+                  <a:schemeClr val="tx1"/>
+                </a:solidFill>
+                <a:effectLst/>
+                <a:latin typeface="+mn-lt"/>
+                <a:ea typeface="+mn-ea"/>
+                <a:cs typeface="+mn-cs"/>
+              </a:rPr>
+            </a:br>
+            <a:r>
+              <a:rPr lang="en-US" sz="1200" kern="1200" dirty="0">
+                <a:solidFill>
+                  <a:schemeClr val="tx1"/>
+                </a:solidFill>
+                <a:effectLst/>
+                <a:latin typeface="+mn-lt"/>
+                <a:ea typeface="+mn-ea"/>
+                <a:cs typeface="+mn-cs"/>
+              </a:rPr>
+              <a:t>        "</a:t>
+            </a:r>
+            <a:r>
+              <a:rPr lang="en-US" sz="1200" kern="1200" dirty="0" err="1">
+                <a:solidFill>
+                  <a:schemeClr val="tx1"/>
+                </a:solidFill>
+                <a:effectLst/>
+                <a:latin typeface="+mn-lt"/>
+                <a:ea typeface="+mn-ea"/>
+                <a:cs typeface="+mn-cs"/>
+              </a:rPr>
+              <a:t>apiVersion</a:t>
+            </a:r>
+            <a:r>
+              <a:rPr lang="en-US" sz="1200" kern="1200" dirty="0">
+                <a:solidFill>
+                  <a:schemeClr val="tx1"/>
+                </a:solidFill>
+                <a:effectLst/>
+                <a:latin typeface="+mn-lt"/>
+                <a:ea typeface="+mn-ea"/>
+                <a:cs typeface="+mn-cs"/>
+              </a:rPr>
+              <a:t>": "2016-01-01",</a:t>
+            </a:r>
+            <a:br>
+              <a:rPr lang="en-US" sz="1200" kern="1200" dirty="0">
+                <a:solidFill>
+                  <a:schemeClr val="tx1"/>
+                </a:solidFill>
+                <a:effectLst/>
+                <a:latin typeface="+mn-lt"/>
+                <a:ea typeface="+mn-ea"/>
+                <a:cs typeface="+mn-cs"/>
+              </a:rPr>
+            </a:br>
+            <a:r>
+              <a:rPr lang="en-US" sz="1200" kern="1200" dirty="0">
+                <a:solidFill>
+                  <a:schemeClr val="tx1"/>
+                </a:solidFill>
+                <a:effectLst/>
+                <a:latin typeface="+mn-lt"/>
+                <a:ea typeface="+mn-ea"/>
+                <a:cs typeface="+mn-cs"/>
+              </a:rPr>
+              <a:t>        "location": "[</a:t>
+            </a:r>
+            <a:r>
+              <a:rPr lang="en-US" sz="1200" kern="1200" dirty="0" err="1">
+                <a:solidFill>
+                  <a:schemeClr val="tx1"/>
+                </a:solidFill>
+                <a:effectLst/>
+                <a:latin typeface="+mn-lt"/>
+                <a:ea typeface="+mn-ea"/>
+                <a:cs typeface="+mn-cs"/>
+              </a:rPr>
+              <a:t>resourceGroup</a:t>
+            </a:r>
+            <a:r>
+              <a:rPr lang="en-US" sz="1200" kern="1200" dirty="0">
+                <a:solidFill>
+                  <a:schemeClr val="tx1"/>
+                </a:solidFill>
+                <a:effectLst/>
+                <a:latin typeface="+mn-lt"/>
+                <a:ea typeface="+mn-ea"/>
+                <a:cs typeface="+mn-cs"/>
+              </a:rPr>
+              <a:t>().location]",</a:t>
+            </a:r>
+            <a:br>
+              <a:rPr lang="en-US" sz="1200" kern="1200" dirty="0">
+                <a:solidFill>
+                  <a:schemeClr val="tx1"/>
+                </a:solidFill>
+                <a:effectLst/>
+                <a:latin typeface="+mn-lt"/>
+                <a:ea typeface="+mn-ea"/>
+                <a:cs typeface="+mn-cs"/>
+              </a:rPr>
+            </a:br>
+            <a:r>
+              <a:rPr lang="en-US" sz="1200" kern="1200" dirty="0">
+                <a:solidFill>
+                  <a:schemeClr val="tx1"/>
+                </a:solidFill>
+                <a:effectLst/>
+                <a:latin typeface="+mn-lt"/>
+                <a:ea typeface="+mn-ea"/>
+                <a:cs typeface="+mn-cs"/>
+              </a:rPr>
+              <a:t>        "</a:t>
+            </a:r>
+            <a:r>
+              <a:rPr lang="en-US" sz="1200" kern="1200" dirty="0" err="1">
+                <a:solidFill>
+                  <a:schemeClr val="tx1"/>
+                </a:solidFill>
+                <a:effectLst/>
+                <a:latin typeface="+mn-lt"/>
+                <a:ea typeface="+mn-ea"/>
+                <a:cs typeface="+mn-cs"/>
+              </a:rPr>
+              <a:t>sku</a:t>
+            </a:r>
+            <a:r>
+              <a:rPr lang="en-US" sz="1200" kern="1200" dirty="0">
+                <a:solidFill>
+                  <a:schemeClr val="tx1"/>
+                </a:solidFill>
+                <a:effectLst/>
+                <a:latin typeface="+mn-lt"/>
+                <a:ea typeface="+mn-ea"/>
+                <a:cs typeface="+mn-cs"/>
+              </a:rPr>
+              <a:t>": {</a:t>
+            </a:r>
+            <a:br>
+              <a:rPr lang="en-US" sz="1200" kern="1200" dirty="0">
+                <a:solidFill>
+                  <a:schemeClr val="tx1"/>
+                </a:solidFill>
+                <a:effectLst/>
+                <a:latin typeface="+mn-lt"/>
+                <a:ea typeface="+mn-ea"/>
+                <a:cs typeface="+mn-cs"/>
+              </a:rPr>
+            </a:br>
+            <a:r>
+              <a:rPr lang="en-US" sz="1200" kern="1200" dirty="0">
+                <a:solidFill>
+                  <a:schemeClr val="tx1"/>
+                </a:solidFill>
+                <a:effectLst/>
+                <a:latin typeface="+mn-lt"/>
+                <a:ea typeface="+mn-ea"/>
+                <a:cs typeface="+mn-cs"/>
+              </a:rPr>
+              <a:t>            "name": "[parameters('</a:t>
+            </a:r>
+            <a:r>
+              <a:rPr lang="en-US" sz="1200" kern="1200" dirty="0" err="1">
+                <a:solidFill>
+                  <a:schemeClr val="tx1"/>
+                </a:solidFill>
+                <a:effectLst/>
+                <a:latin typeface="+mn-lt"/>
+                <a:ea typeface="+mn-ea"/>
+                <a:cs typeface="+mn-cs"/>
+              </a:rPr>
+              <a:t>storageAccountType</a:t>
+            </a:r>
+            <a:r>
+              <a:rPr lang="en-US" sz="1200" kern="1200" dirty="0">
+                <a:solidFill>
+                  <a:schemeClr val="tx1"/>
+                </a:solidFill>
+                <a:effectLst/>
+                <a:latin typeface="+mn-lt"/>
+                <a:ea typeface="+mn-ea"/>
+                <a:cs typeface="+mn-cs"/>
+              </a:rPr>
+              <a:t>')]"</a:t>
+            </a:r>
+            <a:br>
+              <a:rPr lang="en-US" sz="1200" kern="1200" dirty="0">
+                <a:solidFill>
+                  <a:schemeClr val="tx1"/>
+                </a:solidFill>
+                <a:effectLst/>
+                <a:latin typeface="+mn-lt"/>
+                <a:ea typeface="+mn-ea"/>
+                <a:cs typeface="+mn-cs"/>
+              </a:rPr>
+            </a:br>
+            <a:r>
+              <a:rPr lang="en-US" sz="1200" kern="1200" dirty="0">
+                <a:solidFill>
+                  <a:schemeClr val="tx1"/>
+                </a:solidFill>
+                <a:effectLst/>
+                <a:latin typeface="+mn-lt"/>
+                <a:ea typeface="+mn-ea"/>
+                <a:cs typeface="+mn-cs"/>
+              </a:rPr>
+              <a:t>        },</a:t>
+            </a:r>
+            <a:br>
+              <a:rPr lang="en-US" sz="1200" kern="1200" dirty="0">
+                <a:solidFill>
+                  <a:schemeClr val="tx1"/>
+                </a:solidFill>
+                <a:effectLst/>
+                <a:latin typeface="+mn-lt"/>
+                <a:ea typeface="+mn-ea"/>
+                <a:cs typeface="+mn-cs"/>
+              </a:rPr>
+            </a:br>
+            <a:r>
+              <a:rPr lang="en-US" sz="1200" kern="1200" dirty="0">
+                <a:solidFill>
+                  <a:schemeClr val="tx1"/>
+                </a:solidFill>
+                <a:effectLst/>
+                <a:latin typeface="+mn-lt"/>
+                <a:ea typeface="+mn-ea"/>
+                <a:cs typeface="+mn-cs"/>
+              </a:rPr>
+              <a:t>        "kind": "Storage",</a:t>
+            </a:r>
+            <a:br>
+              <a:rPr lang="en-US" sz="1200" kern="1200" dirty="0">
+                <a:solidFill>
+                  <a:schemeClr val="tx1"/>
+                </a:solidFill>
+                <a:effectLst/>
+                <a:latin typeface="+mn-lt"/>
+                <a:ea typeface="+mn-ea"/>
+                <a:cs typeface="+mn-cs"/>
+              </a:rPr>
+            </a:br>
+            <a:r>
+              <a:rPr lang="en-US" sz="1200" kern="1200" dirty="0">
+                <a:solidFill>
+                  <a:schemeClr val="tx1"/>
+                </a:solidFill>
+                <a:effectLst/>
+                <a:latin typeface="+mn-lt"/>
+                <a:ea typeface="+mn-ea"/>
+                <a:cs typeface="+mn-cs"/>
+              </a:rPr>
+              <a:t>        "properties": {}</a:t>
+            </a:r>
+            <a:br>
+              <a:rPr lang="en-US" sz="1200" kern="1200" dirty="0">
+                <a:solidFill>
+                  <a:schemeClr val="tx1"/>
+                </a:solidFill>
+                <a:effectLst/>
+                <a:latin typeface="+mn-lt"/>
+                <a:ea typeface="+mn-ea"/>
+                <a:cs typeface="+mn-cs"/>
+              </a:rPr>
+            </a:br>
+            <a:r>
+              <a:rPr lang="en-US" sz="1200" kern="1200" dirty="0">
+                <a:solidFill>
+                  <a:schemeClr val="tx1"/>
+                </a:solidFill>
+                <a:effectLst/>
+                <a:latin typeface="+mn-lt"/>
+                <a:ea typeface="+mn-ea"/>
+                <a:cs typeface="+mn-cs"/>
+              </a:rPr>
+              <a:t>    }],</a:t>
+            </a:r>
+            <a:br>
+              <a:rPr lang="en-US" sz="1200" kern="1200" dirty="0">
+                <a:solidFill>
+                  <a:schemeClr val="tx1"/>
+                </a:solidFill>
+                <a:effectLst/>
+                <a:latin typeface="+mn-lt"/>
+                <a:ea typeface="+mn-ea"/>
+                <a:cs typeface="+mn-cs"/>
+              </a:rPr>
+            </a:br>
+            <a:r>
+              <a:rPr lang="en-US" sz="1200" kern="1200" dirty="0">
+                <a:solidFill>
+                  <a:schemeClr val="tx1"/>
+                </a:solidFill>
+                <a:effectLst/>
+                <a:latin typeface="+mn-lt"/>
+                <a:ea typeface="+mn-ea"/>
+                <a:cs typeface="+mn-cs"/>
+              </a:rPr>
+              <a:t>    "outputs": {</a:t>
+            </a:r>
+            <a:br>
+              <a:rPr lang="en-US" sz="1200" kern="1200" dirty="0">
+                <a:solidFill>
+                  <a:schemeClr val="tx1"/>
+                </a:solidFill>
+                <a:effectLst/>
+                <a:latin typeface="+mn-lt"/>
+                <a:ea typeface="+mn-ea"/>
+                <a:cs typeface="+mn-cs"/>
+              </a:rPr>
+            </a:br>
+            <a:r>
+              <a:rPr lang="en-US" sz="1200" kern="1200" dirty="0">
+                <a:solidFill>
+                  <a:schemeClr val="tx1"/>
+                </a:solidFill>
+                <a:effectLst/>
+                <a:latin typeface="+mn-lt"/>
+                <a:ea typeface="+mn-ea"/>
+                <a:cs typeface="+mn-cs"/>
+              </a:rPr>
+              <a:t>        "</a:t>
+            </a:r>
+            <a:r>
+              <a:rPr lang="en-US" sz="1200" kern="1200" dirty="0" err="1">
+                <a:solidFill>
+                  <a:schemeClr val="tx1"/>
+                </a:solidFill>
+                <a:effectLst/>
+                <a:latin typeface="+mn-lt"/>
+                <a:ea typeface="+mn-ea"/>
+                <a:cs typeface="+mn-cs"/>
+              </a:rPr>
+              <a:t>storageAccountName</a:t>
+            </a:r>
+            <a:r>
+              <a:rPr lang="en-US" sz="1200" kern="1200" dirty="0">
+                <a:solidFill>
+                  <a:schemeClr val="tx1"/>
+                </a:solidFill>
+                <a:effectLst/>
+                <a:latin typeface="+mn-lt"/>
+                <a:ea typeface="+mn-ea"/>
+                <a:cs typeface="+mn-cs"/>
+              </a:rPr>
+              <a:t>": {</a:t>
+            </a:r>
+            <a:br>
+              <a:rPr lang="en-US" sz="1200" kern="1200" dirty="0">
+                <a:solidFill>
+                  <a:schemeClr val="tx1"/>
+                </a:solidFill>
+                <a:effectLst/>
+                <a:latin typeface="+mn-lt"/>
+                <a:ea typeface="+mn-ea"/>
+                <a:cs typeface="+mn-cs"/>
+              </a:rPr>
+            </a:br>
+            <a:r>
+              <a:rPr lang="en-US" sz="1200" kern="1200" dirty="0">
+                <a:solidFill>
+                  <a:schemeClr val="tx1"/>
+                </a:solidFill>
+                <a:effectLst/>
+                <a:latin typeface="+mn-lt"/>
+                <a:ea typeface="+mn-ea"/>
+                <a:cs typeface="+mn-cs"/>
+              </a:rPr>
+              <a:t>            "type": "string",</a:t>
+            </a:r>
+            <a:br>
+              <a:rPr lang="en-US" sz="1200" kern="1200" dirty="0">
+                <a:solidFill>
+                  <a:schemeClr val="tx1"/>
+                </a:solidFill>
+                <a:effectLst/>
+                <a:latin typeface="+mn-lt"/>
+                <a:ea typeface="+mn-ea"/>
+                <a:cs typeface="+mn-cs"/>
+              </a:rPr>
+            </a:br>
+            <a:r>
+              <a:rPr lang="en-US" sz="1200" kern="1200" dirty="0">
+                <a:solidFill>
+                  <a:schemeClr val="tx1"/>
+                </a:solidFill>
+                <a:effectLst/>
+                <a:latin typeface="+mn-lt"/>
+                <a:ea typeface="+mn-ea"/>
+                <a:cs typeface="+mn-cs"/>
+              </a:rPr>
+              <a:t>            "value": "[variables('</a:t>
+            </a:r>
+            <a:r>
+              <a:rPr lang="en-US" sz="1200" kern="1200" dirty="0" err="1">
+                <a:solidFill>
+                  <a:schemeClr val="tx1"/>
+                </a:solidFill>
+                <a:effectLst/>
+                <a:latin typeface="+mn-lt"/>
+                <a:ea typeface="+mn-ea"/>
+                <a:cs typeface="+mn-cs"/>
+              </a:rPr>
+              <a:t>storageAccountName</a:t>
+            </a:r>
+            <a:r>
+              <a:rPr lang="en-US" sz="1200" kern="1200" dirty="0">
+                <a:solidFill>
+                  <a:schemeClr val="tx1"/>
+                </a:solidFill>
+                <a:effectLst/>
+                <a:latin typeface="+mn-lt"/>
+                <a:ea typeface="+mn-ea"/>
+                <a:cs typeface="+mn-cs"/>
+              </a:rPr>
+              <a:t>')]"</a:t>
+            </a:r>
+            <a:br>
+              <a:rPr lang="en-US" sz="1200" kern="1200" dirty="0">
+                <a:solidFill>
+                  <a:schemeClr val="tx1"/>
+                </a:solidFill>
+                <a:effectLst/>
+                <a:latin typeface="+mn-lt"/>
+                <a:ea typeface="+mn-ea"/>
+                <a:cs typeface="+mn-cs"/>
+              </a:rPr>
+            </a:br>
+            <a:r>
+              <a:rPr lang="en-US" sz="1200" kern="1200" dirty="0">
+                <a:solidFill>
+                  <a:schemeClr val="tx1"/>
+                </a:solidFill>
+                <a:effectLst/>
+                <a:latin typeface="+mn-lt"/>
+                <a:ea typeface="+mn-ea"/>
+                <a:cs typeface="+mn-cs"/>
+              </a:rPr>
+              <a:t>        }</a:t>
+            </a:r>
+            <a:br>
+              <a:rPr lang="en-US" sz="1200" kern="1200" dirty="0">
+                <a:solidFill>
+                  <a:schemeClr val="tx1"/>
+                </a:solidFill>
+                <a:effectLst/>
+                <a:latin typeface="+mn-lt"/>
+                <a:ea typeface="+mn-ea"/>
+                <a:cs typeface="+mn-cs"/>
+              </a:rPr>
+            </a:br>
+            <a:r>
+              <a:rPr lang="en-US" sz="1200" kern="1200" dirty="0">
+                <a:solidFill>
+                  <a:schemeClr val="tx1"/>
+                </a:solidFill>
+                <a:effectLst/>
+                <a:latin typeface="+mn-lt"/>
+                <a:ea typeface="+mn-ea"/>
+                <a:cs typeface="+mn-cs"/>
+              </a:rPr>
+              <a:t>    }</a:t>
+            </a:r>
+            <a:br>
+              <a:rPr lang="en-US" sz="1200" kern="1200" dirty="0">
+                <a:solidFill>
+                  <a:schemeClr val="tx1"/>
+                </a:solidFill>
+                <a:effectLst/>
+                <a:latin typeface="+mn-lt"/>
+                <a:ea typeface="+mn-ea"/>
+                <a:cs typeface="+mn-cs"/>
+              </a:rPr>
+            </a:br>
+            <a:r>
+              <a:rPr lang="en-US" sz="1200" kern="1200" dirty="0">
+                <a:solidFill>
+                  <a:schemeClr val="tx1"/>
+                </a:solidFill>
+                <a:effectLst/>
+                <a:latin typeface="+mn-lt"/>
+                <a:ea typeface="+mn-ea"/>
+                <a:cs typeface="+mn-cs"/>
+              </a:rPr>
+              <a:t>}</a:t>
+            </a:r>
+          </a:p>
+          <a:p>
+            <a:endParaRPr lang="en-US" dirty="0"/>
           </a:p>
         </p:txBody>
       </p:sp>
@@ -3197,7 +3199,175 @@
           <a:p>
             <a:fld id="{D1ABA2CB-342C-46F9-95EC-88F4F68DF547}" type="slidenum">
               <a:rPr lang="en-US" smtClean="0"/>
-              <a:t>9</a:t>
+              <a:t>7</a:t>
+            </a:fld>
+            <a:endParaRPr lang="en-US"/>
+          </a:p>
+        </p:txBody>
+      </p:sp>
+    </p:spTree>
+    <p:extLst>
+      <p:ext uri="{BB962C8B-B14F-4D97-AF65-F5344CB8AC3E}">
+        <p14:creationId xmlns:p14="http://schemas.microsoft.com/office/powerpoint/2010/main" val="1703229467"/>
+      </p:ext>
+    </p:extLst>
+  </p:cSld>
+  <p:clrMapOvr>
+    <a:masterClrMapping/>
+  </p:clrMapOvr>
+</p:notes>
+</file>
+
+<file path=ppt/notesSlides/notesSlide6.xml><?xml version="1.0" encoding="utf-8"?>
+<p:notes xmlns:a="http://schemas.openxmlformats.org/drawingml/2006/main" xmlns:r="http://schemas.openxmlformats.org/officeDocument/2006/relationships" xmlns:p="http://schemas.openxmlformats.org/presentationml/2006/main">
+  <p:cSld>
+    <p:spTree>
+      <p:nvGrpSpPr>
+        <p:cNvPr id="1" name=""/>
+        <p:cNvGrpSpPr/>
+        <p:nvPr/>
+      </p:nvGrpSpPr>
+      <p:grpSpPr>
+        <a:xfrm>
+          <a:off x="0" y="0"/>
+          <a:ext cx="0" cy="0"/>
+          <a:chOff x="0" y="0"/>
+          <a:chExt cx="0" cy="0"/>
+        </a:xfrm>
+      </p:grpSpPr>
+      <p:sp>
+        <p:nvSpPr>
+          <p:cNvPr id="2" name="Slide Image Placeholder 1"/>
+          <p:cNvSpPr>
+            <a:spLocks noGrp="1" noRot="1" noChangeAspect="1"/>
+          </p:cNvSpPr>
+          <p:nvPr>
+            <p:ph type="sldImg"/>
+          </p:nvPr>
+        </p:nvSpPr>
+        <p:spPr/>
+      </p:sp>
+      <p:sp>
+        <p:nvSpPr>
+          <p:cNvPr id="3" name="Notes Placeholder 2"/>
+          <p:cNvSpPr>
+            <a:spLocks noGrp="1"/>
+          </p:cNvSpPr>
+          <p:nvPr>
+            <p:ph type="body" idx="1"/>
+          </p:nvPr>
+        </p:nvSpPr>
+        <p:spPr/>
+        <p:txBody>
+          <a:bodyPr/>
+          <a:lstStyle/>
+          <a:p>
+            <a:endParaRPr lang="sv-SE" dirty="0"/>
+          </a:p>
+        </p:txBody>
+      </p:sp>
+      <p:sp>
+        <p:nvSpPr>
+          <p:cNvPr id="4" name="Slide Number Placeholder 3"/>
+          <p:cNvSpPr>
+            <a:spLocks noGrp="1"/>
+          </p:cNvSpPr>
+          <p:nvPr>
+            <p:ph type="sldNum" sz="quarter" idx="5"/>
+          </p:nvPr>
+        </p:nvSpPr>
+        <p:spPr/>
+        <p:txBody>
+          <a:bodyPr/>
+          <a:lstStyle/>
+          <a:p>
+            <a:fld id="{D1ABA2CB-342C-46F9-95EC-88F4F68DF547}" type="slidenum">
+              <a:rPr lang="en-US" smtClean="0"/>
+              <a:t>8</a:t>
+            </a:fld>
+            <a:endParaRPr lang="en-US"/>
+          </a:p>
+        </p:txBody>
+      </p:sp>
+    </p:spTree>
+    <p:extLst>
+      <p:ext uri="{BB962C8B-B14F-4D97-AF65-F5344CB8AC3E}">
+        <p14:creationId xmlns:p14="http://schemas.microsoft.com/office/powerpoint/2010/main" val="501550754"/>
+      </p:ext>
+    </p:extLst>
+  </p:cSld>
+  <p:clrMapOvr>
+    <a:masterClrMapping/>
+  </p:clrMapOvr>
+</p:notes>
+</file>
+
+<file path=ppt/notesSlides/notesSlide7.xml><?xml version="1.0" encoding="utf-8"?>
+<p:notes xmlns:a="http://schemas.openxmlformats.org/drawingml/2006/main" xmlns:r="http://schemas.openxmlformats.org/officeDocument/2006/relationships" xmlns:p="http://schemas.openxmlformats.org/presentationml/2006/main">
+  <p:cSld>
+    <p:spTree>
+      <p:nvGrpSpPr>
+        <p:cNvPr id="1" name=""/>
+        <p:cNvGrpSpPr/>
+        <p:nvPr/>
+      </p:nvGrpSpPr>
+      <p:grpSpPr>
+        <a:xfrm>
+          <a:off x="0" y="0"/>
+          <a:ext cx="0" cy="0"/>
+          <a:chOff x="0" y="0"/>
+          <a:chExt cx="0" cy="0"/>
+        </a:xfrm>
+      </p:grpSpPr>
+      <p:sp>
+        <p:nvSpPr>
+          <p:cNvPr id="2" name="Slide Image Placeholder 1"/>
+          <p:cNvSpPr>
+            <a:spLocks noGrp="1" noRot="1" noChangeAspect="1"/>
+          </p:cNvSpPr>
+          <p:nvPr>
+            <p:ph type="sldImg"/>
+          </p:nvPr>
+        </p:nvSpPr>
+        <p:spPr/>
+      </p:sp>
+      <p:sp>
+        <p:nvSpPr>
+          <p:cNvPr id="3" name="Notes Placeholder 2"/>
+          <p:cNvSpPr>
+            <a:spLocks noGrp="1"/>
+          </p:cNvSpPr>
+          <p:nvPr>
+            <p:ph type="body" idx="1"/>
+          </p:nvPr>
+        </p:nvSpPr>
+        <p:spPr/>
+        <p:txBody>
+          <a:bodyPr/>
+          <a:lstStyle/>
+          <a:p>
+            <a:endParaRPr lang="sv-SE"/>
+          </a:p>
+        </p:txBody>
+      </p:sp>
+      <p:sp>
+        <p:nvSpPr>
+          <p:cNvPr id="4" name="Slide Number Placeholder 3"/>
+          <p:cNvSpPr>
+            <a:spLocks noGrp="1"/>
+          </p:cNvSpPr>
+          <p:nvPr>
+            <p:ph type="sldNum" sz="quarter" idx="5"/>
+          </p:nvPr>
+        </p:nvSpPr>
+        <p:spPr/>
+        <p:txBody>
+          <a:bodyPr/>
+          <a:lstStyle/>
+          <a:p>
+            <a:fld id="{D1ABA2CB-342C-46F9-95EC-88F4F68DF547}" type="slidenum">
+              <a:rPr lang="en-US" smtClean="0"/>
+              <a:t>11</a:t>
             </a:fld>
             <a:endParaRPr lang="en-US"/>
           </a:p>
@@ -6513,6 +6683,440 @@
 </p:sld>
 </file>
 
+<file path=ppt/slides/slide10.xml><?xml version="1.0" encoding="utf-8"?>
+<p:sld xmlns:a="http://schemas.openxmlformats.org/drawingml/2006/main" xmlns:r="http://schemas.openxmlformats.org/officeDocument/2006/relationships" xmlns:p="http://schemas.openxmlformats.org/presentationml/2006/main">
+  <p:cSld>
+    <p:spTree>
+      <p:nvGrpSpPr>
+        <p:cNvPr id="1" name=""/>
+        <p:cNvGrpSpPr/>
+        <p:nvPr/>
+      </p:nvGrpSpPr>
+      <p:grpSpPr>
+        <a:xfrm>
+          <a:off x="0" y="0"/>
+          <a:ext cx="0" cy="0"/>
+          <a:chOff x="0" y="0"/>
+          <a:chExt cx="0" cy="0"/>
+        </a:xfrm>
+      </p:grpSpPr>
+      <p:sp>
+        <p:nvSpPr>
+          <p:cNvPr id="2" name="Title 1">
+            <a:extLst>
+              <a:ext uri="{FF2B5EF4-FFF2-40B4-BE49-F238E27FC236}">
+                <a16:creationId xmlns:a16="http://schemas.microsoft.com/office/drawing/2014/main" id="{DF07F779-9493-43B4-B2B0-F6812A193792}"/>
+              </a:ext>
+            </a:extLst>
+          </p:cNvPr>
+          <p:cNvSpPr>
+            <a:spLocks noGrp="1"/>
+          </p:cNvSpPr>
+          <p:nvPr>
+            <p:ph type="title"/>
+          </p:nvPr>
+        </p:nvSpPr>
+        <p:spPr/>
+        <p:txBody>
+          <a:bodyPr/>
+          <a:lstStyle/>
+          <a:p>
+            <a:r>
+              <a:rPr lang="en-US"/>
+              <a:t>Resource Graph Challenge</a:t>
+            </a:r>
+          </a:p>
+        </p:txBody>
+      </p:sp>
+      <p:sp>
+        <p:nvSpPr>
+          <p:cNvPr id="3" name="Content Placeholder 2">
+            <a:extLst>
+              <a:ext uri="{FF2B5EF4-FFF2-40B4-BE49-F238E27FC236}">
+                <a16:creationId xmlns:a16="http://schemas.microsoft.com/office/drawing/2014/main" id="{1E78601A-55E5-4C27-BA46-67A384908580}"/>
+              </a:ext>
+            </a:extLst>
+          </p:cNvPr>
+          <p:cNvSpPr>
+            <a:spLocks noGrp="1"/>
+          </p:cNvSpPr>
+          <p:nvPr>
+            <p:ph idx="1"/>
+          </p:nvPr>
+        </p:nvSpPr>
+        <p:spPr/>
+        <p:txBody>
+          <a:bodyPr vert="horz" lIns="91440" tIns="45720" rIns="91440" bIns="45720" rtlCol="0" anchor="t">
+            <a:normAutofit lnSpcReduction="10000"/>
+          </a:bodyPr>
+          <a:lstStyle/>
+          <a:p>
+            <a:r>
+              <a:rPr lang="en-US" dirty="0"/>
+              <a:t>Using Resource Graph Explorer</a:t>
+            </a:r>
+          </a:p>
+          <a:p>
+            <a:pPr lvl="1"/>
+            <a:r>
+              <a:rPr lang="en-US" dirty="0"/>
+              <a:t>List out a summary count of resources</a:t>
+            </a:r>
+            <a:endParaRPr lang="en-US" dirty="0">
+              <a:cs typeface="Calibri"/>
+            </a:endParaRPr>
+          </a:p>
+          <a:p>
+            <a:pPr lvl="1"/>
+            <a:r>
+              <a:rPr lang="en-US" dirty="0"/>
+              <a:t>List out all resources and only show name, type and location.  Sort by name in ascending order</a:t>
+            </a:r>
+          </a:p>
+          <a:p>
+            <a:r>
+              <a:rPr lang="en-US" dirty="0"/>
+              <a:t>List the distinct values of compute size in your Subscription</a:t>
+            </a:r>
+          </a:p>
+          <a:p>
+            <a:pPr marL="0" indent="0" algn="ctr">
+              <a:buNone/>
+            </a:pPr>
+            <a:endParaRPr lang="en-US" dirty="0"/>
+          </a:p>
+          <a:p>
+            <a:pPr marL="0" indent="0" algn="ctr">
+              <a:buNone/>
+            </a:pPr>
+            <a:r>
+              <a:rPr lang="en-US" dirty="0"/>
+              <a:t>Good luck</a:t>
+            </a:r>
+          </a:p>
+          <a:p>
+            <a:pPr marL="0" indent="0" algn="ctr">
+              <a:buNone/>
+            </a:pPr>
+            <a:r>
+              <a:rPr lang="en-US" dirty="0"/>
+              <a:t>Hints:</a:t>
+            </a:r>
+          </a:p>
+          <a:p>
+            <a:pPr marL="0" indent="0" algn="ctr">
+              <a:buNone/>
+            </a:pPr>
+            <a:r>
+              <a:rPr lang="sv-SE" dirty="0">
+                <a:hlinkClick r:id="rId2"/>
+              </a:rPr>
+              <a:t>https://docs.microsoft.com/en-us/azure/governance/resource-graph/samples/starter</a:t>
+            </a:r>
+            <a:endParaRPr lang="sv-SE" dirty="0"/>
+          </a:p>
+          <a:p>
+            <a:pPr marL="0" indent="0" algn="ctr">
+              <a:buNone/>
+            </a:pPr>
+            <a:endParaRPr lang="en-US" dirty="0"/>
+          </a:p>
+        </p:txBody>
+      </p:sp>
+    </p:spTree>
+    <p:extLst>
+      <p:ext uri="{BB962C8B-B14F-4D97-AF65-F5344CB8AC3E}">
+        <p14:creationId xmlns:p14="http://schemas.microsoft.com/office/powerpoint/2010/main" val="1364761612"/>
+      </p:ext>
+    </p:extLst>
+  </p:cSld>
+  <p:clrMapOvr>
+    <a:masterClrMapping/>
+  </p:clrMapOvr>
+</p:sld>
+</file>
+
+<file path=ppt/slides/slide11.xml><?xml version="1.0" encoding="utf-8"?>
+<p:sld xmlns:a="http://schemas.openxmlformats.org/drawingml/2006/main" xmlns:r="http://schemas.openxmlformats.org/officeDocument/2006/relationships" xmlns:p="http://schemas.openxmlformats.org/presentationml/2006/main" show="0">
+  <p:cSld>
+    <p:spTree>
+      <p:nvGrpSpPr>
+        <p:cNvPr id="1" name=""/>
+        <p:cNvGrpSpPr/>
+        <p:nvPr/>
+      </p:nvGrpSpPr>
+      <p:grpSpPr>
+        <a:xfrm>
+          <a:off x="0" y="0"/>
+          <a:ext cx="0" cy="0"/>
+          <a:chOff x="0" y="0"/>
+          <a:chExt cx="0" cy="0"/>
+        </a:xfrm>
+      </p:grpSpPr>
+      <p:sp>
+        <p:nvSpPr>
+          <p:cNvPr id="2" name="Title 1">
+            <a:extLst>
+              <a:ext uri="{FF2B5EF4-FFF2-40B4-BE49-F238E27FC236}">
+                <a16:creationId xmlns:a16="http://schemas.microsoft.com/office/drawing/2014/main" id="{DEE3514D-E920-4920-8BF4-00A66640F40F}"/>
+              </a:ext>
+            </a:extLst>
+          </p:cNvPr>
+          <p:cNvSpPr>
+            <a:spLocks noGrp="1"/>
+          </p:cNvSpPr>
+          <p:nvPr>
+            <p:ph type="title"/>
+          </p:nvPr>
+        </p:nvSpPr>
+        <p:spPr/>
+        <p:txBody>
+          <a:bodyPr/>
+          <a:lstStyle/>
+          <a:p>
+            <a:r>
+              <a:rPr lang="en-US">
+                <a:cs typeface="Calibri Light"/>
+              </a:rPr>
+              <a:t>Azure Governance Practice Building</a:t>
+            </a:r>
+          </a:p>
+        </p:txBody>
+      </p:sp>
+      <p:sp>
+        <p:nvSpPr>
+          <p:cNvPr id="3" name="Content Placeholder 2">
+            <a:extLst>
+              <a:ext uri="{FF2B5EF4-FFF2-40B4-BE49-F238E27FC236}">
+                <a16:creationId xmlns:a16="http://schemas.microsoft.com/office/drawing/2014/main" id="{3A1CC849-4CDC-4CE4-A8BD-FE63A5AC1A49}"/>
+              </a:ext>
+            </a:extLst>
+          </p:cNvPr>
+          <p:cNvSpPr>
+            <a:spLocks noGrp="1"/>
+          </p:cNvSpPr>
+          <p:nvPr>
+            <p:ph idx="1"/>
+          </p:nvPr>
+        </p:nvSpPr>
+        <p:spPr>
+          <a:xfrm>
+            <a:off x="838200" y="1690688"/>
+            <a:ext cx="10515600" cy="4486275"/>
+          </a:xfrm>
+        </p:spPr>
+        <p:txBody>
+          <a:bodyPr vert="horz" lIns="91440" tIns="45720" rIns="91440" bIns="45720" rtlCol="0" anchor="t">
+            <a:normAutofit fontScale="77500" lnSpcReduction="20000"/>
+          </a:bodyPr>
+          <a:lstStyle/>
+          <a:p>
+            <a:pPr>
+              <a:buFont typeface="Wingdings" panose="020B0604020202020204" pitchFamily="34" charset="0"/>
+              <a:buChar char="Ø"/>
+            </a:pPr>
+            <a:r>
+              <a:rPr lang="en-US" dirty="0">
+                <a:cs typeface="Calibri"/>
+              </a:rPr>
+              <a:t>The key questions to ask end customers would be the ones that will have them thinking along the </a:t>
+            </a:r>
+            <a:r>
+              <a:rPr lang="en-US" b="1" dirty="0">
+                <a:cs typeface="Calibri"/>
+              </a:rPr>
+              <a:t>areas of security, compliance and cost</a:t>
+            </a:r>
+            <a:r>
+              <a:rPr lang="en-US" dirty="0">
+                <a:cs typeface="Calibri"/>
+              </a:rPr>
+              <a:t> </a:t>
+            </a:r>
+            <a:endParaRPr lang="en-US" dirty="0"/>
+          </a:p>
+          <a:p>
+            <a:pPr>
+              <a:buFont typeface="Wingdings" panose="020B0604020202020204" pitchFamily="34" charset="0"/>
+              <a:buChar char="Ø"/>
+            </a:pPr>
+            <a:r>
+              <a:rPr lang="en-US" dirty="0">
+                <a:cs typeface="Calibri"/>
+              </a:rPr>
+              <a:t>Are they complaint to the </a:t>
+            </a:r>
+            <a:r>
+              <a:rPr lang="en-US" b="1" dirty="0">
+                <a:cs typeface="Calibri"/>
+              </a:rPr>
+              <a:t>industry compliance </a:t>
+            </a:r>
+            <a:r>
+              <a:rPr lang="en-US" dirty="0">
+                <a:cs typeface="Calibri"/>
+              </a:rPr>
+              <a:t>requirements like </a:t>
+            </a:r>
+            <a:r>
+              <a:rPr lang="en-US" b="1" dirty="0">
+                <a:cs typeface="Calibri"/>
+              </a:rPr>
+              <a:t>PCI, ISO, SOC, CIS?</a:t>
+            </a:r>
+          </a:p>
+          <a:p>
+            <a:pPr>
+              <a:buFont typeface="Wingdings" panose="020B0604020202020204" pitchFamily="34" charset="0"/>
+              <a:buChar char="Ø"/>
+            </a:pPr>
+            <a:r>
+              <a:rPr lang="en-US" dirty="0">
+                <a:cs typeface="Calibri"/>
+              </a:rPr>
+              <a:t>Are they having automated triggers in place to </a:t>
+            </a:r>
+            <a:r>
+              <a:rPr lang="en-US" b="1" dirty="0">
+                <a:cs typeface="Calibri"/>
+              </a:rPr>
+              <a:t>alert</a:t>
+            </a:r>
+            <a:r>
+              <a:rPr lang="en-US" dirty="0">
+                <a:cs typeface="Calibri"/>
+              </a:rPr>
+              <a:t> them when there are security breaches, </a:t>
+            </a:r>
+            <a:r>
+              <a:rPr lang="en-US" b="1" dirty="0">
+                <a:cs typeface="Calibri"/>
+              </a:rPr>
+              <a:t>cost overspend </a:t>
+            </a:r>
+            <a:r>
+              <a:rPr lang="en-US" dirty="0">
+                <a:cs typeface="Calibri"/>
+              </a:rPr>
+              <a:t>per department, per project?</a:t>
+            </a:r>
+          </a:p>
+          <a:p>
+            <a:pPr>
+              <a:buFont typeface="Wingdings" panose="020B0604020202020204" pitchFamily="34" charset="0"/>
+              <a:buChar char="Ø"/>
+            </a:pPr>
+            <a:r>
+              <a:rPr lang="en-US" dirty="0">
+                <a:cs typeface="Calibri"/>
+              </a:rPr>
+              <a:t>Do they have </a:t>
+            </a:r>
+            <a:r>
+              <a:rPr lang="en-US" b="1" dirty="0">
+                <a:cs typeface="Calibri"/>
+              </a:rPr>
+              <a:t>guardrails</a:t>
+            </a:r>
+            <a:r>
+              <a:rPr lang="en-US" dirty="0">
+                <a:cs typeface="Calibri"/>
+              </a:rPr>
+              <a:t> to keep their Azure Environments according to the agreed upon specifications like every resource has </a:t>
+            </a:r>
+            <a:r>
+              <a:rPr lang="en-US" b="1" dirty="0">
+                <a:cs typeface="Calibri"/>
+              </a:rPr>
+              <a:t>department tags</a:t>
+            </a:r>
+            <a:r>
+              <a:rPr lang="en-US" dirty="0">
+                <a:cs typeface="Calibri"/>
+              </a:rPr>
+              <a:t>, developers can use only certain VM SKUs, only encrypted disk allowed?</a:t>
+            </a:r>
+          </a:p>
+          <a:p>
+            <a:pPr>
+              <a:buFont typeface="Wingdings" panose="020B0604020202020204" pitchFamily="34" charset="0"/>
+              <a:buChar char="Ø"/>
+            </a:pPr>
+            <a:r>
+              <a:rPr lang="en-US" dirty="0">
+                <a:cs typeface="Calibri"/>
+              </a:rPr>
+              <a:t>Have they optimized their </a:t>
+            </a:r>
+            <a:r>
+              <a:rPr lang="en-US" b="1" dirty="0">
+                <a:cs typeface="Calibri"/>
+              </a:rPr>
+              <a:t>Azure</a:t>
+            </a:r>
+            <a:r>
+              <a:rPr lang="en-US" dirty="0">
+                <a:cs typeface="Calibri"/>
+              </a:rPr>
+              <a:t> environments for cost? Example: Are they over provisioning, are there policies in place to shutdown dev VMs during night hours? </a:t>
+            </a:r>
+          </a:p>
+          <a:p>
+            <a:pPr>
+              <a:buFont typeface="Wingdings" panose="020B0604020202020204" pitchFamily="34" charset="0"/>
+              <a:buChar char="Ø"/>
+            </a:pPr>
+            <a:r>
+              <a:rPr lang="en-US" dirty="0">
+                <a:cs typeface="Calibri"/>
+              </a:rPr>
+              <a:t>How quickly can they </a:t>
+            </a:r>
+            <a:r>
+              <a:rPr lang="en-US" b="1" dirty="0">
+                <a:cs typeface="Calibri"/>
+              </a:rPr>
+              <a:t>create new environments </a:t>
+            </a:r>
+            <a:r>
+              <a:rPr lang="en-US" dirty="0">
+                <a:cs typeface="Calibri"/>
+              </a:rPr>
+              <a:t>per their specifications and needs? Is it a one click deployment for new environments?</a:t>
+            </a:r>
+          </a:p>
+          <a:p>
+            <a:pPr>
+              <a:buFont typeface="Wingdings" panose="020B0604020202020204" pitchFamily="34" charset="0"/>
+              <a:buChar char="Ø"/>
+            </a:pPr>
+            <a:r>
+              <a:rPr lang="en-US" dirty="0">
+                <a:cs typeface="Calibri"/>
+              </a:rPr>
+              <a:t>Do they have ways where they can grant Role based access?</a:t>
+            </a:r>
+          </a:p>
+          <a:p>
+            <a:endParaRPr lang="en-US" dirty="0">
+              <a:cs typeface="Calibri"/>
+            </a:endParaRPr>
+          </a:p>
+        </p:txBody>
+      </p:sp>
+    </p:spTree>
+    <p:extLst>
+      <p:ext uri="{BB962C8B-B14F-4D97-AF65-F5344CB8AC3E}">
+        <p14:creationId xmlns:p14="http://schemas.microsoft.com/office/powerpoint/2010/main" val="1368983571"/>
+      </p:ext>
+    </p:extLst>
+  </p:cSld>
+  <p:clrMapOvr>
+    <a:masterClrMapping/>
+  </p:clrMapOvr>
+</p:sld>
+</file>
+
 <file path=ppt/slides/slide2.xml><?xml version="1.0" encoding="utf-8"?>
 <p:sld xmlns:a="http://schemas.openxmlformats.org/drawingml/2006/main" xmlns:r="http://schemas.openxmlformats.org/officeDocument/2006/relationships" xmlns:p="http://schemas.openxmlformats.org/presentationml/2006/main" show="0">
   <p:cSld>
@@ -6768,8 +7372,8 @@
           <a:lstStyle/>
           <a:p>
             <a:r>
-              <a:rPr lang="en-US" sz="4100"/>
-              <a:t>Management Groups and RBAC Challenge 	</a:t>
+              <a:rPr lang="en-US" sz="4100" dirty="0"/>
+              <a:t>Management Groups Challenge 	</a:t>
             </a:r>
           </a:p>
         </p:txBody>
@@ -6798,13 +7402,20 @@
         </p:spPr>
         <p:txBody>
           <a:bodyPr>
-            <a:normAutofit fontScale="92500"/>
+            <a:normAutofit/>
           </a:bodyPr>
           <a:lstStyle/>
           <a:p>
             <a:pPr fontAlgn="ctr"/>
             <a:r>
               <a:rPr lang="en-US" sz="2400" dirty="0"/>
+              <a:t>Draw a whiteboard of your suggested management group setup</a:t>
+            </a:r>
+          </a:p>
+          <a:p>
+            <a:pPr fontAlgn="ctr"/>
+            <a:r>
+              <a:rPr lang="en-US" sz="2400" dirty="0"/>
               <a:t>Create a Management Group org structure that matches the sample on the slide</a:t>
             </a:r>
           </a:p>
@@ -6813,20 +7424,6 @@
             <a:r>
               <a:rPr lang="en-US" sz="2400" dirty="0"/>
               <a:t>Move your subscription to App1 Management Group</a:t>
-            </a:r>
-          </a:p>
-          <a:p>
-            <a:pPr fontAlgn="ctr"/>
-            <a:r>
-              <a:rPr lang="en-US" sz="2400" dirty="0"/>
-              <a:t>Create an AAD group and assign permissions at management group level</a:t>
-            </a:r>
-          </a:p>
-          <a:p>
-            <a:pPr fontAlgn="ctr"/>
-            <a:r>
-              <a:rPr lang="en-US" sz="2400" dirty="0"/>
-              <a:t>Create a resource lock on one of the VMs</a:t>
             </a:r>
           </a:p>
           <a:p>
@@ -6871,6 +7468,58 @@
           <a:effectLst/>
         </p:spPr>
       </p:pic>
+      <p:sp>
+        <p:nvSpPr>
+          <p:cNvPr id="5" name="Rectangle 4">
+            <a:extLst>
+              <a:ext uri="{FF2B5EF4-FFF2-40B4-BE49-F238E27FC236}">
+                <a16:creationId xmlns:a16="http://schemas.microsoft.com/office/drawing/2014/main" id="{BCB7EFFE-90DC-481E-86DA-4273FFC4BA7B}"/>
+              </a:ext>
+            </a:extLst>
+          </p:cNvPr>
+          <p:cNvSpPr/>
+          <p:nvPr/>
+        </p:nvSpPr>
+        <p:spPr>
+          <a:xfrm>
+            <a:off x="7693269" y="2936631"/>
+            <a:ext cx="571500" cy="325315"/>
+          </a:xfrm>
+          <a:prstGeom prst="rect">
+            <a:avLst/>
+          </a:prstGeom>
+          <a:noFill/>
+          <a:ln w="28575">
+            <a:solidFill>
+              <a:srgbClr val="C00000"/>
+            </a:solidFill>
+          </a:ln>
+        </p:spPr>
+        <p:style>
+          <a:lnRef idx="2">
+            <a:schemeClr val="accent1">
+              <a:shade val="50000"/>
+            </a:schemeClr>
+          </a:lnRef>
+          <a:fillRef idx="1">
+            <a:schemeClr val="accent1"/>
+          </a:fillRef>
+          <a:effectRef idx="0">
+            <a:schemeClr val="accent1"/>
+          </a:effectRef>
+          <a:fontRef idx="minor">
+            <a:schemeClr val="lt1"/>
+          </a:fontRef>
+        </p:style>
+        <p:txBody>
+          <a:bodyPr rtlCol="0" anchor="ctr"/>
+          <a:lstStyle/>
+          <a:p>
+            <a:pPr algn="ctr"/>
+            <a:endParaRPr lang="sv-SE"/>
+          </a:p>
+        </p:txBody>
+      </p:sp>
     </p:spTree>
     <p:extLst>
       <p:ext uri="{BB962C8B-B14F-4D97-AF65-F5344CB8AC3E}">
@@ -6887,6 +7536,14 @@
 <file path=ppt/slides/slide4.xml><?xml version="1.0" encoding="utf-8"?>
 <p:sld xmlns:a="http://schemas.openxmlformats.org/drawingml/2006/main" xmlns:r="http://schemas.openxmlformats.org/officeDocument/2006/relationships" xmlns:p="http://schemas.openxmlformats.org/presentationml/2006/main">
   <p:cSld>
+    <p:bg>
+      <p:bgPr>
+        <a:solidFill>
+          <a:schemeClr val="bg1"/>
+        </a:solidFill>
+        <a:effectLst/>
+      </p:bgPr>
+    </p:bg>
     <p:spTree>
       <p:nvGrpSpPr>
         <p:cNvPr id="1" name=""/>
@@ -6919,8 +7576,8 @@
         </p:nvSpPr>
         <p:spPr>
           <a:xfrm>
-            <a:off x="434340" y="384375"/>
-            <a:ext cx="10919460" cy="832739"/>
+            <a:off x="648929" y="629266"/>
+            <a:ext cx="5127031" cy="1676603"/>
           </a:xfrm>
         </p:spPr>
         <p:txBody>
@@ -6930,8 +7587,8 @@
           <a:lstStyle/>
           <a:p>
             <a:r>
-              <a:rPr lang="en-US"/>
-              <a:t>Azure Policy Challenge 	</a:t>
+              <a:rPr lang="en-US" sz="4100" dirty="0"/>
+              <a:t>RBAC Challenge 	</a:t>
             </a:r>
           </a:p>
         </p:txBody>
@@ -6954,8 +7611,8 @@
         </p:nvSpPr>
         <p:spPr>
           <a:xfrm>
-            <a:off x="434340" y="1434465"/>
-            <a:ext cx="10919460" cy="5120640"/>
+            <a:off x="648930" y="2438400"/>
+            <a:ext cx="5127029" cy="3785419"/>
           </a:xfrm>
         </p:spPr>
         <p:txBody>
@@ -6964,50 +7621,18 @@
           </a:bodyPr>
           <a:lstStyle/>
           <a:p>
-            <a:r>
-              <a:rPr lang="en-US" sz="2000" dirty="0"/>
-              <a:t>Assign the Audit VMs that do not use managed disks policy at the Contoso Management Group Level</a:t>
-            </a:r>
-          </a:p>
-          <a:p>
             <a:pPr fontAlgn="ctr"/>
             <a:r>
-              <a:rPr lang="en-US" sz="2000" dirty="0"/>
-              <a:t>Create a custom policy that denies the users ability to deploy G series VM SKU at the Applications Management Group Level</a:t>
-            </a:r>
-          </a:p>
-          <a:p>
-            <a:pPr lvl="1" fontAlgn="ctr"/>
-            <a:r>
-              <a:rPr lang="en-US" sz="2000" dirty="0"/>
-              <a:t>The policy rules/conditions, in this case – VM SKU size equal to G series</a:t>
-            </a:r>
-            <a:endParaRPr lang="en-US" dirty="0"/>
-          </a:p>
-          <a:p>
-            <a:pPr lvl="1" fontAlgn="ctr"/>
-            <a:r>
-              <a:rPr lang="en-US" sz="2000" dirty="0"/>
-              <a:t>The policy effect, in this case – Deny.</a:t>
-            </a:r>
-          </a:p>
-          <a:p>
-            <a:pPr lvl="1" fontAlgn="ctr"/>
-            <a:r>
-              <a:rPr lang="en-US" sz="2000" dirty="0">
-                <a:highlight>
-                  <a:srgbClr val="FFFF00"/>
-                </a:highlight>
-              </a:rPr>
-              <a:t>Note: json for policy can be found at the link below</a:t>
-            </a:r>
-            <a:endParaRPr lang="en-US" sz="2000" dirty="0"/>
-          </a:p>
-          <a:p>
-            <a:pPr fontAlgn="ctr"/>
-            <a:r>
-              <a:rPr lang="en-US" sz="2000" dirty="0"/>
-              <a:t>Attempt to deploy a G series VM and find the deployment error in the Azure Activity Log</a:t>
+              <a:rPr lang="en-US" sz="2400" dirty="0"/>
+              <a:t>Create an AAD group and assign permissions at the </a:t>
+            </a:r>
+            <a:r>
+              <a:rPr lang="en-US" sz="2400" b="1" dirty="0"/>
+              <a:t>Contoso</a:t>
+            </a:r>
+            <a:r>
+              <a:rPr lang="en-US" sz="2400" dirty="0"/>
+              <a:t> management group level</a:t>
             </a:r>
           </a:p>
           <a:p>
@@ -7015,40 +7640,99 @@
               <a:buNone/>
             </a:pPr>
             <a:r>
-              <a:rPr lang="en-US" sz="2000" dirty="0"/>
-              <a:t>Good luck!</a:t>
-            </a:r>
-          </a:p>
-          <a:p>
-            <a:endParaRPr lang="en-US" sz="2000" dirty="0"/>
-          </a:p>
-          <a:p>
-            <a:pPr marL="0" indent="0" algn="ctr">
-              <a:buNone/>
-            </a:pPr>
-            <a:r>
-              <a:rPr lang="en-US" sz="4800" dirty="0"/>
-              <a:t>Resources:</a:t>
-            </a:r>
-          </a:p>
-          <a:p>
-            <a:pPr marL="0" indent="0" algn="ctr">
-              <a:buNone/>
-            </a:pPr>
-            <a:r>
-              <a:rPr lang="sv-SE" sz="4800" dirty="0">
-                <a:hlinkClick r:id="rId3"/>
-              </a:rPr>
-              <a:t>http://aka.ms/mtcsto/ws</a:t>
-            </a:r>
-            <a:endParaRPr lang="en-US" sz="4800" dirty="0"/>
+              <a:rPr lang="en-US" sz="2400" dirty="0"/>
+              <a:t>Good luck!	</a:t>
+            </a:r>
+          </a:p>
+          <a:p>
+            <a:endParaRPr lang="en-US" sz="2400" dirty="0"/>
+          </a:p>
+        </p:txBody>
+      </p:sp>
+      <p:pic>
+        <p:nvPicPr>
+          <p:cNvPr id="4" name="Picture 3">
+            <a:extLst>
+              <a:ext uri="{FF2B5EF4-FFF2-40B4-BE49-F238E27FC236}">
+                <a16:creationId xmlns:a16="http://schemas.microsoft.com/office/drawing/2014/main" id="{1CDAD7F0-E38C-436A-B8E0-55FD883DC79A}"/>
+              </a:ext>
+            </a:extLst>
+          </p:cNvPr>
+          <p:cNvPicPr/>
+          <p:nvPr/>
+        </p:nvPicPr>
+        <p:blipFill rotWithShape="1">
+          <a:blip r:embed="rId3"/>
+          <a:srcRect r="10405"/>
+          <a:stretch/>
+        </p:blipFill>
+        <p:spPr>
+          <a:xfrm>
+            <a:off x="6090613" y="640082"/>
+            <a:ext cx="5461724" cy="5577837"/>
+          </a:xfrm>
+          <a:prstGeom prst="rect">
+            <a:avLst/>
+          </a:prstGeom>
+          <a:effectLst/>
+        </p:spPr>
+      </p:pic>
+      <p:sp>
+        <p:nvSpPr>
+          <p:cNvPr id="5" name="Rectangle 4">
+            <a:extLst>
+              <a:ext uri="{FF2B5EF4-FFF2-40B4-BE49-F238E27FC236}">
+                <a16:creationId xmlns:a16="http://schemas.microsoft.com/office/drawing/2014/main" id="{71EB97ED-F7DA-4358-8DD5-CE2187747F6A}"/>
+              </a:ext>
+            </a:extLst>
+          </p:cNvPr>
+          <p:cNvSpPr/>
+          <p:nvPr/>
+        </p:nvSpPr>
+        <p:spPr>
+          <a:xfrm>
+            <a:off x="7262446" y="1793631"/>
+            <a:ext cx="817685" cy="439615"/>
+          </a:xfrm>
+          <a:prstGeom prst="rect">
+            <a:avLst/>
+          </a:prstGeom>
+          <a:noFill/>
+          <a:ln w="28575">
+            <a:solidFill>
+              <a:srgbClr val="C00000"/>
+            </a:solidFill>
+          </a:ln>
+        </p:spPr>
+        <p:style>
+          <a:lnRef idx="2">
+            <a:schemeClr val="accent1">
+              <a:shade val="50000"/>
+            </a:schemeClr>
+          </a:lnRef>
+          <a:fillRef idx="1">
+            <a:schemeClr val="accent1"/>
+          </a:fillRef>
+          <a:effectRef idx="0">
+            <a:schemeClr val="accent1"/>
+          </a:effectRef>
+          <a:fontRef idx="minor">
+            <a:schemeClr val="lt1"/>
+          </a:fontRef>
+        </p:style>
+        <p:txBody>
+          <a:bodyPr rtlCol="0" anchor="ctr"/>
+          <a:lstStyle/>
+          <a:p>
+            <a:pPr algn="ctr"/>
+            <a:endParaRPr lang="sv-SE"/>
           </a:p>
         </p:txBody>
       </p:sp>
     </p:spTree>
     <p:extLst>
       <p:ext uri="{BB962C8B-B14F-4D97-AF65-F5344CB8AC3E}">
-        <p14:creationId xmlns:p14="http://schemas.microsoft.com/office/powerpoint/2010/main" val="3193180807"/>
+        <p14:creationId xmlns:p14="http://schemas.microsoft.com/office/powerpoint/2010/main" val="3516489087"/>
       </p:ext>
     </p:extLst>
   </p:cSld>
@@ -7059,6 +7743,215 @@
 </file>
 
 <file path=ppt/slides/slide5.xml><?xml version="1.0" encoding="utf-8"?>
+<p:sld xmlns:a="http://schemas.openxmlformats.org/drawingml/2006/main" xmlns:r="http://schemas.openxmlformats.org/officeDocument/2006/relationships" xmlns:p="http://schemas.openxmlformats.org/presentationml/2006/main">
+  <p:cSld>
+    <p:bg>
+      <p:bgPr>
+        <a:solidFill>
+          <a:schemeClr val="bg1"/>
+        </a:solidFill>
+        <a:effectLst/>
+      </p:bgPr>
+    </p:bg>
+    <p:spTree>
+      <p:nvGrpSpPr>
+        <p:cNvPr id="1" name=""/>
+        <p:cNvGrpSpPr/>
+        <p:nvPr/>
+      </p:nvGrpSpPr>
+      <p:grpSpPr>
+        <a:xfrm>
+          <a:off x="0" y="0"/>
+          <a:ext cx="0" cy="0"/>
+          <a:chOff x="0" y="0"/>
+          <a:chExt cx="0" cy="0"/>
+        </a:xfrm>
+      </p:grpSpPr>
+      <p:sp>
+        <p:nvSpPr>
+          <p:cNvPr id="2" name="Title 1">
+            <a:extLst>
+              <a:ext uri="{FF2B5EF4-FFF2-40B4-BE49-F238E27FC236}">
+                <a16:creationId xmlns:a16="http://schemas.microsoft.com/office/drawing/2014/main" id="{60058EC1-5D04-4F24-9182-0E3316DEB259}"/>
+              </a:ext>
+            </a:extLst>
+          </p:cNvPr>
+          <p:cNvSpPr>
+            <a:spLocks noGrp="1"/>
+          </p:cNvSpPr>
+          <p:nvPr>
+            <p:ph type="title"/>
+          </p:nvPr>
+        </p:nvSpPr>
+        <p:spPr>
+          <a:xfrm>
+            <a:off x="648929" y="629266"/>
+            <a:ext cx="5127031" cy="1676603"/>
+          </a:xfrm>
+        </p:spPr>
+        <p:txBody>
+          <a:bodyPr>
+            <a:normAutofit/>
+          </a:bodyPr>
+          <a:lstStyle/>
+          <a:p>
+            <a:r>
+              <a:rPr lang="en-US" dirty="0"/>
+              <a:t>R</a:t>
+            </a:r>
+            <a:r>
+              <a:rPr lang="en-US" sz="4400" dirty="0"/>
+              <a:t>esource </a:t>
+            </a:r>
+            <a:r>
+              <a:rPr lang="en-US" dirty="0"/>
+              <a:t>L</a:t>
+            </a:r>
+            <a:r>
+              <a:rPr lang="en-US" sz="4400" dirty="0"/>
+              <a:t>ock</a:t>
+            </a:r>
+            <a:r>
+              <a:rPr lang="en-US" sz="4100" dirty="0"/>
+              <a:t> Challenge 	</a:t>
+            </a:r>
+          </a:p>
+        </p:txBody>
+      </p:sp>
+      <p:sp>
+        <p:nvSpPr>
+          <p:cNvPr id="3" name="Content Placeholder 2">
+            <a:extLst>
+              <a:ext uri="{FF2B5EF4-FFF2-40B4-BE49-F238E27FC236}">
+                <a16:creationId xmlns:a16="http://schemas.microsoft.com/office/drawing/2014/main" id="{F6074475-A229-48AD-8729-0FD1E62F0B0C}"/>
+              </a:ext>
+            </a:extLst>
+          </p:cNvPr>
+          <p:cNvSpPr>
+            <a:spLocks noGrp="1"/>
+          </p:cNvSpPr>
+          <p:nvPr>
+            <p:ph idx="1"/>
+          </p:nvPr>
+        </p:nvSpPr>
+        <p:spPr>
+          <a:xfrm>
+            <a:off x="648930" y="2438400"/>
+            <a:ext cx="5127029" cy="3785419"/>
+          </a:xfrm>
+        </p:spPr>
+        <p:txBody>
+          <a:bodyPr>
+            <a:normAutofit/>
+          </a:bodyPr>
+          <a:lstStyle/>
+          <a:p>
+            <a:pPr fontAlgn="ctr"/>
+            <a:r>
+              <a:rPr lang="en-US" sz="2400" dirty="0"/>
+              <a:t>Create a resource lock on one of the VMs</a:t>
+            </a:r>
+          </a:p>
+          <a:p>
+            <a:pPr marL="0" indent="0" algn="ctr">
+              <a:buNone/>
+            </a:pPr>
+            <a:r>
+              <a:rPr lang="en-US" sz="2400" dirty="0"/>
+              <a:t>Good luck!</a:t>
+            </a:r>
+          </a:p>
+          <a:p>
+            <a:endParaRPr lang="en-US" sz="2400" dirty="0"/>
+          </a:p>
+        </p:txBody>
+      </p:sp>
+      <p:pic>
+        <p:nvPicPr>
+          <p:cNvPr id="10" name="Picture 9" descr="A picture containing drawing&#10;&#10;Description automatically generated">
+            <a:extLst>
+              <a:ext uri="{FF2B5EF4-FFF2-40B4-BE49-F238E27FC236}">
+                <a16:creationId xmlns:a16="http://schemas.microsoft.com/office/drawing/2014/main" id="{F05915D2-486C-4C97-8C90-F17D69AF826D}"/>
+              </a:ext>
+            </a:extLst>
+          </p:cNvPr>
+          <p:cNvPicPr>
+            <a:picLocks noChangeAspect="1"/>
+          </p:cNvPicPr>
+          <p:nvPr/>
+        </p:nvPicPr>
+        <p:blipFill>
+          <a:blip r:embed="rId3">
+            <a:extLst>
+              <a:ext uri="{28A0092B-C50C-407E-A947-70E740481C1C}">
+                <a14:useLocalDpi xmlns:a14="http://schemas.microsoft.com/office/drawing/2010/main" val="0"/>
+              </a:ext>
+            </a:extLst>
+          </a:blip>
+          <a:stretch>
+            <a:fillRect/>
+          </a:stretch>
+        </p:blipFill>
+        <p:spPr>
+          <a:xfrm>
+            <a:off x="6954363" y="1658110"/>
+            <a:ext cx="2048960" cy="2048960"/>
+          </a:xfrm>
+          <a:prstGeom prst="rect">
+            <a:avLst/>
+          </a:prstGeom>
+        </p:spPr>
+      </p:pic>
+      <p:pic>
+        <p:nvPicPr>
+          <p:cNvPr id="8" name="Picture 7" descr="A picture containing drawing&#10;&#10;Description automatically generated">
+            <a:extLst>
+              <a:ext uri="{FF2B5EF4-FFF2-40B4-BE49-F238E27FC236}">
+                <a16:creationId xmlns:a16="http://schemas.microsoft.com/office/drawing/2014/main" id="{404A5463-2BF5-4426-8164-FEF861EE51F7}"/>
+              </a:ext>
+            </a:extLst>
+          </p:cNvPr>
+          <p:cNvPicPr>
+            <a:picLocks noChangeAspect="1"/>
+          </p:cNvPicPr>
+          <p:nvPr/>
+        </p:nvPicPr>
+        <p:blipFill>
+          <a:blip r:embed="rId4">
+            <a:extLst>
+              <a:ext uri="{28A0092B-C50C-407E-A947-70E740481C1C}">
+                <a14:useLocalDpi xmlns:a14="http://schemas.microsoft.com/office/drawing/2010/main" val="0"/>
+              </a:ext>
+            </a:extLst>
+          </a:blip>
+          <a:stretch>
+            <a:fillRect/>
+          </a:stretch>
+        </p:blipFill>
+        <p:spPr>
+          <a:xfrm>
+            <a:off x="8616109" y="2812602"/>
+            <a:ext cx="616398" cy="616398"/>
+          </a:xfrm>
+          <a:prstGeom prst="rect">
+            <a:avLst/>
+          </a:prstGeom>
+        </p:spPr>
+      </p:pic>
+    </p:spTree>
+    <p:extLst>
+      <p:ext uri="{BB962C8B-B14F-4D97-AF65-F5344CB8AC3E}">
+        <p14:creationId xmlns:p14="http://schemas.microsoft.com/office/powerpoint/2010/main" val="2989064360"/>
+      </p:ext>
+    </p:extLst>
+  </p:cSld>
+  <p:clrMapOvr>
+    <a:masterClrMapping/>
+  </p:clrMapOvr>
+</p:sld>
+</file>
+
+<file path=ppt/slides/slide6.xml><?xml version="1.0" encoding="utf-8"?>
 <p:sld xmlns:a="http://schemas.openxmlformats.org/drawingml/2006/main" xmlns:r="http://schemas.openxmlformats.org/officeDocument/2006/relationships" xmlns:p="http://schemas.openxmlformats.org/presentationml/2006/main">
   <p:cSld>
     <p:spTree>
@@ -7080,6 +7973,180 @@
           <p:cNvPr id="2" name="Title 1">
             <a:extLst>
               <a:ext uri="{FF2B5EF4-FFF2-40B4-BE49-F238E27FC236}">
+                <a16:creationId xmlns:a16="http://schemas.microsoft.com/office/drawing/2014/main" id="{60058EC1-5D04-4F24-9182-0E3316DEB259}"/>
+              </a:ext>
+            </a:extLst>
+          </p:cNvPr>
+          <p:cNvSpPr>
+            <a:spLocks noGrp="1"/>
+          </p:cNvSpPr>
+          <p:nvPr>
+            <p:ph type="title"/>
+          </p:nvPr>
+        </p:nvSpPr>
+        <p:spPr>
+          <a:xfrm>
+            <a:off x="434340" y="384375"/>
+            <a:ext cx="10919460" cy="832739"/>
+          </a:xfrm>
+        </p:spPr>
+        <p:txBody>
+          <a:bodyPr>
+            <a:normAutofit/>
+          </a:bodyPr>
+          <a:lstStyle/>
+          <a:p>
+            <a:r>
+              <a:rPr lang="en-US"/>
+              <a:t>Azure Policy Challenge 	</a:t>
+            </a:r>
+          </a:p>
+        </p:txBody>
+      </p:sp>
+      <p:sp>
+        <p:nvSpPr>
+          <p:cNvPr id="3" name="Content Placeholder 2">
+            <a:extLst>
+              <a:ext uri="{FF2B5EF4-FFF2-40B4-BE49-F238E27FC236}">
+                <a16:creationId xmlns:a16="http://schemas.microsoft.com/office/drawing/2014/main" id="{F6074475-A229-48AD-8729-0FD1E62F0B0C}"/>
+              </a:ext>
+            </a:extLst>
+          </p:cNvPr>
+          <p:cNvSpPr>
+            <a:spLocks noGrp="1"/>
+          </p:cNvSpPr>
+          <p:nvPr>
+            <p:ph idx="1"/>
+          </p:nvPr>
+        </p:nvSpPr>
+        <p:spPr>
+          <a:xfrm>
+            <a:off x="434340" y="1434465"/>
+            <a:ext cx="10919460" cy="5120640"/>
+          </a:xfrm>
+        </p:spPr>
+        <p:txBody>
+          <a:bodyPr>
+            <a:normAutofit/>
+          </a:bodyPr>
+          <a:lstStyle/>
+          <a:p>
+            <a:r>
+              <a:rPr lang="en-US" sz="2000" dirty="0"/>
+              <a:t>Assign the Audit VMs that do not use managed disks policy at the Contoso Management Group Level</a:t>
+            </a:r>
+          </a:p>
+          <a:p>
+            <a:pPr fontAlgn="ctr"/>
+            <a:r>
+              <a:rPr lang="en-US" sz="2000" dirty="0"/>
+              <a:t>Create a custom policy that denies the users ability to deploy G series VM SKU at the Applications Management Group Level</a:t>
+            </a:r>
+          </a:p>
+          <a:p>
+            <a:pPr lvl="1" fontAlgn="ctr"/>
+            <a:r>
+              <a:rPr lang="en-US" sz="2000" dirty="0"/>
+              <a:t>The policy rules/conditions, in this case – VM SKU size equal to G series</a:t>
+            </a:r>
+            <a:endParaRPr lang="en-US" dirty="0"/>
+          </a:p>
+          <a:p>
+            <a:pPr lvl="1" fontAlgn="ctr"/>
+            <a:r>
+              <a:rPr lang="en-US" sz="2000" dirty="0"/>
+              <a:t>The policy effect, in this case – Deny.</a:t>
+            </a:r>
+          </a:p>
+          <a:p>
+            <a:pPr lvl="1" fontAlgn="ctr"/>
+            <a:r>
+              <a:rPr lang="en-US" sz="2000" dirty="0">
+                <a:highlight>
+                  <a:srgbClr val="FFFF00"/>
+                </a:highlight>
+              </a:rPr>
+              <a:t>Note: json for policy can be found at the link below</a:t>
+            </a:r>
+            <a:endParaRPr lang="en-US" sz="2000" dirty="0"/>
+          </a:p>
+          <a:p>
+            <a:pPr fontAlgn="ctr"/>
+            <a:r>
+              <a:rPr lang="en-US" sz="2000" dirty="0"/>
+              <a:t>Attempt to deploy a G series VM and find the deployment error in the Azure Activity Log</a:t>
+            </a:r>
+          </a:p>
+          <a:p>
+            <a:pPr marL="0" indent="0" algn="ctr">
+              <a:buNone/>
+            </a:pPr>
+            <a:r>
+              <a:rPr lang="en-US" sz="2000" dirty="0"/>
+              <a:t>Good luck!</a:t>
+            </a:r>
+          </a:p>
+          <a:p>
+            <a:endParaRPr lang="en-US" sz="2000" dirty="0"/>
+          </a:p>
+          <a:p>
+            <a:pPr marL="0" indent="0" algn="ctr">
+              <a:buNone/>
+            </a:pPr>
+            <a:r>
+              <a:rPr lang="en-US" sz="4800" dirty="0"/>
+              <a:t>Resources:</a:t>
+            </a:r>
+          </a:p>
+          <a:p>
+            <a:pPr marL="0" indent="0" algn="ctr">
+              <a:buNone/>
+            </a:pPr>
+            <a:r>
+              <a:rPr lang="sv-SE" sz="4800" dirty="0">
+                <a:hlinkClick r:id="rId3"/>
+              </a:rPr>
+              <a:t>http://aka.ms/mtcsto/ws</a:t>
+            </a:r>
+            <a:endParaRPr lang="en-US" sz="4800" dirty="0"/>
+          </a:p>
+        </p:txBody>
+      </p:sp>
+    </p:spTree>
+    <p:extLst>
+      <p:ext uri="{BB962C8B-B14F-4D97-AF65-F5344CB8AC3E}">
+        <p14:creationId xmlns:p14="http://schemas.microsoft.com/office/powerpoint/2010/main" val="3193180807"/>
+      </p:ext>
+    </p:extLst>
+  </p:cSld>
+  <p:clrMapOvr>
+    <a:masterClrMapping/>
+  </p:clrMapOvr>
+</p:sld>
+</file>
+
+<file path=ppt/slides/slide7.xml><?xml version="1.0" encoding="utf-8"?>
+<p:sld xmlns:a="http://schemas.openxmlformats.org/drawingml/2006/main" xmlns:r="http://schemas.openxmlformats.org/officeDocument/2006/relationships" xmlns:p="http://schemas.openxmlformats.org/presentationml/2006/main">
+  <p:cSld>
+    <p:spTree>
+      <p:nvGrpSpPr>
+        <p:cNvPr id="1" name=""/>
+        <p:cNvGrpSpPr/>
+        <p:nvPr/>
+      </p:nvGrpSpPr>
+      <p:grpSpPr>
+        <a:xfrm>
+          <a:off x="0" y="0"/>
+          <a:ext cx="0" cy="0"/>
+          <a:chOff x="0" y="0"/>
+          <a:chExt cx="0" cy="0"/>
+        </a:xfrm>
+      </p:grpSpPr>
+      <p:sp>
+        <p:nvSpPr>
+          <p:cNvPr id="2" name="Title 1">
+            <a:extLst>
+              <a:ext uri="{FF2B5EF4-FFF2-40B4-BE49-F238E27FC236}">
                 <a16:creationId xmlns:a16="http://schemas.microsoft.com/office/drawing/2014/main" id="{9103BE6A-C3F7-45A9-AAB2-2D815440BC0A}"/>
               </a:ext>
             </a:extLst>
@@ -7452,7 +8519,7 @@
 </p:sld>
 </file>
 
-<file path=ppt/slides/slide6.xml><?xml version="1.0" encoding="utf-8"?>
+<file path=ppt/slides/slide8.xml><?xml version="1.0" encoding="utf-8"?>
 <p:sld xmlns:a="http://schemas.openxmlformats.org/drawingml/2006/main" xmlns:r="http://schemas.openxmlformats.org/officeDocument/2006/relationships" xmlns:p="http://schemas.openxmlformats.org/presentationml/2006/main">
   <p:cSld>
     <p:bg>
@@ -7555,7 +8622,7 @@
 </p:sld>
 </file>
 
-<file path=ppt/slides/slide7.xml><?xml version="1.0" encoding="utf-8"?>
+<file path=ppt/slides/slide9.xml><?xml version="1.0" encoding="utf-8"?>
 <p:sld xmlns:a="http://schemas.openxmlformats.org/drawingml/2006/main" xmlns:r="http://schemas.openxmlformats.org/officeDocument/2006/relationships" xmlns:p="http://schemas.openxmlformats.org/presentationml/2006/main">
   <p:cSld>
     <p:spTree>
@@ -7667,440 +8734,6 @@
     <p:extLst>
       <p:ext uri="{BB962C8B-B14F-4D97-AF65-F5344CB8AC3E}">
         <p14:creationId xmlns:p14="http://schemas.microsoft.com/office/powerpoint/2010/main" val="3119135505"/>
-      </p:ext>
-    </p:extLst>
-  </p:cSld>
-  <p:clrMapOvr>
-    <a:masterClrMapping/>
-  </p:clrMapOvr>
-</p:sld>
-</file>
-
-<file path=ppt/slides/slide8.xml><?xml version="1.0" encoding="utf-8"?>
-<p:sld xmlns:a="http://schemas.openxmlformats.org/drawingml/2006/main" xmlns:r="http://schemas.openxmlformats.org/officeDocument/2006/relationships" xmlns:p="http://schemas.openxmlformats.org/presentationml/2006/main">
-  <p:cSld>
-    <p:spTree>
-      <p:nvGrpSpPr>
-        <p:cNvPr id="1" name=""/>
-        <p:cNvGrpSpPr/>
-        <p:nvPr/>
-      </p:nvGrpSpPr>
-      <p:grpSpPr>
-        <a:xfrm>
-          <a:off x="0" y="0"/>
-          <a:ext cx="0" cy="0"/>
-          <a:chOff x="0" y="0"/>
-          <a:chExt cx="0" cy="0"/>
-        </a:xfrm>
-      </p:grpSpPr>
-      <p:sp>
-        <p:nvSpPr>
-          <p:cNvPr id="2" name="Title 1">
-            <a:extLst>
-              <a:ext uri="{FF2B5EF4-FFF2-40B4-BE49-F238E27FC236}">
-                <a16:creationId xmlns:a16="http://schemas.microsoft.com/office/drawing/2014/main" id="{DF07F779-9493-43B4-B2B0-F6812A193792}"/>
-              </a:ext>
-            </a:extLst>
-          </p:cNvPr>
-          <p:cNvSpPr>
-            <a:spLocks noGrp="1"/>
-          </p:cNvSpPr>
-          <p:nvPr>
-            <p:ph type="title"/>
-          </p:nvPr>
-        </p:nvSpPr>
-        <p:spPr/>
-        <p:txBody>
-          <a:bodyPr/>
-          <a:lstStyle/>
-          <a:p>
-            <a:r>
-              <a:rPr lang="en-US"/>
-              <a:t>Resource Graph Challenge</a:t>
-            </a:r>
-          </a:p>
-        </p:txBody>
-      </p:sp>
-      <p:sp>
-        <p:nvSpPr>
-          <p:cNvPr id="3" name="Content Placeholder 2">
-            <a:extLst>
-              <a:ext uri="{FF2B5EF4-FFF2-40B4-BE49-F238E27FC236}">
-                <a16:creationId xmlns:a16="http://schemas.microsoft.com/office/drawing/2014/main" id="{1E78601A-55E5-4C27-BA46-67A384908580}"/>
-              </a:ext>
-            </a:extLst>
-          </p:cNvPr>
-          <p:cNvSpPr>
-            <a:spLocks noGrp="1"/>
-          </p:cNvSpPr>
-          <p:nvPr>
-            <p:ph idx="1"/>
-          </p:nvPr>
-        </p:nvSpPr>
-        <p:spPr/>
-        <p:txBody>
-          <a:bodyPr vert="horz" lIns="91440" tIns="45720" rIns="91440" bIns="45720" rtlCol="0" anchor="t">
-            <a:normAutofit lnSpcReduction="10000"/>
-          </a:bodyPr>
-          <a:lstStyle/>
-          <a:p>
-            <a:r>
-              <a:rPr lang="en-US" dirty="0"/>
-              <a:t>Using Resource Graph Explorer</a:t>
-            </a:r>
-          </a:p>
-          <a:p>
-            <a:pPr lvl="1"/>
-            <a:r>
-              <a:rPr lang="en-US" dirty="0"/>
-              <a:t>List out a summary count of resources</a:t>
-            </a:r>
-            <a:endParaRPr lang="en-US" dirty="0">
-              <a:cs typeface="Calibri"/>
-            </a:endParaRPr>
-          </a:p>
-          <a:p>
-            <a:pPr lvl="1"/>
-            <a:r>
-              <a:rPr lang="en-US" dirty="0"/>
-              <a:t>List out all resources and only show name, type and location.  Sort by name in ascending order</a:t>
-            </a:r>
-          </a:p>
-          <a:p>
-            <a:r>
-              <a:rPr lang="en-US" dirty="0"/>
-              <a:t>List the distinct values of compute size in your Subscription</a:t>
-            </a:r>
-          </a:p>
-          <a:p>
-            <a:pPr marL="0" indent="0" algn="ctr">
-              <a:buNone/>
-            </a:pPr>
-            <a:endParaRPr lang="en-US" dirty="0"/>
-          </a:p>
-          <a:p>
-            <a:pPr marL="0" indent="0" algn="ctr">
-              <a:buNone/>
-            </a:pPr>
-            <a:r>
-              <a:rPr lang="en-US" dirty="0"/>
-              <a:t>Good luck</a:t>
-            </a:r>
-          </a:p>
-          <a:p>
-            <a:pPr marL="0" indent="0" algn="ctr">
-              <a:buNone/>
-            </a:pPr>
-            <a:r>
-              <a:rPr lang="en-US" dirty="0"/>
-              <a:t>Hints:</a:t>
-            </a:r>
-          </a:p>
-          <a:p>
-            <a:pPr marL="0" indent="0" algn="ctr">
-              <a:buNone/>
-            </a:pPr>
-            <a:r>
-              <a:rPr lang="sv-SE" dirty="0">
-                <a:hlinkClick r:id="rId2"/>
-              </a:rPr>
-              <a:t>https://docs.microsoft.com/en-us/azure/governance/resource-graph/samples/starter</a:t>
-            </a:r>
-            <a:endParaRPr lang="sv-SE" dirty="0"/>
-          </a:p>
-          <a:p>
-            <a:pPr marL="0" indent="0" algn="ctr">
-              <a:buNone/>
-            </a:pPr>
-            <a:endParaRPr lang="en-US" dirty="0"/>
-          </a:p>
-        </p:txBody>
-      </p:sp>
-    </p:spTree>
-    <p:extLst>
-      <p:ext uri="{BB962C8B-B14F-4D97-AF65-F5344CB8AC3E}">
-        <p14:creationId xmlns:p14="http://schemas.microsoft.com/office/powerpoint/2010/main" val="1364761612"/>
-      </p:ext>
-    </p:extLst>
-  </p:cSld>
-  <p:clrMapOvr>
-    <a:masterClrMapping/>
-  </p:clrMapOvr>
-</p:sld>
-</file>
-
-<file path=ppt/slides/slide9.xml><?xml version="1.0" encoding="utf-8"?>
-<p:sld xmlns:a="http://schemas.openxmlformats.org/drawingml/2006/main" xmlns:r="http://schemas.openxmlformats.org/officeDocument/2006/relationships" xmlns:p="http://schemas.openxmlformats.org/presentationml/2006/main" show="0">
-  <p:cSld>
-    <p:spTree>
-      <p:nvGrpSpPr>
-        <p:cNvPr id="1" name=""/>
-        <p:cNvGrpSpPr/>
-        <p:nvPr/>
-      </p:nvGrpSpPr>
-      <p:grpSpPr>
-        <a:xfrm>
-          <a:off x="0" y="0"/>
-          <a:ext cx="0" cy="0"/>
-          <a:chOff x="0" y="0"/>
-          <a:chExt cx="0" cy="0"/>
-        </a:xfrm>
-      </p:grpSpPr>
-      <p:sp>
-        <p:nvSpPr>
-          <p:cNvPr id="2" name="Title 1">
-            <a:extLst>
-              <a:ext uri="{FF2B5EF4-FFF2-40B4-BE49-F238E27FC236}">
-                <a16:creationId xmlns:a16="http://schemas.microsoft.com/office/drawing/2014/main" id="{DEE3514D-E920-4920-8BF4-00A66640F40F}"/>
-              </a:ext>
-            </a:extLst>
-          </p:cNvPr>
-          <p:cNvSpPr>
-            <a:spLocks noGrp="1"/>
-          </p:cNvSpPr>
-          <p:nvPr>
-            <p:ph type="title"/>
-          </p:nvPr>
-        </p:nvSpPr>
-        <p:spPr/>
-        <p:txBody>
-          <a:bodyPr/>
-          <a:lstStyle/>
-          <a:p>
-            <a:r>
-              <a:rPr lang="en-US">
-                <a:cs typeface="Calibri Light"/>
-              </a:rPr>
-              <a:t>Azure Governance Practice Building</a:t>
-            </a:r>
-          </a:p>
-        </p:txBody>
-      </p:sp>
-      <p:sp>
-        <p:nvSpPr>
-          <p:cNvPr id="3" name="Content Placeholder 2">
-            <a:extLst>
-              <a:ext uri="{FF2B5EF4-FFF2-40B4-BE49-F238E27FC236}">
-                <a16:creationId xmlns:a16="http://schemas.microsoft.com/office/drawing/2014/main" id="{3A1CC849-4CDC-4CE4-A8BD-FE63A5AC1A49}"/>
-              </a:ext>
-            </a:extLst>
-          </p:cNvPr>
-          <p:cNvSpPr>
-            <a:spLocks noGrp="1"/>
-          </p:cNvSpPr>
-          <p:nvPr>
-            <p:ph idx="1"/>
-          </p:nvPr>
-        </p:nvSpPr>
-        <p:spPr>
-          <a:xfrm>
-            <a:off x="838200" y="1690688"/>
-            <a:ext cx="10515600" cy="4486275"/>
-          </a:xfrm>
-        </p:spPr>
-        <p:txBody>
-          <a:bodyPr vert="horz" lIns="91440" tIns="45720" rIns="91440" bIns="45720" rtlCol="0" anchor="t">
-            <a:normAutofit fontScale="77500" lnSpcReduction="20000"/>
-          </a:bodyPr>
-          <a:lstStyle/>
-          <a:p>
-            <a:pPr>
-              <a:buFont typeface="Wingdings" panose="020B0604020202020204" pitchFamily="34" charset="0"/>
-              <a:buChar char="Ø"/>
-            </a:pPr>
-            <a:r>
-              <a:rPr lang="en-US" dirty="0">
-                <a:cs typeface="Calibri"/>
-              </a:rPr>
-              <a:t>The key questions to ask end customers would be the ones that will have them thinking along the </a:t>
-            </a:r>
-            <a:r>
-              <a:rPr lang="en-US" b="1" dirty="0">
-                <a:cs typeface="Calibri"/>
-              </a:rPr>
-              <a:t>areas of security, compliance and cost</a:t>
-            </a:r>
-            <a:r>
-              <a:rPr lang="en-US" dirty="0">
-                <a:cs typeface="Calibri"/>
-              </a:rPr>
-              <a:t> </a:t>
-            </a:r>
-            <a:endParaRPr lang="en-US" dirty="0"/>
-          </a:p>
-          <a:p>
-            <a:pPr>
-              <a:buFont typeface="Wingdings" panose="020B0604020202020204" pitchFamily="34" charset="0"/>
-              <a:buChar char="Ø"/>
-            </a:pPr>
-            <a:r>
-              <a:rPr lang="en-US" dirty="0">
-                <a:cs typeface="Calibri"/>
-              </a:rPr>
-              <a:t>Are they complaint to the </a:t>
-            </a:r>
-            <a:r>
-              <a:rPr lang="en-US" b="1" dirty="0">
-                <a:cs typeface="Calibri"/>
-              </a:rPr>
-              <a:t>industry compliance </a:t>
-            </a:r>
-            <a:r>
-              <a:rPr lang="en-US" dirty="0">
-                <a:cs typeface="Calibri"/>
-              </a:rPr>
-              <a:t>requirements like </a:t>
-            </a:r>
-            <a:r>
-              <a:rPr lang="en-US" b="1" dirty="0">
-                <a:cs typeface="Calibri"/>
-              </a:rPr>
-              <a:t>PCI, ISO, SOC, CIS?</a:t>
-            </a:r>
-          </a:p>
-          <a:p>
-            <a:pPr>
-              <a:buFont typeface="Wingdings" panose="020B0604020202020204" pitchFamily="34" charset="0"/>
-              <a:buChar char="Ø"/>
-            </a:pPr>
-            <a:r>
-              <a:rPr lang="en-US" dirty="0">
-                <a:cs typeface="Calibri"/>
-              </a:rPr>
-              <a:t>Are they having automated triggers in place to </a:t>
-            </a:r>
-            <a:r>
-              <a:rPr lang="en-US" b="1" dirty="0">
-                <a:cs typeface="Calibri"/>
-              </a:rPr>
-              <a:t>alert</a:t>
-            </a:r>
-            <a:r>
-              <a:rPr lang="en-US" dirty="0">
-                <a:cs typeface="Calibri"/>
-              </a:rPr>
-              <a:t> them when there are security breaches, </a:t>
-            </a:r>
-            <a:r>
-              <a:rPr lang="en-US" b="1" dirty="0">
-                <a:cs typeface="Calibri"/>
-              </a:rPr>
-              <a:t>cost overspend </a:t>
-            </a:r>
-            <a:r>
-              <a:rPr lang="en-US" dirty="0">
-                <a:cs typeface="Calibri"/>
-              </a:rPr>
-              <a:t>per department, per project?</a:t>
-            </a:r>
-          </a:p>
-          <a:p>
-            <a:pPr>
-              <a:buFont typeface="Wingdings" panose="020B0604020202020204" pitchFamily="34" charset="0"/>
-              <a:buChar char="Ø"/>
-            </a:pPr>
-            <a:r>
-              <a:rPr lang="en-US" dirty="0">
-                <a:cs typeface="Calibri"/>
-              </a:rPr>
-              <a:t>Do they have </a:t>
-            </a:r>
-            <a:r>
-              <a:rPr lang="en-US" b="1" dirty="0">
-                <a:cs typeface="Calibri"/>
-              </a:rPr>
-              <a:t>guardrails</a:t>
-            </a:r>
-            <a:r>
-              <a:rPr lang="en-US" dirty="0">
-                <a:cs typeface="Calibri"/>
-              </a:rPr>
-              <a:t> to keep their Azure Environments according to the agreed upon specifications like every resource has </a:t>
-            </a:r>
-            <a:r>
-              <a:rPr lang="en-US" b="1" dirty="0">
-                <a:cs typeface="Calibri"/>
-              </a:rPr>
-              <a:t>department tags</a:t>
-            </a:r>
-            <a:r>
-              <a:rPr lang="en-US" dirty="0">
-                <a:cs typeface="Calibri"/>
-              </a:rPr>
-              <a:t>, developers can use only certain VM SKUs, only encrypted disk allowed?</a:t>
-            </a:r>
-          </a:p>
-          <a:p>
-            <a:pPr>
-              <a:buFont typeface="Wingdings" panose="020B0604020202020204" pitchFamily="34" charset="0"/>
-              <a:buChar char="Ø"/>
-            </a:pPr>
-            <a:r>
-              <a:rPr lang="en-US" dirty="0">
-                <a:cs typeface="Calibri"/>
-              </a:rPr>
-              <a:t>Have they optimized their </a:t>
-            </a:r>
-            <a:r>
-              <a:rPr lang="en-US" b="1" dirty="0">
-                <a:cs typeface="Calibri"/>
-              </a:rPr>
-              <a:t>Azure</a:t>
-            </a:r>
-            <a:r>
-              <a:rPr lang="en-US" dirty="0">
-                <a:cs typeface="Calibri"/>
-              </a:rPr>
-              <a:t> environments for cost? Example: Are they over provisioning, are there policies in place to shutdown dev VMs during night hours? </a:t>
-            </a:r>
-          </a:p>
-          <a:p>
-            <a:pPr>
-              <a:buFont typeface="Wingdings" panose="020B0604020202020204" pitchFamily="34" charset="0"/>
-              <a:buChar char="Ø"/>
-            </a:pPr>
-            <a:r>
-              <a:rPr lang="en-US" dirty="0">
-                <a:cs typeface="Calibri"/>
-              </a:rPr>
-              <a:t>How quickly can they </a:t>
-            </a:r>
-            <a:r>
-              <a:rPr lang="en-US" b="1" dirty="0">
-                <a:cs typeface="Calibri"/>
-              </a:rPr>
-              <a:t>create new environments </a:t>
-            </a:r>
-            <a:r>
-              <a:rPr lang="en-US" dirty="0">
-                <a:cs typeface="Calibri"/>
-              </a:rPr>
-              <a:t>per their specifications and needs? Is it a one click deployment for new environments?</a:t>
-            </a:r>
-          </a:p>
-          <a:p>
-            <a:pPr>
-              <a:buFont typeface="Wingdings" panose="020B0604020202020204" pitchFamily="34" charset="0"/>
-              <a:buChar char="Ø"/>
-            </a:pPr>
-            <a:r>
-              <a:rPr lang="en-US" dirty="0">
-                <a:cs typeface="Calibri"/>
-              </a:rPr>
-              <a:t>Do they have ways where they can grant Role based access?</a:t>
-            </a:r>
-          </a:p>
-          <a:p>
-            <a:endParaRPr lang="en-US" dirty="0">
-              <a:cs typeface="Calibri"/>
-            </a:endParaRPr>
-          </a:p>
-        </p:txBody>
-      </p:sp>
-    </p:spTree>
-    <p:extLst>
-      <p:ext uri="{BB962C8B-B14F-4D97-AF65-F5344CB8AC3E}">
-        <p14:creationId xmlns:p14="http://schemas.microsoft.com/office/powerpoint/2010/main" val="1368983571"/>
       </p:ext>
     </p:extLst>
   </p:cSld>
@@ -8701,18 +9334,18 @@
 </file>
 
 <file path=customXml/item1.xml><?xml version="1.0" encoding="utf-8"?>
+<p:properties xmlns:p="http://schemas.microsoft.com/office/2006/metadata/properties" xmlns:xsi="http://www.w3.org/2001/XMLSchema-instance" xmlns:pc="http://schemas.microsoft.com/office/infopath/2007/PartnerControls">
+  <documentManagement/>
+</p:properties>
+</file>
+
+<file path=customXml/item2.xml><?xml version="1.0" encoding="utf-8"?>
 <?mso-contentType ?>
 <FormTemplates xmlns="http://schemas.microsoft.com/sharepoint/v3/contenttype/forms">
   <Display>DocumentLibraryForm</Display>
   <Edit>DocumentLibraryForm</Edit>
   <New>DocumentLibraryForm</New>
 </FormTemplates>
-</file>
-
-<file path=customXml/item2.xml><?xml version="1.0" encoding="utf-8"?>
-<p:properties xmlns:p="http://schemas.microsoft.com/office/2006/metadata/properties" xmlns:xsi="http://www.w3.org/2001/XMLSchema-instance" xmlns:pc="http://schemas.microsoft.com/office/infopath/2007/PartnerControls">
-  <documentManagement/>
-</p:properties>
 </file>
 
 <file path=customXml/item3.xml><?xml version="1.0" encoding="utf-8"?>
@@ -8830,14 +9463,6 @@
 </file>
 
 <file path=customXml/itemProps1.xml><?xml version="1.0" encoding="utf-8"?>
-<ds:datastoreItem xmlns:ds="http://schemas.openxmlformats.org/officeDocument/2006/customXml" ds:itemID="{B0E0D0C5-8FBD-4F03-9B80-A8C6BB21FC66}">
-  <ds:schemaRefs>
-    <ds:schemaRef ds:uri="http://schemas.microsoft.com/sharepoint/v3/contenttype/forms"/>
-  </ds:schemaRefs>
-</ds:datastoreItem>
-</file>
-
-<file path=customXml/itemProps2.xml><?xml version="1.0" encoding="utf-8"?>
 <ds:datastoreItem xmlns:ds="http://schemas.openxmlformats.org/officeDocument/2006/customXml" ds:itemID="{340C701A-5FB1-44EE-9224-D2AB29221C3D}">
   <ds:schemaRefs>
     <ds:schemaRef ds:uri="http://purl.org/dc/elements/1.1/"/>
@@ -8848,6 +9473,14 @@
     <ds:schemaRef ds:uri="http://schemas.microsoft.com/office/2006/metadata/properties"/>
     <ds:schemaRef ds:uri="http://schemas.microsoft.com/office/infopath/2007/PartnerControls"/>
     <ds:schemaRef ds:uri="http://purl.org/dc/dcmitype/"/>
+  </ds:schemaRefs>
+</ds:datastoreItem>
+</file>
+
+<file path=customXml/itemProps2.xml><?xml version="1.0" encoding="utf-8"?>
+<ds:datastoreItem xmlns:ds="http://schemas.openxmlformats.org/officeDocument/2006/customXml" ds:itemID="{B0E0D0C5-8FBD-4F03-9B80-A8C6BB21FC66}">
+  <ds:schemaRefs>
+    <ds:schemaRef ds:uri="http://schemas.microsoft.com/sharepoint/v3/contenttype/forms"/>
   </ds:schemaRefs>
 </ds:datastoreItem>
 </file>

--- a/Azure Governance Hack.pptx
+++ b/Azure Governance Hack.pptx
@@ -5,20 +5,22 @@
     <p:sldMasterId id="2147483648" r:id="rId4"/>
   </p:sldMasterIdLst>
   <p:notesMasterIdLst>
-    <p:notesMasterId r:id="rId16"/>
+    <p:notesMasterId r:id="rId18"/>
   </p:notesMasterIdLst>
   <p:sldIdLst>
     <p:sldId id="256" r:id="rId5"/>
     <p:sldId id="260" r:id="rId6"/>
-    <p:sldId id="262" r:id="rId7"/>
-    <p:sldId id="274" r:id="rId8"/>
-    <p:sldId id="275" r:id="rId9"/>
-    <p:sldId id="270" r:id="rId10"/>
-    <p:sldId id="263" r:id="rId11"/>
-    <p:sldId id="271" r:id="rId12"/>
-    <p:sldId id="266" r:id="rId13"/>
-    <p:sldId id="272" r:id="rId14"/>
-    <p:sldId id="273" r:id="rId15"/>
+    <p:sldId id="276" r:id="rId7"/>
+    <p:sldId id="262" r:id="rId8"/>
+    <p:sldId id="274" r:id="rId9"/>
+    <p:sldId id="275" r:id="rId10"/>
+    <p:sldId id="270" r:id="rId11"/>
+    <p:sldId id="277" r:id="rId12"/>
+    <p:sldId id="263" r:id="rId13"/>
+    <p:sldId id="271" r:id="rId14"/>
+    <p:sldId id="266" r:id="rId15"/>
+    <p:sldId id="272" r:id="rId16"/>
+    <p:sldId id="273" r:id="rId17"/>
   </p:sldIdLst>
   <p:sldSz cx="12192000" cy="6858000"/>
   <p:notesSz cx="6858000" cy="9144000"/>
@@ -1023,7 +1025,7 @@
           <a:p>
             <a:fld id="{53D76E38-EB4B-425D-87E0-B33791D2CD91}" type="datetimeFigureOut">
               <a:rPr lang="en-US" smtClean="0"/>
-              <a:t>3/18/2020</a:t>
+              <a:t>3/20/2020</a:t>
             </a:fld>
             <a:endParaRPr lang="en-US"/>
           </a:p>
@@ -1355,7 +1357,7 @@
           <a:p>
             <a:fld id="{D1ABA2CB-342C-46F9-95EC-88F4F68DF547}" type="slidenum">
               <a:rPr lang="en-US" smtClean="0"/>
-              <a:t>3</a:t>
+              <a:t>4</a:t>
             </a:fld>
             <a:endParaRPr lang="en-US"/>
           </a:p>
@@ -1439,7 +1441,7 @@
           <a:p>
             <a:fld id="{D1ABA2CB-342C-46F9-95EC-88F4F68DF547}" type="slidenum">
               <a:rPr lang="en-US" smtClean="0"/>
-              <a:t>4</a:t>
+              <a:t>5</a:t>
             </a:fld>
             <a:endParaRPr lang="en-US"/>
           </a:p>
@@ -1523,7 +1525,7 @@
           <a:p>
             <a:fld id="{D1ABA2CB-342C-46F9-95EC-88F4F68DF547}" type="slidenum">
               <a:rPr lang="en-US" smtClean="0"/>
-              <a:t>5</a:t>
+              <a:t>6</a:t>
             </a:fld>
             <a:endParaRPr lang="en-US"/>
           </a:p>
@@ -1607,7 +1609,7 @@
           <a:p>
             <a:fld id="{D1ABA2CB-342C-46F9-95EC-88F4F68DF547}" type="slidenum">
               <a:rPr lang="en-US" smtClean="0"/>
-              <a:t>6</a:t>
+              <a:t>7</a:t>
             </a:fld>
             <a:endParaRPr lang="en-US"/>
           </a:p>
@@ -1670,1515 +1672,7 @@
           <a:bodyPr/>
           <a:lstStyle/>
           <a:p>
-            <a:pPr marL="0" marR="0" lvl="0" indent="0" algn="l" defTabSz="914400" rtl="0" eaLnBrk="1" fontAlgn="auto" latinLnBrk="0" hangingPunct="1">
-              <a:lnSpc>
-                <a:spcPct val="100000"/>
-              </a:lnSpc>
-              <a:spcBef>
-                <a:spcPts val="0"/>
-              </a:spcBef>
-              <a:spcAft>
-                <a:spcPts val="0"/>
-              </a:spcAft>
-              <a:buClrTx/>
-              <a:buSzTx/>
-              <a:buFontTx/>
-              <a:buNone/>
-              <a:tabLst/>
-              <a:defRPr/>
-            </a:pPr>
-            <a:r>
-              <a:rPr lang="en-US" sz="1200" kern="1200" dirty="0">
-                <a:solidFill>
-                  <a:schemeClr val="tx1"/>
-                </a:solidFill>
-                <a:effectLst/>
-                <a:latin typeface="+mn-lt"/>
-                <a:ea typeface="+mn-ea"/>
-                <a:cs typeface="+mn-cs"/>
-              </a:rPr>
-              <a:t>{</a:t>
-            </a:r>
-            <a:br>
-              <a:rPr lang="en-US" sz="1200" kern="1200" dirty="0">
-                <a:solidFill>
-                  <a:schemeClr val="tx1"/>
-                </a:solidFill>
-                <a:effectLst/>
-                <a:latin typeface="+mn-lt"/>
-                <a:ea typeface="+mn-ea"/>
-                <a:cs typeface="+mn-cs"/>
-              </a:rPr>
-            </a:br>
-            <a:r>
-              <a:rPr lang="en-US" sz="1200" kern="1200" dirty="0">
-                <a:solidFill>
-                  <a:schemeClr val="tx1"/>
-                </a:solidFill>
-                <a:effectLst/>
-                <a:latin typeface="+mn-lt"/>
-                <a:ea typeface="+mn-ea"/>
-                <a:cs typeface="+mn-cs"/>
-              </a:rPr>
-              <a:t>    "$schema": "</a:t>
-            </a:r>
-            <a:r>
-              <a:rPr lang="en-US" sz="1200" u="sng" kern="1200" dirty="0">
-                <a:solidFill>
-                  <a:schemeClr val="tx1"/>
-                </a:solidFill>
-                <a:effectLst/>
-                <a:latin typeface="+mn-lt"/>
-                <a:ea typeface="+mn-ea"/>
-                <a:cs typeface="+mn-cs"/>
-                <a:hlinkClick r:id="rId3"/>
-              </a:rPr>
-              <a:t>https://schema.management.azure.com/schemas/2015-01-01/</a:t>
-            </a:r>
-            <a:r>
-              <a:rPr lang="en-US" sz="1200" u="sng" kern="1200" dirty="0" err="1">
-                <a:solidFill>
-                  <a:schemeClr val="tx1"/>
-                </a:solidFill>
-                <a:effectLst/>
-                <a:latin typeface="+mn-lt"/>
-                <a:ea typeface="+mn-ea"/>
-                <a:cs typeface="+mn-cs"/>
-                <a:hlinkClick r:id="rId3"/>
-              </a:rPr>
-              <a:t>deploymentTemplate.json</a:t>
-            </a:r>
-            <a:r>
-              <a:rPr lang="en-US" sz="1200" u="sng" kern="1200" dirty="0">
-                <a:solidFill>
-                  <a:schemeClr val="tx1"/>
-                </a:solidFill>
-                <a:effectLst/>
-                <a:latin typeface="+mn-lt"/>
-                <a:ea typeface="+mn-ea"/>
-                <a:cs typeface="+mn-cs"/>
-                <a:hlinkClick r:id="rId3"/>
-              </a:rPr>
-              <a:t>#</a:t>
-            </a:r>
-            <a:r>
-              <a:rPr lang="en-US" sz="1200" kern="1200" dirty="0">
-                <a:solidFill>
-                  <a:schemeClr val="tx1"/>
-                </a:solidFill>
-                <a:effectLst/>
-                <a:latin typeface="+mn-lt"/>
-                <a:ea typeface="+mn-ea"/>
-                <a:cs typeface="+mn-cs"/>
-              </a:rPr>
-              <a:t>",</a:t>
-            </a:r>
-            <a:br>
-              <a:rPr lang="en-US" sz="1200" kern="1200" dirty="0">
-                <a:solidFill>
-                  <a:schemeClr val="tx1"/>
-                </a:solidFill>
-                <a:effectLst/>
-                <a:latin typeface="+mn-lt"/>
-                <a:ea typeface="+mn-ea"/>
-                <a:cs typeface="+mn-cs"/>
-              </a:rPr>
-            </a:br>
-            <a:r>
-              <a:rPr lang="en-US" sz="1200" kern="1200" dirty="0">
-                <a:solidFill>
-                  <a:schemeClr val="tx1"/>
-                </a:solidFill>
-                <a:effectLst/>
-                <a:latin typeface="+mn-lt"/>
-                <a:ea typeface="+mn-ea"/>
-                <a:cs typeface="+mn-cs"/>
-              </a:rPr>
-              <a:t>    "</a:t>
-            </a:r>
-            <a:r>
-              <a:rPr lang="en-US" sz="1200" kern="1200" dirty="0" err="1">
-                <a:solidFill>
-                  <a:schemeClr val="tx1"/>
-                </a:solidFill>
-                <a:effectLst/>
-                <a:latin typeface="+mn-lt"/>
-                <a:ea typeface="+mn-ea"/>
-                <a:cs typeface="+mn-cs"/>
-              </a:rPr>
-              <a:t>contentVersion</a:t>
-            </a:r>
-            <a:r>
-              <a:rPr lang="en-US" sz="1200" kern="1200" dirty="0">
-                <a:solidFill>
-                  <a:schemeClr val="tx1"/>
-                </a:solidFill>
-                <a:effectLst/>
-                <a:latin typeface="+mn-lt"/>
-                <a:ea typeface="+mn-ea"/>
-                <a:cs typeface="+mn-cs"/>
-              </a:rPr>
-              <a:t>": "1.0.0.0",</a:t>
-            </a:r>
-            <a:br>
-              <a:rPr lang="en-US" sz="1200" kern="1200" dirty="0">
-                <a:solidFill>
-                  <a:schemeClr val="tx1"/>
-                </a:solidFill>
-                <a:effectLst/>
-                <a:latin typeface="+mn-lt"/>
-                <a:ea typeface="+mn-ea"/>
-                <a:cs typeface="+mn-cs"/>
-              </a:rPr>
-            </a:br>
-            <a:r>
-              <a:rPr lang="en-US" sz="1200" kern="1200" dirty="0">
-                <a:solidFill>
-                  <a:schemeClr val="tx1"/>
-                </a:solidFill>
-                <a:effectLst/>
-                <a:latin typeface="+mn-lt"/>
-                <a:ea typeface="+mn-ea"/>
-                <a:cs typeface="+mn-cs"/>
-              </a:rPr>
-              <a:t>    "parameters": {</a:t>
-            </a:r>
-            <a:br>
-              <a:rPr lang="en-US" sz="1200" kern="1200" dirty="0">
-                <a:solidFill>
-                  <a:schemeClr val="tx1"/>
-                </a:solidFill>
-                <a:effectLst/>
-                <a:latin typeface="+mn-lt"/>
-                <a:ea typeface="+mn-ea"/>
-                <a:cs typeface="+mn-cs"/>
-              </a:rPr>
-            </a:br>
-            <a:r>
-              <a:rPr lang="en-US" sz="1200" kern="1200" dirty="0">
-                <a:solidFill>
-                  <a:schemeClr val="tx1"/>
-                </a:solidFill>
-                <a:effectLst/>
-                <a:latin typeface="+mn-lt"/>
-                <a:ea typeface="+mn-ea"/>
-                <a:cs typeface="+mn-cs"/>
-              </a:rPr>
-              <a:t>        "</a:t>
-            </a:r>
-            <a:r>
-              <a:rPr lang="en-US" sz="1200" kern="1200" dirty="0" err="1">
-                <a:solidFill>
-                  <a:schemeClr val="tx1"/>
-                </a:solidFill>
-                <a:effectLst/>
-                <a:latin typeface="+mn-lt"/>
-                <a:ea typeface="+mn-ea"/>
-                <a:cs typeface="+mn-cs"/>
-              </a:rPr>
-              <a:t>storageAccountType</a:t>
-            </a:r>
-            <a:r>
-              <a:rPr lang="en-US" sz="1200" kern="1200" dirty="0">
-                <a:solidFill>
-                  <a:schemeClr val="tx1"/>
-                </a:solidFill>
-                <a:effectLst/>
-                <a:latin typeface="+mn-lt"/>
-                <a:ea typeface="+mn-ea"/>
-                <a:cs typeface="+mn-cs"/>
-              </a:rPr>
-              <a:t>": {</a:t>
-            </a:r>
-            <a:br>
-              <a:rPr lang="en-US" sz="1200" kern="1200" dirty="0">
-                <a:solidFill>
-                  <a:schemeClr val="tx1"/>
-                </a:solidFill>
-                <a:effectLst/>
-                <a:latin typeface="+mn-lt"/>
-                <a:ea typeface="+mn-ea"/>
-                <a:cs typeface="+mn-cs"/>
-              </a:rPr>
-            </a:br>
-            <a:r>
-              <a:rPr lang="en-US" sz="1200" kern="1200" dirty="0">
-                <a:solidFill>
-                  <a:schemeClr val="tx1"/>
-                </a:solidFill>
-                <a:effectLst/>
-                <a:latin typeface="+mn-lt"/>
-                <a:ea typeface="+mn-ea"/>
-                <a:cs typeface="+mn-cs"/>
-              </a:rPr>
-              <a:t>            "type": "string",</a:t>
-            </a:r>
-            <a:br>
-              <a:rPr lang="en-US" sz="1200" kern="1200" dirty="0">
-                <a:solidFill>
-                  <a:schemeClr val="tx1"/>
-                </a:solidFill>
-                <a:effectLst/>
-                <a:latin typeface="+mn-lt"/>
-                <a:ea typeface="+mn-ea"/>
-                <a:cs typeface="+mn-cs"/>
-              </a:rPr>
-            </a:br>
-            <a:r>
-              <a:rPr lang="en-US" sz="1200" kern="1200" dirty="0">
-                <a:solidFill>
-                  <a:schemeClr val="tx1"/>
-                </a:solidFill>
-                <a:effectLst/>
-                <a:latin typeface="+mn-lt"/>
-                <a:ea typeface="+mn-ea"/>
-                <a:cs typeface="+mn-cs"/>
-              </a:rPr>
-              <a:t>            "</a:t>
-            </a:r>
-            <a:r>
-              <a:rPr lang="en-US" sz="1200" kern="1200" dirty="0" err="1">
-                <a:solidFill>
-                  <a:schemeClr val="tx1"/>
-                </a:solidFill>
-                <a:effectLst/>
-                <a:latin typeface="+mn-lt"/>
-                <a:ea typeface="+mn-ea"/>
-                <a:cs typeface="+mn-cs"/>
-              </a:rPr>
-              <a:t>defaultValue</a:t>
-            </a:r>
-            <a:r>
-              <a:rPr lang="en-US" sz="1200" kern="1200" dirty="0">
-                <a:solidFill>
-                  <a:schemeClr val="tx1"/>
-                </a:solidFill>
-                <a:effectLst/>
-                <a:latin typeface="+mn-lt"/>
-                <a:ea typeface="+mn-ea"/>
-                <a:cs typeface="+mn-cs"/>
-              </a:rPr>
-              <a:t>": "</a:t>
-            </a:r>
-            <a:r>
-              <a:rPr lang="en-US" sz="1200" kern="1200" dirty="0" err="1">
-                <a:solidFill>
-                  <a:schemeClr val="tx1"/>
-                </a:solidFill>
-                <a:effectLst/>
-                <a:latin typeface="+mn-lt"/>
-                <a:ea typeface="+mn-ea"/>
-                <a:cs typeface="+mn-cs"/>
-              </a:rPr>
-              <a:t>Standard_LRS</a:t>
-            </a:r>
-            <a:r>
-              <a:rPr lang="en-US" sz="1200" kern="1200" dirty="0">
-                <a:solidFill>
-                  <a:schemeClr val="tx1"/>
-                </a:solidFill>
-                <a:effectLst/>
-                <a:latin typeface="+mn-lt"/>
-                <a:ea typeface="+mn-ea"/>
-                <a:cs typeface="+mn-cs"/>
-              </a:rPr>
-              <a:t>",</a:t>
-            </a:r>
-            <a:br>
-              <a:rPr lang="en-US" sz="1200" kern="1200" dirty="0">
-                <a:solidFill>
-                  <a:schemeClr val="tx1"/>
-                </a:solidFill>
-                <a:effectLst/>
-                <a:latin typeface="+mn-lt"/>
-                <a:ea typeface="+mn-ea"/>
-                <a:cs typeface="+mn-cs"/>
-              </a:rPr>
-            </a:br>
-            <a:r>
-              <a:rPr lang="en-US" sz="1200" kern="1200" dirty="0">
-                <a:solidFill>
-                  <a:schemeClr val="tx1"/>
-                </a:solidFill>
-                <a:effectLst/>
-                <a:latin typeface="+mn-lt"/>
-                <a:ea typeface="+mn-ea"/>
-                <a:cs typeface="+mn-cs"/>
-              </a:rPr>
-              <a:t>            "</a:t>
-            </a:r>
-            <a:r>
-              <a:rPr lang="en-US" sz="1200" kern="1200" dirty="0" err="1">
-                <a:solidFill>
-                  <a:schemeClr val="tx1"/>
-                </a:solidFill>
-                <a:effectLst/>
-                <a:latin typeface="+mn-lt"/>
-                <a:ea typeface="+mn-ea"/>
-                <a:cs typeface="+mn-cs"/>
-              </a:rPr>
-              <a:t>allowedValues</a:t>
-            </a:r>
-            <a:r>
-              <a:rPr lang="en-US" sz="1200" kern="1200" dirty="0">
-                <a:solidFill>
-                  <a:schemeClr val="tx1"/>
-                </a:solidFill>
-                <a:effectLst/>
-                <a:latin typeface="+mn-lt"/>
-                <a:ea typeface="+mn-ea"/>
-                <a:cs typeface="+mn-cs"/>
-              </a:rPr>
-              <a:t>": [</a:t>
-            </a:r>
-            <a:br>
-              <a:rPr lang="en-US" sz="1200" kern="1200" dirty="0">
-                <a:solidFill>
-                  <a:schemeClr val="tx1"/>
-                </a:solidFill>
-                <a:effectLst/>
-                <a:latin typeface="+mn-lt"/>
-                <a:ea typeface="+mn-ea"/>
-                <a:cs typeface="+mn-cs"/>
-              </a:rPr>
-            </a:br>
-            <a:r>
-              <a:rPr lang="en-US" sz="1200" kern="1200" dirty="0">
-                <a:solidFill>
-                  <a:schemeClr val="tx1"/>
-                </a:solidFill>
-                <a:effectLst/>
-                <a:latin typeface="+mn-lt"/>
-                <a:ea typeface="+mn-ea"/>
-                <a:cs typeface="+mn-cs"/>
-              </a:rPr>
-              <a:t>                "</a:t>
-            </a:r>
-            <a:r>
-              <a:rPr lang="en-US" sz="1200" kern="1200" dirty="0" err="1">
-                <a:solidFill>
-                  <a:schemeClr val="tx1"/>
-                </a:solidFill>
-                <a:effectLst/>
-                <a:latin typeface="+mn-lt"/>
-                <a:ea typeface="+mn-ea"/>
-                <a:cs typeface="+mn-cs"/>
-              </a:rPr>
-              <a:t>Standard_LRS</a:t>
-            </a:r>
-            <a:r>
-              <a:rPr lang="en-US" sz="1200" kern="1200" dirty="0">
-                <a:solidFill>
-                  <a:schemeClr val="tx1"/>
-                </a:solidFill>
-                <a:effectLst/>
-                <a:latin typeface="+mn-lt"/>
-                <a:ea typeface="+mn-ea"/>
-                <a:cs typeface="+mn-cs"/>
-              </a:rPr>
-              <a:t>",</a:t>
-            </a:r>
-            <a:br>
-              <a:rPr lang="en-US" sz="1200" kern="1200" dirty="0">
-                <a:solidFill>
-                  <a:schemeClr val="tx1"/>
-                </a:solidFill>
-                <a:effectLst/>
-                <a:latin typeface="+mn-lt"/>
-                <a:ea typeface="+mn-ea"/>
-                <a:cs typeface="+mn-cs"/>
-              </a:rPr>
-            </a:br>
-            <a:r>
-              <a:rPr lang="en-US" sz="1200" kern="1200" dirty="0">
-                <a:solidFill>
-                  <a:schemeClr val="tx1"/>
-                </a:solidFill>
-                <a:effectLst/>
-                <a:latin typeface="+mn-lt"/>
-                <a:ea typeface="+mn-ea"/>
-                <a:cs typeface="+mn-cs"/>
-              </a:rPr>
-              <a:t>                "</a:t>
-            </a:r>
-            <a:r>
-              <a:rPr lang="en-US" sz="1200" kern="1200" dirty="0" err="1">
-                <a:solidFill>
-                  <a:schemeClr val="tx1"/>
-                </a:solidFill>
-                <a:effectLst/>
-                <a:latin typeface="+mn-lt"/>
-                <a:ea typeface="+mn-ea"/>
-                <a:cs typeface="+mn-cs"/>
-              </a:rPr>
-              <a:t>Standard_GRS</a:t>
-            </a:r>
-            <a:r>
-              <a:rPr lang="en-US" sz="1200" kern="1200" dirty="0">
-                <a:solidFill>
-                  <a:schemeClr val="tx1"/>
-                </a:solidFill>
-                <a:effectLst/>
-                <a:latin typeface="+mn-lt"/>
-                <a:ea typeface="+mn-ea"/>
-                <a:cs typeface="+mn-cs"/>
-              </a:rPr>
-              <a:t>",</a:t>
-            </a:r>
-            <a:br>
-              <a:rPr lang="en-US" sz="1200" kern="1200" dirty="0">
-                <a:solidFill>
-                  <a:schemeClr val="tx1"/>
-                </a:solidFill>
-                <a:effectLst/>
-                <a:latin typeface="+mn-lt"/>
-                <a:ea typeface="+mn-ea"/>
-                <a:cs typeface="+mn-cs"/>
-              </a:rPr>
-            </a:br>
-            <a:r>
-              <a:rPr lang="en-US" sz="1200" kern="1200" dirty="0">
-                <a:solidFill>
-                  <a:schemeClr val="tx1"/>
-                </a:solidFill>
-                <a:effectLst/>
-                <a:latin typeface="+mn-lt"/>
-                <a:ea typeface="+mn-ea"/>
-                <a:cs typeface="+mn-cs"/>
-              </a:rPr>
-              <a:t>                "</a:t>
-            </a:r>
-            <a:r>
-              <a:rPr lang="en-US" sz="1200" kern="1200" dirty="0" err="1">
-                <a:solidFill>
-                  <a:schemeClr val="tx1"/>
-                </a:solidFill>
-                <a:effectLst/>
-                <a:latin typeface="+mn-lt"/>
-                <a:ea typeface="+mn-ea"/>
-                <a:cs typeface="+mn-cs"/>
-              </a:rPr>
-              <a:t>Standard_ZRS</a:t>
-            </a:r>
-            <a:r>
-              <a:rPr lang="en-US" sz="1200" kern="1200" dirty="0">
-                <a:solidFill>
-                  <a:schemeClr val="tx1"/>
-                </a:solidFill>
-                <a:effectLst/>
-                <a:latin typeface="+mn-lt"/>
-                <a:ea typeface="+mn-ea"/>
-                <a:cs typeface="+mn-cs"/>
-              </a:rPr>
-              <a:t>",</a:t>
-            </a:r>
-            <a:br>
-              <a:rPr lang="en-US" sz="1200" kern="1200" dirty="0">
-                <a:solidFill>
-                  <a:schemeClr val="tx1"/>
-                </a:solidFill>
-                <a:effectLst/>
-                <a:latin typeface="+mn-lt"/>
-                <a:ea typeface="+mn-ea"/>
-                <a:cs typeface="+mn-cs"/>
-              </a:rPr>
-            </a:br>
-            <a:r>
-              <a:rPr lang="en-US" sz="1200" kern="1200" dirty="0">
-                <a:solidFill>
-                  <a:schemeClr val="tx1"/>
-                </a:solidFill>
-                <a:effectLst/>
-                <a:latin typeface="+mn-lt"/>
-                <a:ea typeface="+mn-ea"/>
-                <a:cs typeface="+mn-cs"/>
-              </a:rPr>
-              <a:t>                "</a:t>
-            </a:r>
-            <a:r>
-              <a:rPr lang="en-US" sz="1200" kern="1200" dirty="0" err="1">
-                <a:solidFill>
-                  <a:schemeClr val="tx1"/>
-                </a:solidFill>
-                <a:effectLst/>
-                <a:latin typeface="+mn-lt"/>
-                <a:ea typeface="+mn-ea"/>
-                <a:cs typeface="+mn-cs"/>
-              </a:rPr>
-              <a:t>Premium_LRS</a:t>
-            </a:r>
-            <a:r>
-              <a:rPr lang="en-US" sz="1200" kern="1200" dirty="0">
-                <a:solidFill>
-                  <a:schemeClr val="tx1"/>
-                </a:solidFill>
-                <a:effectLst/>
-                <a:latin typeface="+mn-lt"/>
-                <a:ea typeface="+mn-ea"/>
-                <a:cs typeface="+mn-cs"/>
-              </a:rPr>
-              <a:t>"</a:t>
-            </a:r>
-            <a:br>
-              <a:rPr lang="en-US" sz="1200" kern="1200" dirty="0">
-                <a:solidFill>
-                  <a:schemeClr val="tx1"/>
-                </a:solidFill>
-                <a:effectLst/>
-                <a:latin typeface="+mn-lt"/>
-                <a:ea typeface="+mn-ea"/>
-                <a:cs typeface="+mn-cs"/>
-              </a:rPr>
-            </a:br>
-            <a:r>
-              <a:rPr lang="en-US" sz="1200" kern="1200" dirty="0">
-                <a:solidFill>
-                  <a:schemeClr val="tx1"/>
-                </a:solidFill>
-                <a:effectLst/>
-                <a:latin typeface="+mn-lt"/>
-                <a:ea typeface="+mn-ea"/>
-                <a:cs typeface="+mn-cs"/>
-              </a:rPr>
-              <a:t>            ],</a:t>
-            </a:r>
-            <a:br>
-              <a:rPr lang="en-US" sz="1200" kern="1200" dirty="0">
-                <a:solidFill>
-                  <a:schemeClr val="tx1"/>
-                </a:solidFill>
-                <a:effectLst/>
-                <a:latin typeface="+mn-lt"/>
-                <a:ea typeface="+mn-ea"/>
-                <a:cs typeface="+mn-cs"/>
-              </a:rPr>
-            </a:br>
-            <a:r>
-              <a:rPr lang="en-US" sz="1200" kern="1200" dirty="0">
-                <a:solidFill>
-                  <a:schemeClr val="tx1"/>
-                </a:solidFill>
-                <a:effectLst/>
-                <a:latin typeface="+mn-lt"/>
-                <a:ea typeface="+mn-ea"/>
-                <a:cs typeface="+mn-cs"/>
-              </a:rPr>
-              <a:t>            "metadata": {</a:t>
-            </a:r>
-            <a:br>
-              <a:rPr lang="en-US" sz="1200" kern="1200" dirty="0">
-                <a:solidFill>
-                  <a:schemeClr val="tx1"/>
-                </a:solidFill>
-                <a:effectLst/>
-                <a:latin typeface="+mn-lt"/>
-                <a:ea typeface="+mn-ea"/>
-                <a:cs typeface="+mn-cs"/>
-              </a:rPr>
-            </a:br>
-            <a:r>
-              <a:rPr lang="en-US" sz="1200" kern="1200" dirty="0">
-                <a:solidFill>
-                  <a:schemeClr val="tx1"/>
-                </a:solidFill>
-                <a:effectLst/>
-                <a:latin typeface="+mn-lt"/>
-                <a:ea typeface="+mn-ea"/>
-                <a:cs typeface="+mn-cs"/>
-              </a:rPr>
-              <a:t>                "description": "Storage Account type"</a:t>
-            </a:r>
-            <a:br>
-              <a:rPr lang="en-US" sz="1200" kern="1200" dirty="0">
-                <a:solidFill>
-                  <a:schemeClr val="tx1"/>
-                </a:solidFill>
-                <a:effectLst/>
-                <a:latin typeface="+mn-lt"/>
-                <a:ea typeface="+mn-ea"/>
-                <a:cs typeface="+mn-cs"/>
-              </a:rPr>
-            </a:br>
-            <a:r>
-              <a:rPr lang="en-US" sz="1200" kern="1200" dirty="0">
-                <a:solidFill>
-                  <a:schemeClr val="tx1"/>
-                </a:solidFill>
-                <a:effectLst/>
-                <a:latin typeface="+mn-lt"/>
-                <a:ea typeface="+mn-ea"/>
-                <a:cs typeface="+mn-cs"/>
-              </a:rPr>
-              <a:t>            }</a:t>
-            </a:r>
-            <a:br>
-              <a:rPr lang="en-US" sz="1200" kern="1200" dirty="0">
-                <a:solidFill>
-                  <a:schemeClr val="tx1"/>
-                </a:solidFill>
-                <a:effectLst/>
-                <a:latin typeface="+mn-lt"/>
-                <a:ea typeface="+mn-ea"/>
-                <a:cs typeface="+mn-cs"/>
-              </a:rPr>
-            </a:br>
-            <a:r>
-              <a:rPr lang="en-US" sz="1200" kern="1200" dirty="0">
-                <a:solidFill>
-                  <a:schemeClr val="tx1"/>
-                </a:solidFill>
-                <a:effectLst/>
-                <a:latin typeface="+mn-lt"/>
-                <a:ea typeface="+mn-ea"/>
-                <a:cs typeface="+mn-cs"/>
-              </a:rPr>
-              <a:t>        }</a:t>
-            </a:r>
-            <a:br>
-              <a:rPr lang="en-US" sz="1200" kern="1200" dirty="0">
-                <a:solidFill>
-                  <a:schemeClr val="tx1"/>
-                </a:solidFill>
-                <a:effectLst/>
-                <a:latin typeface="+mn-lt"/>
-                <a:ea typeface="+mn-ea"/>
-                <a:cs typeface="+mn-cs"/>
-              </a:rPr>
-            </a:br>
-            <a:r>
-              <a:rPr lang="en-US" sz="1200" kern="1200" dirty="0">
-                <a:solidFill>
-                  <a:schemeClr val="tx1"/>
-                </a:solidFill>
-                <a:effectLst/>
-                <a:latin typeface="+mn-lt"/>
-                <a:ea typeface="+mn-ea"/>
-                <a:cs typeface="+mn-cs"/>
-              </a:rPr>
-              <a:t>    },</a:t>
-            </a:r>
-            <a:br>
-              <a:rPr lang="en-US" sz="1200" kern="1200" dirty="0">
-                <a:solidFill>
-                  <a:schemeClr val="tx1"/>
-                </a:solidFill>
-                <a:effectLst/>
-                <a:latin typeface="+mn-lt"/>
-                <a:ea typeface="+mn-ea"/>
-                <a:cs typeface="+mn-cs"/>
-              </a:rPr>
-            </a:br>
-            <a:r>
-              <a:rPr lang="en-US" sz="1200" kern="1200" dirty="0">
-                <a:solidFill>
-                  <a:schemeClr val="tx1"/>
-                </a:solidFill>
-                <a:effectLst/>
-                <a:latin typeface="+mn-lt"/>
-                <a:ea typeface="+mn-ea"/>
-                <a:cs typeface="+mn-cs"/>
-              </a:rPr>
-              <a:t>    "variables": {</a:t>
-            </a:r>
-            <a:br>
-              <a:rPr lang="en-US" sz="1200" kern="1200" dirty="0">
-                <a:solidFill>
-                  <a:schemeClr val="tx1"/>
-                </a:solidFill>
-                <a:effectLst/>
-                <a:latin typeface="+mn-lt"/>
-                <a:ea typeface="+mn-ea"/>
-                <a:cs typeface="+mn-cs"/>
-              </a:rPr>
-            </a:br>
-            <a:r>
-              <a:rPr lang="en-US" sz="1200" kern="1200" dirty="0">
-                <a:solidFill>
-                  <a:schemeClr val="tx1"/>
-                </a:solidFill>
-                <a:effectLst/>
-                <a:latin typeface="+mn-lt"/>
-                <a:ea typeface="+mn-ea"/>
-                <a:cs typeface="+mn-cs"/>
-              </a:rPr>
-              <a:t>        "</a:t>
-            </a:r>
-            <a:r>
-              <a:rPr lang="en-US" sz="1200" kern="1200" dirty="0" err="1">
-                <a:solidFill>
-                  <a:schemeClr val="tx1"/>
-                </a:solidFill>
-                <a:effectLst/>
-                <a:latin typeface="+mn-lt"/>
-                <a:ea typeface="+mn-ea"/>
-                <a:cs typeface="+mn-cs"/>
-              </a:rPr>
-              <a:t>storageAccountName</a:t>
-            </a:r>
-            <a:r>
-              <a:rPr lang="en-US" sz="1200" kern="1200" dirty="0">
-                <a:solidFill>
-                  <a:schemeClr val="tx1"/>
-                </a:solidFill>
-                <a:effectLst/>
-                <a:latin typeface="+mn-lt"/>
-                <a:ea typeface="+mn-ea"/>
-                <a:cs typeface="+mn-cs"/>
-              </a:rPr>
-              <a:t>": "[</a:t>
-            </a:r>
-            <a:r>
-              <a:rPr lang="en-US" sz="1200" kern="1200" dirty="0" err="1">
-                <a:solidFill>
-                  <a:schemeClr val="tx1"/>
-                </a:solidFill>
-                <a:effectLst/>
-                <a:latin typeface="+mn-lt"/>
-                <a:ea typeface="+mn-ea"/>
-                <a:cs typeface="+mn-cs"/>
-              </a:rPr>
-              <a:t>concat</a:t>
-            </a:r>
-            <a:r>
-              <a:rPr lang="en-US" sz="1200" kern="1200" dirty="0">
-                <a:solidFill>
-                  <a:schemeClr val="tx1"/>
-                </a:solidFill>
-                <a:effectLst/>
-                <a:latin typeface="+mn-lt"/>
-                <a:ea typeface="+mn-ea"/>
-                <a:cs typeface="+mn-cs"/>
-              </a:rPr>
-              <a:t>(</a:t>
-            </a:r>
-            <a:r>
-              <a:rPr lang="en-US" sz="1200" kern="1200" dirty="0" err="1">
-                <a:solidFill>
-                  <a:schemeClr val="tx1"/>
-                </a:solidFill>
-                <a:effectLst/>
-                <a:latin typeface="+mn-lt"/>
-                <a:ea typeface="+mn-ea"/>
-                <a:cs typeface="+mn-cs"/>
-              </a:rPr>
-              <a:t>uniquestring</a:t>
-            </a:r>
-            <a:r>
-              <a:rPr lang="en-US" sz="1200" kern="1200" dirty="0">
-                <a:solidFill>
-                  <a:schemeClr val="tx1"/>
-                </a:solidFill>
-                <a:effectLst/>
-                <a:latin typeface="+mn-lt"/>
-                <a:ea typeface="+mn-ea"/>
-                <a:cs typeface="+mn-cs"/>
-              </a:rPr>
-              <a:t>(</a:t>
-            </a:r>
-            <a:r>
-              <a:rPr lang="en-US" sz="1200" kern="1200" dirty="0" err="1">
-                <a:solidFill>
-                  <a:schemeClr val="tx1"/>
-                </a:solidFill>
-                <a:effectLst/>
-                <a:latin typeface="+mn-lt"/>
-                <a:ea typeface="+mn-ea"/>
-                <a:cs typeface="+mn-cs"/>
-              </a:rPr>
-              <a:t>resourceGroup</a:t>
-            </a:r>
-            <a:r>
-              <a:rPr lang="en-US" sz="1200" kern="1200" dirty="0">
-                <a:solidFill>
-                  <a:schemeClr val="tx1"/>
-                </a:solidFill>
-                <a:effectLst/>
-                <a:latin typeface="+mn-lt"/>
-                <a:ea typeface="+mn-ea"/>
-                <a:cs typeface="+mn-cs"/>
-              </a:rPr>
-              <a:t>().id), '</a:t>
-            </a:r>
-            <a:r>
-              <a:rPr lang="en-US" sz="1200" kern="1200" dirty="0" err="1">
-                <a:solidFill>
-                  <a:schemeClr val="tx1"/>
-                </a:solidFill>
-                <a:effectLst/>
-                <a:latin typeface="+mn-lt"/>
-                <a:ea typeface="+mn-ea"/>
-                <a:cs typeface="+mn-cs"/>
-              </a:rPr>
-              <a:t>standardsa</a:t>
-            </a:r>
-            <a:r>
-              <a:rPr lang="en-US" sz="1200" kern="1200" dirty="0">
-                <a:solidFill>
-                  <a:schemeClr val="tx1"/>
-                </a:solidFill>
-                <a:effectLst/>
-                <a:latin typeface="+mn-lt"/>
-                <a:ea typeface="+mn-ea"/>
-                <a:cs typeface="+mn-cs"/>
-              </a:rPr>
-              <a:t>')]"</a:t>
-            </a:r>
-            <a:br>
-              <a:rPr lang="en-US" sz="1200" kern="1200" dirty="0">
-                <a:solidFill>
-                  <a:schemeClr val="tx1"/>
-                </a:solidFill>
-                <a:effectLst/>
-                <a:latin typeface="+mn-lt"/>
-                <a:ea typeface="+mn-ea"/>
-                <a:cs typeface="+mn-cs"/>
-              </a:rPr>
-            </a:br>
-            <a:r>
-              <a:rPr lang="en-US" sz="1200" kern="1200" dirty="0">
-                <a:solidFill>
-                  <a:schemeClr val="tx1"/>
-                </a:solidFill>
-                <a:effectLst/>
-                <a:latin typeface="+mn-lt"/>
-                <a:ea typeface="+mn-ea"/>
-                <a:cs typeface="+mn-cs"/>
-              </a:rPr>
-              <a:t>    },</a:t>
-            </a:r>
-            <a:br>
-              <a:rPr lang="en-US" sz="1200" kern="1200" dirty="0">
-                <a:solidFill>
-                  <a:schemeClr val="tx1"/>
-                </a:solidFill>
-                <a:effectLst/>
-                <a:latin typeface="+mn-lt"/>
-                <a:ea typeface="+mn-ea"/>
-                <a:cs typeface="+mn-cs"/>
-              </a:rPr>
-            </a:br>
-            <a:r>
-              <a:rPr lang="en-US" sz="1200" kern="1200" dirty="0">
-                <a:solidFill>
-                  <a:schemeClr val="tx1"/>
-                </a:solidFill>
-                <a:effectLst/>
-                <a:latin typeface="+mn-lt"/>
-                <a:ea typeface="+mn-ea"/>
-                <a:cs typeface="+mn-cs"/>
-              </a:rPr>
-              <a:t>    "resources": [{</a:t>
-            </a:r>
-            <a:br>
-              <a:rPr lang="en-US" sz="1200" kern="1200" dirty="0">
-                <a:solidFill>
-                  <a:schemeClr val="tx1"/>
-                </a:solidFill>
-                <a:effectLst/>
-                <a:latin typeface="+mn-lt"/>
-                <a:ea typeface="+mn-ea"/>
-                <a:cs typeface="+mn-cs"/>
-              </a:rPr>
-            </a:br>
-            <a:r>
-              <a:rPr lang="en-US" sz="1200" kern="1200" dirty="0">
-                <a:solidFill>
-                  <a:schemeClr val="tx1"/>
-                </a:solidFill>
-                <a:effectLst/>
-                <a:latin typeface="+mn-lt"/>
-                <a:ea typeface="+mn-ea"/>
-                <a:cs typeface="+mn-cs"/>
-              </a:rPr>
-              <a:t>        "type": "</a:t>
-            </a:r>
-            <a:r>
-              <a:rPr lang="en-US" sz="1200" kern="1200" dirty="0" err="1">
-                <a:solidFill>
-                  <a:schemeClr val="tx1"/>
-                </a:solidFill>
-                <a:effectLst/>
-                <a:latin typeface="+mn-lt"/>
-                <a:ea typeface="+mn-ea"/>
-                <a:cs typeface="+mn-cs"/>
-              </a:rPr>
-              <a:t>Microsoft.Storage</a:t>
-            </a:r>
-            <a:r>
-              <a:rPr lang="en-US" sz="1200" kern="1200" dirty="0">
-                <a:solidFill>
-                  <a:schemeClr val="tx1"/>
-                </a:solidFill>
-                <a:effectLst/>
-                <a:latin typeface="+mn-lt"/>
-                <a:ea typeface="+mn-ea"/>
-                <a:cs typeface="+mn-cs"/>
-              </a:rPr>
-              <a:t>/</a:t>
-            </a:r>
-            <a:r>
-              <a:rPr lang="en-US" sz="1200" kern="1200" dirty="0" err="1">
-                <a:solidFill>
-                  <a:schemeClr val="tx1"/>
-                </a:solidFill>
-                <a:effectLst/>
-                <a:latin typeface="+mn-lt"/>
-                <a:ea typeface="+mn-ea"/>
-                <a:cs typeface="+mn-cs"/>
-              </a:rPr>
-              <a:t>storageAccounts</a:t>
-            </a:r>
-            <a:r>
-              <a:rPr lang="en-US" sz="1200" kern="1200" dirty="0">
-                <a:solidFill>
-                  <a:schemeClr val="tx1"/>
-                </a:solidFill>
-                <a:effectLst/>
-                <a:latin typeface="+mn-lt"/>
-                <a:ea typeface="+mn-ea"/>
-                <a:cs typeface="+mn-cs"/>
-              </a:rPr>
-              <a:t>",</a:t>
-            </a:r>
-            <a:br>
-              <a:rPr lang="en-US" sz="1200" kern="1200" dirty="0">
-                <a:solidFill>
-                  <a:schemeClr val="tx1"/>
-                </a:solidFill>
-                <a:effectLst/>
-                <a:latin typeface="+mn-lt"/>
-                <a:ea typeface="+mn-ea"/>
-                <a:cs typeface="+mn-cs"/>
-              </a:rPr>
-            </a:br>
-            <a:r>
-              <a:rPr lang="en-US" sz="1200" kern="1200" dirty="0">
-                <a:solidFill>
-                  <a:schemeClr val="tx1"/>
-                </a:solidFill>
-                <a:effectLst/>
-                <a:latin typeface="+mn-lt"/>
-                <a:ea typeface="+mn-ea"/>
-                <a:cs typeface="+mn-cs"/>
-              </a:rPr>
-              <a:t>        "name": "[variables('</a:t>
-            </a:r>
-            <a:r>
-              <a:rPr lang="en-US" sz="1200" kern="1200" dirty="0" err="1">
-                <a:solidFill>
-                  <a:schemeClr val="tx1"/>
-                </a:solidFill>
-                <a:effectLst/>
-                <a:latin typeface="+mn-lt"/>
-                <a:ea typeface="+mn-ea"/>
-                <a:cs typeface="+mn-cs"/>
-              </a:rPr>
-              <a:t>storageAccountName</a:t>
-            </a:r>
-            <a:r>
-              <a:rPr lang="en-US" sz="1200" kern="1200" dirty="0">
-                <a:solidFill>
-                  <a:schemeClr val="tx1"/>
-                </a:solidFill>
-                <a:effectLst/>
-                <a:latin typeface="+mn-lt"/>
-                <a:ea typeface="+mn-ea"/>
-                <a:cs typeface="+mn-cs"/>
-              </a:rPr>
-              <a:t>')]",</a:t>
-            </a:r>
-            <a:br>
-              <a:rPr lang="en-US" sz="1200" kern="1200" dirty="0">
-                <a:solidFill>
-                  <a:schemeClr val="tx1"/>
-                </a:solidFill>
-                <a:effectLst/>
-                <a:latin typeface="+mn-lt"/>
-                <a:ea typeface="+mn-ea"/>
-                <a:cs typeface="+mn-cs"/>
-              </a:rPr>
-            </a:br>
-            <a:r>
-              <a:rPr lang="en-US" sz="1200" kern="1200" dirty="0">
-                <a:solidFill>
-                  <a:schemeClr val="tx1"/>
-                </a:solidFill>
-                <a:effectLst/>
-                <a:latin typeface="+mn-lt"/>
-                <a:ea typeface="+mn-ea"/>
-                <a:cs typeface="+mn-cs"/>
-              </a:rPr>
-              <a:t>        "</a:t>
-            </a:r>
-            <a:r>
-              <a:rPr lang="en-US" sz="1200" kern="1200" dirty="0" err="1">
-                <a:solidFill>
-                  <a:schemeClr val="tx1"/>
-                </a:solidFill>
-                <a:effectLst/>
-                <a:latin typeface="+mn-lt"/>
-                <a:ea typeface="+mn-ea"/>
-                <a:cs typeface="+mn-cs"/>
-              </a:rPr>
-              <a:t>apiVersion</a:t>
-            </a:r>
-            <a:r>
-              <a:rPr lang="en-US" sz="1200" kern="1200" dirty="0">
-                <a:solidFill>
-                  <a:schemeClr val="tx1"/>
-                </a:solidFill>
-                <a:effectLst/>
-                <a:latin typeface="+mn-lt"/>
-                <a:ea typeface="+mn-ea"/>
-                <a:cs typeface="+mn-cs"/>
-              </a:rPr>
-              <a:t>": "2016-01-01",</a:t>
-            </a:r>
-            <a:br>
-              <a:rPr lang="en-US" sz="1200" kern="1200" dirty="0">
-                <a:solidFill>
-                  <a:schemeClr val="tx1"/>
-                </a:solidFill>
-                <a:effectLst/>
-                <a:latin typeface="+mn-lt"/>
-                <a:ea typeface="+mn-ea"/>
-                <a:cs typeface="+mn-cs"/>
-              </a:rPr>
-            </a:br>
-            <a:r>
-              <a:rPr lang="en-US" sz="1200" kern="1200" dirty="0">
-                <a:solidFill>
-                  <a:schemeClr val="tx1"/>
-                </a:solidFill>
-                <a:effectLst/>
-                <a:latin typeface="+mn-lt"/>
-                <a:ea typeface="+mn-ea"/>
-                <a:cs typeface="+mn-cs"/>
-              </a:rPr>
-              <a:t>        "location": "[</a:t>
-            </a:r>
-            <a:r>
-              <a:rPr lang="en-US" sz="1200" kern="1200" dirty="0" err="1">
-                <a:solidFill>
-                  <a:schemeClr val="tx1"/>
-                </a:solidFill>
-                <a:effectLst/>
-                <a:latin typeface="+mn-lt"/>
-                <a:ea typeface="+mn-ea"/>
-                <a:cs typeface="+mn-cs"/>
-              </a:rPr>
-              <a:t>resourceGroup</a:t>
-            </a:r>
-            <a:r>
-              <a:rPr lang="en-US" sz="1200" kern="1200" dirty="0">
-                <a:solidFill>
-                  <a:schemeClr val="tx1"/>
-                </a:solidFill>
-                <a:effectLst/>
-                <a:latin typeface="+mn-lt"/>
-                <a:ea typeface="+mn-ea"/>
-                <a:cs typeface="+mn-cs"/>
-              </a:rPr>
-              <a:t>().location]",</a:t>
-            </a:r>
-            <a:br>
-              <a:rPr lang="en-US" sz="1200" kern="1200" dirty="0">
-                <a:solidFill>
-                  <a:schemeClr val="tx1"/>
-                </a:solidFill>
-                <a:effectLst/>
-                <a:latin typeface="+mn-lt"/>
-                <a:ea typeface="+mn-ea"/>
-                <a:cs typeface="+mn-cs"/>
-              </a:rPr>
-            </a:br>
-            <a:r>
-              <a:rPr lang="en-US" sz="1200" kern="1200" dirty="0">
-                <a:solidFill>
-                  <a:schemeClr val="tx1"/>
-                </a:solidFill>
-                <a:effectLst/>
-                <a:latin typeface="+mn-lt"/>
-                <a:ea typeface="+mn-ea"/>
-                <a:cs typeface="+mn-cs"/>
-              </a:rPr>
-              <a:t>        "</a:t>
-            </a:r>
-            <a:r>
-              <a:rPr lang="en-US" sz="1200" kern="1200" dirty="0" err="1">
-                <a:solidFill>
-                  <a:schemeClr val="tx1"/>
-                </a:solidFill>
-                <a:effectLst/>
-                <a:latin typeface="+mn-lt"/>
-                <a:ea typeface="+mn-ea"/>
-                <a:cs typeface="+mn-cs"/>
-              </a:rPr>
-              <a:t>sku</a:t>
-            </a:r>
-            <a:r>
-              <a:rPr lang="en-US" sz="1200" kern="1200" dirty="0">
-                <a:solidFill>
-                  <a:schemeClr val="tx1"/>
-                </a:solidFill>
-                <a:effectLst/>
-                <a:latin typeface="+mn-lt"/>
-                <a:ea typeface="+mn-ea"/>
-                <a:cs typeface="+mn-cs"/>
-              </a:rPr>
-              <a:t>": {</a:t>
-            </a:r>
-            <a:br>
-              <a:rPr lang="en-US" sz="1200" kern="1200" dirty="0">
-                <a:solidFill>
-                  <a:schemeClr val="tx1"/>
-                </a:solidFill>
-                <a:effectLst/>
-                <a:latin typeface="+mn-lt"/>
-                <a:ea typeface="+mn-ea"/>
-                <a:cs typeface="+mn-cs"/>
-              </a:rPr>
-            </a:br>
-            <a:r>
-              <a:rPr lang="en-US" sz="1200" kern="1200" dirty="0">
-                <a:solidFill>
-                  <a:schemeClr val="tx1"/>
-                </a:solidFill>
-                <a:effectLst/>
-                <a:latin typeface="+mn-lt"/>
-                <a:ea typeface="+mn-ea"/>
-                <a:cs typeface="+mn-cs"/>
-              </a:rPr>
-              <a:t>            "name": "[parameters('</a:t>
-            </a:r>
-            <a:r>
-              <a:rPr lang="en-US" sz="1200" kern="1200" dirty="0" err="1">
-                <a:solidFill>
-                  <a:schemeClr val="tx1"/>
-                </a:solidFill>
-                <a:effectLst/>
-                <a:latin typeface="+mn-lt"/>
-                <a:ea typeface="+mn-ea"/>
-                <a:cs typeface="+mn-cs"/>
-              </a:rPr>
-              <a:t>storageAccountType</a:t>
-            </a:r>
-            <a:r>
-              <a:rPr lang="en-US" sz="1200" kern="1200" dirty="0">
-                <a:solidFill>
-                  <a:schemeClr val="tx1"/>
-                </a:solidFill>
-                <a:effectLst/>
-                <a:latin typeface="+mn-lt"/>
-                <a:ea typeface="+mn-ea"/>
-                <a:cs typeface="+mn-cs"/>
-              </a:rPr>
-              <a:t>')]"</a:t>
-            </a:r>
-            <a:br>
-              <a:rPr lang="en-US" sz="1200" kern="1200" dirty="0">
-                <a:solidFill>
-                  <a:schemeClr val="tx1"/>
-                </a:solidFill>
-                <a:effectLst/>
-                <a:latin typeface="+mn-lt"/>
-                <a:ea typeface="+mn-ea"/>
-                <a:cs typeface="+mn-cs"/>
-              </a:rPr>
-            </a:br>
-            <a:r>
-              <a:rPr lang="en-US" sz="1200" kern="1200" dirty="0">
-                <a:solidFill>
-                  <a:schemeClr val="tx1"/>
-                </a:solidFill>
-                <a:effectLst/>
-                <a:latin typeface="+mn-lt"/>
-                <a:ea typeface="+mn-ea"/>
-                <a:cs typeface="+mn-cs"/>
-              </a:rPr>
-              <a:t>        },</a:t>
-            </a:r>
-            <a:br>
-              <a:rPr lang="en-US" sz="1200" kern="1200" dirty="0">
-                <a:solidFill>
-                  <a:schemeClr val="tx1"/>
-                </a:solidFill>
-                <a:effectLst/>
-                <a:latin typeface="+mn-lt"/>
-                <a:ea typeface="+mn-ea"/>
-                <a:cs typeface="+mn-cs"/>
-              </a:rPr>
-            </a:br>
-            <a:r>
-              <a:rPr lang="en-US" sz="1200" kern="1200" dirty="0">
-                <a:solidFill>
-                  <a:schemeClr val="tx1"/>
-                </a:solidFill>
-                <a:effectLst/>
-                <a:latin typeface="+mn-lt"/>
-                <a:ea typeface="+mn-ea"/>
-                <a:cs typeface="+mn-cs"/>
-              </a:rPr>
-              <a:t>        "kind": "Storage",</a:t>
-            </a:r>
-            <a:br>
-              <a:rPr lang="en-US" sz="1200" kern="1200" dirty="0">
-                <a:solidFill>
-                  <a:schemeClr val="tx1"/>
-                </a:solidFill>
-                <a:effectLst/>
-                <a:latin typeface="+mn-lt"/>
-                <a:ea typeface="+mn-ea"/>
-                <a:cs typeface="+mn-cs"/>
-              </a:rPr>
-            </a:br>
-            <a:r>
-              <a:rPr lang="en-US" sz="1200" kern="1200" dirty="0">
-                <a:solidFill>
-                  <a:schemeClr val="tx1"/>
-                </a:solidFill>
-                <a:effectLst/>
-                <a:latin typeface="+mn-lt"/>
-                <a:ea typeface="+mn-ea"/>
-                <a:cs typeface="+mn-cs"/>
-              </a:rPr>
-              <a:t>        "properties": {}</a:t>
-            </a:r>
-            <a:br>
-              <a:rPr lang="en-US" sz="1200" kern="1200" dirty="0">
-                <a:solidFill>
-                  <a:schemeClr val="tx1"/>
-                </a:solidFill>
-                <a:effectLst/>
-                <a:latin typeface="+mn-lt"/>
-                <a:ea typeface="+mn-ea"/>
-                <a:cs typeface="+mn-cs"/>
-              </a:rPr>
-            </a:br>
-            <a:r>
-              <a:rPr lang="en-US" sz="1200" kern="1200" dirty="0">
-                <a:solidFill>
-                  <a:schemeClr val="tx1"/>
-                </a:solidFill>
-                <a:effectLst/>
-                <a:latin typeface="+mn-lt"/>
-                <a:ea typeface="+mn-ea"/>
-                <a:cs typeface="+mn-cs"/>
-              </a:rPr>
-              <a:t>    }],</a:t>
-            </a:r>
-            <a:br>
-              <a:rPr lang="en-US" sz="1200" kern="1200" dirty="0">
-                <a:solidFill>
-                  <a:schemeClr val="tx1"/>
-                </a:solidFill>
-                <a:effectLst/>
-                <a:latin typeface="+mn-lt"/>
-                <a:ea typeface="+mn-ea"/>
-                <a:cs typeface="+mn-cs"/>
-              </a:rPr>
-            </a:br>
-            <a:r>
-              <a:rPr lang="en-US" sz="1200" kern="1200" dirty="0">
-                <a:solidFill>
-                  <a:schemeClr val="tx1"/>
-                </a:solidFill>
-                <a:effectLst/>
-                <a:latin typeface="+mn-lt"/>
-                <a:ea typeface="+mn-ea"/>
-                <a:cs typeface="+mn-cs"/>
-              </a:rPr>
-              <a:t>    "outputs": {</a:t>
-            </a:r>
-            <a:br>
-              <a:rPr lang="en-US" sz="1200" kern="1200" dirty="0">
-                <a:solidFill>
-                  <a:schemeClr val="tx1"/>
-                </a:solidFill>
-                <a:effectLst/>
-                <a:latin typeface="+mn-lt"/>
-                <a:ea typeface="+mn-ea"/>
-                <a:cs typeface="+mn-cs"/>
-              </a:rPr>
-            </a:br>
-            <a:r>
-              <a:rPr lang="en-US" sz="1200" kern="1200" dirty="0">
-                <a:solidFill>
-                  <a:schemeClr val="tx1"/>
-                </a:solidFill>
-                <a:effectLst/>
-                <a:latin typeface="+mn-lt"/>
-                <a:ea typeface="+mn-ea"/>
-                <a:cs typeface="+mn-cs"/>
-              </a:rPr>
-              <a:t>        "</a:t>
-            </a:r>
-            <a:r>
-              <a:rPr lang="en-US" sz="1200" kern="1200" dirty="0" err="1">
-                <a:solidFill>
-                  <a:schemeClr val="tx1"/>
-                </a:solidFill>
-                <a:effectLst/>
-                <a:latin typeface="+mn-lt"/>
-                <a:ea typeface="+mn-ea"/>
-                <a:cs typeface="+mn-cs"/>
-              </a:rPr>
-              <a:t>storageAccountName</a:t>
-            </a:r>
-            <a:r>
-              <a:rPr lang="en-US" sz="1200" kern="1200" dirty="0">
-                <a:solidFill>
-                  <a:schemeClr val="tx1"/>
-                </a:solidFill>
-                <a:effectLst/>
-                <a:latin typeface="+mn-lt"/>
-                <a:ea typeface="+mn-ea"/>
-                <a:cs typeface="+mn-cs"/>
-              </a:rPr>
-              <a:t>": {</a:t>
-            </a:r>
-            <a:br>
-              <a:rPr lang="en-US" sz="1200" kern="1200" dirty="0">
-                <a:solidFill>
-                  <a:schemeClr val="tx1"/>
-                </a:solidFill>
-                <a:effectLst/>
-                <a:latin typeface="+mn-lt"/>
-                <a:ea typeface="+mn-ea"/>
-                <a:cs typeface="+mn-cs"/>
-              </a:rPr>
-            </a:br>
-            <a:r>
-              <a:rPr lang="en-US" sz="1200" kern="1200" dirty="0">
-                <a:solidFill>
-                  <a:schemeClr val="tx1"/>
-                </a:solidFill>
-                <a:effectLst/>
-                <a:latin typeface="+mn-lt"/>
-                <a:ea typeface="+mn-ea"/>
-                <a:cs typeface="+mn-cs"/>
-              </a:rPr>
-              <a:t>            "type": "string",</a:t>
-            </a:r>
-            <a:br>
-              <a:rPr lang="en-US" sz="1200" kern="1200" dirty="0">
-                <a:solidFill>
-                  <a:schemeClr val="tx1"/>
-                </a:solidFill>
-                <a:effectLst/>
-                <a:latin typeface="+mn-lt"/>
-                <a:ea typeface="+mn-ea"/>
-                <a:cs typeface="+mn-cs"/>
-              </a:rPr>
-            </a:br>
-            <a:r>
-              <a:rPr lang="en-US" sz="1200" kern="1200" dirty="0">
-                <a:solidFill>
-                  <a:schemeClr val="tx1"/>
-                </a:solidFill>
-                <a:effectLst/>
-                <a:latin typeface="+mn-lt"/>
-                <a:ea typeface="+mn-ea"/>
-                <a:cs typeface="+mn-cs"/>
-              </a:rPr>
-              <a:t>            "value": "[variables('</a:t>
-            </a:r>
-            <a:r>
-              <a:rPr lang="en-US" sz="1200" kern="1200" dirty="0" err="1">
-                <a:solidFill>
-                  <a:schemeClr val="tx1"/>
-                </a:solidFill>
-                <a:effectLst/>
-                <a:latin typeface="+mn-lt"/>
-                <a:ea typeface="+mn-ea"/>
-                <a:cs typeface="+mn-cs"/>
-              </a:rPr>
-              <a:t>storageAccountName</a:t>
-            </a:r>
-            <a:r>
-              <a:rPr lang="en-US" sz="1200" kern="1200" dirty="0">
-                <a:solidFill>
-                  <a:schemeClr val="tx1"/>
-                </a:solidFill>
-                <a:effectLst/>
-                <a:latin typeface="+mn-lt"/>
-                <a:ea typeface="+mn-ea"/>
-                <a:cs typeface="+mn-cs"/>
-              </a:rPr>
-              <a:t>')]"</a:t>
-            </a:r>
-            <a:br>
-              <a:rPr lang="en-US" sz="1200" kern="1200" dirty="0">
-                <a:solidFill>
-                  <a:schemeClr val="tx1"/>
-                </a:solidFill>
-                <a:effectLst/>
-                <a:latin typeface="+mn-lt"/>
-                <a:ea typeface="+mn-ea"/>
-                <a:cs typeface="+mn-cs"/>
-              </a:rPr>
-            </a:br>
-            <a:r>
-              <a:rPr lang="en-US" sz="1200" kern="1200" dirty="0">
-                <a:solidFill>
-                  <a:schemeClr val="tx1"/>
-                </a:solidFill>
-                <a:effectLst/>
-                <a:latin typeface="+mn-lt"/>
-                <a:ea typeface="+mn-ea"/>
-                <a:cs typeface="+mn-cs"/>
-              </a:rPr>
-              <a:t>        }</a:t>
-            </a:r>
-            <a:br>
-              <a:rPr lang="en-US" sz="1200" kern="1200" dirty="0">
-                <a:solidFill>
-                  <a:schemeClr val="tx1"/>
-                </a:solidFill>
-                <a:effectLst/>
-                <a:latin typeface="+mn-lt"/>
-                <a:ea typeface="+mn-ea"/>
-                <a:cs typeface="+mn-cs"/>
-              </a:rPr>
-            </a:br>
-            <a:r>
-              <a:rPr lang="en-US" sz="1200" kern="1200" dirty="0">
-                <a:solidFill>
-                  <a:schemeClr val="tx1"/>
-                </a:solidFill>
-                <a:effectLst/>
-                <a:latin typeface="+mn-lt"/>
-                <a:ea typeface="+mn-ea"/>
-                <a:cs typeface="+mn-cs"/>
-              </a:rPr>
-              <a:t>    }</a:t>
-            </a:r>
-            <a:br>
-              <a:rPr lang="en-US" sz="1200" kern="1200" dirty="0">
-                <a:solidFill>
-                  <a:schemeClr val="tx1"/>
-                </a:solidFill>
-                <a:effectLst/>
-                <a:latin typeface="+mn-lt"/>
-                <a:ea typeface="+mn-ea"/>
-                <a:cs typeface="+mn-cs"/>
-              </a:rPr>
-            </a:br>
-            <a:r>
-              <a:rPr lang="en-US" sz="1200" kern="1200" dirty="0">
-                <a:solidFill>
-                  <a:schemeClr val="tx1"/>
-                </a:solidFill>
-                <a:effectLst/>
-                <a:latin typeface="+mn-lt"/>
-                <a:ea typeface="+mn-ea"/>
-                <a:cs typeface="+mn-cs"/>
-              </a:rPr>
-              <a:t>}</a:t>
-            </a:r>
-          </a:p>
-          <a:p>
-            <a:endParaRPr lang="en-US" dirty="0"/>
+            <a:endParaRPr lang="sv-SE" dirty="0"/>
           </a:p>
         </p:txBody>
       </p:sp>
@@ -3199,7 +1693,7 @@
           <a:p>
             <a:fld id="{D1ABA2CB-342C-46F9-95EC-88F4F68DF547}" type="slidenum">
               <a:rPr lang="en-US" smtClean="0"/>
-              <a:t>7</a:t>
+              <a:t>8</a:t>
             </a:fld>
             <a:endParaRPr lang="en-US"/>
           </a:p>
@@ -3208,7 +1702,7 @@
     </p:spTree>
     <p:extLst>
       <p:ext uri="{BB962C8B-B14F-4D97-AF65-F5344CB8AC3E}">
-        <p14:creationId xmlns:p14="http://schemas.microsoft.com/office/powerpoint/2010/main" val="1703229467"/>
+        <p14:creationId xmlns:p14="http://schemas.microsoft.com/office/powerpoint/2010/main" val="769743349"/>
       </p:ext>
     </p:extLst>
   </p:cSld>
@@ -3262,7 +1756,1515 @@
           <a:bodyPr/>
           <a:lstStyle/>
           <a:p>
-            <a:endParaRPr lang="sv-SE" dirty="0"/>
+            <a:pPr marL="0" marR="0" lvl="0" indent="0" algn="l" defTabSz="914400" rtl="0" eaLnBrk="1" fontAlgn="auto" latinLnBrk="0" hangingPunct="1">
+              <a:lnSpc>
+                <a:spcPct val="100000"/>
+              </a:lnSpc>
+              <a:spcBef>
+                <a:spcPts val="0"/>
+              </a:spcBef>
+              <a:spcAft>
+                <a:spcPts val="0"/>
+              </a:spcAft>
+              <a:buClrTx/>
+              <a:buSzTx/>
+              <a:buFontTx/>
+              <a:buNone/>
+              <a:tabLst/>
+              <a:defRPr/>
+            </a:pPr>
+            <a:r>
+              <a:rPr lang="en-US" sz="1200" kern="1200" dirty="0">
+                <a:solidFill>
+                  <a:schemeClr val="tx1"/>
+                </a:solidFill>
+                <a:effectLst/>
+                <a:latin typeface="+mn-lt"/>
+                <a:ea typeface="+mn-ea"/>
+                <a:cs typeface="+mn-cs"/>
+              </a:rPr>
+              <a:t>{</a:t>
+            </a:r>
+            <a:br>
+              <a:rPr lang="en-US" sz="1200" kern="1200" dirty="0">
+                <a:solidFill>
+                  <a:schemeClr val="tx1"/>
+                </a:solidFill>
+                <a:effectLst/>
+                <a:latin typeface="+mn-lt"/>
+                <a:ea typeface="+mn-ea"/>
+                <a:cs typeface="+mn-cs"/>
+              </a:rPr>
+            </a:br>
+            <a:r>
+              <a:rPr lang="en-US" sz="1200" kern="1200" dirty="0">
+                <a:solidFill>
+                  <a:schemeClr val="tx1"/>
+                </a:solidFill>
+                <a:effectLst/>
+                <a:latin typeface="+mn-lt"/>
+                <a:ea typeface="+mn-ea"/>
+                <a:cs typeface="+mn-cs"/>
+              </a:rPr>
+              <a:t>    "$schema": "</a:t>
+            </a:r>
+            <a:r>
+              <a:rPr lang="en-US" sz="1200" u="sng" kern="1200" dirty="0">
+                <a:solidFill>
+                  <a:schemeClr val="tx1"/>
+                </a:solidFill>
+                <a:effectLst/>
+                <a:latin typeface="+mn-lt"/>
+                <a:ea typeface="+mn-ea"/>
+                <a:cs typeface="+mn-cs"/>
+                <a:hlinkClick r:id="rId3"/>
+              </a:rPr>
+              <a:t>https://schema.management.azure.com/schemas/2015-01-01/</a:t>
+            </a:r>
+            <a:r>
+              <a:rPr lang="en-US" sz="1200" u="sng" kern="1200" dirty="0" err="1">
+                <a:solidFill>
+                  <a:schemeClr val="tx1"/>
+                </a:solidFill>
+                <a:effectLst/>
+                <a:latin typeface="+mn-lt"/>
+                <a:ea typeface="+mn-ea"/>
+                <a:cs typeface="+mn-cs"/>
+                <a:hlinkClick r:id="rId3"/>
+              </a:rPr>
+              <a:t>deploymentTemplate.json</a:t>
+            </a:r>
+            <a:r>
+              <a:rPr lang="en-US" sz="1200" u="sng" kern="1200" dirty="0">
+                <a:solidFill>
+                  <a:schemeClr val="tx1"/>
+                </a:solidFill>
+                <a:effectLst/>
+                <a:latin typeface="+mn-lt"/>
+                <a:ea typeface="+mn-ea"/>
+                <a:cs typeface="+mn-cs"/>
+                <a:hlinkClick r:id="rId3"/>
+              </a:rPr>
+              <a:t>#</a:t>
+            </a:r>
+            <a:r>
+              <a:rPr lang="en-US" sz="1200" kern="1200" dirty="0">
+                <a:solidFill>
+                  <a:schemeClr val="tx1"/>
+                </a:solidFill>
+                <a:effectLst/>
+                <a:latin typeface="+mn-lt"/>
+                <a:ea typeface="+mn-ea"/>
+                <a:cs typeface="+mn-cs"/>
+              </a:rPr>
+              <a:t>",</a:t>
+            </a:r>
+            <a:br>
+              <a:rPr lang="en-US" sz="1200" kern="1200" dirty="0">
+                <a:solidFill>
+                  <a:schemeClr val="tx1"/>
+                </a:solidFill>
+                <a:effectLst/>
+                <a:latin typeface="+mn-lt"/>
+                <a:ea typeface="+mn-ea"/>
+                <a:cs typeface="+mn-cs"/>
+              </a:rPr>
+            </a:br>
+            <a:r>
+              <a:rPr lang="en-US" sz="1200" kern="1200" dirty="0">
+                <a:solidFill>
+                  <a:schemeClr val="tx1"/>
+                </a:solidFill>
+                <a:effectLst/>
+                <a:latin typeface="+mn-lt"/>
+                <a:ea typeface="+mn-ea"/>
+                <a:cs typeface="+mn-cs"/>
+              </a:rPr>
+              <a:t>    "</a:t>
+            </a:r>
+            <a:r>
+              <a:rPr lang="en-US" sz="1200" kern="1200" dirty="0" err="1">
+                <a:solidFill>
+                  <a:schemeClr val="tx1"/>
+                </a:solidFill>
+                <a:effectLst/>
+                <a:latin typeface="+mn-lt"/>
+                <a:ea typeface="+mn-ea"/>
+                <a:cs typeface="+mn-cs"/>
+              </a:rPr>
+              <a:t>contentVersion</a:t>
+            </a:r>
+            <a:r>
+              <a:rPr lang="en-US" sz="1200" kern="1200" dirty="0">
+                <a:solidFill>
+                  <a:schemeClr val="tx1"/>
+                </a:solidFill>
+                <a:effectLst/>
+                <a:latin typeface="+mn-lt"/>
+                <a:ea typeface="+mn-ea"/>
+                <a:cs typeface="+mn-cs"/>
+              </a:rPr>
+              <a:t>": "1.0.0.0",</a:t>
+            </a:r>
+            <a:br>
+              <a:rPr lang="en-US" sz="1200" kern="1200" dirty="0">
+                <a:solidFill>
+                  <a:schemeClr val="tx1"/>
+                </a:solidFill>
+                <a:effectLst/>
+                <a:latin typeface="+mn-lt"/>
+                <a:ea typeface="+mn-ea"/>
+                <a:cs typeface="+mn-cs"/>
+              </a:rPr>
+            </a:br>
+            <a:r>
+              <a:rPr lang="en-US" sz="1200" kern="1200" dirty="0">
+                <a:solidFill>
+                  <a:schemeClr val="tx1"/>
+                </a:solidFill>
+                <a:effectLst/>
+                <a:latin typeface="+mn-lt"/>
+                <a:ea typeface="+mn-ea"/>
+                <a:cs typeface="+mn-cs"/>
+              </a:rPr>
+              <a:t>    "parameters": {</a:t>
+            </a:r>
+            <a:br>
+              <a:rPr lang="en-US" sz="1200" kern="1200" dirty="0">
+                <a:solidFill>
+                  <a:schemeClr val="tx1"/>
+                </a:solidFill>
+                <a:effectLst/>
+                <a:latin typeface="+mn-lt"/>
+                <a:ea typeface="+mn-ea"/>
+                <a:cs typeface="+mn-cs"/>
+              </a:rPr>
+            </a:br>
+            <a:r>
+              <a:rPr lang="en-US" sz="1200" kern="1200" dirty="0">
+                <a:solidFill>
+                  <a:schemeClr val="tx1"/>
+                </a:solidFill>
+                <a:effectLst/>
+                <a:latin typeface="+mn-lt"/>
+                <a:ea typeface="+mn-ea"/>
+                <a:cs typeface="+mn-cs"/>
+              </a:rPr>
+              <a:t>        "</a:t>
+            </a:r>
+            <a:r>
+              <a:rPr lang="en-US" sz="1200" kern="1200" dirty="0" err="1">
+                <a:solidFill>
+                  <a:schemeClr val="tx1"/>
+                </a:solidFill>
+                <a:effectLst/>
+                <a:latin typeface="+mn-lt"/>
+                <a:ea typeface="+mn-ea"/>
+                <a:cs typeface="+mn-cs"/>
+              </a:rPr>
+              <a:t>storageAccountType</a:t>
+            </a:r>
+            <a:r>
+              <a:rPr lang="en-US" sz="1200" kern="1200" dirty="0">
+                <a:solidFill>
+                  <a:schemeClr val="tx1"/>
+                </a:solidFill>
+                <a:effectLst/>
+                <a:latin typeface="+mn-lt"/>
+                <a:ea typeface="+mn-ea"/>
+                <a:cs typeface="+mn-cs"/>
+              </a:rPr>
+              <a:t>": {</a:t>
+            </a:r>
+            <a:br>
+              <a:rPr lang="en-US" sz="1200" kern="1200" dirty="0">
+                <a:solidFill>
+                  <a:schemeClr val="tx1"/>
+                </a:solidFill>
+                <a:effectLst/>
+                <a:latin typeface="+mn-lt"/>
+                <a:ea typeface="+mn-ea"/>
+                <a:cs typeface="+mn-cs"/>
+              </a:rPr>
+            </a:br>
+            <a:r>
+              <a:rPr lang="en-US" sz="1200" kern="1200" dirty="0">
+                <a:solidFill>
+                  <a:schemeClr val="tx1"/>
+                </a:solidFill>
+                <a:effectLst/>
+                <a:latin typeface="+mn-lt"/>
+                <a:ea typeface="+mn-ea"/>
+                <a:cs typeface="+mn-cs"/>
+              </a:rPr>
+              <a:t>            "type": "string",</a:t>
+            </a:r>
+            <a:br>
+              <a:rPr lang="en-US" sz="1200" kern="1200" dirty="0">
+                <a:solidFill>
+                  <a:schemeClr val="tx1"/>
+                </a:solidFill>
+                <a:effectLst/>
+                <a:latin typeface="+mn-lt"/>
+                <a:ea typeface="+mn-ea"/>
+                <a:cs typeface="+mn-cs"/>
+              </a:rPr>
+            </a:br>
+            <a:r>
+              <a:rPr lang="en-US" sz="1200" kern="1200" dirty="0">
+                <a:solidFill>
+                  <a:schemeClr val="tx1"/>
+                </a:solidFill>
+                <a:effectLst/>
+                <a:latin typeface="+mn-lt"/>
+                <a:ea typeface="+mn-ea"/>
+                <a:cs typeface="+mn-cs"/>
+              </a:rPr>
+              <a:t>            "</a:t>
+            </a:r>
+            <a:r>
+              <a:rPr lang="en-US" sz="1200" kern="1200" dirty="0" err="1">
+                <a:solidFill>
+                  <a:schemeClr val="tx1"/>
+                </a:solidFill>
+                <a:effectLst/>
+                <a:latin typeface="+mn-lt"/>
+                <a:ea typeface="+mn-ea"/>
+                <a:cs typeface="+mn-cs"/>
+              </a:rPr>
+              <a:t>defaultValue</a:t>
+            </a:r>
+            <a:r>
+              <a:rPr lang="en-US" sz="1200" kern="1200" dirty="0">
+                <a:solidFill>
+                  <a:schemeClr val="tx1"/>
+                </a:solidFill>
+                <a:effectLst/>
+                <a:latin typeface="+mn-lt"/>
+                <a:ea typeface="+mn-ea"/>
+                <a:cs typeface="+mn-cs"/>
+              </a:rPr>
+              <a:t>": "</a:t>
+            </a:r>
+            <a:r>
+              <a:rPr lang="en-US" sz="1200" kern="1200" dirty="0" err="1">
+                <a:solidFill>
+                  <a:schemeClr val="tx1"/>
+                </a:solidFill>
+                <a:effectLst/>
+                <a:latin typeface="+mn-lt"/>
+                <a:ea typeface="+mn-ea"/>
+                <a:cs typeface="+mn-cs"/>
+              </a:rPr>
+              <a:t>Standard_LRS</a:t>
+            </a:r>
+            <a:r>
+              <a:rPr lang="en-US" sz="1200" kern="1200" dirty="0">
+                <a:solidFill>
+                  <a:schemeClr val="tx1"/>
+                </a:solidFill>
+                <a:effectLst/>
+                <a:latin typeface="+mn-lt"/>
+                <a:ea typeface="+mn-ea"/>
+                <a:cs typeface="+mn-cs"/>
+              </a:rPr>
+              <a:t>",</a:t>
+            </a:r>
+            <a:br>
+              <a:rPr lang="en-US" sz="1200" kern="1200" dirty="0">
+                <a:solidFill>
+                  <a:schemeClr val="tx1"/>
+                </a:solidFill>
+                <a:effectLst/>
+                <a:latin typeface="+mn-lt"/>
+                <a:ea typeface="+mn-ea"/>
+                <a:cs typeface="+mn-cs"/>
+              </a:rPr>
+            </a:br>
+            <a:r>
+              <a:rPr lang="en-US" sz="1200" kern="1200" dirty="0">
+                <a:solidFill>
+                  <a:schemeClr val="tx1"/>
+                </a:solidFill>
+                <a:effectLst/>
+                <a:latin typeface="+mn-lt"/>
+                <a:ea typeface="+mn-ea"/>
+                <a:cs typeface="+mn-cs"/>
+              </a:rPr>
+              <a:t>            "</a:t>
+            </a:r>
+            <a:r>
+              <a:rPr lang="en-US" sz="1200" kern="1200" dirty="0" err="1">
+                <a:solidFill>
+                  <a:schemeClr val="tx1"/>
+                </a:solidFill>
+                <a:effectLst/>
+                <a:latin typeface="+mn-lt"/>
+                <a:ea typeface="+mn-ea"/>
+                <a:cs typeface="+mn-cs"/>
+              </a:rPr>
+              <a:t>allowedValues</a:t>
+            </a:r>
+            <a:r>
+              <a:rPr lang="en-US" sz="1200" kern="1200" dirty="0">
+                <a:solidFill>
+                  <a:schemeClr val="tx1"/>
+                </a:solidFill>
+                <a:effectLst/>
+                <a:latin typeface="+mn-lt"/>
+                <a:ea typeface="+mn-ea"/>
+                <a:cs typeface="+mn-cs"/>
+              </a:rPr>
+              <a:t>": [</a:t>
+            </a:r>
+            <a:br>
+              <a:rPr lang="en-US" sz="1200" kern="1200" dirty="0">
+                <a:solidFill>
+                  <a:schemeClr val="tx1"/>
+                </a:solidFill>
+                <a:effectLst/>
+                <a:latin typeface="+mn-lt"/>
+                <a:ea typeface="+mn-ea"/>
+                <a:cs typeface="+mn-cs"/>
+              </a:rPr>
+            </a:br>
+            <a:r>
+              <a:rPr lang="en-US" sz="1200" kern="1200" dirty="0">
+                <a:solidFill>
+                  <a:schemeClr val="tx1"/>
+                </a:solidFill>
+                <a:effectLst/>
+                <a:latin typeface="+mn-lt"/>
+                <a:ea typeface="+mn-ea"/>
+                <a:cs typeface="+mn-cs"/>
+              </a:rPr>
+              <a:t>                "</a:t>
+            </a:r>
+            <a:r>
+              <a:rPr lang="en-US" sz="1200" kern="1200" dirty="0" err="1">
+                <a:solidFill>
+                  <a:schemeClr val="tx1"/>
+                </a:solidFill>
+                <a:effectLst/>
+                <a:latin typeface="+mn-lt"/>
+                <a:ea typeface="+mn-ea"/>
+                <a:cs typeface="+mn-cs"/>
+              </a:rPr>
+              <a:t>Standard_LRS</a:t>
+            </a:r>
+            <a:r>
+              <a:rPr lang="en-US" sz="1200" kern="1200" dirty="0">
+                <a:solidFill>
+                  <a:schemeClr val="tx1"/>
+                </a:solidFill>
+                <a:effectLst/>
+                <a:latin typeface="+mn-lt"/>
+                <a:ea typeface="+mn-ea"/>
+                <a:cs typeface="+mn-cs"/>
+              </a:rPr>
+              <a:t>",</a:t>
+            </a:r>
+            <a:br>
+              <a:rPr lang="en-US" sz="1200" kern="1200" dirty="0">
+                <a:solidFill>
+                  <a:schemeClr val="tx1"/>
+                </a:solidFill>
+                <a:effectLst/>
+                <a:latin typeface="+mn-lt"/>
+                <a:ea typeface="+mn-ea"/>
+                <a:cs typeface="+mn-cs"/>
+              </a:rPr>
+            </a:br>
+            <a:r>
+              <a:rPr lang="en-US" sz="1200" kern="1200" dirty="0">
+                <a:solidFill>
+                  <a:schemeClr val="tx1"/>
+                </a:solidFill>
+                <a:effectLst/>
+                <a:latin typeface="+mn-lt"/>
+                <a:ea typeface="+mn-ea"/>
+                <a:cs typeface="+mn-cs"/>
+              </a:rPr>
+              <a:t>                "</a:t>
+            </a:r>
+            <a:r>
+              <a:rPr lang="en-US" sz="1200" kern="1200" dirty="0" err="1">
+                <a:solidFill>
+                  <a:schemeClr val="tx1"/>
+                </a:solidFill>
+                <a:effectLst/>
+                <a:latin typeface="+mn-lt"/>
+                <a:ea typeface="+mn-ea"/>
+                <a:cs typeface="+mn-cs"/>
+              </a:rPr>
+              <a:t>Standard_GRS</a:t>
+            </a:r>
+            <a:r>
+              <a:rPr lang="en-US" sz="1200" kern="1200" dirty="0">
+                <a:solidFill>
+                  <a:schemeClr val="tx1"/>
+                </a:solidFill>
+                <a:effectLst/>
+                <a:latin typeface="+mn-lt"/>
+                <a:ea typeface="+mn-ea"/>
+                <a:cs typeface="+mn-cs"/>
+              </a:rPr>
+              <a:t>",</a:t>
+            </a:r>
+            <a:br>
+              <a:rPr lang="en-US" sz="1200" kern="1200" dirty="0">
+                <a:solidFill>
+                  <a:schemeClr val="tx1"/>
+                </a:solidFill>
+                <a:effectLst/>
+                <a:latin typeface="+mn-lt"/>
+                <a:ea typeface="+mn-ea"/>
+                <a:cs typeface="+mn-cs"/>
+              </a:rPr>
+            </a:br>
+            <a:r>
+              <a:rPr lang="en-US" sz="1200" kern="1200" dirty="0">
+                <a:solidFill>
+                  <a:schemeClr val="tx1"/>
+                </a:solidFill>
+                <a:effectLst/>
+                <a:latin typeface="+mn-lt"/>
+                <a:ea typeface="+mn-ea"/>
+                <a:cs typeface="+mn-cs"/>
+              </a:rPr>
+              <a:t>                "</a:t>
+            </a:r>
+            <a:r>
+              <a:rPr lang="en-US" sz="1200" kern="1200" dirty="0" err="1">
+                <a:solidFill>
+                  <a:schemeClr val="tx1"/>
+                </a:solidFill>
+                <a:effectLst/>
+                <a:latin typeface="+mn-lt"/>
+                <a:ea typeface="+mn-ea"/>
+                <a:cs typeface="+mn-cs"/>
+              </a:rPr>
+              <a:t>Standard_ZRS</a:t>
+            </a:r>
+            <a:r>
+              <a:rPr lang="en-US" sz="1200" kern="1200" dirty="0">
+                <a:solidFill>
+                  <a:schemeClr val="tx1"/>
+                </a:solidFill>
+                <a:effectLst/>
+                <a:latin typeface="+mn-lt"/>
+                <a:ea typeface="+mn-ea"/>
+                <a:cs typeface="+mn-cs"/>
+              </a:rPr>
+              <a:t>",</a:t>
+            </a:r>
+            <a:br>
+              <a:rPr lang="en-US" sz="1200" kern="1200" dirty="0">
+                <a:solidFill>
+                  <a:schemeClr val="tx1"/>
+                </a:solidFill>
+                <a:effectLst/>
+                <a:latin typeface="+mn-lt"/>
+                <a:ea typeface="+mn-ea"/>
+                <a:cs typeface="+mn-cs"/>
+              </a:rPr>
+            </a:br>
+            <a:r>
+              <a:rPr lang="en-US" sz="1200" kern="1200" dirty="0">
+                <a:solidFill>
+                  <a:schemeClr val="tx1"/>
+                </a:solidFill>
+                <a:effectLst/>
+                <a:latin typeface="+mn-lt"/>
+                <a:ea typeface="+mn-ea"/>
+                <a:cs typeface="+mn-cs"/>
+              </a:rPr>
+              <a:t>                "</a:t>
+            </a:r>
+            <a:r>
+              <a:rPr lang="en-US" sz="1200" kern="1200" dirty="0" err="1">
+                <a:solidFill>
+                  <a:schemeClr val="tx1"/>
+                </a:solidFill>
+                <a:effectLst/>
+                <a:latin typeface="+mn-lt"/>
+                <a:ea typeface="+mn-ea"/>
+                <a:cs typeface="+mn-cs"/>
+              </a:rPr>
+              <a:t>Premium_LRS</a:t>
+            </a:r>
+            <a:r>
+              <a:rPr lang="en-US" sz="1200" kern="1200" dirty="0">
+                <a:solidFill>
+                  <a:schemeClr val="tx1"/>
+                </a:solidFill>
+                <a:effectLst/>
+                <a:latin typeface="+mn-lt"/>
+                <a:ea typeface="+mn-ea"/>
+                <a:cs typeface="+mn-cs"/>
+              </a:rPr>
+              <a:t>"</a:t>
+            </a:r>
+            <a:br>
+              <a:rPr lang="en-US" sz="1200" kern="1200" dirty="0">
+                <a:solidFill>
+                  <a:schemeClr val="tx1"/>
+                </a:solidFill>
+                <a:effectLst/>
+                <a:latin typeface="+mn-lt"/>
+                <a:ea typeface="+mn-ea"/>
+                <a:cs typeface="+mn-cs"/>
+              </a:rPr>
+            </a:br>
+            <a:r>
+              <a:rPr lang="en-US" sz="1200" kern="1200" dirty="0">
+                <a:solidFill>
+                  <a:schemeClr val="tx1"/>
+                </a:solidFill>
+                <a:effectLst/>
+                <a:latin typeface="+mn-lt"/>
+                <a:ea typeface="+mn-ea"/>
+                <a:cs typeface="+mn-cs"/>
+              </a:rPr>
+              <a:t>            ],</a:t>
+            </a:r>
+            <a:br>
+              <a:rPr lang="en-US" sz="1200" kern="1200" dirty="0">
+                <a:solidFill>
+                  <a:schemeClr val="tx1"/>
+                </a:solidFill>
+                <a:effectLst/>
+                <a:latin typeface="+mn-lt"/>
+                <a:ea typeface="+mn-ea"/>
+                <a:cs typeface="+mn-cs"/>
+              </a:rPr>
+            </a:br>
+            <a:r>
+              <a:rPr lang="en-US" sz="1200" kern="1200" dirty="0">
+                <a:solidFill>
+                  <a:schemeClr val="tx1"/>
+                </a:solidFill>
+                <a:effectLst/>
+                <a:latin typeface="+mn-lt"/>
+                <a:ea typeface="+mn-ea"/>
+                <a:cs typeface="+mn-cs"/>
+              </a:rPr>
+              <a:t>            "metadata": {</a:t>
+            </a:r>
+            <a:br>
+              <a:rPr lang="en-US" sz="1200" kern="1200" dirty="0">
+                <a:solidFill>
+                  <a:schemeClr val="tx1"/>
+                </a:solidFill>
+                <a:effectLst/>
+                <a:latin typeface="+mn-lt"/>
+                <a:ea typeface="+mn-ea"/>
+                <a:cs typeface="+mn-cs"/>
+              </a:rPr>
+            </a:br>
+            <a:r>
+              <a:rPr lang="en-US" sz="1200" kern="1200" dirty="0">
+                <a:solidFill>
+                  <a:schemeClr val="tx1"/>
+                </a:solidFill>
+                <a:effectLst/>
+                <a:latin typeface="+mn-lt"/>
+                <a:ea typeface="+mn-ea"/>
+                <a:cs typeface="+mn-cs"/>
+              </a:rPr>
+              <a:t>                "description": "Storage Account type"</a:t>
+            </a:r>
+            <a:br>
+              <a:rPr lang="en-US" sz="1200" kern="1200" dirty="0">
+                <a:solidFill>
+                  <a:schemeClr val="tx1"/>
+                </a:solidFill>
+                <a:effectLst/>
+                <a:latin typeface="+mn-lt"/>
+                <a:ea typeface="+mn-ea"/>
+                <a:cs typeface="+mn-cs"/>
+              </a:rPr>
+            </a:br>
+            <a:r>
+              <a:rPr lang="en-US" sz="1200" kern="1200" dirty="0">
+                <a:solidFill>
+                  <a:schemeClr val="tx1"/>
+                </a:solidFill>
+                <a:effectLst/>
+                <a:latin typeface="+mn-lt"/>
+                <a:ea typeface="+mn-ea"/>
+                <a:cs typeface="+mn-cs"/>
+              </a:rPr>
+              <a:t>            }</a:t>
+            </a:r>
+            <a:br>
+              <a:rPr lang="en-US" sz="1200" kern="1200" dirty="0">
+                <a:solidFill>
+                  <a:schemeClr val="tx1"/>
+                </a:solidFill>
+                <a:effectLst/>
+                <a:latin typeface="+mn-lt"/>
+                <a:ea typeface="+mn-ea"/>
+                <a:cs typeface="+mn-cs"/>
+              </a:rPr>
+            </a:br>
+            <a:r>
+              <a:rPr lang="en-US" sz="1200" kern="1200" dirty="0">
+                <a:solidFill>
+                  <a:schemeClr val="tx1"/>
+                </a:solidFill>
+                <a:effectLst/>
+                <a:latin typeface="+mn-lt"/>
+                <a:ea typeface="+mn-ea"/>
+                <a:cs typeface="+mn-cs"/>
+              </a:rPr>
+              <a:t>        }</a:t>
+            </a:r>
+            <a:br>
+              <a:rPr lang="en-US" sz="1200" kern="1200" dirty="0">
+                <a:solidFill>
+                  <a:schemeClr val="tx1"/>
+                </a:solidFill>
+                <a:effectLst/>
+                <a:latin typeface="+mn-lt"/>
+                <a:ea typeface="+mn-ea"/>
+                <a:cs typeface="+mn-cs"/>
+              </a:rPr>
+            </a:br>
+            <a:r>
+              <a:rPr lang="en-US" sz="1200" kern="1200" dirty="0">
+                <a:solidFill>
+                  <a:schemeClr val="tx1"/>
+                </a:solidFill>
+                <a:effectLst/>
+                <a:latin typeface="+mn-lt"/>
+                <a:ea typeface="+mn-ea"/>
+                <a:cs typeface="+mn-cs"/>
+              </a:rPr>
+              <a:t>    },</a:t>
+            </a:r>
+            <a:br>
+              <a:rPr lang="en-US" sz="1200" kern="1200" dirty="0">
+                <a:solidFill>
+                  <a:schemeClr val="tx1"/>
+                </a:solidFill>
+                <a:effectLst/>
+                <a:latin typeface="+mn-lt"/>
+                <a:ea typeface="+mn-ea"/>
+                <a:cs typeface="+mn-cs"/>
+              </a:rPr>
+            </a:br>
+            <a:r>
+              <a:rPr lang="en-US" sz="1200" kern="1200" dirty="0">
+                <a:solidFill>
+                  <a:schemeClr val="tx1"/>
+                </a:solidFill>
+                <a:effectLst/>
+                <a:latin typeface="+mn-lt"/>
+                <a:ea typeface="+mn-ea"/>
+                <a:cs typeface="+mn-cs"/>
+              </a:rPr>
+              <a:t>    "variables": {</a:t>
+            </a:r>
+            <a:br>
+              <a:rPr lang="en-US" sz="1200" kern="1200" dirty="0">
+                <a:solidFill>
+                  <a:schemeClr val="tx1"/>
+                </a:solidFill>
+                <a:effectLst/>
+                <a:latin typeface="+mn-lt"/>
+                <a:ea typeface="+mn-ea"/>
+                <a:cs typeface="+mn-cs"/>
+              </a:rPr>
+            </a:br>
+            <a:r>
+              <a:rPr lang="en-US" sz="1200" kern="1200" dirty="0">
+                <a:solidFill>
+                  <a:schemeClr val="tx1"/>
+                </a:solidFill>
+                <a:effectLst/>
+                <a:latin typeface="+mn-lt"/>
+                <a:ea typeface="+mn-ea"/>
+                <a:cs typeface="+mn-cs"/>
+              </a:rPr>
+              <a:t>        "</a:t>
+            </a:r>
+            <a:r>
+              <a:rPr lang="en-US" sz="1200" kern="1200" dirty="0" err="1">
+                <a:solidFill>
+                  <a:schemeClr val="tx1"/>
+                </a:solidFill>
+                <a:effectLst/>
+                <a:latin typeface="+mn-lt"/>
+                <a:ea typeface="+mn-ea"/>
+                <a:cs typeface="+mn-cs"/>
+              </a:rPr>
+              <a:t>storageAccountName</a:t>
+            </a:r>
+            <a:r>
+              <a:rPr lang="en-US" sz="1200" kern="1200" dirty="0">
+                <a:solidFill>
+                  <a:schemeClr val="tx1"/>
+                </a:solidFill>
+                <a:effectLst/>
+                <a:latin typeface="+mn-lt"/>
+                <a:ea typeface="+mn-ea"/>
+                <a:cs typeface="+mn-cs"/>
+              </a:rPr>
+              <a:t>": "[</a:t>
+            </a:r>
+            <a:r>
+              <a:rPr lang="en-US" sz="1200" kern="1200" dirty="0" err="1">
+                <a:solidFill>
+                  <a:schemeClr val="tx1"/>
+                </a:solidFill>
+                <a:effectLst/>
+                <a:latin typeface="+mn-lt"/>
+                <a:ea typeface="+mn-ea"/>
+                <a:cs typeface="+mn-cs"/>
+              </a:rPr>
+              <a:t>concat</a:t>
+            </a:r>
+            <a:r>
+              <a:rPr lang="en-US" sz="1200" kern="1200" dirty="0">
+                <a:solidFill>
+                  <a:schemeClr val="tx1"/>
+                </a:solidFill>
+                <a:effectLst/>
+                <a:latin typeface="+mn-lt"/>
+                <a:ea typeface="+mn-ea"/>
+                <a:cs typeface="+mn-cs"/>
+              </a:rPr>
+              <a:t>(</a:t>
+            </a:r>
+            <a:r>
+              <a:rPr lang="en-US" sz="1200" kern="1200" dirty="0" err="1">
+                <a:solidFill>
+                  <a:schemeClr val="tx1"/>
+                </a:solidFill>
+                <a:effectLst/>
+                <a:latin typeface="+mn-lt"/>
+                <a:ea typeface="+mn-ea"/>
+                <a:cs typeface="+mn-cs"/>
+              </a:rPr>
+              <a:t>uniquestring</a:t>
+            </a:r>
+            <a:r>
+              <a:rPr lang="en-US" sz="1200" kern="1200" dirty="0">
+                <a:solidFill>
+                  <a:schemeClr val="tx1"/>
+                </a:solidFill>
+                <a:effectLst/>
+                <a:latin typeface="+mn-lt"/>
+                <a:ea typeface="+mn-ea"/>
+                <a:cs typeface="+mn-cs"/>
+              </a:rPr>
+              <a:t>(</a:t>
+            </a:r>
+            <a:r>
+              <a:rPr lang="en-US" sz="1200" kern="1200" dirty="0" err="1">
+                <a:solidFill>
+                  <a:schemeClr val="tx1"/>
+                </a:solidFill>
+                <a:effectLst/>
+                <a:latin typeface="+mn-lt"/>
+                <a:ea typeface="+mn-ea"/>
+                <a:cs typeface="+mn-cs"/>
+              </a:rPr>
+              <a:t>resourceGroup</a:t>
+            </a:r>
+            <a:r>
+              <a:rPr lang="en-US" sz="1200" kern="1200" dirty="0">
+                <a:solidFill>
+                  <a:schemeClr val="tx1"/>
+                </a:solidFill>
+                <a:effectLst/>
+                <a:latin typeface="+mn-lt"/>
+                <a:ea typeface="+mn-ea"/>
+                <a:cs typeface="+mn-cs"/>
+              </a:rPr>
+              <a:t>().id), '</a:t>
+            </a:r>
+            <a:r>
+              <a:rPr lang="en-US" sz="1200" kern="1200" dirty="0" err="1">
+                <a:solidFill>
+                  <a:schemeClr val="tx1"/>
+                </a:solidFill>
+                <a:effectLst/>
+                <a:latin typeface="+mn-lt"/>
+                <a:ea typeface="+mn-ea"/>
+                <a:cs typeface="+mn-cs"/>
+              </a:rPr>
+              <a:t>standardsa</a:t>
+            </a:r>
+            <a:r>
+              <a:rPr lang="en-US" sz="1200" kern="1200" dirty="0">
+                <a:solidFill>
+                  <a:schemeClr val="tx1"/>
+                </a:solidFill>
+                <a:effectLst/>
+                <a:latin typeface="+mn-lt"/>
+                <a:ea typeface="+mn-ea"/>
+                <a:cs typeface="+mn-cs"/>
+              </a:rPr>
+              <a:t>')]"</a:t>
+            </a:r>
+            <a:br>
+              <a:rPr lang="en-US" sz="1200" kern="1200" dirty="0">
+                <a:solidFill>
+                  <a:schemeClr val="tx1"/>
+                </a:solidFill>
+                <a:effectLst/>
+                <a:latin typeface="+mn-lt"/>
+                <a:ea typeface="+mn-ea"/>
+                <a:cs typeface="+mn-cs"/>
+              </a:rPr>
+            </a:br>
+            <a:r>
+              <a:rPr lang="en-US" sz="1200" kern="1200" dirty="0">
+                <a:solidFill>
+                  <a:schemeClr val="tx1"/>
+                </a:solidFill>
+                <a:effectLst/>
+                <a:latin typeface="+mn-lt"/>
+                <a:ea typeface="+mn-ea"/>
+                <a:cs typeface="+mn-cs"/>
+              </a:rPr>
+              <a:t>    },</a:t>
+            </a:r>
+            <a:br>
+              <a:rPr lang="en-US" sz="1200" kern="1200" dirty="0">
+                <a:solidFill>
+                  <a:schemeClr val="tx1"/>
+                </a:solidFill>
+                <a:effectLst/>
+                <a:latin typeface="+mn-lt"/>
+                <a:ea typeface="+mn-ea"/>
+                <a:cs typeface="+mn-cs"/>
+              </a:rPr>
+            </a:br>
+            <a:r>
+              <a:rPr lang="en-US" sz="1200" kern="1200" dirty="0">
+                <a:solidFill>
+                  <a:schemeClr val="tx1"/>
+                </a:solidFill>
+                <a:effectLst/>
+                <a:latin typeface="+mn-lt"/>
+                <a:ea typeface="+mn-ea"/>
+                <a:cs typeface="+mn-cs"/>
+              </a:rPr>
+              <a:t>    "resources": [{</a:t>
+            </a:r>
+            <a:br>
+              <a:rPr lang="en-US" sz="1200" kern="1200" dirty="0">
+                <a:solidFill>
+                  <a:schemeClr val="tx1"/>
+                </a:solidFill>
+                <a:effectLst/>
+                <a:latin typeface="+mn-lt"/>
+                <a:ea typeface="+mn-ea"/>
+                <a:cs typeface="+mn-cs"/>
+              </a:rPr>
+            </a:br>
+            <a:r>
+              <a:rPr lang="en-US" sz="1200" kern="1200" dirty="0">
+                <a:solidFill>
+                  <a:schemeClr val="tx1"/>
+                </a:solidFill>
+                <a:effectLst/>
+                <a:latin typeface="+mn-lt"/>
+                <a:ea typeface="+mn-ea"/>
+                <a:cs typeface="+mn-cs"/>
+              </a:rPr>
+              <a:t>        "type": "</a:t>
+            </a:r>
+            <a:r>
+              <a:rPr lang="en-US" sz="1200" kern="1200" dirty="0" err="1">
+                <a:solidFill>
+                  <a:schemeClr val="tx1"/>
+                </a:solidFill>
+                <a:effectLst/>
+                <a:latin typeface="+mn-lt"/>
+                <a:ea typeface="+mn-ea"/>
+                <a:cs typeface="+mn-cs"/>
+              </a:rPr>
+              <a:t>Microsoft.Storage</a:t>
+            </a:r>
+            <a:r>
+              <a:rPr lang="en-US" sz="1200" kern="1200" dirty="0">
+                <a:solidFill>
+                  <a:schemeClr val="tx1"/>
+                </a:solidFill>
+                <a:effectLst/>
+                <a:latin typeface="+mn-lt"/>
+                <a:ea typeface="+mn-ea"/>
+                <a:cs typeface="+mn-cs"/>
+              </a:rPr>
+              <a:t>/</a:t>
+            </a:r>
+            <a:r>
+              <a:rPr lang="en-US" sz="1200" kern="1200" dirty="0" err="1">
+                <a:solidFill>
+                  <a:schemeClr val="tx1"/>
+                </a:solidFill>
+                <a:effectLst/>
+                <a:latin typeface="+mn-lt"/>
+                <a:ea typeface="+mn-ea"/>
+                <a:cs typeface="+mn-cs"/>
+              </a:rPr>
+              <a:t>storageAccounts</a:t>
+            </a:r>
+            <a:r>
+              <a:rPr lang="en-US" sz="1200" kern="1200" dirty="0">
+                <a:solidFill>
+                  <a:schemeClr val="tx1"/>
+                </a:solidFill>
+                <a:effectLst/>
+                <a:latin typeface="+mn-lt"/>
+                <a:ea typeface="+mn-ea"/>
+                <a:cs typeface="+mn-cs"/>
+              </a:rPr>
+              <a:t>",</a:t>
+            </a:r>
+            <a:br>
+              <a:rPr lang="en-US" sz="1200" kern="1200" dirty="0">
+                <a:solidFill>
+                  <a:schemeClr val="tx1"/>
+                </a:solidFill>
+                <a:effectLst/>
+                <a:latin typeface="+mn-lt"/>
+                <a:ea typeface="+mn-ea"/>
+                <a:cs typeface="+mn-cs"/>
+              </a:rPr>
+            </a:br>
+            <a:r>
+              <a:rPr lang="en-US" sz="1200" kern="1200" dirty="0">
+                <a:solidFill>
+                  <a:schemeClr val="tx1"/>
+                </a:solidFill>
+                <a:effectLst/>
+                <a:latin typeface="+mn-lt"/>
+                <a:ea typeface="+mn-ea"/>
+                <a:cs typeface="+mn-cs"/>
+              </a:rPr>
+              <a:t>        "name": "[variables('</a:t>
+            </a:r>
+            <a:r>
+              <a:rPr lang="en-US" sz="1200" kern="1200" dirty="0" err="1">
+                <a:solidFill>
+                  <a:schemeClr val="tx1"/>
+                </a:solidFill>
+                <a:effectLst/>
+                <a:latin typeface="+mn-lt"/>
+                <a:ea typeface="+mn-ea"/>
+                <a:cs typeface="+mn-cs"/>
+              </a:rPr>
+              <a:t>storageAccountName</a:t>
+            </a:r>
+            <a:r>
+              <a:rPr lang="en-US" sz="1200" kern="1200" dirty="0">
+                <a:solidFill>
+                  <a:schemeClr val="tx1"/>
+                </a:solidFill>
+                <a:effectLst/>
+                <a:latin typeface="+mn-lt"/>
+                <a:ea typeface="+mn-ea"/>
+                <a:cs typeface="+mn-cs"/>
+              </a:rPr>
+              <a:t>')]",</a:t>
+            </a:r>
+            <a:br>
+              <a:rPr lang="en-US" sz="1200" kern="1200" dirty="0">
+                <a:solidFill>
+                  <a:schemeClr val="tx1"/>
+                </a:solidFill>
+                <a:effectLst/>
+                <a:latin typeface="+mn-lt"/>
+                <a:ea typeface="+mn-ea"/>
+                <a:cs typeface="+mn-cs"/>
+              </a:rPr>
+            </a:br>
+            <a:r>
+              <a:rPr lang="en-US" sz="1200" kern="1200" dirty="0">
+                <a:solidFill>
+                  <a:schemeClr val="tx1"/>
+                </a:solidFill>
+                <a:effectLst/>
+                <a:latin typeface="+mn-lt"/>
+                <a:ea typeface="+mn-ea"/>
+                <a:cs typeface="+mn-cs"/>
+              </a:rPr>
+              <a:t>        "</a:t>
+            </a:r>
+            <a:r>
+              <a:rPr lang="en-US" sz="1200" kern="1200" dirty="0" err="1">
+                <a:solidFill>
+                  <a:schemeClr val="tx1"/>
+                </a:solidFill>
+                <a:effectLst/>
+                <a:latin typeface="+mn-lt"/>
+                <a:ea typeface="+mn-ea"/>
+                <a:cs typeface="+mn-cs"/>
+              </a:rPr>
+              <a:t>apiVersion</a:t>
+            </a:r>
+            <a:r>
+              <a:rPr lang="en-US" sz="1200" kern="1200" dirty="0">
+                <a:solidFill>
+                  <a:schemeClr val="tx1"/>
+                </a:solidFill>
+                <a:effectLst/>
+                <a:latin typeface="+mn-lt"/>
+                <a:ea typeface="+mn-ea"/>
+                <a:cs typeface="+mn-cs"/>
+              </a:rPr>
+              <a:t>": "2016-01-01",</a:t>
+            </a:r>
+            <a:br>
+              <a:rPr lang="en-US" sz="1200" kern="1200" dirty="0">
+                <a:solidFill>
+                  <a:schemeClr val="tx1"/>
+                </a:solidFill>
+                <a:effectLst/>
+                <a:latin typeface="+mn-lt"/>
+                <a:ea typeface="+mn-ea"/>
+                <a:cs typeface="+mn-cs"/>
+              </a:rPr>
+            </a:br>
+            <a:r>
+              <a:rPr lang="en-US" sz="1200" kern="1200" dirty="0">
+                <a:solidFill>
+                  <a:schemeClr val="tx1"/>
+                </a:solidFill>
+                <a:effectLst/>
+                <a:latin typeface="+mn-lt"/>
+                <a:ea typeface="+mn-ea"/>
+                <a:cs typeface="+mn-cs"/>
+              </a:rPr>
+              <a:t>        "location": "[</a:t>
+            </a:r>
+            <a:r>
+              <a:rPr lang="en-US" sz="1200" kern="1200" dirty="0" err="1">
+                <a:solidFill>
+                  <a:schemeClr val="tx1"/>
+                </a:solidFill>
+                <a:effectLst/>
+                <a:latin typeface="+mn-lt"/>
+                <a:ea typeface="+mn-ea"/>
+                <a:cs typeface="+mn-cs"/>
+              </a:rPr>
+              <a:t>resourceGroup</a:t>
+            </a:r>
+            <a:r>
+              <a:rPr lang="en-US" sz="1200" kern="1200" dirty="0">
+                <a:solidFill>
+                  <a:schemeClr val="tx1"/>
+                </a:solidFill>
+                <a:effectLst/>
+                <a:latin typeface="+mn-lt"/>
+                <a:ea typeface="+mn-ea"/>
+                <a:cs typeface="+mn-cs"/>
+              </a:rPr>
+              <a:t>().location]",</a:t>
+            </a:r>
+            <a:br>
+              <a:rPr lang="en-US" sz="1200" kern="1200" dirty="0">
+                <a:solidFill>
+                  <a:schemeClr val="tx1"/>
+                </a:solidFill>
+                <a:effectLst/>
+                <a:latin typeface="+mn-lt"/>
+                <a:ea typeface="+mn-ea"/>
+                <a:cs typeface="+mn-cs"/>
+              </a:rPr>
+            </a:br>
+            <a:r>
+              <a:rPr lang="en-US" sz="1200" kern="1200" dirty="0">
+                <a:solidFill>
+                  <a:schemeClr val="tx1"/>
+                </a:solidFill>
+                <a:effectLst/>
+                <a:latin typeface="+mn-lt"/>
+                <a:ea typeface="+mn-ea"/>
+                <a:cs typeface="+mn-cs"/>
+              </a:rPr>
+              <a:t>        "</a:t>
+            </a:r>
+            <a:r>
+              <a:rPr lang="en-US" sz="1200" kern="1200" dirty="0" err="1">
+                <a:solidFill>
+                  <a:schemeClr val="tx1"/>
+                </a:solidFill>
+                <a:effectLst/>
+                <a:latin typeface="+mn-lt"/>
+                <a:ea typeface="+mn-ea"/>
+                <a:cs typeface="+mn-cs"/>
+              </a:rPr>
+              <a:t>sku</a:t>
+            </a:r>
+            <a:r>
+              <a:rPr lang="en-US" sz="1200" kern="1200" dirty="0">
+                <a:solidFill>
+                  <a:schemeClr val="tx1"/>
+                </a:solidFill>
+                <a:effectLst/>
+                <a:latin typeface="+mn-lt"/>
+                <a:ea typeface="+mn-ea"/>
+                <a:cs typeface="+mn-cs"/>
+              </a:rPr>
+              <a:t>": {</a:t>
+            </a:r>
+            <a:br>
+              <a:rPr lang="en-US" sz="1200" kern="1200" dirty="0">
+                <a:solidFill>
+                  <a:schemeClr val="tx1"/>
+                </a:solidFill>
+                <a:effectLst/>
+                <a:latin typeface="+mn-lt"/>
+                <a:ea typeface="+mn-ea"/>
+                <a:cs typeface="+mn-cs"/>
+              </a:rPr>
+            </a:br>
+            <a:r>
+              <a:rPr lang="en-US" sz="1200" kern="1200" dirty="0">
+                <a:solidFill>
+                  <a:schemeClr val="tx1"/>
+                </a:solidFill>
+                <a:effectLst/>
+                <a:latin typeface="+mn-lt"/>
+                <a:ea typeface="+mn-ea"/>
+                <a:cs typeface="+mn-cs"/>
+              </a:rPr>
+              <a:t>            "name": "[parameters('</a:t>
+            </a:r>
+            <a:r>
+              <a:rPr lang="en-US" sz="1200" kern="1200" dirty="0" err="1">
+                <a:solidFill>
+                  <a:schemeClr val="tx1"/>
+                </a:solidFill>
+                <a:effectLst/>
+                <a:latin typeface="+mn-lt"/>
+                <a:ea typeface="+mn-ea"/>
+                <a:cs typeface="+mn-cs"/>
+              </a:rPr>
+              <a:t>storageAccountType</a:t>
+            </a:r>
+            <a:r>
+              <a:rPr lang="en-US" sz="1200" kern="1200" dirty="0">
+                <a:solidFill>
+                  <a:schemeClr val="tx1"/>
+                </a:solidFill>
+                <a:effectLst/>
+                <a:latin typeface="+mn-lt"/>
+                <a:ea typeface="+mn-ea"/>
+                <a:cs typeface="+mn-cs"/>
+              </a:rPr>
+              <a:t>')]"</a:t>
+            </a:r>
+            <a:br>
+              <a:rPr lang="en-US" sz="1200" kern="1200" dirty="0">
+                <a:solidFill>
+                  <a:schemeClr val="tx1"/>
+                </a:solidFill>
+                <a:effectLst/>
+                <a:latin typeface="+mn-lt"/>
+                <a:ea typeface="+mn-ea"/>
+                <a:cs typeface="+mn-cs"/>
+              </a:rPr>
+            </a:br>
+            <a:r>
+              <a:rPr lang="en-US" sz="1200" kern="1200" dirty="0">
+                <a:solidFill>
+                  <a:schemeClr val="tx1"/>
+                </a:solidFill>
+                <a:effectLst/>
+                <a:latin typeface="+mn-lt"/>
+                <a:ea typeface="+mn-ea"/>
+                <a:cs typeface="+mn-cs"/>
+              </a:rPr>
+              <a:t>        },</a:t>
+            </a:r>
+            <a:br>
+              <a:rPr lang="en-US" sz="1200" kern="1200" dirty="0">
+                <a:solidFill>
+                  <a:schemeClr val="tx1"/>
+                </a:solidFill>
+                <a:effectLst/>
+                <a:latin typeface="+mn-lt"/>
+                <a:ea typeface="+mn-ea"/>
+                <a:cs typeface="+mn-cs"/>
+              </a:rPr>
+            </a:br>
+            <a:r>
+              <a:rPr lang="en-US" sz="1200" kern="1200" dirty="0">
+                <a:solidFill>
+                  <a:schemeClr val="tx1"/>
+                </a:solidFill>
+                <a:effectLst/>
+                <a:latin typeface="+mn-lt"/>
+                <a:ea typeface="+mn-ea"/>
+                <a:cs typeface="+mn-cs"/>
+              </a:rPr>
+              <a:t>        "kind": "Storage",</a:t>
+            </a:r>
+            <a:br>
+              <a:rPr lang="en-US" sz="1200" kern="1200" dirty="0">
+                <a:solidFill>
+                  <a:schemeClr val="tx1"/>
+                </a:solidFill>
+                <a:effectLst/>
+                <a:latin typeface="+mn-lt"/>
+                <a:ea typeface="+mn-ea"/>
+                <a:cs typeface="+mn-cs"/>
+              </a:rPr>
+            </a:br>
+            <a:r>
+              <a:rPr lang="en-US" sz="1200" kern="1200" dirty="0">
+                <a:solidFill>
+                  <a:schemeClr val="tx1"/>
+                </a:solidFill>
+                <a:effectLst/>
+                <a:latin typeface="+mn-lt"/>
+                <a:ea typeface="+mn-ea"/>
+                <a:cs typeface="+mn-cs"/>
+              </a:rPr>
+              <a:t>        "properties": {}</a:t>
+            </a:r>
+            <a:br>
+              <a:rPr lang="en-US" sz="1200" kern="1200" dirty="0">
+                <a:solidFill>
+                  <a:schemeClr val="tx1"/>
+                </a:solidFill>
+                <a:effectLst/>
+                <a:latin typeface="+mn-lt"/>
+                <a:ea typeface="+mn-ea"/>
+                <a:cs typeface="+mn-cs"/>
+              </a:rPr>
+            </a:br>
+            <a:r>
+              <a:rPr lang="en-US" sz="1200" kern="1200" dirty="0">
+                <a:solidFill>
+                  <a:schemeClr val="tx1"/>
+                </a:solidFill>
+                <a:effectLst/>
+                <a:latin typeface="+mn-lt"/>
+                <a:ea typeface="+mn-ea"/>
+                <a:cs typeface="+mn-cs"/>
+              </a:rPr>
+              <a:t>    }],</a:t>
+            </a:r>
+            <a:br>
+              <a:rPr lang="en-US" sz="1200" kern="1200" dirty="0">
+                <a:solidFill>
+                  <a:schemeClr val="tx1"/>
+                </a:solidFill>
+                <a:effectLst/>
+                <a:latin typeface="+mn-lt"/>
+                <a:ea typeface="+mn-ea"/>
+                <a:cs typeface="+mn-cs"/>
+              </a:rPr>
+            </a:br>
+            <a:r>
+              <a:rPr lang="en-US" sz="1200" kern="1200" dirty="0">
+                <a:solidFill>
+                  <a:schemeClr val="tx1"/>
+                </a:solidFill>
+                <a:effectLst/>
+                <a:latin typeface="+mn-lt"/>
+                <a:ea typeface="+mn-ea"/>
+                <a:cs typeface="+mn-cs"/>
+              </a:rPr>
+              <a:t>    "outputs": {</a:t>
+            </a:r>
+            <a:br>
+              <a:rPr lang="en-US" sz="1200" kern="1200" dirty="0">
+                <a:solidFill>
+                  <a:schemeClr val="tx1"/>
+                </a:solidFill>
+                <a:effectLst/>
+                <a:latin typeface="+mn-lt"/>
+                <a:ea typeface="+mn-ea"/>
+                <a:cs typeface="+mn-cs"/>
+              </a:rPr>
+            </a:br>
+            <a:r>
+              <a:rPr lang="en-US" sz="1200" kern="1200" dirty="0">
+                <a:solidFill>
+                  <a:schemeClr val="tx1"/>
+                </a:solidFill>
+                <a:effectLst/>
+                <a:latin typeface="+mn-lt"/>
+                <a:ea typeface="+mn-ea"/>
+                <a:cs typeface="+mn-cs"/>
+              </a:rPr>
+              <a:t>        "</a:t>
+            </a:r>
+            <a:r>
+              <a:rPr lang="en-US" sz="1200" kern="1200" dirty="0" err="1">
+                <a:solidFill>
+                  <a:schemeClr val="tx1"/>
+                </a:solidFill>
+                <a:effectLst/>
+                <a:latin typeface="+mn-lt"/>
+                <a:ea typeface="+mn-ea"/>
+                <a:cs typeface="+mn-cs"/>
+              </a:rPr>
+              <a:t>storageAccountName</a:t>
+            </a:r>
+            <a:r>
+              <a:rPr lang="en-US" sz="1200" kern="1200" dirty="0">
+                <a:solidFill>
+                  <a:schemeClr val="tx1"/>
+                </a:solidFill>
+                <a:effectLst/>
+                <a:latin typeface="+mn-lt"/>
+                <a:ea typeface="+mn-ea"/>
+                <a:cs typeface="+mn-cs"/>
+              </a:rPr>
+              <a:t>": {</a:t>
+            </a:r>
+            <a:br>
+              <a:rPr lang="en-US" sz="1200" kern="1200" dirty="0">
+                <a:solidFill>
+                  <a:schemeClr val="tx1"/>
+                </a:solidFill>
+                <a:effectLst/>
+                <a:latin typeface="+mn-lt"/>
+                <a:ea typeface="+mn-ea"/>
+                <a:cs typeface="+mn-cs"/>
+              </a:rPr>
+            </a:br>
+            <a:r>
+              <a:rPr lang="en-US" sz="1200" kern="1200" dirty="0">
+                <a:solidFill>
+                  <a:schemeClr val="tx1"/>
+                </a:solidFill>
+                <a:effectLst/>
+                <a:latin typeface="+mn-lt"/>
+                <a:ea typeface="+mn-ea"/>
+                <a:cs typeface="+mn-cs"/>
+              </a:rPr>
+              <a:t>            "type": "string",</a:t>
+            </a:r>
+            <a:br>
+              <a:rPr lang="en-US" sz="1200" kern="1200" dirty="0">
+                <a:solidFill>
+                  <a:schemeClr val="tx1"/>
+                </a:solidFill>
+                <a:effectLst/>
+                <a:latin typeface="+mn-lt"/>
+                <a:ea typeface="+mn-ea"/>
+                <a:cs typeface="+mn-cs"/>
+              </a:rPr>
+            </a:br>
+            <a:r>
+              <a:rPr lang="en-US" sz="1200" kern="1200" dirty="0">
+                <a:solidFill>
+                  <a:schemeClr val="tx1"/>
+                </a:solidFill>
+                <a:effectLst/>
+                <a:latin typeface="+mn-lt"/>
+                <a:ea typeface="+mn-ea"/>
+                <a:cs typeface="+mn-cs"/>
+              </a:rPr>
+              <a:t>            "value": "[variables('</a:t>
+            </a:r>
+            <a:r>
+              <a:rPr lang="en-US" sz="1200" kern="1200" dirty="0" err="1">
+                <a:solidFill>
+                  <a:schemeClr val="tx1"/>
+                </a:solidFill>
+                <a:effectLst/>
+                <a:latin typeface="+mn-lt"/>
+                <a:ea typeface="+mn-ea"/>
+                <a:cs typeface="+mn-cs"/>
+              </a:rPr>
+              <a:t>storageAccountName</a:t>
+            </a:r>
+            <a:r>
+              <a:rPr lang="en-US" sz="1200" kern="1200" dirty="0">
+                <a:solidFill>
+                  <a:schemeClr val="tx1"/>
+                </a:solidFill>
+                <a:effectLst/>
+                <a:latin typeface="+mn-lt"/>
+                <a:ea typeface="+mn-ea"/>
+                <a:cs typeface="+mn-cs"/>
+              </a:rPr>
+              <a:t>')]"</a:t>
+            </a:r>
+            <a:br>
+              <a:rPr lang="en-US" sz="1200" kern="1200" dirty="0">
+                <a:solidFill>
+                  <a:schemeClr val="tx1"/>
+                </a:solidFill>
+                <a:effectLst/>
+                <a:latin typeface="+mn-lt"/>
+                <a:ea typeface="+mn-ea"/>
+                <a:cs typeface="+mn-cs"/>
+              </a:rPr>
+            </a:br>
+            <a:r>
+              <a:rPr lang="en-US" sz="1200" kern="1200" dirty="0">
+                <a:solidFill>
+                  <a:schemeClr val="tx1"/>
+                </a:solidFill>
+                <a:effectLst/>
+                <a:latin typeface="+mn-lt"/>
+                <a:ea typeface="+mn-ea"/>
+                <a:cs typeface="+mn-cs"/>
+              </a:rPr>
+              <a:t>        }</a:t>
+            </a:r>
+            <a:br>
+              <a:rPr lang="en-US" sz="1200" kern="1200" dirty="0">
+                <a:solidFill>
+                  <a:schemeClr val="tx1"/>
+                </a:solidFill>
+                <a:effectLst/>
+                <a:latin typeface="+mn-lt"/>
+                <a:ea typeface="+mn-ea"/>
+                <a:cs typeface="+mn-cs"/>
+              </a:rPr>
+            </a:br>
+            <a:r>
+              <a:rPr lang="en-US" sz="1200" kern="1200" dirty="0">
+                <a:solidFill>
+                  <a:schemeClr val="tx1"/>
+                </a:solidFill>
+                <a:effectLst/>
+                <a:latin typeface="+mn-lt"/>
+                <a:ea typeface="+mn-ea"/>
+                <a:cs typeface="+mn-cs"/>
+              </a:rPr>
+              <a:t>    }</a:t>
+            </a:r>
+            <a:br>
+              <a:rPr lang="en-US" sz="1200" kern="1200" dirty="0">
+                <a:solidFill>
+                  <a:schemeClr val="tx1"/>
+                </a:solidFill>
+                <a:effectLst/>
+                <a:latin typeface="+mn-lt"/>
+                <a:ea typeface="+mn-ea"/>
+                <a:cs typeface="+mn-cs"/>
+              </a:rPr>
+            </a:br>
+            <a:r>
+              <a:rPr lang="en-US" sz="1200" kern="1200" dirty="0">
+                <a:solidFill>
+                  <a:schemeClr val="tx1"/>
+                </a:solidFill>
+                <a:effectLst/>
+                <a:latin typeface="+mn-lt"/>
+                <a:ea typeface="+mn-ea"/>
+                <a:cs typeface="+mn-cs"/>
+              </a:rPr>
+              <a:t>}</a:t>
+            </a:r>
+          </a:p>
+          <a:p>
+            <a:endParaRPr lang="en-US" dirty="0"/>
           </a:p>
         </p:txBody>
       </p:sp>
@@ -3283,7 +3285,7 @@
           <a:p>
             <a:fld id="{D1ABA2CB-342C-46F9-95EC-88F4F68DF547}" type="slidenum">
               <a:rPr lang="en-US" smtClean="0"/>
-              <a:t>8</a:t>
+              <a:t>9</a:t>
             </a:fld>
             <a:endParaRPr lang="en-US"/>
           </a:p>
@@ -3292,7 +3294,7 @@
     </p:spTree>
     <p:extLst>
       <p:ext uri="{BB962C8B-B14F-4D97-AF65-F5344CB8AC3E}">
-        <p14:creationId xmlns:p14="http://schemas.microsoft.com/office/powerpoint/2010/main" val="501550754"/>
+        <p14:creationId xmlns:p14="http://schemas.microsoft.com/office/powerpoint/2010/main" val="1703229467"/>
       </p:ext>
     </p:extLst>
   </p:cSld>
@@ -3346,7 +3348,7 @@
           <a:bodyPr/>
           <a:lstStyle/>
           <a:p>
-            <a:endParaRPr lang="sv-SE"/>
+            <a:endParaRPr lang="sv-SE" dirty="0"/>
           </a:p>
         </p:txBody>
       </p:sp>
@@ -3367,7 +3369,91 @@
           <a:p>
             <a:fld id="{D1ABA2CB-342C-46F9-95EC-88F4F68DF547}" type="slidenum">
               <a:rPr lang="en-US" smtClean="0"/>
-              <a:t>11</a:t>
+              <a:t>10</a:t>
+            </a:fld>
+            <a:endParaRPr lang="en-US"/>
+          </a:p>
+        </p:txBody>
+      </p:sp>
+    </p:spTree>
+    <p:extLst>
+      <p:ext uri="{BB962C8B-B14F-4D97-AF65-F5344CB8AC3E}">
+        <p14:creationId xmlns:p14="http://schemas.microsoft.com/office/powerpoint/2010/main" val="501550754"/>
+      </p:ext>
+    </p:extLst>
+  </p:cSld>
+  <p:clrMapOvr>
+    <a:masterClrMapping/>
+  </p:clrMapOvr>
+</p:notes>
+</file>
+
+<file path=ppt/notesSlides/notesSlide8.xml><?xml version="1.0" encoding="utf-8"?>
+<p:notes xmlns:a="http://schemas.openxmlformats.org/drawingml/2006/main" xmlns:r="http://schemas.openxmlformats.org/officeDocument/2006/relationships" xmlns:p="http://schemas.openxmlformats.org/presentationml/2006/main">
+  <p:cSld>
+    <p:spTree>
+      <p:nvGrpSpPr>
+        <p:cNvPr id="1" name=""/>
+        <p:cNvGrpSpPr/>
+        <p:nvPr/>
+      </p:nvGrpSpPr>
+      <p:grpSpPr>
+        <a:xfrm>
+          <a:off x="0" y="0"/>
+          <a:ext cx="0" cy="0"/>
+          <a:chOff x="0" y="0"/>
+          <a:chExt cx="0" cy="0"/>
+        </a:xfrm>
+      </p:grpSpPr>
+      <p:sp>
+        <p:nvSpPr>
+          <p:cNvPr id="2" name="Slide Image Placeholder 1"/>
+          <p:cNvSpPr>
+            <a:spLocks noGrp="1" noRot="1" noChangeAspect="1"/>
+          </p:cNvSpPr>
+          <p:nvPr>
+            <p:ph type="sldImg"/>
+          </p:nvPr>
+        </p:nvSpPr>
+        <p:spPr/>
+      </p:sp>
+      <p:sp>
+        <p:nvSpPr>
+          <p:cNvPr id="3" name="Notes Placeholder 2"/>
+          <p:cNvSpPr>
+            <a:spLocks noGrp="1"/>
+          </p:cNvSpPr>
+          <p:nvPr>
+            <p:ph type="body" idx="1"/>
+          </p:nvPr>
+        </p:nvSpPr>
+        <p:spPr/>
+        <p:txBody>
+          <a:bodyPr/>
+          <a:lstStyle/>
+          <a:p>
+            <a:endParaRPr lang="sv-SE"/>
+          </a:p>
+        </p:txBody>
+      </p:sp>
+      <p:sp>
+        <p:nvSpPr>
+          <p:cNvPr id="4" name="Slide Number Placeholder 3"/>
+          <p:cNvSpPr>
+            <a:spLocks noGrp="1"/>
+          </p:cNvSpPr>
+          <p:nvPr>
+            <p:ph type="sldNum" sz="quarter" idx="5"/>
+          </p:nvPr>
+        </p:nvSpPr>
+        <p:spPr/>
+        <p:txBody>
+          <a:bodyPr/>
+          <a:lstStyle/>
+          <a:p>
+            <a:fld id="{D1ABA2CB-342C-46F9-95EC-88F4F68DF547}" type="slidenum">
+              <a:rPr lang="en-US" smtClean="0"/>
+              <a:t>13</a:t>
             </a:fld>
             <a:endParaRPr lang="en-US"/>
           </a:p>
@@ -3533,7 +3619,7 @@
           <a:p>
             <a:fld id="{3E3C2F32-47E1-4D90-8C64-89D7BCB0B356}" type="datetimeFigureOut">
               <a:rPr lang="en-US" smtClean="0"/>
-              <a:t>3/18/2020</a:t>
+              <a:t>3/20/2020</a:t>
             </a:fld>
             <a:endParaRPr lang="en-US"/>
           </a:p>
@@ -3731,7 +3817,7 @@
           <a:p>
             <a:fld id="{3E3C2F32-47E1-4D90-8C64-89D7BCB0B356}" type="datetimeFigureOut">
               <a:rPr lang="en-US" smtClean="0"/>
-              <a:t>3/18/2020</a:t>
+              <a:t>3/20/2020</a:t>
             </a:fld>
             <a:endParaRPr lang="en-US"/>
           </a:p>
@@ -3939,7 +4025,7 @@
           <a:p>
             <a:fld id="{3E3C2F32-47E1-4D90-8C64-89D7BCB0B356}" type="datetimeFigureOut">
               <a:rPr lang="en-US" smtClean="0"/>
-              <a:t>3/18/2020</a:t>
+              <a:t>3/20/2020</a:t>
             </a:fld>
             <a:endParaRPr lang="en-US"/>
           </a:p>
@@ -4137,7 +4223,7 @@
           <a:p>
             <a:fld id="{3E3C2F32-47E1-4D90-8C64-89D7BCB0B356}" type="datetimeFigureOut">
               <a:rPr lang="en-US" smtClean="0"/>
-              <a:t>3/18/2020</a:t>
+              <a:t>3/20/2020</a:t>
             </a:fld>
             <a:endParaRPr lang="en-US"/>
           </a:p>
@@ -4412,7 +4498,7 @@
           <a:p>
             <a:fld id="{3E3C2F32-47E1-4D90-8C64-89D7BCB0B356}" type="datetimeFigureOut">
               <a:rPr lang="en-US" smtClean="0"/>
-              <a:t>3/18/2020</a:t>
+              <a:t>3/20/2020</a:t>
             </a:fld>
             <a:endParaRPr lang="en-US"/>
           </a:p>
@@ -4677,7 +4763,7 @@
           <a:p>
             <a:fld id="{3E3C2F32-47E1-4D90-8C64-89D7BCB0B356}" type="datetimeFigureOut">
               <a:rPr lang="en-US" smtClean="0"/>
-              <a:t>3/18/2020</a:t>
+              <a:t>3/20/2020</a:t>
             </a:fld>
             <a:endParaRPr lang="en-US"/>
           </a:p>
@@ -5089,7 +5175,7 @@
           <a:p>
             <a:fld id="{3E3C2F32-47E1-4D90-8C64-89D7BCB0B356}" type="datetimeFigureOut">
               <a:rPr lang="en-US" smtClean="0"/>
-              <a:t>3/18/2020</a:t>
+              <a:t>3/20/2020</a:t>
             </a:fld>
             <a:endParaRPr lang="en-US"/>
           </a:p>
@@ -5230,7 +5316,7 @@
           <a:p>
             <a:fld id="{3E3C2F32-47E1-4D90-8C64-89D7BCB0B356}" type="datetimeFigureOut">
               <a:rPr lang="en-US" smtClean="0"/>
-              <a:t>3/18/2020</a:t>
+              <a:t>3/20/2020</a:t>
             </a:fld>
             <a:endParaRPr lang="en-US"/>
           </a:p>
@@ -5343,7 +5429,7 @@
           <a:p>
             <a:fld id="{3E3C2F32-47E1-4D90-8C64-89D7BCB0B356}" type="datetimeFigureOut">
               <a:rPr lang="en-US" smtClean="0"/>
-              <a:t>3/18/2020</a:t>
+              <a:t>3/20/2020</a:t>
             </a:fld>
             <a:endParaRPr lang="en-US"/>
           </a:p>
@@ -5654,7 +5740,7 @@
           <a:p>
             <a:fld id="{3E3C2F32-47E1-4D90-8C64-89D7BCB0B356}" type="datetimeFigureOut">
               <a:rPr lang="en-US" smtClean="0"/>
-              <a:t>3/18/2020</a:t>
+              <a:t>3/20/2020</a:t>
             </a:fld>
             <a:endParaRPr lang="en-US"/>
           </a:p>
@@ -5942,7 +6028,7 @@
           <a:p>
             <a:fld id="{3E3C2F32-47E1-4D90-8C64-89D7BCB0B356}" type="datetimeFigureOut">
               <a:rPr lang="en-US" smtClean="0"/>
-              <a:t>3/18/2020</a:t>
+              <a:t>3/20/2020</a:t>
             </a:fld>
             <a:endParaRPr lang="en-US"/>
           </a:p>
@@ -6183,7 +6269,7 @@
           <a:p>
             <a:fld id="{3E3C2F32-47E1-4D90-8C64-89D7BCB0B356}" type="datetimeFigureOut">
               <a:rPr lang="en-US" smtClean="0"/>
-              <a:t>3/18/2020</a:t>
+              <a:t>3/20/2020</a:t>
             </a:fld>
             <a:endParaRPr lang="en-US"/>
           </a:p>
@@ -6686,6 +6772,14 @@
 <file path=ppt/slides/slide10.xml><?xml version="1.0" encoding="utf-8"?>
 <p:sld xmlns:a="http://schemas.openxmlformats.org/drawingml/2006/main" xmlns:r="http://schemas.openxmlformats.org/officeDocument/2006/relationships" xmlns:p="http://schemas.openxmlformats.org/presentationml/2006/main">
   <p:cSld>
+    <p:bg>
+      <p:bgPr>
+        <a:solidFill>
+          <a:schemeClr val="bg1"/>
+        </a:solidFill>
+        <a:effectLst/>
+      </p:bgPr>
+    </p:bg>
     <p:spTree>
       <p:nvGrpSpPr>
         <p:cNvPr id="1" name=""/>
@@ -6705,6 +6799,222 @@
           <p:cNvPr id="2" name="Title 1">
             <a:extLst>
               <a:ext uri="{FF2B5EF4-FFF2-40B4-BE49-F238E27FC236}">
+                <a16:creationId xmlns:a16="http://schemas.microsoft.com/office/drawing/2014/main" id="{66235BB9-B96B-4404-B184-B8802030B00B}"/>
+              </a:ext>
+            </a:extLst>
+          </p:cNvPr>
+          <p:cNvSpPr>
+            <a:spLocks noGrp="1"/>
+          </p:cNvSpPr>
+          <p:nvPr>
+            <p:ph type="title"/>
+          </p:nvPr>
+        </p:nvSpPr>
+        <p:spPr/>
+        <p:txBody>
+          <a:bodyPr vert="horz" lIns="91440" tIns="45720" rIns="91440" bIns="45720" rtlCol="0" anchor="b">
+            <a:normAutofit/>
+          </a:bodyPr>
+          <a:lstStyle/>
+          <a:p>
+            <a:pPr algn="ctr"/>
+            <a:r>
+              <a:rPr lang="en-US" sz="5400" kern="1200" dirty="0">
+                <a:latin typeface="+mj-lt"/>
+                <a:ea typeface="+mj-ea"/>
+                <a:cs typeface="+mj-cs"/>
+              </a:rPr>
+              <a:t>Blueprint</a:t>
+            </a:r>
+          </a:p>
+        </p:txBody>
+      </p:sp>
+      <p:pic>
+        <p:nvPicPr>
+          <p:cNvPr id="3" name="Picture 2">
+            <a:extLst>
+              <a:ext uri="{FF2B5EF4-FFF2-40B4-BE49-F238E27FC236}">
+                <a16:creationId xmlns:a16="http://schemas.microsoft.com/office/drawing/2014/main" id="{BAF77C2B-77B5-4FBD-9AF6-D09D2074FE80}"/>
+              </a:ext>
+            </a:extLst>
+          </p:cNvPr>
+          <p:cNvPicPr>
+            <a:picLocks noChangeAspect="1"/>
+          </p:cNvPicPr>
+          <p:nvPr/>
+        </p:nvPicPr>
+        <p:blipFill>
+          <a:blip r:embed="rId3"/>
+          <a:stretch>
+            <a:fillRect/>
+          </a:stretch>
+        </p:blipFill>
+        <p:spPr>
+          <a:xfrm>
+            <a:off x="320040" y="2827319"/>
+            <a:ext cx="11496821" cy="3362821"/>
+          </a:xfrm>
+          <a:prstGeom prst="rect">
+            <a:avLst/>
+          </a:prstGeom>
+        </p:spPr>
+      </p:pic>
+    </p:spTree>
+    <p:extLst>
+      <p:ext uri="{BB962C8B-B14F-4D97-AF65-F5344CB8AC3E}">
+        <p14:creationId xmlns:p14="http://schemas.microsoft.com/office/powerpoint/2010/main" val="2280338814"/>
+      </p:ext>
+    </p:extLst>
+  </p:cSld>
+  <p:clrMapOvr>
+    <a:masterClrMapping/>
+  </p:clrMapOvr>
+</p:sld>
+</file>
+
+<file path=ppt/slides/slide11.xml><?xml version="1.0" encoding="utf-8"?>
+<p:sld xmlns:a="http://schemas.openxmlformats.org/drawingml/2006/main" xmlns:r="http://schemas.openxmlformats.org/officeDocument/2006/relationships" xmlns:p="http://schemas.openxmlformats.org/presentationml/2006/main">
+  <p:cSld>
+    <p:spTree>
+      <p:nvGrpSpPr>
+        <p:cNvPr id="1" name=""/>
+        <p:cNvGrpSpPr/>
+        <p:nvPr/>
+      </p:nvGrpSpPr>
+      <p:grpSpPr>
+        <a:xfrm>
+          <a:off x="0" y="0"/>
+          <a:ext cx="0" cy="0"/>
+          <a:chOff x="0" y="0"/>
+          <a:chExt cx="0" cy="0"/>
+        </a:xfrm>
+      </p:grpSpPr>
+      <p:sp>
+        <p:nvSpPr>
+          <p:cNvPr id="2" name="Title 1">
+            <a:extLst>
+              <a:ext uri="{FF2B5EF4-FFF2-40B4-BE49-F238E27FC236}">
+                <a16:creationId xmlns:a16="http://schemas.microsoft.com/office/drawing/2014/main" id="{DF07F779-9493-43B4-B2B0-F6812A193792}"/>
+              </a:ext>
+            </a:extLst>
+          </p:cNvPr>
+          <p:cNvSpPr>
+            <a:spLocks noGrp="1"/>
+          </p:cNvSpPr>
+          <p:nvPr>
+            <p:ph type="title"/>
+          </p:nvPr>
+        </p:nvSpPr>
+        <p:spPr/>
+        <p:txBody>
+          <a:bodyPr/>
+          <a:lstStyle/>
+          <a:p>
+            <a:r>
+              <a:rPr lang="en-US"/>
+              <a:t>Cost Management Challenge</a:t>
+            </a:r>
+          </a:p>
+        </p:txBody>
+      </p:sp>
+      <p:sp>
+        <p:nvSpPr>
+          <p:cNvPr id="3" name="Content Placeholder 2">
+            <a:extLst>
+              <a:ext uri="{FF2B5EF4-FFF2-40B4-BE49-F238E27FC236}">
+                <a16:creationId xmlns:a16="http://schemas.microsoft.com/office/drawing/2014/main" id="{1E78601A-55E5-4C27-BA46-67A384908580}"/>
+              </a:ext>
+            </a:extLst>
+          </p:cNvPr>
+          <p:cNvSpPr>
+            <a:spLocks noGrp="1"/>
+          </p:cNvSpPr>
+          <p:nvPr>
+            <p:ph idx="1"/>
+          </p:nvPr>
+        </p:nvSpPr>
+        <p:spPr/>
+        <p:txBody>
+          <a:bodyPr>
+            <a:normAutofit/>
+          </a:bodyPr>
+          <a:lstStyle/>
+          <a:p>
+            <a:pPr fontAlgn="ctr"/>
+            <a:r>
+              <a:rPr lang="en-US" dirty="0"/>
+              <a:t>Create a Monthly Cost report to determine which Resource type is costing the most</a:t>
+            </a:r>
+          </a:p>
+          <a:p>
+            <a:pPr fontAlgn="ctr"/>
+            <a:r>
+              <a:rPr lang="en-US" dirty="0"/>
+              <a:t>Create a monthly budget of $200 per month, set an alert when it reached 75% of budget, add an email address</a:t>
+            </a:r>
+          </a:p>
+          <a:p>
+            <a:pPr fontAlgn="ctr"/>
+            <a:r>
+              <a:rPr lang="en-US" dirty="0"/>
+              <a:t>Create an CSV export for the “Quarterly Cost by resource" for the Free Trial Subscription</a:t>
+            </a:r>
+          </a:p>
+          <a:p>
+            <a:pPr marL="0" indent="0" algn="ctr">
+              <a:buNone/>
+            </a:pPr>
+            <a:endParaRPr lang="en-US" dirty="0"/>
+          </a:p>
+          <a:p>
+            <a:pPr marL="0" indent="0" algn="ctr">
+              <a:buNone/>
+            </a:pPr>
+            <a:r>
+              <a:rPr lang="en-US" dirty="0"/>
+              <a:t>Good luck</a:t>
+            </a:r>
+          </a:p>
+          <a:p>
+            <a:endParaRPr lang="en-US" dirty="0"/>
+          </a:p>
+        </p:txBody>
+      </p:sp>
+    </p:spTree>
+    <p:extLst>
+      <p:ext uri="{BB962C8B-B14F-4D97-AF65-F5344CB8AC3E}">
+        <p14:creationId xmlns:p14="http://schemas.microsoft.com/office/powerpoint/2010/main" val="3119135505"/>
+      </p:ext>
+    </p:extLst>
+  </p:cSld>
+  <p:clrMapOvr>
+    <a:masterClrMapping/>
+  </p:clrMapOvr>
+</p:sld>
+</file>
+
+<file path=ppt/slides/slide12.xml><?xml version="1.0" encoding="utf-8"?>
+<p:sld xmlns:a="http://schemas.openxmlformats.org/drawingml/2006/main" xmlns:r="http://schemas.openxmlformats.org/officeDocument/2006/relationships" xmlns:p="http://schemas.openxmlformats.org/presentationml/2006/main">
+  <p:cSld>
+    <p:spTree>
+      <p:nvGrpSpPr>
+        <p:cNvPr id="1" name=""/>
+        <p:cNvGrpSpPr/>
+        <p:nvPr/>
+      </p:nvGrpSpPr>
+      <p:grpSpPr>
+        <a:xfrm>
+          <a:off x="0" y="0"/>
+          <a:ext cx="0" cy="0"/>
+          <a:chOff x="0" y="0"/>
+          <a:chExt cx="0" cy="0"/>
+        </a:xfrm>
+      </p:grpSpPr>
+      <p:sp>
+        <p:nvSpPr>
+          <p:cNvPr id="2" name="Title 1">
+            <a:extLst>
+              <a:ext uri="{FF2B5EF4-FFF2-40B4-BE49-F238E27FC236}">
                 <a16:creationId xmlns:a16="http://schemas.microsoft.com/office/drawing/2014/main" id="{DF07F779-9493-43B4-B2B0-F6812A193792}"/>
               </a:ext>
             </a:extLst>
@@ -6836,7 +7146,7 @@
 </p:sld>
 </file>
 
-<file path=ppt/slides/slide11.xml><?xml version="1.0" encoding="utf-8"?>
+<file path=ppt/slides/slide13.xml><?xml version="1.0" encoding="utf-8"?>
 <p:sld xmlns:a="http://schemas.openxmlformats.org/drawingml/2006/main" xmlns:r="http://schemas.openxmlformats.org/officeDocument/2006/relationships" xmlns:p="http://schemas.openxmlformats.org/presentationml/2006/main" show="0">
   <p:cSld>
     <p:spTree>
@@ -7319,16 +7629,8 @@
 </file>
 
 <file path=ppt/slides/slide3.xml><?xml version="1.0" encoding="utf-8"?>
-<p:sld xmlns:a="http://schemas.openxmlformats.org/drawingml/2006/main" xmlns:r="http://schemas.openxmlformats.org/officeDocument/2006/relationships" xmlns:p="http://schemas.openxmlformats.org/presentationml/2006/main">
+<p:sld xmlns:a="http://schemas.openxmlformats.org/drawingml/2006/main" xmlns:r="http://schemas.openxmlformats.org/officeDocument/2006/relationships" xmlns:p="http://schemas.openxmlformats.org/presentationml/2006/main" show="0">
   <p:cSld>
-    <p:bg>
-      <p:bgPr>
-        <a:solidFill>
-          <a:schemeClr val="bg1"/>
-        </a:solidFill>
-        <a:effectLst/>
-      </p:bgPr>
-    </p:bg>
     <p:spTree>
       <p:nvGrpSpPr>
         <p:cNvPr id="1" name=""/>
@@ -7348,7 +7650,7 @@
           <p:cNvPr id="2" name="Title 1">
             <a:extLst>
               <a:ext uri="{FF2B5EF4-FFF2-40B4-BE49-F238E27FC236}">
-                <a16:creationId xmlns:a16="http://schemas.microsoft.com/office/drawing/2014/main" id="{60058EC1-5D04-4F24-9182-0E3316DEB259}"/>
+                <a16:creationId xmlns:a16="http://schemas.microsoft.com/office/drawing/2014/main" id="{E8F0ADB5-C39C-47EE-BD09-8A4FB135B11C}"/>
               </a:ext>
             </a:extLst>
           </p:cNvPr>
@@ -7361,19 +7663,19 @@
         </p:nvSpPr>
         <p:spPr>
           <a:xfrm>
-            <a:off x="648929" y="629266"/>
-            <a:ext cx="5127031" cy="1676603"/>
+            <a:off x="838200" y="403860"/>
+            <a:ext cx="10515600" cy="681037"/>
           </a:xfrm>
         </p:spPr>
         <p:txBody>
           <a:bodyPr>
-            <a:normAutofit/>
+            <a:normAutofit fontScale="90000"/>
           </a:bodyPr>
           <a:lstStyle/>
           <a:p>
             <a:r>
-              <a:rPr lang="en-US" sz="4100" dirty="0"/>
-              <a:t>Management Groups Challenge 	</a:t>
+              <a:rPr lang="en-US"/>
+              <a:t>Agenda</a:t>
             </a:r>
           </a:p>
         </p:txBody>
@@ -7383,7 +7685,7 @@
           <p:cNvPr id="3" name="Content Placeholder 2">
             <a:extLst>
               <a:ext uri="{FF2B5EF4-FFF2-40B4-BE49-F238E27FC236}">
-                <a16:creationId xmlns:a16="http://schemas.microsoft.com/office/drawing/2014/main" id="{F6074475-A229-48AD-8729-0FD1E62F0B0C}"/>
+                <a16:creationId xmlns:a16="http://schemas.microsoft.com/office/drawing/2014/main" id="{E583B256-EB77-4750-A793-27EDE3BD5BA1}"/>
               </a:ext>
             </a:extLst>
           </p:cNvPr>
@@ -7396,134 +7698,158 @@
         </p:nvSpPr>
         <p:spPr>
           <a:xfrm>
-            <a:off x="648930" y="2438400"/>
-            <a:ext cx="5127029" cy="3785419"/>
+            <a:off x="789104" y="1258067"/>
+            <a:ext cx="10515600" cy="5121414"/>
           </a:xfrm>
         </p:spPr>
         <p:txBody>
           <a:bodyPr>
-            <a:normAutofit/>
+            <a:normAutofit fontScale="92500" lnSpcReduction="10000"/>
           </a:bodyPr>
           <a:lstStyle/>
           <a:p>
-            <a:pPr fontAlgn="ctr"/>
-            <a:r>
-              <a:rPr lang="en-US" sz="2400" dirty="0"/>
-              <a:t>Draw a whiteboard of your suggested management group setup</a:t>
-            </a:r>
-          </a:p>
-          <a:p>
-            <a:pPr fontAlgn="ctr"/>
-            <a:r>
-              <a:rPr lang="en-US" sz="2400" dirty="0"/>
-              <a:t>Create a Management Group org structure that matches the sample on the slide</a:t>
-            </a:r>
-          </a:p>
-          <a:p>
-            <a:pPr fontAlgn="ctr"/>
-            <a:r>
-              <a:rPr lang="en-US" sz="2400" dirty="0"/>
-              <a:t>Move your subscription to App1 Management Group</a:t>
-            </a:r>
-          </a:p>
-          <a:p>
-            <a:pPr marL="0" indent="0" algn="ctr">
-              <a:buNone/>
+            <a:r>
+              <a:rPr lang="en-US" dirty="0"/>
+              <a:t>Day#1</a:t>
+            </a:r>
+          </a:p>
+          <a:p>
+            <a:pPr lvl="1">
+              <a:buFont typeface="Wingdings" panose="05000000000000000000" pitchFamily="2" charset="2"/>
+              <a:buChar char="Ø"/>
             </a:pPr>
             <a:r>
-              <a:rPr lang="en-US" sz="2400" dirty="0"/>
-              <a:t>Good luck!</a:t>
-            </a:r>
-          </a:p>
-          <a:p>
-            <a:endParaRPr lang="en-US" sz="2400" dirty="0"/>
-          </a:p>
-        </p:txBody>
-      </p:sp>
-      <p:pic>
-        <p:nvPicPr>
-          <p:cNvPr id="4" name="Picture 3">
-            <a:extLst>
-              <a:ext uri="{FF2B5EF4-FFF2-40B4-BE49-F238E27FC236}">
-                <a16:creationId xmlns:a16="http://schemas.microsoft.com/office/drawing/2014/main" id="{1CDAD7F0-E38C-436A-B8E0-55FD883DC79A}"/>
-              </a:ext>
-            </a:extLst>
-          </p:cNvPr>
-          <p:cNvPicPr/>
-          <p:nvPr/>
-        </p:nvPicPr>
-        <p:blipFill rotWithShape="1">
-          <a:blip r:embed="rId3"/>
-          <a:srcRect r="10405"/>
-          <a:stretch/>
-        </p:blipFill>
-        <p:spPr>
-          <a:xfrm>
-            <a:off x="6090613" y="640082"/>
-            <a:ext cx="5461724" cy="5577837"/>
-          </a:xfrm>
-          <a:prstGeom prst="rect">
-            <a:avLst/>
-          </a:prstGeom>
-          <a:effectLst/>
-        </p:spPr>
-      </p:pic>
-      <p:sp>
-        <p:nvSpPr>
-          <p:cNvPr id="5" name="Rectangle 4">
-            <a:extLst>
-              <a:ext uri="{FF2B5EF4-FFF2-40B4-BE49-F238E27FC236}">
-                <a16:creationId xmlns:a16="http://schemas.microsoft.com/office/drawing/2014/main" id="{BCB7EFFE-90DC-481E-86DA-4273FFC4BA7B}"/>
-              </a:ext>
-            </a:extLst>
-          </p:cNvPr>
-          <p:cNvSpPr/>
-          <p:nvPr/>
-        </p:nvSpPr>
-        <p:spPr>
-          <a:xfrm>
-            <a:off x="7693269" y="2936631"/>
-            <a:ext cx="571500" cy="325315"/>
-          </a:xfrm>
-          <a:prstGeom prst="rect">
-            <a:avLst/>
-          </a:prstGeom>
-          <a:noFill/>
-          <a:ln w="28575">
-            <a:solidFill>
-              <a:srgbClr val="C00000"/>
-            </a:solidFill>
-          </a:ln>
-        </p:spPr>
-        <p:style>
-          <a:lnRef idx="2">
-            <a:schemeClr val="accent1">
-              <a:shade val="50000"/>
-            </a:schemeClr>
-          </a:lnRef>
-          <a:fillRef idx="1">
-            <a:schemeClr val="accent1"/>
-          </a:fillRef>
-          <a:effectRef idx="0">
-            <a:schemeClr val="accent1"/>
-          </a:effectRef>
-          <a:fontRef idx="minor">
-            <a:schemeClr val="lt1"/>
-          </a:fontRef>
-        </p:style>
-        <p:txBody>
-          <a:bodyPr rtlCol="0" anchor="ctr"/>
-          <a:lstStyle/>
-          <a:p>
-            <a:pPr algn="ctr"/>
-            <a:endParaRPr lang="sv-SE"/>
+              <a:rPr lang="en-US" dirty="0"/>
+              <a:t> Kickoff &amp; Introductions</a:t>
+            </a:r>
+          </a:p>
+          <a:p>
+            <a:pPr lvl="1">
+              <a:buFont typeface="Wingdings" panose="05000000000000000000" pitchFamily="2" charset="2"/>
+              <a:buChar char="Ø"/>
+            </a:pPr>
+            <a:r>
+              <a:rPr lang="en-US" dirty="0"/>
+              <a:t> Azure Governance Overview Presentation</a:t>
+            </a:r>
+          </a:p>
+          <a:p>
+            <a:pPr lvl="1">
+              <a:buFont typeface="Wingdings" panose="05000000000000000000" pitchFamily="2" charset="2"/>
+              <a:buChar char="Ø"/>
+            </a:pPr>
+            <a:r>
+              <a:rPr lang="en-US" dirty="0"/>
+              <a:t> Break</a:t>
+            </a:r>
+          </a:p>
+          <a:p>
+            <a:pPr lvl="1">
+              <a:buFont typeface="Wingdings" panose="05000000000000000000" pitchFamily="2" charset="2"/>
+              <a:buChar char="Ø"/>
+            </a:pPr>
+            <a:r>
+              <a:rPr lang="en-US" dirty="0"/>
+              <a:t> Management Groups</a:t>
+            </a:r>
+          </a:p>
+          <a:p>
+            <a:pPr lvl="1">
+              <a:buFont typeface="Wingdings" panose="05000000000000000000" pitchFamily="2" charset="2"/>
+              <a:buChar char="Ø"/>
+            </a:pPr>
+            <a:r>
+              <a:rPr lang="en-US" dirty="0"/>
+              <a:t> RBAC</a:t>
+            </a:r>
+          </a:p>
+          <a:p>
+            <a:pPr lvl="1">
+              <a:buFont typeface="Wingdings" panose="05000000000000000000" pitchFamily="2" charset="2"/>
+              <a:buChar char="Ø"/>
+            </a:pPr>
+            <a:r>
+              <a:rPr lang="en-US" dirty="0"/>
+              <a:t> Resource Locks</a:t>
+            </a:r>
+          </a:p>
+          <a:p>
+            <a:pPr lvl="1">
+              <a:buFont typeface="Wingdings" panose="05000000000000000000" pitchFamily="2" charset="2"/>
+              <a:buChar char="Ø"/>
+            </a:pPr>
+            <a:r>
+              <a:rPr lang="en-US" dirty="0"/>
+              <a:t> Azure Policy  </a:t>
+            </a:r>
+          </a:p>
+          <a:p>
+            <a:r>
+              <a:rPr lang="en-US" dirty="0"/>
+              <a:t>Day#2</a:t>
+            </a:r>
+          </a:p>
+          <a:p>
+            <a:pPr lvl="1">
+              <a:buFont typeface="Wingdings" panose="05000000000000000000" pitchFamily="2" charset="2"/>
+              <a:buChar char="Ø"/>
+            </a:pPr>
+            <a:r>
+              <a:rPr lang="en-US" dirty="0"/>
+              <a:t> Day#1 Learnings Overview</a:t>
+            </a:r>
+          </a:p>
+          <a:p>
+            <a:pPr lvl="1">
+              <a:buFont typeface="Wingdings" panose="05000000000000000000" pitchFamily="2" charset="2"/>
+              <a:buChar char="Ø"/>
+            </a:pPr>
+            <a:r>
+              <a:rPr lang="en-US" dirty="0"/>
+              <a:t> Azure Blueprint </a:t>
+            </a:r>
+          </a:p>
+          <a:p>
+            <a:pPr lvl="1">
+              <a:buFont typeface="Wingdings" panose="05000000000000000000" pitchFamily="2" charset="2"/>
+              <a:buChar char="Ø"/>
+            </a:pPr>
+            <a:r>
+              <a:rPr lang="en-US" dirty="0"/>
+              <a:t> Azure Cost Management</a:t>
+            </a:r>
+          </a:p>
+          <a:p>
+            <a:pPr lvl="1">
+              <a:buFont typeface="Wingdings" panose="05000000000000000000" pitchFamily="2" charset="2"/>
+              <a:buChar char="Ø"/>
+            </a:pPr>
+            <a:r>
+              <a:rPr lang="en-US" dirty="0"/>
+              <a:t> Resource Graph</a:t>
+            </a:r>
+          </a:p>
+          <a:p>
+            <a:pPr lvl="1">
+              <a:buFont typeface="Wingdings" panose="05000000000000000000" pitchFamily="2" charset="2"/>
+              <a:buChar char="Ø"/>
+            </a:pPr>
+            <a:r>
+              <a:rPr lang="en-US" dirty="0"/>
+              <a:t> </a:t>
+            </a:r>
+            <a:r>
+              <a:rPr lang="en-US" dirty="0" err="1"/>
+              <a:t>QnA</a:t>
+            </a:r>
+            <a:endParaRPr lang="en-US" dirty="0"/>
           </a:p>
         </p:txBody>
       </p:sp>
     </p:spTree>
     <p:extLst>
       <p:ext uri="{BB962C8B-B14F-4D97-AF65-F5344CB8AC3E}">
-        <p14:creationId xmlns:p14="http://schemas.microsoft.com/office/powerpoint/2010/main" val="2030375675"/>
+        <p14:creationId xmlns:p14="http://schemas.microsoft.com/office/powerpoint/2010/main" val="362684067"/>
       </p:ext>
     </p:extLst>
   </p:cSld>
@@ -7588,7 +7914,7 @@
           <a:p>
             <a:r>
               <a:rPr lang="en-US" sz="4100" dirty="0"/>
-              <a:t>RBAC Challenge 	</a:t>
+              <a:t>Management Groups Challenge 	</a:t>
             </a:r>
           </a:p>
         </p:txBody>
@@ -7624,15 +7950,21 @@
             <a:pPr fontAlgn="ctr"/>
             <a:r>
               <a:rPr lang="en-US" sz="2400" dirty="0"/>
-              <a:t>Create an AAD group and assign permissions at the </a:t>
-            </a:r>
-            <a:r>
-              <a:rPr lang="en-US" sz="2400" b="1" dirty="0"/>
-              <a:t>Contoso</a:t>
-            </a:r>
+              <a:t>Draw a whiteboard of your suggested management group setup</a:t>
+            </a:r>
+          </a:p>
+          <a:p>
+            <a:pPr fontAlgn="ctr"/>
             <a:r>
               <a:rPr lang="en-US" sz="2400" dirty="0"/>
-              <a:t> management group level</a:t>
+              <a:t>Create a Management Group org structure that matches the sample on the slide</a:t>
+            </a:r>
+          </a:p>
+          <a:p>
+            <a:pPr fontAlgn="ctr"/>
+            <a:r>
+              <a:rPr lang="en-US" sz="2400" dirty="0"/>
+              <a:t>Move your subscription to App1 Management Group</a:t>
             </a:r>
           </a:p>
           <a:p>
@@ -7641,7 +7973,7 @@
             </a:pPr>
             <a:r>
               <a:rPr lang="en-US" sz="2400" dirty="0"/>
-              <a:t>Good luck!	</a:t>
+              <a:t>Good luck!</a:t>
             </a:r>
           </a:p>
           <a:p>
@@ -7682,7 +8014,7 @@
           <p:cNvPr id="5" name="Rectangle 4">
             <a:extLst>
               <a:ext uri="{FF2B5EF4-FFF2-40B4-BE49-F238E27FC236}">
-                <a16:creationId xmlns:a16="http://schemas.microsoft.com/office/drawing/2014/main" id="{71EB97ED-F7DA-4358-8DD5-CE2187747F6A}"/>
+                <a16:creationId xmlns:a16="http://schemas.microsoft.com/office/drawing/2014/main" id="{BCB7EFFE-90DC-481E-86DA-4273FFC4BA7B}"/>
               </a:ext>
             </a:extLst>
           </p:cNvPr>
@@ -7691,8 +8023,8 @@
         </p:nvSpPr>
         <p:spPr>
           <a:xfrm>
-            <a:off x="7262446" y="1793631"/>
-            <a:ext cx="817685" cy="439615"/>
+            <a:off x="7693269" y="2936631"/>
+            <a:ext cx="571500" cy="325315"/>
           </a:xfrm>
           <a:prstGeom prst="rect">
             <a:avLst/>
@@ -7732,7 +8064,7 @@
     </p:spTree>
     <p:extLst>
       <p:ext uri="{BB962C8B-B14F-4D97-AF65-F5344CB8AC3E}">
-        <p14:creationId xmlns:p14="http://schemas.microsoft.com/office/powerpoint/2010/main" val="3516489087"/>
+        <p14:creationId xmlns:p14="http://schemas.microsoft.com/office/powerpoint/2010/main" val="2030375675"/>
       </p:ext>
     </p:extLst>
   </p:cSld>
@@ -7796,24 +8128,8 @@
           <a:lstStyle/>
           <a:p>
             <a:r>
-              <a:rPr lang="en-US" dirty="0"/>
-              <a:t>R</a:t>
-            </a:r>
-            <a:r>
-              <a:rPr lang="en-US" sz="4400" dirty="0"/>
-              <a:t>esource </a:t>
-            </a:r>
-            <a:r>
-              <a:rPr lang="en-US" dirty="0"/>
-              <a:t>L</a:t>
-            </a:r>
-            <a:r>
-              <a:rPr lang="en-US" sz="4400" dirty="0"/>
-              <a:t>ock</a:t>
-            </a:r>
-            <a:r>
               <a:rPr lang="en-US" sz="4100" dirty="0"/>
-              <a:t> Challenge 	</a:t>
+              <a:t>RBAC Challenge 	</a:t>
             </a:r>
           </a:p>
         </p:txBody>
@@ -7849,7 +8165,232 @@
             <a:pPr fontAlgn="ctr"/>
             <a:r>
               <a:rPr lang="en-US" sz="2400" dirty="0"/>
-              <a:t>Create a resource lock on one of the VMs</a:t>
+              <a:t>Create an AAD group and assign permissions at the </a:t>
+            </a:r>
+            <a:r>
+              <a:rPr lang="en-US" sz="2400" b="1" dirty="0"/>
+              <a:t>Contoso</a:t>
+            </a:r>
+            <a:r>
+              <a:rPr lang="en-US" sz="2400" dirty="0"/>
+              <a:t> management group level</a:t>
+            </a:r>
+          </a:p>
+          <a:p>
+            <a:pPr marL="0" indent="0" algn="ctr">
+              <a:buNone/>
+            </a:pPr>
+            <a:r>
+              <a:rPr lang="en-US" sz="2400" dirty="0"/>
+              <a:t>Good luck!	</a:t>
+            </a:r>
+          </a:p>
+          <a:p>
+            <a:endParaRPr lang="en-US" sz="2400" dirty="0"/>
+          </a:p>
+        </p:txBody>
+      </p:sp>
+      <p:pic>
+        <p:nvPicPr>
+          <p:cNvPr id="4" name="Picture 3">
+            <a:extLst>
+              <a:ext uri="{FF2B5EF4-FFF2-40B4-BE49-F238E27FC236}">
+                <a16:creationId xmlns:a16="http://schemas.microsoft.com/office/drawing/2014/main" id="{1CDAD7F0-E38C-436A-B8E0-55FD883DC79A}"/>
+              </a:ext>
+            </a:extLst>
+          </p:cNvPr>
+          <p:cNvPicPr/>
+          <p:nvPr/>
+        </p:nvPicPr>
+        <p:blipFill rotWithShape="1">
+          <a:blip r:embed="rId3"/>
+          <a:srcRect r="10405"/>
+          <a:stretch/>
+        </p:blipFill>
+        <p:spPr>
+          <a:xfrm>
+            <a:off x="6090613" y="640082"/>
+            <a:ext cx="5461724" cy="5577837"/>
+          </a:xfrm>
+          <a:prstGeom prst="rect">
+            <a:avLst/>
+          </a:prstGeom>
+          <a:effectLst/>
+        </p:spPr>
+      </p:pic>
+      <p:sp>
+        <p:nvSpPr>
+          <p:cNvPr id="5" name="Rectangle 4">
+            <a:extLst>
+              <a:ext uri="{FF2B5EF4-FFF2-40B4-BE49-F238E27FC236}">
+                <a16:creationId xmlns:a16="http://schemas.microsoft.com/office/drawing/2014/main" id="{71EB97ED-F7DA-4358-8DD5-CE2187747F6A}"/>
+              </a:ext>
+            </a:extLst>
+          </p:cNvPr>
+          <p:cNvSpPr/>
+          <p:nvPr/>
+        </p:nvSpPr>
+        <p:spPr>
+          <a:xfrm>
+            <a:off x="7262446" y="1793631"/>
+            <a:ext cx="817685" cy="439615"/>
+          </a:xfrm>
+          <a:prstGeom prst="rect">
+            <a:avLst/>
+          </a:prstGeom>
+          <a:noFill/>
+          <a:ln w="28575">
+            <a:solidFill>
+              <a:srgbClr val="C00000"/>
+            </a:solidFill>
+          </a:ln>
+        </p:spPr>
+        <p:style>
+          <a:lnRef idx="2">
+            <a:schemeClr val="accent1">
+              <a:shade val="50000"/>
+            </a:schemeClr>
+          </a:lnRef>
+          <a:fillRef idx="1">
+            <a:schemeClr val="accent1"/>
+          </a:fillRef>
+          <a:effectRef idx="0">
+            <a:schemeClr val="accent1"/>
+          </a:effectRef>
+          <a:fontRef idx="minor">
+            <a:schemeClr val="lt1"/>
+          </a:fontRef>
+        </p:style>
+        <p:txBody>
+          <a:bodyPr rtlCol="0" anchor="ctr"/>
+          <a:lstStyle/>
+          <a:p>
+            <a:pPr algn="ctr"/>
+            <a:endParaRPr lang="sv-SE"/>
+          </a:p>
+        </p:txBody>
+      </p:sp>
+    </p:spTree>
+    <p:extLst>
+      <p:ext uri="{BB962C8B-B14F-4D97-AF65-F5344CB8AC3E}">
+        <p14:creationId xmlns:p14="http://schemas.microsoft.com/office/powerpoint/2010/main" val="3516489087"/>
+      </p:ext>
+    </p:extLst>
+  </p:cSld>
+  <p:clrMapOvr>
+    <a:masterClrMapping/>
+  </p:clrMapOvr>
+</p:sld>
+</file>
+
+<file path=ppt/slides/slide6.xml><?xml version="1.0" encoding="utf-8"?>
+<p:sld xmlns:a="http://schemas.openxmlformats.org/drawingml/2006/main" xmlns:r="http://schemas.openxmlformats.org/officeDocument/2006/relationships" xmlns:p="http://schemas.openxmlformats.org/presentationml/2006/main">
+  <p:cSld>
+    <p:bg>
+      <p:bgPr>
+        <a:solidFill>
+          <a:schemeClr val="bg1"/>
+        </a:solidFill>
+        <a:effectLst/>
+      </p:bgPr>
+    </p:bg>
+    <p:spTree>
+      <p:nvGrpSpPr>
+        <p:cNvPr id="1" name=""/>
+        <p:cNvGrpSpPr/>
+        <p:nvPr/>
+      </p:nvGrpSpPr>
+      <p:grpSpPr>
+        <a:xfrm>
+          <a:off x="0" y="0"/>
+          <a:ext cx="0" cy="0"/>
+          <a:chOff x="0" y="0"/>
+          <a:chExt cx="0" cy="0"/>
+        </a:xfrm>
+      </p:grpSpPr>
+      <p:sp>
+        <p:nvSpPr>
+          <p:cNvPr id="2" name="Title 1">
+            <a:extLst>
+              <a:ext uri="{FF2B5EF4-FFF2-40B4-BE49-F238E27FC236}">
+                <a16:creationId xmlns:a16="http://schemas.microsoft.com/office/drawing/2014/main" id="{60058EC1-5D04-4F24-9182-0E3316DEB259}"/>
+              </a:ext>
+            </a:extLst>
+          </p:cNvPr>
+          <p:cNvSpPr>
+            <a:spLocks noGrp="1"/>
+          </p:cNvSpPr>
+          <p:nvPr>
+            <p:ph type="title"/>
+          </p:nvPr>
+        </p:nvSpPr>
+        <p:spPr>
+          <a:xfrm>
+            <a:off x="648929" y="629266"/>
+            <a:ext cx="5127031" cy="1676603"/>
+          </a:xfrm>
+        </p:spPr>
+        <p:txBody>
+          <a:bodyPr>
+            <a:normAutofit/>
+          </a:bodyPr>
+          <a:lstStyle/>
+          <a:p>
+            <a:r>
+              <a:rPr lang="en-US" dirty="0"/>
+              <a:t>R</a:t>
+            </a:r>
+            <a:r>
+              <a:rPr lang="en-US" sz="4400" dirty="0"/>
+              <a:t>esource </a:t>
+            </a:r>
+            <a:r>
+              <a:rPr lang="en-US" dirty="0"/>
+              <a:t>L</a:t>
+            </a:r>
+            <a:r>
+              <a:rPr lang="en-US" sz="4400" dirty="0"/>
+              <a:t>ock</a:t>
+            </a:r>
+            <a:r>
+              <a:rPr lang="en-US" sz="4100" dirty="0"/>
+              <a:t> Challenge 	</a:t>
+            </a:r>
+          </a:p>
+        </p:txBody>
+      </p:sp>
+      <p:sp>
+        <p:nvSpPr>
+          <p:cNvPr id="3" name="Content Placeholder 2">
+            <a:extLst>
+              <a:ext uri="{FF2B5EF4-FFF2-40B4-BE49-F238E27FC236}">
+                <a16:creationId xmlns:a16="http://schemas.microsoft.com/office/drawing/2014/main" id="{F6074475-A229-48AD-8729-0FD1E62F0B0C}"/>
+              </a:ext>
+            </a:extLst>
+          </p:cNvPr>
+          <p:cNvSpPr>
+            <a:spLocks noGrp="1"/>
+          </p:cNvSpPr>
+          <p:nvPr>
+            <p:ph idx="1"/>
+          </p:nvPr>
+        </p:nvSpPr>
+        <p:spPr>
+          <a:xfrm>
+            <a:off x="648930" y="2438400"/>
+            <a:ext cx="5127029" cy="3785419"/>
+          </a:xfrm>
+        </p:spPr>
+        <p:txBody>
+          <a:bodyPr>
+            <a:normAutofit/>
+          </a:bodyPr>
+          <a:lstStyle/>
+          <a:p>
+            <a:pPr fontAlgn="ctr"/>
+            <a:r>
+              <a:rPr lang="en-US" sz="2400" dirty="0"/>
+              <a:t>Create a resource lock on one of the VMs and test that it works.</a:t>
             </a:r>
           </a:p>
           <a:p>
@@ -7951,180 +8492,6 @@
 </p:sld>
 </file>
 
-<file path=ppt/slides/slide6.xml><?xml version="1.0" encoding="utf-8"?>
-<p:sld xmlns:a="http://schemas.openxmlformats.org/drawingml/2006/main" xmlns:r="http://schemas.openxmlformats.org/officeDocument/2006/relationships" xmlns:p="http://schemas.openxmlformats.org/presentationml/2006/main">
-  <p:cSld>
-    <p:spTree>
-      <p:nvGrpSpPr>
-        <p:cNvPr id="1" name=""/>
-        <p:cNvGrpSpPr/>
-        <p:nvPr/>
-      </p:nvGrpSpPr>
-      <p:grpSpPr>
-        <a:xfrm>
-          <a:off x="0" y="0"/>
-          <a:ext cx="0" cy="0"/>
-          <a:chOff x="0" y="0"/>
-          <a:chExt cx="0" cy="0"/>
-        </a:xfrm>
-      </p:grpSpPr>
-      <p:sp>
-        <p:nvSpPr>
-          <p:cNvPr id="2" name="Title 1">
-            <a:extLst>
-              <a:ext uri="{FF2B5EF4-FFF2-40B4-BE49-F238E27FC236}">
-                <a16:creationId xmlns:a16="http://schemas.microsoft.com/office/drawing/2014/main" id="{60058EC1-5D04-4F24-9182-0E3316DEB259}"/>
-              </a:ext>
-            </a:extLst>
-          </p:cNvPr>
-          <p:cNvSpPr>
-            <a:spLocks noGrp="1"/>
-          </p:cNvSpPr>
-          <p:nvPr>
-            <p:ph type="title"/>
-          </p:nvPr>
-        </p:nvSpPr>
-        <p:spPr>
-          <a:xfrm>
-            <a:off x="434340" y="384375"/>
-            <a:ext cx="10919460" cy="832739"/>
-          </a:xfrm>
-        </p:spPr>
-        <p:txBody>
-          <a:bodyPr>
-            <a:normAutofit/>
-          </a:bodyPr>
-          <a:lstStyle/>
-          <a:p>
-            <a:r>
-              <a:rPr lang="en-US"/>
-              <a:t>Azure Policy Challenge 	</a:t>
-            </a:r>
-          </a:p>
-        </p:txBody>
-      </p:sp>
-      <p:sp>
-        <p:nvSpPr>
-          <p:cNvPr id="3" name="Content Placeholder 2">
-            <a:extLst>
-              <a:ext uri="{FF2B5EF4-FFF2-40B4-BE49-F238E27FC236}">
-                <a16:creationId xmlns:a16="http://schemas.microsoft.com/office/drawing/2014/main" id="{F6074475-A229-48AD-8729-0FD1E62F0B0C}"/>
-              </a:ext>
-            </a:extLst>
-          </p:cNvPr>
-          <p:cNvSpPr>
-            <a:spLocks noGrp="1"/>
-          </p:cNvSpPr>
-          <p:nvPr>
-            <p:ph idx="1"/>
-          </p:nvPr>
-        </p:nvSpPr>
-        <p:spPr>
-          <a:xfrm>
-            <a:off x="434340" y="1434465"/>
-            <a:ext cx="10919460" cy="5120640"/>
-          </a:xfrm>
-        </p:spPr>
-        <p:txBody>
-          <a:bodyPr>
-            <a:normAutofit/>
-          </a:bodyPr>
-          <a:lstStyle/>
-          <a:p>
-            <a:r>
-              <a:rPr lang="en-US" sz="2000" dirty="0"/>
-              <a:t>Assign the Audit VMs that do not use managed disks policy at the Contoso Management Group Level</a:t>
-            </a:r>
-          </a:p>
-          <a:p>
-            <a:pPr fontAlgn="ctr"/>
-            <a:r>
-              <a:rPr lang="en-US" sz="2000" dirty="0"/>
-              <a:t>Create a custom policy that denies the users ability to deploy G series VM SKU at the Applications Management Group Level</a:t>
-            </a:r>
-          </a:p>
-          <a:p>
-            <a:pPr lvl="1" fontAlgn="ctr"/>
-            <a:r>
-              <a:rPr lang="en-US" sz="2000" dirty="0"/>
-              <a:t>The policy rules/conditions, in this case – VM SKU size equal to G series</a:t>
-            </a:r>
-            <a:endParaRPr lang="en-US" dirty="0"/>
-          </a:p>
-          <a:p>
-            <a:pPr lvl="1" fontAlgn="ctr"/>
-            <a:r>
-              <a:rPr lang="en-US" sz="2000" dirty="0"/>
-              <a:t>The policy effect, in this case – Deny.</a:t>
-            </a:r>
-          </a:p>
-          <a:p>
-            <a:pPr lvl="1" fontAlgn="ctr"/>
-            <a:r>
-              <a:rPr lang="en-US" sz="2000" dirty="0">
-                <a:highlight>
-                  <a:srgbClr val="FFFF00"/>
-                </a:highlight>
-              </a:rPr>
-              <a:t>Note: json for policy can be found at the link below</a:t>
-            </a:r>
-            <a:endParaRPr lang="en-US" sz="2000" dirty="0"/>
-          </a:p>
-          <a:p>
-            <a:pPr fontAlgn="ctr"/>
-            <a:r>
-              <a:rPr lang="en-US" sz="2000" dirty="0"/>
-              <a:t>Attempt to deploy a G series VM and find the deployment error in the Azure Activity Log</a:t>
-            </a:r>
-          </a:p>
-          <a:p>
-            <a:pPr marL="0" indent="0" algn="ctr">
-              <a:buNone/>
-            </a:pPr>
-            <a:r>
-              <a:rPr lang="en-US" sz="2000" dirty="0"/>
-              <a:t>Good luck!</a:t>
-            </a:r>
-          </a:p>
-          <a:p>
-            <a:endParaRPr lang="en-US" sz="2000" dirty="0"/>
-          </a:p>
-          <a:p>
-            <a:pPr marL="0" indent="0" algn="ctr">
-              <a:buNone/>
-            </a:pPr>
-            <a:r>
-              <a:rPr lang="en-US" sz="4800" dirty="0"/>
-              <a:t>Resources:</a:t>
-            </a:r>
-          </a:p>
-          <a:p>
-            <a:pPr marL="0" indent="0" algn="ctr">
-              <a:buNone/>
-            </a:pPr>
-            <a:r>
-              <a:rPr lang="sv-SE" sz="4800" dirty="0">
-                <a:hlinkClick r:id="rId3"/>
-              </a:rPr>
-              <a:t>http://aka.ms/mtcsto/ws</a:t>
-            </a:r>
-            <a:endParaRPr lang="en-US" sz="4800" dirty="0"/>
-          </a:p>
-        </p:txBody>
-      </p:sp>
-    </p:spTree>
-    <p:extLst>
-      <p:ext uri="{BB962C8B-B14F-4D97-AF65-F5344CB8AC3E}">
-        <p14:creationId xmlns:p14="http://schemas.microsoft.com/office/powerpoint/2010/main" val="3193180807"/>
-      </p:ext>
-    </p:extLst>
-  </p:cSld>
-  <p:clrMapOvr>
-    <a:masterClrMapping/>
-  </p:clrMapOvr>
-</p:sld>
-</file>
-
 <file path=ppt/slides/slide7.xml><?xml version="1.0" encoding="utf-8"?>
 <p:sld xmlns:a="http://schemas.openxmlformats.org/drawingml/2006/main" xmlns:r="http://schemas.openxmlformats.org/officeDocument/2006/relationships" xmlns:p="http://schemas.openxmlformats.org/presentationml/2006/main">
   <p:cSld>
@@ -8147,7 +8514,7 @@
           <p:cNvPr id="2" name="Title 1">
             <a:extLst>
               <a:ext uri="{FF2B5EF4-FFF2-40B4-BE49-F238E27FC236}">
-                <a16:creationId xmlns:a16="http://schemas.microsoft.com/office/drawing/2014/main" id="{9103BE6A-C3F7-45A9-AAB2-2D815440BC0A}"/>
+                <a16:creationId xmlns:a16="http://schemas.microsoft.com/office/drawing/2014/main" id="{60058EC1-5D04-4F24-9182-0E3316DEB259}"/>
               </a:ext>
             </a:extLst>
           </p:cNvPr>
@@ -8160,41 +8527,8 @@
         </p:nvSpPr>
         <p:spPr>
           <a:xfrm>
-            <a:off x="374984" y="365125"/>
-            <a:ext cx="10978816" cy="1325563"/>
-          </a:xfrm>
-        </p:spPr>
-        <p:txBody>
-          <a:bodyPr/>
-          <a:lstStyle/>
-          <a:p>
-            <a:r>
-              <a:rPr lang="en-US"/>
-              <a:t>Azure Blueprint Challenge</a:t>
-            </a:r>
-          </a:p>
-        </p:txBody>
-      </p:sp>
-      <p:sp>
-        <p:nvSpPr>
-          <p:cNvPr id="3" name="Content Placeholder 2">
-            <a:extLst>
-              <a:ext uri="{FF2B5EF4-FFF2-40B4-BE49-F238E27FC236}">
-                <a16:creationId xmlns:a16="http://schemas.microsoft.com/office/drawing/2014/main" id="{83B3D083-6DDC-4DF6-842F-2957BF37C439}"/>
-              </a:ext>
-            </a:extLst>
-          </p:cNvPr>
-          <p:cNvSpPr>
-            <a:spLocks noGrp="1"/>
-          </p:cNvSpPr>
-          <p:nvPr>
-            <p:ph idx="1"/>
-          </p:nvPr>
-        </p:nvSpPr>
-        <p:spPr>
-          <a:xfrm>
-            <a:off x="3375660" y="3556040"/>
-            <a:ext cx="10515600" cy="4670892"/>
+            <a:off x="434340" y="384375"/>
+            <a:ext cx="10919460" cy="832739"/>
           </a:xfrm>
         </p:spPr>
         <p:txBody>
@@ -8203,388 +8537,115 @@
           </a:bodyPr>
           <a:lstStyle/>
           <a:p>
-            <a:endParaRPr lang="en-US" dirty="0"/>
-          </a:p>
-          <a:p>
-            <a:endParaRPr lang="en-US" dirty="0"/>
-          </a:p>
-          <a:p>
-            <a:endParaRPr lang="en-US" dirty="0"/>
-          </a:p>
-        </p:txBody>
-      </p:sp>
-      <p:sp>
-        <p:nvSpPr>
-          <p:cNvPr id="4" name="TextBox 3">
+            <a:r>
+              <a:rPr lang="en-US"/>
+              <a:t>Azure Policy Challenge 	</a:t>
+            </a:r>
+          </a:p>
+        </p:txBody>
+      </p:sp>
+      <p:sp>
+        <p:nvSpPr>
+          <p:cNvPr id="3" name="Content Placeholder 2">
             <a:extLst>
               <a:ext uri="{FF2B5EF4-FFF2-40B4-BE49-F238E27FC236}">
-                <a16:creationId xmlns:a16="http://schemas.microsoft.com/office/drawing/2014/main" id="{6D97B3D3-2A54-4466-A400-EB9C6BCC333B}"/>
+                <a16:creationId xmlns:a16="http://schemas.microsoft.com/office/drawing/2014/main" id="{F6074475-A229-48AD-8729-0FD1E62F0B0C}"/>
               </a:ext>
             </a:extLst>
           </p:cNvPr>
-          <p:cNvSpPr txBox="1"/>
-          <p:nvPr/>
+          <p:cNvSpPr>
+            <a:spLocks noGrp="1"/>
+          </p:cNvSpPr>
+          <p:nvPr>
+            <p:ph idx="1"/>
+          </p:nvPr>
         </p:nvSpPr>
         <p:spPr>
           <a:xfrm>
-            <a:off x="374984" y="1567543"/>
-            <a:ext cx="10848073" cy="5632311"/>
+            <a:off x="434340" y="1434465"/>
+            <a:ext cx="10919460" cy="5120640"/>
           </a:xfrm>
-          <a:prstGeom prst="rect">
-            <a:avLst/>
-          </a:prstGeom>
-          <a:noFill/>
         </p:spPr>
         <p:txBody>
-          <a:bodyPr wrap="square" rtlCol="0">
-            <a:spAutoFit/>
+          <a:bodyPr>
+            <a:normAutofit/>
           </a:bodyPr>
           <a:lstStyle/>
           <a:p>
-            <a:pPr marL="285750" indent="-285750">
-              <a:buFont typeface="Arial" panose="020B0604020202020204" pitchFamily="34" charset="0"/>
-              <a:buChar char="•"/>
-            </a:pPr>
-            <a:r>
-              <a:rPr lang="en-US" sz="2400" dirty="0"/>
-              <a:t>Create a Blueprint in the Contoso Management Group that has the following:</a:t>
-            </a:r>
-          </a:p>
-          <a:p>
-            <a:pPr marL="742950" lvl="1" indent="-285750">
-              <a:buFont typeface="Arial" panose="020B0604020202020204" pitchFamily="34" charset="0"/>
-              <a:buChar char="•"/>
-            </a:pPr>
-            <a:r>
-              <a:rPr lang="en-US" sz="2400" dirty="0"/>
-              <a:t>Role assignment for Contributor</a:t>
-            </a:r>
-          </a:p>
-          <a:p>
-            <a:pPr marL="742950" lvl="1" indent="-285750">
-              <a:buFont typeface="Arial" panose="020B0604020202020204" pitchFamily="34" charset="0"/>
-              <a:buChar char="•"/>
-            </a:pPr>
-            <a:r>
-              <a:rPr lang="en-US" sz="2400" dirty="0"/>
-              <a:t>Policy Assignment for ‘Add or replace a tag on resource groups’</a:t>
-            </a:r>
-          </a:p>
-          <a:p>
-            <a:pPr marL="742950" lvl="1" indent="-285750">
-              <a:buFont typeface="Arial" panose="020B0604020202020204" pitchFamily="34" charset="0"/>
-              <a:buChar char="•"/>
-            </a:pPr>
-            <a:r>
-              <a:rPr lang="en-US" sz="2400" dirty="0"/>
-              <a:t>A Resource Group</a:t>
-            </a:r>
-          </a:p>
-          <a:p>
-            <a:pPr marL="742950" lvl="1" indent="-285750">
-              <a:buFont typeface="Arial" panose="020B0604020202020204" pitchFamily="34" charset="0"/>
-              <a:buChar char="•"/>
-            </a:pPr>
-            <a:r>
-              <a:rPr lang="en-US" sz="2400" dirty="0"/>
-              <a:t>Azure Resource Management Template for </a:t>
-            </a:r>
-            <a:r>
-              <a:rPr lang="en-US" sz="2400" dirty="0" err="1"/>
-              <a:t>StorageAccount</a:t>
-            </a:r>
-            <a:r>
-              <a:rPr lang="en-US" sz="2400" dirty="0"/>
-              <a:t> </a:t>
-            </a:r>
-            <a:br>
-              <a:rPr lang="en-US" sz="2400" dirty="0"/>
-            </a:br>
-            <a:r>
-              <a:rPr lang="en-US" sz="2400" dirty="0">
+            <a:r>
+              <a:rPr lang="en-US" sz="2000" dirty="0"/>
+              <a:t>Assign the Audit VMs that do not use managed disks policy at the Contoso Management Group Level</a:t>
+            </a:r>
+          </a:p>
+          <a:p>
+            <a:pPr fontAlgn="ctr"/>
+            <a:r>
+              <a:rPr lang="en-US" sz="2000" dirty="0"/>
+              <a:t>Create a custom policy that denies the users ability to </a:t>
+            </a:r>
+            <a:r>
+              <a:rPr lang="en-US" sz="2000"/>
+              <a:t>deploy D </a:t>
+            </a:r>
+            <a:r>
+              <a:rPr lang="en-US" sz="2000" dirty="0"/>
+              <a:t>series VM SKU at the Applications Management Group Level</a:t>
+            </a:r>
+          </a:p>
+          <a:p>
+            <a:pPr lvl="1" fontAlgn="ctr"/>
+            <a:r>
+              <a:rPr lang="en-US" sz="2000" dirty="0"/>
+              <a:t>The policy rules/conditions, in this case – VM SKU size equal to G series</a:t>
+            </a:r>
+            <a:endParaRPr lang="en-US" dirty="0"/>
+          </a:p>
+          <a:p>
+            <a:pPr lvl="1" fontAlgn="ctr"/>
+            <a:r>
+              <a:rPr lang="en-US" sz="2000" dirty="0"/>
+              <a:t>The policy effect, in this case – Deny.</a:t>
+            </a:r>
+          </a:p>
+          <a:p>
+            <a:pPr lvl="1" fontAlgn="ctr"/>
+            <a:r>
+              <a:rPr lang="en-US" sz="2000" dirty="0">
                 <a:highlight>
                   <a:srgbClr val="FFFF00"/>
                 </a:highlight>
               </a:rPr>
-              <a:t>Note: json for template can be found at the link below</a:t>
-            </a:r>
-          </a:p>
-          <a:p>
-            <a:pPr marL="742950" lvl="1" indent="-285750">
-              <a:buFont typeface="Arial" panose="020B0604020202020204" pitchFamily="34" charset="0"/>
-              <a:buChar char="•"/>
+              <a:t>Note: json for policies can be found in the files tab in the general channel in Teams</a:t>
+            </a:r>
+            <a:endParaRPr lang="en-US" sz="2000" dirty="0"/>
+          </a:p>
+          <a:p>
+            <a:pPr fontAlgn="ctr"/>
+            <a:r>
+              <a:rPr lang="en-US" sz="2000" dirty="0"/>
+              <a:t>Attempt to deploy a D series VM and find the deployment error in the Azure Activity Log</a:t>
+            </a:r>
+          </a:p>
+          <a:p>
+            <a:pPr marL="0" indent="0" algn="ctr">
+              <a:buNone/>
             </a:pPr>
             <a:r>
-              <a:rPr lang="en-US" sz="2400" dirty="0"/>
-              <a:t>It should look like the screenshot on the next slide</a:t>
-            </a:r>
-          </a:p>
-          <a:p>
-            <a:pPr marL="742950" lvl="1" indent="-285750">
-              <a:buFont typeface="Arial" panose="020B0604020202020204" pitchFamily="34" charset="0"/>
-              <a:buChar char="•"/>
-            </a:pPr>
-            <a:r>
-              <a:rPr lang="en-US" sz="2400" dirty="0"/>
-              <a:t>Add a description, publish and assign this Blueprint to the Free Trial Subscription.  Use an existing group for role assignment Contributor.  Set Tag Name to </a:t>
-            </a:r>
-            <a:r>
-              <a:rPr lang="en-US" sz="2400" dirty="0" err="1"/>
-              <a:t>costCenter</a:t>
-            </a:r>
-            <a:r>
-              <a:rPr lang="en-US" sz="2400" dirty="0"/>
-              <a:t> and Tag Value to </a:t>
-            </a:r>
-            <a:r>
-              <a:rPr lang="en-US" sz="2400" dirty="0" err="1"/>
-              <a:t>ContosoIT</a:t>
-            </a:r>
-            <a:r>
-              <a:rPr lang="en-US" sz="2400" dirty="0"/>
-              <a:t>.</a:t>
-            </a:r>
-          </a:p>
-          <a:p>
-            <a:pPr algn="ctr"/>
-            <a:r>
-              <a:rPr lang="en-US" sz="4800" dirty="0"/>
-              <a:t>Resources:</a:t>
-            </a:r>
-          </a:p>
-          <a:p>
-            <a:pPr algn="ctr"/>
-            <a:r>
-              <a:rPr lang="sv-SE" sz="4800" dirty="0">
-                <a:hlinkClick r:id="rId3"/>
-              </a:rPr>
-              <a:t>http://aka.ms/mtcsto/ws</a:t>
-            </a:r>
-            <a:endParaRPr lang="en-US" sz="4800" dirty="0"/>
-          </a:p>
-          <a:p>
-            <a:pPr lvl="1"/>
-            <a:endParaRPr lang="en-US" sz="2400" dirty="0"/>
-          </a:p>
-        </p:txBody>
-      </p:sp>
-      <p:sp>
-        <p:nvSpPr>
-          <p:cNvPr id="5" name="Rectangle 2">
+              <a:rPr lang="en-US" sz="2000" dirty="0"/>
+              <a:t>Good luck!</a:t>
+            </a:r>
+          </a:p>
+          <a:p>
+            <a:endParaRPr lang="en-US" sz="2000" dirty="0"/>
+          </a:p>
+        </p:txBody>
+      </p:sp>
+      <p:pic>
+        <p:nvPicPr>
+          <p:cNvPr id="5" name="Picture 4">
             <a:extLst>
               <a:ext uri="{FF2B5EF4-FFF2-40B4-BE49-F238E27FC236}">
-                <a16:creationId xmlns:a16="http://schemas.microsoft.com/office/drawing/2014/main" id="{1CC0CC1B-2744-4683-A6DA-6D3DF181219E}"/>
-              </a:ext>
-            </a:extLst>
-          </p:cNvPr>
-          <p:cNvSpPr>
-            <a:spLocks noChangeArrowheads="1"/>
-          </p:cNvSpPr>
-          <p:nvPr/>
-        </p:nvSpPr>
-        <p:spPr bwMode="auto">
-          <a:xfrm>
-            <a:off x="2537460" y="2009775"/>
-            <a:ext cx="12192000" cy="457200"/>
-          </a:xfrm>
-          <a:prstGeom prst="rect">
-            <a:avLst/>
-          </a:prstGeom>
-          <a:noFill/>
-          <a:ln>
-            <a:noFill/>
-          </a:ln>
-          <a:effectLst/>
-          <a:extLst>
-            <a:ext uri="{909E8E84-426E-40DD-AFC4-6F175D3DCCD1}">
-              <a14:hiddenFill xmlns:a14="http://schemas.microsoft.com/office/drawing/2010/main">
-                <a:solidFill>
-                  <a:schemeClr val="accent1"/>
-                </a:solidFill>
-              </a14:hiddenFill>
-            </a:ext>
-            <a:ext uri="{91240B29-F687-4F45-9708-019B960494DF}">
-              <a14:hiddenLine xmlns:a14="http://schemas.microsoft.com/office/drawing/2010/main" w="9525">
-                <a:solidFill>
-                  <a:schemeClr val="tx1"/>
-                </a:solidFill>
-                <a:miter lim="800000"/>
-                <a:headEnd/>
-                <a:tailEnd/>
-              </a14:hiddenLine>
-            </a:ext>
-            <a:ext uri="{AF507438-7753-43E0-B8FC-AC1667EBCBE1}">
-              <a14:hiddenEffects xmlns:a14="http://schemas.microsoft.com/office/drawing/2010/main">
-                <a:effectLst>
-                  <a:outerShdw dist="35921" dir="2700000" algn="ctr" rotWithShape="0">
-                    <a:schemeClr val="bg2"/>
-                  </a:outerShdw>
-                </a:effectLst>
-              </a14:hiddenEffects>
-            </a:ext>
-          </a:extLst>
-        </p:spPr>
-        <p:txBody>
-          <a:bodyPr vert="horz" wrap="none" lIns="91440" tIns="45720" rIns="91440" bIns="45720" numCol="1" anchor="ctr" anchorCtr="0" compatLnSpc="1">
-            <a:prstTxWarp prst="textNoShape">
-              <a:avLst/>
-            </a:prstTxWarp>
-            <a:spAutoFit/>
-          </a:bodyPr>
-          <a:lstStyle/>
-          <a:p>
-            <a:endParaRPr lang="en-US"/>
-          </a:p>
-        </p:txBody>
-      </p:sp>
-      <p:sp>
-        <p:nvSpPr>
-          <p:cNvPr id="6" name="Rectangle 3">
-            <a:extLst>
-              <a:ext uri="{FF2B5EF4-FFF2-40B4-BE49-F238E27FC236}">
-                <a16:creationId xmlns:a16="http://schemas.microsoft.com/office/drawing/2014/main" id="{1CB4D4C4-0379-4A8A-9E90-1C99022C37D3}"/>
-              </a:ext>
-            </a:extLst>
-          </p:cNvPr>
-          <p:cNvSpPr>
-            <a:spLocks noChangeArrowheads="1"/>
-          </p:cNvSpPr>
-          <p:nvPr/>
-        </p:nvSpPr>
-        <p:spPr bwMode="auto">
-          <a:xfrm>
-            <a:off x="2543810" y="4391025"/>
-            <a:ext cx="12192000" cy="0"/>
-          </a:xfrm>
-          <a:prstGeom prst="rect">
-            <a:avLst/>
-          </a:prstGeom>
-          <a:noFill/>
-          <a:ln>
-            <a:noFill/>
-          </a:ln>
-          <a:effectLst/>
-          <a:extLst>
-            <a:ext uri="{909E8E84-426E-40DD-AFC4-6F175D3DCCD1}">
-              <a14:hiddenFill xmlns:a14="http://schemas.microsoft.com/office/drawing/2010/main">
-                <a:solidFill>
-                  <a:schemeClr val="accent1"/>
-                </a:solidFill>
-              </a14:hiddenFill>
-            </a:ext>
-            <a:ext uri="{91240B29-F687-4F45-9708-019B960494DF}">
-              <a14:hiddenLine xmlns:a14="http://schemas.microsoft.com/office/drawing/2010/main" w="9525">
-                <a:solidFill>
-                  <a:schemeClr val="tx1"/>
-                </a:solidFill>
-                <a:miter lim="800000"/>
-                <a:headEnd/>
-                <a:tailEnd/>
-              </a14:hiddenLine>
-            </a:ext>
-            <a:ext uri="{AF507438-7753-43E0-B8FC-AC1667EBCBE1}">
-              <a14:hiddenEffects xmlns:a14="http://schemas.microsoft.com/office/drawing/2010/main">
-                <a:effectLst>
-                  <a:outerShdw dist="35921" dir="2700000" algn="ctr" rotWithShape="0">
-                    <a:schemeClr val="bg2"/>
-                  </a:outerShdw>
-                </a:effectLst>
-              </a14:hiddenEffects>
-            </a:ext>
-          </a:extLst>
-        </p:spPr>
-        <p:txBody>
-          <a:bodyPr vert="horz" wrap="none" lIns="91440" tIns="45720" rIns="91440" bIns="45720" numCol="1" anchor="ctr" anchorCtr="0" compatLnSpc="1">
-            <a:prstTxWarp prst="textNoShape">
-              <a:avLst/>
-            </a:prstTxWarp>
-            <a:spAutoFit/>
-          </a:bodyPr>
-          <a:lstStyle/>
-          <a:p>
-            <a:endParaRPr lang="en-US"/>
-          </a:p>
-        </p:txBody>
-      </p:sp>
-    </p:spTree>
-    <p:extLst>
-      <p:ext uri="{BB962C8B-B14F-4D97-AF65-F5344CB8AC3E}">
-        <p14:creationId xmlns:p14="http://schemas.microsoft.com/office/powerpoint/2010/main" val="4232406185"/>
-      </p:ext>
-    </p:extLst>
-  </p:cSld>
-  <p:clrMapOvr>
-    <a:masterClrMapping/>
-  </p:clrMapOvr>
-</p:sld>
-</file>
-
-<file path=ppt/slides/slide8.xml><?xml version="1.0" encoding="utf-8"?>
-<p:sld xmlns:a="http://schemas.openxmlformats.org/drawingml/2006/main" xmlns:r="http://schemas.openxmlformats.org/officeDocument/2006/relationships" xmlns:p="http://schemas.openxmlformats.org/presentationml/2006/main">
-  <p:cSld>
-    <p:bg>
-      <p:bgPr>
-        <a:solidFill>
-          <a:schemeClr val="bg1"/>
-        </a:solidFill>
-        <a:effectLst/>
-      </p:bgPr>
-    </p:bg>
-    <p:spTree>
-      <p:nvGrpSpPr>
-        <p:cNvPr id="1" name=""/>
-        <p:cNvGrpSpPr/>
-        <p:nvPr/>
-      </p:nvGrpSpPr>
-      <p:grpSpPr>
-        <a:xfrm>
-          <a:off x="0" y="0"/>
-          <a:ext cx="0" cy="0"/>
-          <a:chOff x="0" y="0"/>
-          <a:chExt cx="0" cy="0"/>
-        </a:xfrm>
-      </p:grpSpPr>
-      <p:sp>
-        <p:nvSpPr>
-          <p:cNvPr id="2" name="Title 1">
-            <a:extLst>
-              <a:ext uri="{FF2B5EF4-FFF2-40B4-BE49-F238E27FC236}">
-                <a16:creationId xmlns:a16="http://schemas.microsoft.com/office/drawing/2014/main" id="{66235BB9-B96B-4404-B184-B8802030B00B}"/>
-              </a:ext>
-            </a:extLst>
-          </p:cNvPr>
-          <p:cNvSpPr>
-            <a:spLocks noGrp="1"/>
-          </p:cNvSpPr>
-          <p:nvPr>
-            <p:ph type="title"/>
-          </p:nvPr>
-        </p:nvSpPr>
-        <p:spPr/>
-        <p:txBody>
-          <a:bodyPr vert="horz" lIns="91440" tIns="45720" rIns="91440" bIns="45720" rtlCol="0" anchor="b">
-            <a:normAutofit/>
-          </a:bodyPr>
-          <a:lstStyle/>
-          <a:p>
-            <a:pPr algn="ctr"/>
-            <a:r>
-              <a:rPr lang="en-US" sz="5400" kern="1200" dirty="0">
-                <a:latin typeface="+mj-lt"/>
-                <a:ea typeface="+mj-ea"/>
-                <a:cs typeface="+mj-cs"/>
-              </a:rPr>
-              <a:t>Blueprint</a:t>
-            </a:r>
-          </a:p>
-        </p:txBody>
-      </p:sp>
-      <p:pic>
-        <p:nvPicPr>
-          <p:cNvPr id="3" name="Picture 2">
-            <a:extLst>
-              <a:ext uri="{FF2B5EF4-FFF2-40B4-BE49-F238E27FC236}">
-                <a16:creationId xmlns:a16="http://schemas.microsoft.com/office/drawing/2014/main" id="{BAF77C2B-77B5-4FBD-9AF6-D09D2074FE80}"/>
+                <a16:creationId xmlns:a16="http://schemas.microsoft.com/office/drawing/2014/main" id="{727138A7-23FB-434B-A52C-8CCA271AF7CC}"/>
               </a:ext>
             </a:extLst>
           </p:cNvPr>
@@ -8601,8 +8662,8 @@
         </p:blipFill>
         <p:spPr>
           <a:xfrm>
-            <a:off x="320040" y="2827319"/>
-            <a:ext cx="11496821" cy="3362821"/>
+            <a:off x="3083803" y="4295545"/>
+            <a:ext cx="5620534" cy="3296110"/>
           </a:xfrm>
           <a:prstGeom prst="rect">
             <a:avLst/>
@@ -8612,7 +8673,181 @@
     </p:spTree>
     <p:extLst>
       <p:ext uri="{BB962C8B-B14F-4D97-AF65-F5344CB8AC3E}">
-        <p14:creationId xmlns:p14="http://schemas.microsoft.com/office/powerpoint/2010/main" val="2280338814"/>
+        <p14:creationId xmlns:p14="http://schemas.microsoft.com/office/powerpoint/2010/main" val="3193180807"/>
+      </p:ext>
+    </p:extLst>
+  </p:cSld>
+  <p:clrMapOvr>
+    <a:masterClrMapping/>
+  </p:clrMapOvr>
+</p:sld>
+</file>
+
+<file path=ppt/slides/slide8.xml><?xml version="1.0" encoding="utf-8"?>
+<p:sld xmlns:a="http://schemas.openxmlformats.org/drawingml/2006/main" xmlns:r="http://schemas.openxmlformats.org/officeDocument/2006/relationships" xmlns:p="http://schemas.openxmlformats.org/presentationml/2006/main" show="0">
+  <p:cSld>
+    <p:spTree>
+      <p:nvGrpSpPr>
+        <p:cNvPr id="1" name=""/>
+        <p:cNvGrpSpPr/>
+        <p:nvPr/>
+      </p:nvGrpSpPr>
+      <p:grpSpPr>
+        <a:xfrm>
+          <a:off x="0" y="0"/>
+          <a:ext cx="0" cy="0"/>
+          <a:chOff x="0" y="0"/>
+          <a:chExt cx="0" cy="0"/>
+        </a:xfrm>
+      </p:grpSpPr>
+      <p:sp>
+        <p:nvSpPr>
+          <p:cNvPr id="2" name="Title 1">
+            <a:extLst>
+              <a:ext uri="{FF2B5EF4-FFF2-40B4-BE49-F238E27FC236}">
+                <a16:creationId xmlns:a16="http://schemas.microsoft.com/office/drawing/2014/main" id="{60058EC1-5D04-4F24-9182-0E3316DEB259}"/>
+              </a:ext>
+            </a:extLst>
+          </p:cNvPr>
+          <p:cNvSpPr>
+            <a:spLocks noGrp="1"/>
+          </p:cNvSpPr>
+          <p:nvPr>
+            <p:ph type="title"/>
+          </p:nvPr>
+        </p:nvSpPr>
+        <p:spPr>
+          <a:xfrm>
+            <a:off x="434340" y="384375"/>
+            <a:ext cx="10919460" cy="832739"/>
+          </a:xfrm>
+        </p:spPr>
+        <p:txBody>
+          <a:bodyPr>
+            <a:normAutofit/>
+          </a:bodyPr>
+          <a:lstStyle/>
+          <a:p>
+            <a:r>
+              <a:rPr lang="en-US"/>
+              <a:t>Azure Policy Challenge 	</a:t>
+            </a:r>
+          </a:p>
+        </p:txBody>
+      </p:sp>
+      <p:sp>
+        <p:nvSpPr>
+          <p:cNvPr id="3" name="Content Placeholder 2">
+            <a:extLst>
+              <a:ext uri="{FF2B5EF4-FFF2-40B4-BE49-F238E27FC236}">
+                <a16:creationId xmlns:a16="http://schemas.microsoft.com/office/drawing/2014/main" id="{F6074475-A229-48AD-8729-0FD1E62F0B0C}"/>
+              </a:ext>
+            </a:extLst>
+          </p:cNvPr>
+          <p:cNvSpPr>
+            <a:spLocks noGrp="1"/>
+          </p:cNvSpPr>
+          <p:nvPr>
+            <p:ph idx="1"/>
+          </p:nvPr>
+        </p:nvSpPr>
+        <p:spPr>
+          <a:xfrm>
+            <a:off x="434340" y="1434465"/>
+            <a:ext cx="10919460" cy="5120640"/>
+          </a:xfrm>
+        </p:spPr>
+        <p:txBody>
+          <a:bodyPr>
+            <a:normAutofit/>
+          </a:bodyPr>
+          <a:lstStyle/>
+          <a:p>
+            <a:r>
+              <a:rPr lang="en-US" sz="2000" dirty="0"/>
+              <a:t>Assign the Audit VMs that do not use managed disks policy at the Contoso Management Group Level</a:t>
+            </a:r>
+          </a:p>
+          <a:p>
+            <a:pPr fontAlgn="ctr"/>
+            <a:r>
+              <a:rPr lang="en-US" sz="2000" dirty="0"/>
+              <a:t>Create a custom policy that denies the users ability to deploy G series VM SKU at the Applications Management Group Level</a:t>
+            </a:r>
+          </a:p>
+          <a:p>
+            <a:pPr lvl="1" fontAlgn="ctr"/>
+            <a:r>
+              <a:rPr lang="en-US" sz="2000" dirty="0"/>
+              <a:t>The policy rules/conditions, in this case – VM SKU size equal to G series</a:t>
+            </a:r>
+            <a:endParaRPr lang="en-US" dirty="0"/>
+          </a:p>
+          <a:p>
+            <a:pPr lvl="1" fontAlgn="ctr"/>
+            <a:r>
+              <a:rPr lang="en-US" sz="2000" dirty="0"/>
+              <a:t>The policy effect, in this case – Deny.</a:t>
+            </a:r>
+          </a:p>
+          <a:p>
+            <a:pPr lvl="1" fontAlgn="ctr"/>
+            <a:r>
+              <a:rPr lang="en-US" sz="2000" dirty="0">
+                <a:highlight>
+                  <a:srgbClr val="FFFF00"/>
+                </a:highlight>
+              </a:rPr>
+              <a:t>Note: json for policy can be found at the link below</a:t>
+            </a:r>
+            <a:endParaRPr lang="en-US" sz="2000" dirty="0"/>
+          </a:p>
+          <a:p>
+            <a:pPr fontAlgn="ctr"/>
+            <a:r>
+              <a:rPr lang="en-US" sz="2000" dirty="0"/>
+              <a:t>Attempt to deploy a G series VM and find the deployment error in the Azure Activity Log</a:t>
+            </a:r>
+          </a:p>
+          <a:p>
+            <a:pPr marL="0" indent="0" algn="ctr">
+              <a:buNone/>
+            </a:pPr>
+            <a:r>
+              <a:rPr lang="en-US" sz="2000" dirty="0"/>
+              <a:t>Good luck!</a:t>
+            </a:r>
+          </a:p>
+          <a:p>
+            <a:endParaRPr lang="en-US" sz="2000" dirty="0"/>
+          </a:p>
+          <a:p>
+            <a:pPr marL="0" indent="0" algn="ctr">
+              <a:buNone/>
+            </a:pPr>
+            <a:r>
+              <a:rPr lang="en-US" sz="4800" dirty="0"/>
+              <a:t>Resources:</a:t>
+            </a:r>
+          </a:p>
+          <a:p>
+            <a:pPr marL="0" indent="0" algn="ctr">
+              <a:buNone/>
+            </a:pPr>
+            <a:r>
+              <a:rPr lang="sv-SE" sz="4800" dirty="0">
+                <a:hlinkClick r:id="rId3"/>
+              </a:rPr>
+              <a:t>http://aka.ms/mtcsto/ws</a:t>
+            </a:r>
+            <a:endParaRPr lang="en-US" sz="4800" dirty="0"/>
+          </a:p>
+        </p:txBody>
+      </p:sp>
+    </p:spTree>
+    <p:extLst>
+      <p:ext uri="{BB962C8B-B14F-4D97-AF65-F5344CB8AC3E}">
+        <p14:creationId xmlns:p14="http://schemas.microsoft.com/office/powerpoint/2010/main" val="553410136"/>
       </p:ext>
     </p:extLst>
   </p:cSld>
@@ -8644,7 +8879,7 @@
           <p:cNvPr id="2" name="Title 1">
             <a:extLst>
               <a:ext uri="{FF2B5EF4-FFF2-40B4-BE49-F238E27FC236}">
-                <a16:creationId xmlns:a16="http://schemas.microsoft.com/office/drawing/2014/main" id="{DF07F779-9493-43B4-B2B0-F6812A193792}"/>
+                <a16:creationId xmlns:a16="http://schemas.microsoft.com/office/drawing/2014/main" id="{9103BE6A-C3F7-45A9-AAB2-2D815440BC0A}"/>
               </a:ext>
             </a:extLst>
           </p:cNvPr>
@@ -8655,14 +8890,19 @@
             <p:ph type="title"/>
           </p:nvPr>
         </p:nvSpPr>
-        <p:spPr/>
+        <p:spPr>
+          <a:xfrm>
+            <a:off x="374984" y="365125"/>
+            <a:ext cx="10978816" cy="1325563"/>
+          </a:xfrm>
+        </p:spPr>
         <p:txBody>
           <a:bodyPr/>
           <a:lstStyle/>
           <a:p>
             <a:r>
               <a:rPr lang="en-US"/>
-              <a:t>Cost Management Challenge</a:t>
+              <a:t>Azure Blueprint Challenge</a:t>
             </a:r>
           </a:p>
         </p:txBody>
@@ -8672,7 +8912,7 @@
           <p:cNvPr id="3" name="Content Placeholder 2">
             <a:extLst>
               <a:ext uri="{FF2B5EF4-FFF2-40B4-BE49-F238E27FC236}">
-                <a16:creationId xmlns:a16="http://schemas.microsoft.com/office/drawing/2014/main" id="{1E78601A-55E5-4C27-BA46-67A384908580}"/>
+                <a16:creationId xmlns:a16="http://schemas.microsoft.com/office/drawing/2014/main" id="{83B3D083-6DDC-4DF6-842F-2957BF37C439}"/>
               </a:ext>
             </a:extLst>
           </p:cNvPr>
@@ -8683,57 +8923,325 @@
             <p:ph idx="1"/>
           </p:nvPr>
         </p:nvSpPr>
-        <p:spPr/>
+        <p:spPr>
+          <a:xfrm>
+            <a:off x="3375660" y="3556040"/>
+            <a:ext cx="10515600" cy="4670892"/>
+          </a:xfrm>
+        </p:spPr>
         <p:txBody>
           <a:bodyPr>
             <a:normAutofit/>
           </a:bodyPr>
           <a:lstStyle/>
           <a:p>
-            <a:pPr fontAlgn="ctr"/>
-            <a:r>
-              <a:rPr lang="en-US" dirty="0"/>
-              <a:t>Create a Monthly Cost report to determine which Resource type is costing the most</a:t>
-            </a:r>
-          </a:p>
-          <a:p>
-            <a:pPr fontAlgn="ctr"/>
-            <a:r>
-              <a:rPr lang="en-US" dirty="0"/>
-              <a:t>Create a monthly budget of $200 per month, set an alert when it reached 75% of budget, add an email address</a:t>
-            </a:r>
-          </a:p>
-          <a:p>
-            <a:pPr fontAlgn="ctr"/>
-            <a:r>
-              <a:rPr lang="en-US" dirty="0"/>
-              <a:t>Create an CSV export for the “Quarterly Cost by resource" for the Free Trial Subscription</a:t>
-            </a:r>
-          </a:p>
-          <a:p>
-            <a:pPr marL="0" indent="0" algn="ctr">
-              <a:buNone/>
+            <a:endParaRPr lang="en-US" dirty="0"/>
+          </a:p>
+          <a:p>
+            <a:endParaRPr lang="en-US" dirty="0"/>
+          </a:p>
+          <a:p>
+            <a:endParaRPr lang="en-US" dirty="0"/>
+          </a:p>
+        </p:txBody>
+      </p:sp>
+      <p:sp>
+        <p:nvSpPr>
+          <p:cNvPr id="4" name="TextBox 3">
+            <a:extLst>
+              <a:ext uri="{FF2B5EF4-FFF2-40B4-BE49-F238E27FC236}">
+                <a16:creationId xmlns:a16="http://schemas.microsoft.com/office/drawing/2014/main" id="{6D97B3D3-2A54-4466-A400-EB9C6BCC333B}"/>
+              </a:ext>
+            </a:extLst>
+          </p:cNvPr>
+          <p:cNvSpPr txBox="1"/>
+          <p:nvPr/>
+        </p:nvSpPr>
+        <p:spPr>
+          <a:xfrm>
+            <a:off x="374984" y="1567543"/>
+            <a:ext cx="10848073" cy="5632311"/>
+          </a:xfrm>
+          <a:prstGeom prst="rect">
+            <a:avLst/>
+          </a:prstGeom>
+          <a:noFill/>
+        </p:spPr>
+        <p:txBody>
+          <a:bodyPr wrap="square" rtlCol="0">
+            <a:spAutoFit/>
+          </a:bodyPr>
+          <a:lstStyle/>
+          <a:p>
+            <a:pPr marL="285750" indent="-285750">
+              <a:buFont typeface="Arial" panose="020B0604020202020204" pitchFamily="34" charset="0"/>
+              <a:buChar char="•"/>
             </a:pPr>
-            <a:endParaRPr lang="en-US" dirty="0"/>
-          </a:p>
-          <a:p>
-            <a:pPr marL="0" indent="0" algn="ctr">
-              <a:buNone/>
+            <a:r>
+              <a:rPr lang="en-US" sz="2400" dirty="0"/>
+              <a:t>Create a Blueprint in the Contoso Management Group that has the following:</a:t>
+            </a:r>
+          </a:p>
+          <a:p>
+            <a:pPr marL="742950" lvl="1" indent="-285750">
+              <a:buFont typeface="Arial" panose="020B0604020202020204" pitchFamily="34" charset="0"/>
+              <a:buChar char="•"/>
             </a:pPr>
             <a:r>
-              <a:rPr lang="en-US" dirty="0"/>
-              <a:t>Good luck</a:t>
-            </a:r>
-          </a:p>
-          <a:p>
-            <a:endParaRPr lang="en-US" dirty="0"/>
+              <a:rPr lang="en-US" sz="2400" dirty="0"/>
+              <a:t>Role assignment for Contributor</a:t>
+            </a:r>
+          </a:p>
+          <a:p>
+            <a:pPr marL="742950" lvl="1" indent="-285750">
+              <a:buFont typeface="Arial" panose="020B0604020202020204" pitchFamily="34" charset="0"/>
+              <a:buChar char="•"/>
+            </a:pPr>
+            <a:r>
+              <a:rPr lang="en-US" sz="2400" dirty="0"/>
+              <a:t>Policy Assignment for ‘Add or replace a tag on resource groups’</a:t>
+            </a:r>
+          </a:p>
+          <a:p>
+            <a:pPr marL="742950" lvl="1" indent="-285750">
+              <a:buFont typeface="Arial" panose="020B0604020202020204" pitchFamily="34" charset="0"/>
+              <a:buChar char="•"/>
+            </a:pPr>
+            <a:r>
+              <a:rPr lang="en-US" sz="2400" dirty="0"/>
+              <a:t>A Resource Group</a:t>
+            </a:r>
+          </a:p>
+          <a:p>
+            <a:pPr marL="742950" lvl="1" indent="-285750">
+              <a:buFont typeface="Arial" panose="020B0604020202020204" pitchFamily="34" charset="0"/>
+              <a:buChar char="•"/>
+            </a:pPr>
+            <a:r>
+              <a:rPr lang="en-US" sz="2400" dirty="0"/>
+              <a:t>Azure Resource Management Template for </a:t>
+            </a:r>
+            <a:r>
+              <a:rPr lang="en-US" sz="2400" dirty="0" err="1"/>
+              <a:t>StorageAccount</a:t>
+            </a:r>
+            <a:r>
+              <a:rPr lang="en-US" sz="2400" dirty="0"/>
+              <a:t> </a:t>
+            </a:r>
+            <a:br>
+              <a:rPr lang="en-US" sz="2400" dirty="0"/>
+            </a:br>
+            <a:r>
+              <a:rPr lang="en-US" sz="2400" dirty="0">
+                <a:highlight>
+                  <a:srgbClr val="FFFF00"/>
+                </a:highlight>
+              </a:rPr>
+              <a:t>Note: json for template can be found at the link below</a:t>
+            </a:r>
+          </a:p>
+          <a:p>
+            <a:pPr marL="742950" lvl="1" indent="-285750">
+              <a:buFont typeface="Arial" panose="020B0604020202020204" pitchFamily="34" charset="0"/>
+              <a:buChar char="•"/>
+            </a:pPr>
+            <a:r>
+              <a:rPr lang="en-US" sz="2400" dirty="0"/>
+              <a:t>It should look like the screenshot on the next slide</a:t>
+            </a:r>
+          </a:p>
+          <a:p>
+            <a:pPr marL="742950" lvl="1" indent="-285750">
+              <a:buFont typeface="Arial" panose="020B0604020202020204" pitchFamily="34" charset="0"/>
+              <a:buChar char="•"/>
+            </a:pPr>
+            <a:r>
+              <a:rPr lang="en-US" sz="2400" dirty="0"/>
+              <a:t>Add a description, publish and assign this Blueprint to the Free Trial Subscription.  Use an existing group for role assignment Contributor.  Set Tag Name to </a:t>
+            </a:r>
+            <a:r>
+              <a:rPr lang="en-US" sz="2400" dirty="0" err="1"/>
+              <a:t>costCenter</a:t>
+            </a:r>
+            <a:r>
+              <a:rPr lang="en-US" sz="2400" dirty="0"/>
+              <a:t> and Tag Value to </a:t>
+            </a:r>
+            <a:r>
+              <a:rPr lang="en-US" sz="2400" dirty="0" err="1"/>
+              <a:t>ContosoIT</a:t>
+            </a:r>
+            <a:r>
+              <a:rPr lang="en-US" sz="2400" dirty="0"/>
+              <a:t>.</a:t>
+            </a:r>
+          </a:p>
+          <a:p>
+            <a:pPr algn="ctr"/>
+            <a:r>
+              <a:rPr lang="en-US" sz="4800" dirty="0"/>
+              <a:t>Resources:</a:t>
+            </a:r>
+          </a:p>
+          <a:p>
+            <a:pPr algn="ctr"/>
+            <a:r>
+              <a:rPr lang="sv-SE" sz="4800" dirty="0">
+                <a:hlinkClick r:id="rId3"/>
+              </a:rPr>
+              <a:t>http://aka.ms/mtcsto/ws</a:t>
+            </a:r>
+            <a:endParaRPr lang="en-US" sz="4800" dirty="0"/>
+          </a:p>
+          <a:p>
+            <a:pPr lvl="1"/>
+            <a:endParaRPr lang="en-US" sz="2400" dirty="0"/>
+          </a:p>
+        </p:txBody>
+      </p:sp>
+      <p:sp>
+        <p:nvSpPr>
+          <p:cNvPr id="5" name="Rectangle 2">
+            <a:extLst>
+              <a:ext uri="{FF2B5EF4-FFF2-40B4-BE49-F238E27FC236}">
+                <a16:creationId xmlns:a16="http://schemas.microsoft.com/office/drawing/2014/main" id="{1CC0CC1B-2744-4683-A6DA-6D3DF181219E}"/>
+              </a:ext>
+            </a:extLst>
+          </p:cNvPr>
+          <p:cNvSpPr>
+            <a:spLocks noChangeArrowheads="1"/>
+          </p:cNvSpPr>
+          <p:nvPr/>
+        </p:nvSpPr>
+        <p:spPr bwMode="auto">
+          <a:xfrm>
+            <a:off x="2537460" y="2009775"/>
+            <a:ext cx="12192000" cy="457200"/>
+          </a:xfrm>
+          <a:prstGeom prst="rect">
+            <a:avLst/>
+          </a:prstGeom>
+          <a:noFill/>
+          <a:ln>
+            <a:noFill/>
+          </a:ln>
+          <a:effectLst/>
+          <a:extLst>
+            <a:ext uri="{909E8E84-426E-40DD-AFC4-6F175D3DCCD1}">
+              <a14:hiddenFill xmlns:a14="http://schemas.microsoft.com/office/drawing/2010/main">
+                <a:solidFill>
+                  <a:schemeClr val="accent1"/>
+                </a:solidFill>
+              </a14:hiddenFill>
+            </a:ext>
+            <a:ext uri="{91240B29-F687-4F45-9708-019B960494DF}">
+              <a14:hiddenLine xmlns:a14="http://schemas.microsoft.com/office/drawing/2010/main" w="9525">
+                <a:solidFill>
+                  <a:schemeClr val="tx1"/>
+                </a:solidFill>
+                <a:miter lim="800000"/>
+                <a:headEnd/>
+                <a:tailEnd/>
+              </a14:hiddenLine>
+            </a:ext>
+            <a:ext uri="{AF507438-7753-43E0-B8FC-AC1667EBCBE1}">
+              <a14:hiddenEffects xmlns:a14="http://schemas.microsoft.com/office/drawing/2010/main">
+                <a:effectLst>
+                  <a:outerShdw dist="35921" dir="2700000" algn="ctr" rotWithShape="0">
+                    <a:schemeClr val="bg2"/>
+                  </a:outerShdw>
+                </a:effectLst>
+              </a14:hiddenEffects>
+            </a:ext>
+          </a:extLst>
+        </p:spPr>
+        <p:txBody>
+          <a:bodyPr vert="horz" wrap="none" lIns="91440" tIns="45720" rIns="91440" bIns="45720" numCol="1" anchor="ctr" anchorCtr="0" compatLnSpc="1">
+            <a:prstTxWarp prst="textNoShape">
+              <a:avLst/>
+            </a:prstTxWarp>
+            <a:spAutoFit/>
+          </a:bodyPr>
+          <a:lstStyle/>
+          <a:p>
+            <a:endParaRPr lang="en-US"/>
+          </a:p>
+        </p:txBody>
+      </p:sp>
+      <p:sp>
+        <p:nvSpPr>
+          <p:cNvPr id="6" name="Rectangle 3">
+            <a:extLst>
+              <a:ext uri="{FF2B5EF4-FFF2-40B4-BE49-F238E27FC236}">
+                <a16:creationId xmlns:a16="http://schemas.microsoft.com/office/drawing/2014/main" id="{1CB4D4C4-0379-4A8A-9E90-1C99022C37D3}"/>
+              </a:ext>
+            </a:extLst>
+          </p:cNvPr>
+          <p:cNvSpPr>
+            <a:spLocks noChangeArrowheads="1"/>
+          </p:cNvSpPr>
+          <p:nvPr/>
+        </p:nvSpPr>
+        <p:spPr bwMode="auto">
+          <a:xfrm>
+            <a:off x="2543810" y="4391025"/>
+            <a:ext cx="12192000" cy="0"/>
+          </a:xfrm>
+          <a:prstGeom prst="rect">
+            <a:avLst/>
+          </a:prstGeom>
+          <a:noFill/>
+          <a:ln>
+            <a:noFill/>
+          </a:ln>
+          <a:effectLst/>
+          <a:extLst>
+            <a:ext uri="{909E8E84-426E-40DD-AFC4-6F175D3DCCD1}">
+              <a14:hiddenFill xmlns:a14="http://schemas.microsoft.com/office/drawing/2010/main">
+                <a:solidFill>
+                  <a:schemeClr val="accent1"/>
+                </a:solidFill>
+              </a14:hiddenFill>
+            </a:ext>
+            <a:ext uri="{91240B29-F687-4F45-9708-019B960494DF}">
+              <a14:hiddenLine xmlns:a14="http://schemas.microsoft.com/office/drawing/2010/main" w="9525">
+                <a:solidFill>
+                  <a:schemeClr val="tx1"/>
+                </a:solidFill>
+                <a:miter lim="800000"/>
+                <a:headEnd/>
+                <a:tailEnd/>
+              </a14:hiddenLine>
+            </a:ext>
+            <a:ext uri="{AF507438-7753-43E0-B8FC-AC1667EBCBE1}">
+              <a14:hiddenEffects xmlns:a14="http://schemas.microsoft.com/office/drawing/2010/main">
+                <a:effectLst>
+                  <a:outerShdw dist="35921" dir="2700000" algn="ctr" rotWithShape="0">
+                    <a:schemeClr val="bg2"/>
+                  </a:outerShdw>
+                </a:effectLst>
+              </a14:hiddenEffects>
+            </a:ext>
+          </a:extLst>
+        </p:spPr>
+        <p:txBody>
+          <a:bodyPr vert="horz" wrap="none" lIns="91440" tIns="45720" rIns="91440" bIns="45720" numCol="1" anchor="ctr" anchorCtr="0" compatLnSpc="1">
+            <a:prstTxWarp prst="textNoShape">
+              <a:avLst/>
+            </a:prstTxWarp>
+            <a:spAutoFit/>
+          </a:bodyPr>
+          <a:lstStyle/>
+          <a:p>
+            <a:endParaRPr lang="en-US"/>
           </a:p>
         </p:txBody>
       </p:sp>
     </p:spTree>
     <p:extLst>
       <p:ext uri="{BB962C8B-B14F-4D97-AF65-F5344CB8AC3E}">
-        <p14:creationId xmlns:p14="http://schemas.microsoft.com/office/powerpoint/2010/main" val="3119135505"/>
+        <p14:creationId xmlns:p14="http://schemas.microsoft.com/office/powerpoint/2010/main" val="4232406185"/>
       </p:ext>
     </p:extLst>
   </p:cSld>
@@ -9340,15 +9848,6 @@
 </file>
 
 <file path=customXml/item2.xml><?xml version="1.0" encoding="utf-8"?>
-<?mso-contentType ?>
-<FormTemplates xmlns="http://schemas.microsoft.com/sharepoint/v3/contenttype/forms">
-  <Display>DocumentLibraryForm</Display>
-  <Edit>DocumentLibraryForm</Edit>
-  <New>DocumentLibraryForm</New>
-</FormTemplates>
-</file>
-
-<file path=customXml/item3.xml><?xml version="1.0" encoding="utf-8"?>
 <ct:contentTypeSchema xmlns:ct="http://schemas.microsoft.com/office/2006/metadata/contentType" xmlns:ma="http://schemas.microsoft.com/office/2006/metadata/properties/metaAttributes" ct:_="" ma:_="" ma:contentTypeName="Document" ma:contentTypeID="0x010100B805CA1546A9EF4D874C41813FBCFE77" ma:contentTypeVersion="0" ma:contentTypeDescription="Create a new document." ma:contentTypeScope="" ma:versionID="c9aa000eea19acce3b3ed41d1e1eb400">
   <xsd:schema xmlns:xsd="http://www.w3.org/2001/XMLSchema" xmlns:xs="http://www.w3.org/2001/XMLSchema" xmlns:p="http://schemas.microsoft.com/office/2006/metadata/properties" targetNamespace="http://schemas.microsoft.com/office/2006/metadata/properties" ma:root="true" ma:fieldsID="28e93d0e610ade8792d1bdc0e02464c8">
     <xsd:element name="properties">
@@ -9462,6 +9961,15 @@
 </ct:contentTypeSchema>
 </file>
 
+<file path=customXml/item3.xml><?xml version="1.0" encoding="utf-8"?>
+<?mso-contentType ?>
+<FormTemplates xmlns="http://schemas.microsoft.com/sharepoint/v3/contenttype/forms">
+  <Display>DocumentLibraryForm</Display>
+  <Edit>DocumentLibraryForm</Edit>
+  <New>DocumentLibraryForm</New>
+</FormTemplates>
+</file>
+
 <file path=customXml/itemProps1.xml><?xml version="1.0" encoding="utf-8"?>
 <ds:datastoreItem xmlns:ds="http://schemas.openxmlformats.org/officeDocument/2006/customXml" ds:itemID="{340C701A-5FB1-44EE-9224-D2AB29221C3D}">
   <ds:schemaRefs>
@@ -9478,14 +9986,6 @@
 </file>
 
 <file path=customXml/itemProps2.xml><?xml version="1.0" encoding="utf-8"?>
-<ds:datastoreItem xmlns:ds="http://schemas.openxmlformats.org/officeDocument/2006/customXml" ds:itemID="{B0E0D0C5-8FBD-4F03-9B80-A8C6BB21FC66}">
-  <ds:schemaRefs>
-    <ds:schemaRef ds:uri="http://schemas.microsoft.com/sharepoint/v3/contenttype/forms"/>
-  </ds:schemaRefs>
-</ds:datastoreItem>
-</file>
-
-<file path=customXml/itemProps3.xml><?xml version="1.0" encoding="utf-8"?>
 <ds:datastoreItem xmlns:ds="http://schemas.openxmlformats.org/officeDocument/2006/customXml" ds:itemID="{207A3D48-3576-4080-9DEA-24F2312CB1E3}">
   <ds:schemaRefs>
     <ds:schemaRef ds:uri="http://schemas.microsoft.com/office/2006/metadata/contentType"/>
@@ -9499,4 +9999,12 @@
     <ds:schemaRef ds:uri="http://schemas.microsoft.com/office/infopath/2007/PartnerControls"/>
   </ds:schemaRefs>
 </ds:datastoreItem>
+</file>
+
+<file path=customXml/itemProps3.xml><?xml version="1.0" encoding="utf-8"?>
+<ds:datastoreItem xmlns:ds="http://schemas.openxmlformats.org/officeDocument/2006/customXml" ds:itemID="{B0E0D0C5-8FBD-4F03-9B80-A8C6BB21FC66}">
+  <ds:schemaRefs>
+    <ds:schemaRef ds:uri="http://schemas.microsoft.com/sharepoint/v3/contenttype/forms"/>
+  </ds:schemaRefs>
+</ds:datastoreItem>
 </file>
--- a/Azure Governance Hack.pptx
+++ b/Azure Governance Hack.pptx
@@ -5,7 +5,7 @@
     <p:sldMasterId id="2147483648" r:id="rId4"/>
   </p:sldMasterIdLst>
   <p:notesMasterIdLst>
-    <p:notesMasterId r:id="rId18"/>
+    <p:notesMasterId r:id="rId19"/>
   </p:notesMasterIdLst>
   <p:sldIdLst>
     <p:sldId id="256" r:id="rId5"/>
@@ -17,10 +17,11 @@
     <p:sldId id="270" r:id="rId11"/>
     <p:sldId id="277" r:id="rId12"/>
     <p:sldId id="263" r:id="rId13"/>
-    <p:sldId id="271" r:id="rId14"/>
-    <p:sldId id="266" r:id="rId15"/>
-    <p:sldId id="272" r:id="rId16"/>
-    <p:sldId id="273" r:id="rId17"/>
+    <p:sldId id="278" r:id="rId14"/>
+    <p:sldId id="271" r:id="rId15"/>
+    <p:sldId id="266" r:id="rId16"/>
+    <p:sldId id="272" r:id="rId17"/>
+    <p:sldId id="273" r:id="rId18"/>
   </p:sldIdLst>
   <p:sldSz cx="12192000" cy="6858000"/>
   <p:notesSz cx="6858000" cy="9144000"/>
@@ -1025,7 +1026,7 @@
           <a:p>
             <a:fld id="{53D76E38-EB4B-425D-87E0-B33791D2CD91}" type="datetimeFigureOut">
               <a:rPr lang="en-US" smtClean="0"/>
-              <a:t>3/20/2020</a:t>
+              <a:t>4/14/2020</a:t>
             </a:fld>
             <a:endParaRPr lang="en-US"/>
           </a:p>
@@ -3348,7 +3349,1515 @@
           <a:bodyPr/>
           <a:lstStyle/>
           <a:p>
-            <a:endParaRPr lang="sv-SE" dirty="0"/>
+            <a:pPr marL="0" marR="0" lvl="0" indent="0" algn="l" defTabSz="914400" rtl="0" eaLnBrk="1" fontAlgn="auto" latinLnBrk="0" hangingPunct="1">
+              <a:lnSpc>
+                <a:spcPct val="100000"/>
+              </a:lnSpc>
+              <a:spcBef>
+                <a:spcPts val="0"/>
+              </a:spcBef>
+              <a:spcAft>
+                <a:spcPts val="0"/>
+              </a:spcAft>
+              <a:buClrTx/>
+              <a:buSzTx/>
+              <a:buFontTx/>
+              <a:buNone/>
+              <a:tabLst/>
+              <a:defRPr/>
+            </a:pPr>
+            <a:r>
+              <a:rPr lang="en-US" sz="1200" kern="1200" dirty="0">
+                <a:solidFill>
+                  <a:schemeClr val="tx1"/>
+                </a:solidFill>
+                <a:effectLst/>
+                <a:latin typeface="+mn-lt"/>
+                <a:ea typeface="+mn-ea"/>
+                <a:cs typeface="+mn-cs"/>
+              </a:rPr>
+              <a:t>{</a:t>
+            </a:r>
+            <a:br>
+              <a:rPr lang="en-US" sz="1200" kern="1200" dirty="0">
+                <a:solidFill>
+                  <a:schemeClr val="tx1"/>
+                </a:solidFill>
+                <a:effectLst/>
+                <a:latin typeface="+mn-lt"/>
+                <a:ea typeface="+mn-ea"/>
+                <a:cs typeface="+mn-cs"/>
+              </a:rPr>
+            </a:br>
+            <a:r>
+              <a:rPr lang="en-US" sz="1200" kern="1200" dirty="0">
+                <a:solidFill>
+                  <a:schemeClr val="tx1"/>
+                </a:solidFill>
+                <a:effectLst/>
+                <a:latin typeface="+mn-lt"/>
+                <a:ea typeface="+mn-ea"/>
+                <a:cs typeface="+mn-cs"/>
+              </a:rPr>
+              <a:t>    "$schema": "</a:t>
+            </a:r>
+            <a:r>
+              <a:rPr lang="en-US" sz="1200" u="sng" kern="1200" dirty="0">
+                <a:solidFill>
+                  <a:schemeClr val="tx1"/>
+                </a:solidFill>
+                <a:effectLst/>
+                <a:latin typeface="+mn-lt"/>
+                <a:ea typeface="+mn-ea"/>
+                <a:cs typeface="+mn-cs"/>
+                <a:hlinkClick r:id="rId3"/>
+              </a:rPr>
+              <a:t>https://schema.management.azure.com/schemas/2015-01-01/</a:t>
+            </a:r>
+            <a:r>
+              <a:rPr lang="en-US" sz="1200" u="sng" kern="1200" dirty="0" err="1">
+                <a:solidFill>
+                  <a:schemeClr val="tx1"/>
+                </a:solidFill>
+                <a:effectLst/>
+                <a:latin typeface="+mn-lt"/>
+                <a:ea typeface="+mn-ea"/>
+                <a:cs typeface="+mn-cs"/>
+                <a:hlinkClick r:id="rId3"/>
+              </a:rPr>
+              <a:t>deploymentTemplate.json</a:t>
+            </a:r>
+            <a:r>
+              <a:rPr lang="en-US" sz="1200" u="sng" kern="1200" dirty="0">
+                <a:solidFill>
+                  <a:schemeClr val="tx1"/>
+                </a:solidFill>
+                <a:effectLst/>
+                <a:latin typeface="+mn-lt"/>
+                <a:ea typeface="+mn-ea"/>
+                <a:cs typeface="+mn-cs"/>
+                <a:hlinkClick r:id="rId3"/>
+              </a:rPr>
+              <a:t>#</a:t>
+            </a:r>
+            <a:r>
+              <a:rPr lang="en-US" sz="1200" kern="1200" dirty="0">
+                <a:solidFill>
+                  <a:schemeClr val="tx1"/>
+                </a:solidFill>
+                <a:effectLst/>
+                <a:latin typeface="+mn-lt"/>
+                <a:ea typeface="+mn-ea"/>
+                <a:cs typeface="+mn-cs"/>
+              </a:rPr>
+              <a:t>",</a:t>
+            </a:r>
+            <a:br>
+              <a:rPr lang="en-US" sz="1200" kern="1200" dirty="0">
+                <a:solidFill>
+                  <a:schemeClr val="tx1"/>
+                </a:solidFill>
+                <a:effectLst/>
+                <a:latin typeface="+mn-lt"/>
+                <a:ea typeface="+mn-ea"/>
+                <a:cs typeface="+mn-cs"/>
+              </a:rPr>
+            </a:br>
+            <a:r>
+              <a:rPr lang="en-US" sz="1200" kern="1200" dirty="0">
+                <a:solidFill>
+                  <a:schemeClr val="tx1"/>
+                </a:solidFill>
+                <a:effectLst/>
+                <a:latin typeface="+mn-lt"/>
+                <a:ea typeface="+mn-ea"/>
+                <a:cs typeface="+mn-cs"/>
+              </a:rPr>
+              <a:t>    "</a:t>
+            </a:r>
+            <a:r>
+              <a:rPr lang="en-US" sz="1200" kern="1200" dirty="0" err="1">
+                <a:solidFill>
+                  <a:schemeClr val="tx1"/>
+                </a:solidFill>
+                <a:effectLst/>
+                <a:latin typeface="+mn-lt"/>
+                <a:ea typeface="+mn-ea"/>
+                <a:cs typeface="+mn-cs"/>
+              </a:rPr>
+              <a:t>contentVersion</a:t>
+            </a:r>
+            <a:r>
+              <a:rPr lang="en-US" sz="1200" kern="1200" dirty="0">
+                <a:solidFill>
+                  <a:schemeClr val="tx1"/>
+                </a:solidFill>
+                <a:effectLst/>
+                <a:latin typeface="+mn-lt"/>
+                <a:ea typeface="+mn-ea"/>
+                <a:cs typeface="+mn-cs"/>
+              </a:rPr>
+              <a:t>": "1.0.0.0",</a:t>
+            </a:r>
+            <a:br>
+              <a:rPr lang="en-US" sz="1200" kern="1200" dirty="0">
+                <a:solidFill>
+                  <a:schemeClr val="tx1"/>
+                </a:solidFill>
+                <a:effectLst/>
+                <a:latin typeface="+mn-lt"/>
+                <a:ea typeface="+mn-ea"/>
+                <a:cs typeface="+mn-cs"/>
+              </a:rPr>
+            </a:br>
+            <a:r>
+              <a:rPr lang="en-US" sz="1200" kern="1200" dirty="0">
+                <a:solidFill>
+                  <a:schemeClr val="tx1"/>
+                </a:solidFill>
+                <a:effectLst/>
+                <a:latin typeface="+mn-lt"/>
+                <a:ea typeface="+mn-ea"/>
+                <a:cs typeface="+mn-cs"/>
+              </a:rPr>
+              <a:t>    "parameters": {</a:t>
+            </a:r>
+            <a:br>
+              <a:rPr lang="en-US" sz="1200" kern="1200" dirty="0">
+                <a:solidFill>
+                  <a:schemeClr val="tx1"/>
+                </a:solidFill>
+                <a:effectLst/>
+                <a:latin typeface="+mn-lt"/>
+                <a:ea typeface="+mn-ea"/>
+                <a:cs typeface="+mn-cs"/>
+              </a:rPr>
+            </a:br>
+            <a:r>
+              <a:rPr lang="en-US" sz="1200" kern="1200" dirty="0">
+                <a:solidFill>
+                  <a:schemeClr val="tx1"/>
+                </a:solidFill>
+                <a:effectLst/>
+                <a:latin typeface="+mn-lt"/>
+                <a:ea typeface="+mn-ea"/>
+                <a:cs typeface="+mn-cs"/>
+              </a:rPr>
+              <a:t>        "</a:t>
+            </a:r>
+            <a:r>
+              <a:rPr lang="en-US" sz="1200" kern="1200" dirty="0" err="1">
+                <a:solidFill>
+                  <a:schemeClr val="tx1"/>
+                </a:solidFill>
+                <a:effectLst/>
+                <a:latin typeface="+mn-lt"/>
+                <a:ea typeface="+mn-ea"/>
+                <a:cs typeface="+mn-cs"/>
+              </a:rPr>
+              <a:t>storageAccountType</a:t>
+            </a:r>
+            <a:r>
+              <a:rPr lang="en-US" sz="1200" kern="1200" dirty="0">
+                <a:solidFill>
+                  <a:schemeClr val="tx1"/>
+                </a:solidFill>
+                <a:effectLst/>
+                <a:latin typeface="+mn-lt"/>
+                <a:ea typeface="+mn-ea"/>
+                <a:cs typeface="+mn-cs"/>
+              </a:rPr>
+              <a:t>": {</a:t>
+            </a:r>
+            <a:br>
+              <a:rPr lang="en-US" sz="1200" kern="1200" dirty="0">
+                <a:solidFill>
+                  <a:schemeClr val="tx1"/>
+                </a:solidFill>
+                <a:effectLst/>
+                <a:latin typeface="+mn-lt"/>
+                <a:ea typeface="+mn-ea"/>
+                <a:cs typeface="+mn-cs"/>
+              </a:rPr>
+            </a:br>
+            <a:r>
+              <a:rPr lang="en-US" sz="1200" kern="1200" dirty="0">
+                <a:solidFill>
+                  <a:schemeClr val="tx1"/>
+                </a:solidFill>
+                <a:effectLst/>
+                <a:latin typeface="+mn-lt"/>
+                <a:ea typeface="+mn-ea"/>
+                <a:cs typeface="+mn-cs"/>
+              </a:rPr>
+              <a:t>            "type": "string",</a:t>
+            </a:r>
+            <a:br>
+              <a:rPr lang="en-US" sz="1200" kern="1200" dirty="0">
+                <a:solidFill>
+                  <a:schemeClr val="tx1"/>
+                </a:solidFill>
+                <a:effectLst/>
+                <a:latin typeface="+mn-lt"/>
+                <a:ea typeface="+mn-ea"/>
+                <a:cs typeface="+mn-cs"/>
+              </a:rPr>
+            </a:br>
+            <a:r>
+              <a:rPr lang="en-US" sz="1200" kern="1200" dirty="0">
+                <a:solidFill>
+                  <a:schemeClr val="tx1"/>
+                </a:solidFill>
+                <a:effectLst/>
+                <a:latin typeface="+mn-lt"/>
+                <a:ea typeface="+mn-ea"/>
+                <a:cs typeface="+mn-cs"/>
+              </a:rPr>
+              <a:t>            "</a:t>
+            </a:r>
+            <a:r>
+              <a:rPr lang="en-US" sz="1200" kern="1200" dirty="0" err="1">
+                <a:solidFill>
+                  <a:schemeClr val="tx1"/>
+                </a:solidFill>
+                <a:effectLst/>
+                <a:latin typeface="+mn-lt"/>
+                <a:ea typeface="+mn-ea"/>
+                <a:cs typeface="+mn-cs"/>
+              </a:rPr>
+              <a:t>defaultValue</a:t>
+            </a:r>
+            <a:r>
+              <a:rPr lang="en-US" sz="1200" kern="1200" dirty="0">
+                <a:solidFill>
+                  <a:schemeClr val="tx1"/>
+                </a:solidFill>
+                <a:effectLst/>
+                <a:latin typeface="+mn-lt"/>
+                <a:ea typeface="+mn-ea"/>
+                <a:cs typeface="+mn-cs"/>
+              </a:rPr>
+              <a:t>": "</a:t>
+            </a:r>
+            <a:r>
+              <a:rPr lang="en-US" sz="1200" kern="1200" dirty="0" err="1">
+                <a:solidFill>
+                  <a:schemeClr val="tx1"/>
+                </a:solidFill>
+                <a:effectLst/>
+                <a:latin typeface="+mn-lt"/>
+                <a:ea typeface="+mn-ea"/>
+                <a:cs typeface="+mn-cs"/>
+              </a:rPr>
+              <a:t>Standard_LRS</a:t>
+            </a:r>
+            <a:r>
+              <a:rPr lang="en-US" sz="1200" kern="1200" dirty="0">
+                <a:solidFill>
+                  <a:schemeClr val="tx1"/>
+                </a:solidFill>
+                <a:effectLst/>
+                <a:latin typeface="+mn-lt"/>
+                <a:ea typeface="+mn-ea"/>
+                <a:cs typeface="+mn-cs"/>
+              </a:rPr>
+              <a:t>",</a:t>
+            </a:r>
+            <a:br>
+              <a:rPr lang="en-US" sz="1200" kern="1200" dirty="0">
+                <a:solidFill>
+                  <a:schemeClr val="tx1"/>
+                </a:solidFill>
+                <a:effectLst/>
+                <a:latin typeface="+mn-lt"/>
+                <a:ea typeface="+mn-ea"/>
+                <a:cs typeface="+mn-cs"/>
+              </a:rPr>
+            </a:br>
+            <a:r>
+              <a:rPr lang="en-US" sz="1200" kern="1200" dirty="0">
+                <a:solidFill>
+                  <a:schemeClr val="tx1"/>
+                </a:solidFill>
+                <a:effectLst/>
+                <a:latin typeface="+mn-lt"/>
+                <a:ea typeface="+mn-ea"/>
+                <a:cs typeface="+mn-cs"/>
+              </a:rPr>
+              <a:t>            "</a:t>
+            </a:r>
+            <a:r>
+              <a:rPr lang="en-US" sz="1200" kern="1200" dirty="0" err="1">
+                <a:solidFill>
+                  <a:schemeClr val="tx1"/>
+                </a:solidFill>
+                <a:effectLst/>
+                <a:latin typeface="+mn-lt"/>
+                <a:ea typeface="+mn-ea"/>
+                <a:cs typeface="+mn-cs"/>
+              </a:rPr>
+              <a:t>allowedValues</a:t>
+            </a:r>
+            <a:r>
+              <a:rPr lang="en-US" sz="1200" kern="1200" dirty="0">
+                <a:solidFill>
+                  <a:schemeClr val="tx1"/>
+                </a:solidFill>
+                <a:effectLst/>
+                <a:latin typeface="+mn-lt"/>
+                <a:ea typeface="+mn-ea"/>
+                <a:cs typeface="+mn-cs"/>
+              </a:rPr>
+              <a:t>": [</a:t>
+            </a:r>
+            <a:br>
+              <a:rPr lang="en-US" sz="1200" kern="1200" dirty="0">
+                <a:solidFill>
+                  <a:schemeClr val="tx1"/>
+                </a:solidFill>
+                <a:effectLst/>
+                <a:latin typeface="+mn-lt"/>
+                <a:ea typeface="+mn-ea"/>
+                <a:cs typeface="+mn-cs"/>
+              </a:rPr>
+            </a:br>
+            <a:r>
+              <a:rPr lang="en-US" sz="1200" kern="1200" dirty="0">
+                <a:solidFill>
+                  <a:schemeClr val="tx1"/>
+                </a:solidFill>
+                <a:effectLst/>
+                <a:latin typeface="+mn-lt"/>
+                <a:ea typeface="+mn-ea"/>
+                <a:cs typeface="+mn-cs"/>
+              </a:rPr>
+              <a:t>                "</a:t>
+            </a:r>
+            <a:r>
+              <a:rPr lang="en-US" sz="1200" kern="1200" dirty="0" err="1">
+                <a:solidFill>
+                  <a:schemeClr val="tx1"/>
+                </a:solidFill>
+                <a:effectLst/>
+                <a:latin typeface="+mn-lt"/>
+                <a:ea typeface="+mn-ea"/>
+                <a:cs typeface="+mn-cs"/>
+              </a:rPr>
+              <a:t>Standard_LRS</a:t>
+            </a:r>
+            <a:r>
+              <a:rPr lang="en-US" sz="1200" kern="1200" dirty="0">
+                <a:solidFill>
+                  <a:schemeClr val="tx1"/>
+                </a:solidFill>
+                <a:effectLst/>
+                <a:latin typeface="+mn-lt"/>
+                <a:ea typeface="+mn-ea"/>
+                <a:cs typeface="+mn-cs"/>
+              </a:rPr>
+              <a:t>",</a:t>
+            </a:r>
+            <a:br>
+              <a:rPr lang="en-US" sz="1200" kern="1200" dirty="0">
+                <a:solidFill>
+                  <a:schemeClr val="tx1"/>
+                </a:solidFill>
+                <a:effectLst/>
+                <a:latin typeface="+mn-lt"/>
+                <a:ea typeface="+mn-ea"/>
+                <a:cs typeface="+mn-cs"/>
+              </a:rPr>
+            </a:br>
+            <a:r>
+              <a:rPr lang="en-US" sz="1200" kern="1200" dirty="0">
+                <a:solidFill>
+                  <a:schemeClr val="tx1"/>
+                </a:solidFill>
+                <a:effectLst/>
+                <a:latin typeface="+mn-lt"/>
+                <a:ea typeface="+mn-ea"/>
+                <a:cs typeface="+mn-cs"/>
+              </a:rPr>
+              <a:t>                "</a:t>
+            </a:r>
+            <a:r>
+              <a:rPr lang="en-US" sz="1200" kern="1200" dirty="0" err="1">
+                <a:solidFill>
+                  <a:schemeClr val="tx1"/>
+                </a:solidFill>
+                <a:effectLst/>
+                <a:latin typeface="+mn-lt"/>
+                <a:ea typeface="+mn-ea"/>
+                <a:cs typeface="+mn-cs"/>
+              </a:rPr>
+              <a:t>Standard_GRS</a:t>
+            </a:r>
+            <a:r>
+              <a:rPr lang="en-US" sz="1200" kern="1200" dirty="0">
+                <a:solidFill>
+                  <a:schemeClr val="tx1"/>
+                </a:solidFill>
+                <a:effectLst/>
+                <a:latin typeface="+mn-lt"/>
+                <a:ea typeface="+mn-ea"/>
+                <a:cs typeface="+mn-cs"/>
+              </a:rPr>
+              <a:t>",</a:t>
+            </a:r>
+            <a:br>
+              <a:rPr lang="en-US" sz="1200" kern="1200" dirty="0">
+                <a:solidFill>
+                  <a:schemeClr val="tx1"/>
+                </a:solidFill>
+                <a:effectLst/>
+                <a:latin typeface="+mn-lt"/>
+                <a:ea typeface="+mn-ea"/>
+                <a:cs typeface="+mn-cs"/>
+              </a:rPr>
+            </a:br>
+            <a:r>
+              <a:rPr lang="en-US" sz="1200" kern="1200" dirty="0">
+                <a:solidFill>
+                  <a:schemeClr val="tx1"/>
+                </a:solidFill>
+                <a:effectLst/>
+                <a:latin typeface="+mn-lt"/>
+                <a:ea typeface="+mn-ea"/>
+                <a:cs typeface="+mn-cs"/>
+              </a:rPr>
+              <a:t>                "</a:t>
+            </a:r>
+            <a:r>
+              <a:rPr lang="en-US" sz="1200" kern="1200" dirty="0" err="1">
+                <a:solidFill>
+                  <a:schemeClr val="tx1"/>
+                </a:solidFill>
+                <a:effectLst/>
+                <a:latin typeface="+mn-lt"/>
+                <a:ea typeface="+mn-ea"/>
+                <a:cs typeface="+mn-cs"/>
+              </a:rPr>
+              <a:t>Standard_ZRS</a:t>
+            </a:r>
+            <a:r>
+              <a:rPr lang="en-US" sz="1200" kern="1200" dirty="0">
+                <a:solidFill>
+                  <a:schemeClr val="tx1"/>
+                </a:solidFill>
+                <a:effectLst/>
+                <a:latin typeface="+mn-lt"/>
+                <a:ea typeface="+mn-ea"/>
+                <a:cs typeface="+mn-cs"/>
+              </a:rPr>
+              <a:t>",</a:t>
+            </a:r>
+            <a:br>
+              <a:rPr lang="en-US" sz="1200" kern="1200" dirty="0">
+                <a:solidFill>
+                  <a:schemeClr val="tx1"/>
+                </a:solidFill>
+                <a:effectLst/>
+                <a:latin typeface="+mn-lt"/>
+                <a:ea typeface="+mn-ea"/>
+                <a:cs typeface="+mn-cs"/>
+              </a:rPr>
+            </a:br>
+            <a:r>
+              <a:rPr lang="en-US" sz="1200" kern="1200" dirty="0">
+                <a:solidFill>
+                  <a:schemeClr val="tx1"/>
+                </a:solidFill>
+                <a:effectLst/>
+                <a:latin typeface="+mn-lt"/>
+                <a:ea typeface="+mn-ea"/>
+                <a:cs typeface="+mn-cs"/>
+              </a:rPr>
+              <a:t>                "</a:t>
+            </a:r>
+            <a:r>
+              <a:rPr lang="en-US" sz="1200" kern="1200" dirty="0" err="1">
+                <a:solidFill>
+                  <a:schemeClr val="tx1"/>
+                </a:solidFill>
+                <a:effectLst/>
+                <a:latin typeface="+mn-lt"/>
+                <a:ea typeface="+mn-ea"/>
+                <a:cs typeface="+mn-cs"/>
+              </a:rPr>
+              <a:t>Premium_LRS</a:t>
+            </a:r>
+            <a:r>
+              <a:rPr lang="en-US" sz="1200" kern="1200" dirty="0">
+                <a:solidFill>
+                  <a:schemeClr val="tx1"/>
+                </a:solidFill>
+                <a:effectLst/>
+                <a:latin typeface="+mn-lt"/>
+                <a:ea typeface="+mn-ea"/>
+                <a:cs typeface="+mn-cs"/>
+              </a:rPr>
+              <a:t>"</a:t>
+            </a:r>
+            <a:br>
+              <a:rPr lang="en-US" sz="1200" kern="1200" dirty="0">
+                <a:solidFill>
+                  <a:schemeClr val="tx1"/>
+                </a:solidFill>
+                <a:effectLst/>
+                <a:latin typeface="+mn-lt"/>
+                <a:ea typeface="+mn-ea"/>
+                <a:cs typeface="+mn-cs"/>
+              </a:rPr>
+            </a:br>
+            <a:r>
+              <a:rPr lang="en-US" sz="1200" kern="1200" dirty="0">
+                <a:solidFill>
+                  <a:schemeClr val="tx1"/>
+                </a:solidFill>
+                <a:effectLst/>
+                <a:latin typeface="+mn-lt"/>
+                <a:ea typeface="+mn-ea"/>
+                <a:cs typeface="+mn-cs"/>
+              </a:rPr>
+              <a:t>            ],</a:t>
+            </a:r>
+            <a:br>
+              <a:rPr lang="en-US" sz="1200" kern="1200" dirty="0">
+                <a:solidFill>
+                  <a:schemeClr val="tx1"/>
+                </a:solidFill>
+                <a:effectLst/>
+                <a:latin typeface="+mn-lt"/>
+                <a:ea typeface="+mn-ea"/>
+                <a:cs typeface="+mn-cs"/>
+              </a:rPr>
+            </a:br>
+            <a:r>
+              <a:rPr lang="en-US" sz="1200" kern="1200" dirty="0">
+                <a:solidFill>
+                  <a:schemeClr val="tx1"/>
+                </a:solidFill>
+                <a:effectLst/>
+                <a:latin typeface="+mn-lt"/>
+                <a:ea typeface="+mn-ea"/>
+                <a:cs typeface="+mn-cs"/>
+              </a:rPr>
+              <a:t>            "metadata": {</a:t>
+            </a:r>
+            <a:br>
+              <a:rPr lang="en-US" sz="1200" kern="1200" dirty="0">
+                <a:solidFill>
+                  <a:schemeClr val="tx1"/>
+                </a:solidFill>
+                <a:effectLst/>
+                <a:latin typeface="+mn-lt"/>
+                <a:ea typeface="+mn-ea"/>
+                <a:cs typeface="+mn-cs"/>
+              </a:rPr>
+            </a:br>
+            <a:r>
+              <a:rPr lang="en-US" sz="1200" kern="1200" dirty="0">
+                <a:solidFill>
+                  <a:schemeClr val="tx1"/>
+                </a:solidFill>
+                <a:effectLst/>
+                <a:latin typeface="+mn-lt"/>
+                <a:ea typeface="+mn-ea"/>
+                <a:cs typeface="+mn-cs"/>
+              </a:rPr>
+              <a:t>                "description": "Storage Account type"</a:t>
+            </a:r>
+            <a:br>
+              <a:rPr lang="en-US" sz="1200" kern="1200" dirty="0">
+                <a:solidFill>
+                  <a:schemeClr val="tx1"/>
+                </a:solidFill>
+                <a:effectLst/>
+                <a:latin typeface="+mn-lt"/>
+                <a:ea typeface="+mn-ea"/>
+                <a:cs typeface="+mn-cs"/>
+              </a:rPr>
+            </a:br>
+            <a:r>
+              <a:rPr lang="en-US" sz="1200" kern="1200" dirty="0">
+                <a:solidFill>
+                  <a:schemeClr val="tx1"/>
+                </a:solidFill>
+                <a:effectLst/>
+                <a:latin typeface="+mn-lt"/>
+                <a:ea typeface="+mn-ea"/>
+                <a:cs typeface="+mn-cs"/>
+              </a:rPr>
+              <a:t>            }</a:t>
+            </a:r>
+            <a:br>
+              <a:rPr lang="en-US" sz="1200" kern="1200" dirty="0">
+                <a:solidFill>
+                  <a:schemeClr val="tx1"/>
+                </a:solidFill>
+                <a:effectLst/>
+                <a:latin typeface="+mn-lt"/>
+                <a:ea typeface="+mn-ea"/>
+                <a:cs typeface="+mn-cs"/>
+              </a:rPr>
+            </a:br>
+            <a:r>
+              <a:rPr lang="en-US" sz="1200" kern="1200" dirty="0">
+                <a:solidFill>
+                  <a:schemeClr val="tx1"/>
+                </a:solidFill>
+                <a:effectLst/>
+                <a:latin typeface="+mn-lt"/>
+                <a:ea typeface="+mn-ea"/>
+                <a:cs typeface="+mn-cs"/>
+              </a:rPr>
+              <a:t>        }</a:t>
+            </a:r>
+            <a:br>
+              <a:rPr lang="en-US" sz="1200" kern="1200" dirty="0">
+                <a:solidFill>
+                  <a:schemeClr val="tx1"/>
+                </a:solidFill>
+                <a:effectLst/>
+                <a:latin typeface="+mn-lt"/>
+                <a:ea typeface="+mn-ea"/>
+                <a:cs typeface="+mn-cs"/>
+              </a:rPr>
+            </a:br>
+            <a:r>
+              <a:rPr lang="en-US" sz="1200" kern="1200" dirty="0">
+                <a:solidFill>
+                  <a:schemeClr val="tx1"/>
+                </a:solidFill>
+                <a:effectLst/>
+                <a:latin typeface="+mn-lt"/>
+                <a:ea typeface="+mn-ea"/>
+                <a:cs typeface="+mn-cs"/>
+              </a:rPr>
+              <a:t>    },</a:t>
+            </a:r>
+            <a:br>
+              <a:rPr lang="en-US" sz="1200" kern="1200" dirty="0">
+                <a:solidFill>
+                  <a:schemeClr val="tx1"/>
+                </a:solidFill>
+                <a:effectLst/>
+                <a:latin typeface="+mn-lt"/>
+                <a:ea typeface="+mn-ea"/>
+                <a:cs typeface="+mn-cs"/>
+              </a:rPr>
+            </a:br>
+            <a:r>
+              <a:rPr lang="en-US" sz="1200" kern="1200" dirty="0">
+                <a:solidFill>
+                  <a:schemeClr val="tx1"/>
+                </a:solidFill>
+                <a:effectLst/>
+                <a:latin typeface="+mn-lt"/>
+                <a:ea typeface="+mn-ea"/>
+                <a:cs typeface="+mn-cs"/>
+              </a:rPr>
+              <a:t>    "variables": {</a:t>
+            </a:r>
+            <a:br>
+              <a:rPr lang="en-US" sz="1200" kern="1200" dirty="0">
+                <a:solidFill>
+                  <a:schemeClr val="tx1"/>
+                </a:solidFill>
+                <a:effectLst/>
+                <a:latin typeface="+mn-lt"/>
+                <a:ea typeface="+mn-ea"/>
+                <a:cs typeface="+mn-cs"/>
+              </a:rPr>
+            </a:br>
+            <a:r>
+              <a:rPr lang="en-US" sz="1200" kern="1200" dirty="0">
+                <a:solidFill>
+                  <a:schemeClr val="tx1"/>
+                </a:solidFill>
+                <a:effectLst/>
+                <a:latin typeface="+mn-lt"/>
+                <a:ea typeface="+mn-ea"/>
+                <a:cs typeface="+mn-cs"/>
+              </a:rPr>
+              <a:t>        "</a:t>
+            </a:r>
+            <a:r>
+              <a:rPr lang="en-US" sz="1200" kern="1200" dirty="0" err="1">
+                <a:solidFill>
+                  <a:schemeClr val="tx1"/>
+                </a:solidFill>
+                <a:effectLst/>
+                <a:latin typeface="+mn-lt"/>
+                <a:ea typeface="+mn-ea"/>
+                <a:cs typeface="+mn-cs"/>
+              </a:rPr>
+              <a:t>storageAccountName</a:t>
+            </a:r>
+            <a:r>
+              <a:rPr lang="en-US" sz="1200" kern="1200" dirty="0">
+                <a:solidFill>
+                  <a:schemeClr val="tx1"/>
+                </a:solidFill>
+                <a:effectLst/>
+                <a:latin typeface="+mn-lt"/>
+                <a:ea typeface="+mn-ea"/>
+                <a:cs typeface="+mn-cs"/>
+              </a:rPr>
+              <a:t>": "[</a:t>
+            </a:r>
+            <a:r>
+              <a:rPr lang="en-US" sz="1200" kern="1200" dirty="0" err="1">
+                <a:solidFill>
+                  <a:schemeClr val="tx1"/>
+                </a:solidFill>
+                <a:effectLst/>
+                <a:latin typeface="+mn-lt"/>
+                <a:ea typeface="+mn-ea"/>
+                <a:cs typeface="+mn-cs"/>
+              </a:rPr>
+              <a:t>concat</a:t>
+            </a:r>
+            <a:r>
+              <a:rPr lang="en-US" sz="1200" kern="1200" dirty="0">
+                <a:solidFill>
+                  <a:schemeClr val="tx1"/>
+                </a:solidFill>
+                <a:effectLst/>
+                <a:latin typeface="+mn-lt"/>
+                <a:ea typeface="+mn-ea"/>
+                <a:cs typeface="+mn-cs"/>
+              </a:rPr>
+              <a:t>(</a:t>
+            </a:r>
+            <a:r>
+              <a:rPr lang="en-US" sz="1200" kern="1200" dirty="0" err="1">
+                <a:solidFill>
+                  <a:schemeClr val="tx1"/>
+                </a:solidFill>
+                <a:effectLst/>
+                <a:latin typeface="+mn-lt"/>
+                <a:ea typeface="+mn-ea"/>
+                <a:cs typeface="+mn-cs"/>
+              </a:rPr>
+              <a:t>uniquestring</a:t>
+            </a:r>
+            <a:r>
+              <a:rPr lang="en-US" sz="1200" kern="1200" dirty="0">
+                <a:solidFill>
+                  <a:schemeClr val="tx1"/>
+                </a:solidFill>
+                <a:effectLst/>
+                <a:latin typeface="+mn-lt"/>
+                <a:ea typeface="+mn-ea"/>
+                <a:cs typeface="+mn-cs"/>
+              </a:rPr>
+              <a:t>(</a:t>
+            </a:r>
+            <a:r>
+              <a:rPr lang="en-US" sz="1200" kern="1200" dirty="0" err="1">
+                <a:solidFill>
+                  <a:schemeClr val="tx1"/>
+                </a:solidFill>
+                <a:effectLst/>
+                <a:latin typeface="+mn-lt"/>
+                <a:ea typeface="+mn-ea"/>
+                <a:cs typeface="+mn-cs"/>
+              </a:rPr>
+              <a:t>resourceGroup</a:t>
+            </a:r>
+            <a:r>
+              <a:rPr lang="en-US" sz="1200" kern="1200" dirty="0">
+                <a:solidFill>
+                  <a:schemeClr val="tx1"/>
+                </a:solidFill>
+                <a:effectLst/>
+                <a:latin typeface="+mn-lt"/>
+                <a:ea typeface="+mn-ea"/>
+                <a:cs typeface="+mn-cs"/>
+              </a:rPr>
+              <a:t>().id), '</a:t>
+            </a:r>
+            <a:r>
+              <a:rPr lang="en-US" sz="1200" kern="1200" dirty="0" err="1">
+                <a:solidFill>
+                  <a:schemeClr val="tx1"/>
+                </a:solidFill>
+                <a:effectLst/>
+                <a:latin typeface="+mn-lt"/>
+                <a:ea typeface="+mn-ea"/>
+                <a:cs typeface="+mn-cs"/>
+              </a:rPr>
+              <a:t>standardsa</a:t>
+            </a:r>
+            <a:r>
+              <a:rPr lang="en-US" sz="1200" kern="1200" dirty="0">
+                <a:solidFill>
+                  <a:schemeClr val="tx1"/>
+                </a:solidFill>
+                <a:effectLst/>
+                <a:latin typeface="+mn-lt"/>
+                <a:ea typeface="+mn-ea"/>
+                <a:cs typeface="+mn-cs"/>
+              </a:rPr>
+              <a:t>')]"</a:t>
+            </a:r>
+            <a:br>
+              <a:rPr lang="en-US" sz="1200" kern="1200" dirty="0">
+                <a:solidFill>
+                  <a:schemeClr val="tx1"/>
+                </a:solidFill>
+                <a:effectLst/>
+                <a:latin typeface="+mn-lt"/>
+                <a:ea typeface="+mn-ea"/>
+                <a:cs typeface="+mn-cs"/>
+              </a:rPr>
+            </a:br>
+            <a:r>
+              <a:rPr lang="en-US" sz="1200" kern="1200" dirty="0">
+                <a:solidFill>
+                  <a:schemeClr val="tx1"/>
+                </a:solidFill>
+                <a:effectLst/>
+                <a:latin typeface="+mn-lt"/>
+                <a:ea typeface="+mn-ea"/>
+                <a:cs typeface="+mn-cs"/>
+              </a:rPr>
+              <a:t>    },</a:t>
+            </a:r>
+            <a:br>
+              <a:rPr lang="en-US" sz="1200" kern="1200" dirty="0">
+                <a:solidFill>
+                  <a:schemeClr val="tx1"/>
+                </a:solidFill>
+                <a:effectLst/>
+                <a:latin typeface="+mn-lt"/>
+                <a:ea typeface="+mn-ea"/>
+                <a:cs typeface="+mn-cs"/>
+              </a:rPr>
+            </a:br>
+            <a:r>
+              <a:rPr lang="en-US" sz="1200" kern="1200" dirty="0">
+                <a:solidFill>
+                  <a:schemeClr val="tx1"/>
+                </a:solidFill>
+                <a:effectLst/>
+                <a:latin typeface="+mn-lt"/>
+                <a:ea typeface="+mn-ea"/>
+                <a:cs typeface="+mn-cs"/>
+              </a:rPr>
+              <a:t>    "resources": [{</a:t>
+            </a:r>
+            <a:br>
+              <a:rPr lang="en-US" sz="1200" kern="1200" dirty="0">
+                <a:solidFill>
+                  <a:schemeClr val="tx1"/>
+                </a:solidFill>
+                <a:effectLst/>
+                <a:latin typeface="+mn-lt"/>
+                <a:ea typeface="+mn-ea"/>
+                <a:cs typeface="+mn-cs"/>
+              </a:rPr>
+            </a:br>
+            <a:r>
+              <a:rPr lang="en-US" sz="1200" kern="1200" dirty="0">
+                <a:solidFill>
+                  <a:schemeClr val="tx1"/>
+                </a:solidFill>
+                <a:effectLst/>
+                <a:latin typeface="+mn-lt"/>
+                <a:ea typeface="+mn-ea"/>
+                <a:cs typeface="+mn-cs"/>
+              </a:rPr>
+              <a:t>        "type": "</a:t>
+            </a:r>
+            <a:r>
+              <a:rPr lang="en-US" sz="1200" kern="1200" dirty="0" err="1">
+                <a:solidFill>
+                  <a:schemeClr val="tx1"/>
+                </a:solidFill>
+                <a:effectLst/>
+                <a:latin typeface="+mn-lt"/>
+                <a:ea typeface="+mn-ea"/>
+                <a:cs typeface="+mn-cs"/>
+              </a:rPr>
+              <a:t>Microsoft.Storage</a:t>
+            </a:r>
+            <a:r>
+              <a:rPr lang="en-US" sz="1200" kern="1200" dirty="0">
+                <a:solidFill>
+                  <a:schemeClr val="tx1"/>
+                </a:solidFill>
+                <a:effectLst/>
+                <a:latin typeface="+mn-lt"/>
+                <a:ea typeface="+mn-ea"/>
+                <a:cs typeface="+mn-cs"/>
+              </a:rPr>
+              <a:t>/</a:t>
+            </a:r>
+            <a:r>
+              <a:rPr lang="en-US" sz="1200" kern="1200" dirty="0" err="1">
+                <a:solidFill>
+                  <a:schemeClr val="tx1"/>
+                </a:solidFill>
+                <a:effectLst/>
+                <a:latin typeface="+mn-lt"/>
+                <a:ea typeface="+mn-ea"/>
+                <a:cs typeface="+mn-cs"/>
+              </a:rPr>
+              <a:t>storageAccounts</a:t>
+            </a:r>
+            <a:r>
+              <a:rPr lang="en-US" sz="1200" kern="1200" dirty="0">
+                <a:solidFill>
+                  <a:schemeClr val="tx1"/>
+                </a:solidFill>
+                <a:effectLst/>
+                <a:latin typeface="+mn-lt"/>
+                <a:ea typeface="+mn-ea"/>
+                <a:cs typeface="+mn-cs"/>
+              </a:rPr>
+              <a:t>",</a:t>
+            </a:r>
+            <a:br>
+              <a:rPr lang="en-US" sz="1200" kern="1200" dirty="0">
+                <a:solidFill>
+                  <a:schemeClr val="tx1"/>
+                </a:solidFill>
+                <a:effectLst/>
+                <a:latin typeface="+mn-lt"/>
+                <a:ea typeface="+mn-ea"/>
+                <a:cs typeface="+mn-cs"/>
+              </a:rPr>
+            </a:br>
+            <a:r>
+              <a:rPr lang="en-US" sz="1200" kern="1200" dirty="0">
+                <a:solidFill>
+                  <a:schemeClr val="tx1"/>
+                </a:solidFill>
+                <a:effectLst/>
+                <a:latin typeface="+mn-lt"/>
+                <a:ea typeface="+mn-ea"/>
+                <a:cs typeface="+mn-cs"/>
+              </a:rPr>
+              <a:t>        "name": "[variables('</a:t>
+            </a:r>
+            <a:r>
+              <a:rPr lang="en-US" sz="1200" kern="1200" dirty="0" err="1">
+                <a:solidFill>
+                  <a:schemeClr val="tx1"/>
+                </a:solidFill>
+                <a:effectLst/>
+                <a:latin typeface="+mn-lt"/>
+                <a:ea typeface="+mn-ea"/>
+                <a:cs typeface="+mn-cs"/>
+              </a:rPr>
+              <a:t>storageAccountName</a:t>
+            </a:r>
+            <a:r>
+              <a:rPr lang="en-US" sz="1200" kern="1200" dirty="0">
+                <a:solidFill>
+                  <a:schemeClr val="tx1"/>
+                </a:solidFill>
+                <a:effectLst/>
+                <a:latin typeface="+mn-lt"/>
+                <a:ea typeface="+mn-ea"/>
+                <a:cs typeface="+mn-cs"/>
+              </a:rPr>
+              <a:t>')]",</a:t>
+            </a:r>
+            <a:br>
+              <a:rPr lang="en-US" sz="1200" kern="1200" dirty="0">
+                <a:solidFill>
+                  <a:schemeClr val="tx1"/>
+                </a:solidFill>
+                <a:effectLst/>
+                <a:latin typeface="+mn-lt"/>
+                <a:ea typeface="+mn-ea"/>
+                <a:cs typeface="+mn-cs"/>
+              </a:rPr>
+            </a:br>
+            <a:r>
+              <a:rPr lang="en-US" sz="1200" kern="1200" dirty="0">
+                <a:solidFill>
+                  <a:schemeClr val="tx1"/>
+                </a:solidFill>
+                <a:effectLst/>
+                <a:latin typeface="+mn-lt"/>
+                <a:ea typeface="+mn-ea"/>
+                <a:cs typeface="+mn-cs"/>
+              </a:rPr>
+              <a:t>        "</a:t>
+            </a:r>
+            <a:r>
+              <a:rPr lang="en-US" sz="1200" kern="1200" dirty="0" err="1">
+                <a:solidFill>
+                  <a:schemeClr val="tx1"/>
+                </a:solidFill>
+                <a:effectLst/>
+                <a:latin typeface="+mn-lt"/>
+                <a:ea typeface="+mn-ea"/>
+                <a:cs typeface="+mn-cs"/>
+              </a:rPr>
+              <a:t>apiVersion</a:t>
+            </a:r>
+            <a:r>
+              <a:rPr lang="en-US" sz="1200" kern="1200" dirty="0">
+                <a:solidFill>
+                  <a:schemeClr val="tx1"/>
+                </a:solidFill>
+                <a:effectLst/>
+                <a:latin typeface="+mn-lt"/>
+                <a:ea typeface="+mn-ea"/>
+                <a:cs typeface="+mn-cs"/>
+              </a:rPr>
+              <a:t>": "2016-01-01",</a:t>
+            </a:r>
+            <a:br>
+              <a:rPr lang="en-US" sz="1200" kern="1200" dirty="0">
+                <a:solidFill>
+                  <a:schemeClr val="tx1"/>
+                </a:solidFill>
+                <a:effectLst/>
+                <a:latin typeface="+mn-lt"/>
+                <a:ea typeface="+mn-ea"/>
+                <a:cs typeface="+mn-cs"/>
+              </a:rPr>
+            </a:br>
+            <a:r>
+              <a:rPr lang="en-US" sz="1200" kern="1200" dirty="0">
+                <a:solidFill>
+                  <a:schemeClr val="tx1"/>
+                </a:solidFill>
+                <a:effectLst/>
+                <a:latin typeface="+mn-lt"/>
+                <a:ea typeface="+mn-ea"/>
+                <a:cs typeface="+mn-cs"/>
+              </a:rPr>
+              <a:t>        "location": "[</a:t>
+            </a:r>
+            <a:r>
+              <a:rPr lang="en-US" sz="1200" kern="1200" dirty="0" err="1">
+                <a:solidFill>
+                  <a:schemeClr val="tx1"/>
+                </a:solidFill>
+                <a:effectLst/>
+                <a:latin typeface="+mn-lt"/>
+                <a:ea typeface="+mn-ea"/>
+                <a:cs typeface="+mn-cs"/>
+              </a:rPr>
+              <a:t>resourceGroup</a:t>
+            </a:r>
+            <a:r>
+              <a:rPr lang="en-US" sz="1200" kern="1200" dirty="0">
+                <a:solidFill>
+                  <a:schemeClr val="tx1"/>
+                </a:solidFill>
+                <a:effectLst/>
+                <a:latin typeface="+mn-lt"/>
+                <a:ea typeface="+mn-ea"/>
+                <a:cs typeface="+mn-cs"/>
+              </a:rPr>
+              <a:t>().location]",</a:t>
+            </a:r>
+            <a:br>
+              <a:rPr lang="en-US" sz="1200" kern="1200" dirty="0">
+                <a:solidFill>
+                  <a:schemeClr val="tx1"/>
+                </a:solidFill>
+                <a:effectLst/>
+                <a:latin typeface="+mn-lt"/>
+                <a:ea typeface="+mn-ea"/>
+                <a:cs typeface="+mn-cs"/>
+              </a:rPr>
+            </a:br>
+            <a:r>
+              <a:rPr lang="en-US" sz="1200" kern="1200" dirty="0">
+                <a:solidFill>
+                  <a:schemeClr val="tx1"/>
+                </a:solidFill>
+                <a:effectLst/>
+                <a:latin typeface="+mn-lt"/>
+                <a:ea typeface="+mn-ea"/>
+                <a:cs typeface="+mn-cs"/>
+              </a:rPr>
+              <a:t>        "</a:t>
+            </a:r>
+            <a:r>
+              <a:rPr lang="en-US" sz="1200" kern="1200" dirty="0" err="1">
+                <a:solidFill>
+                  <a:schemeClr val="tx1"/>
+                </a:solidFill>
+                <a:effectLst/>
+                <a:latin typeface="+mn-lt"/>
+                <a:ea typeface="+mn-ea"/>
+                <a:cs typeface="+mn-cs"/>
+              </a:rPr>
+              <a:t>sku</a:t>
+            </a:r>
+            <a:r>
+              <a:rPr lang="en-US" sz="1200" kern="1200" dirty="0">
+                <a:solidFill>
+                  <a:schemeClr val="tx1"/>
+                </a:solidFill>
+                <a:effectLst/>
+                <a:latin typeface="+mn-lt"/>
+                <a:ea typeface="+mn-ea"/>
+                <a:cs typeface="+mn-cs"/>
+              </a:rPr>
+              <a:t>": {</a:t>
+            </a:r>
+            <a:br>
+              <a:rPr lang="en-US" sz="1200" kern="1200" dirty="0">
+                <a:solidFill>
+                  <a:schemeClr val="tx1"/>
+                </a:solidFill>
+                <a:effectLst/>
+                <a:latin typeface="+mn-lt"/>
+                <a:ea typeface="+mn-ea"/>
+                <a:cs typeface="+mn-cs"/>
+              </a:rPr>
+            </a:br>
+            <a:r>
+              <a:rPr lang="en-US" sz="1200" kern="1200" dirty="0">
+                <a:solidFill>
+                  <a:schemeClr val="tx1"/>
+                </a:solidFill>
+                <a:effectLst/>
+                <a:latin typeface="+mn-lt"/>
+                <a:ea typeface="+mn-ea"/>
+                <a:cs typeface="+mn-cs"/>
+              </a:rPr>
+              <a:t>            "name": "[parameters('</a:t>
+            </a:r>
+            <a:r>
+              <a:rPr lang="en-US" sz="1200" kern="1200" dirty="0" err="1">
+                <a:solidFill>
+                  <a:schemeClr val="tx1"/>
+                </a:solidFill>
+                <a:effectLst/>
+                <a:latin typeface="+mn-lt"/>
+                <a:ea typeface="+mn-ea"/>
+                <a:cs typeface="+mn-cs"/>
+              </a:rPr>
+              <a:t>storageAccountType</a:t>
+            </a:r>
+            <a:r>
+              <a:rPr lang="en-US" sz="1200" kern="1200" dirty="0">
+                <a:solidFill>
+                  <a:schemeClr val="tx1"/>
+                </a:solidFill>
+                <a:effectLst/>
+                <a:latin typeface="+mn-lt"/>
+                <a:ea typeface="+mn-ea"/>
+                <a:cs typeface="+mn-cs"/>
+              </a:rPr>
+              <a:t>')]"</a:t>
+            </a:r>
+            <a:br>
+              <a:rPr lang="en-US" sz="1200" kern="1200" dirty="0">
+                <a:solidFill>
+                  <a:schemeClr val="tx1"/>
+                </a:solidFill>
+                <a:effectLst/>
+                <a:latin typeface="+mn-lt"/>
+                <a:ea typeface="+mn-ea"/>
+                <a:cs typeface="+mn-cs"/>
+              </a:rPr>
+            </a:br>
+            <a:r>
+              <a:rPr lang="en-US" sz="1200" kern="1200" dirty="0">
+                <a:solidFill>
+                  <a:schemeClr val="tx1"/>
+                </a:solidFill>
+                <a:effectLst/>
+                <a:latin typeface="+mn-lt"/>
+                <a:ea typeface="+mn-ea"/>
+                <a:cs typeface="+mn-cs"/>
+              </a:rPr>
+              <a:t>        },</a:t>
+            </a:r>
+            <a:br>
+              <a:rPr lang="en-US" sz="1200" kern="1200" dirty="0">
+                <a:solidFill>
+                  <a:schemeClr val="tx1"/>
+                </a:solidFill>
+                <a:effectLst/>
+                <a:latin typeface="+mn-lt"/>
+                <a:ea typeface="+mn-ea"/>
+                <a:cs typeface="+mn-cs"/>
+              </a:rPr>
+            </a:br>
+            <a:r>
+              <a:rPr lang="en-US" sz="1200" kern="1200" dirty="0">
+                <a:solidFill>
+                  <a:schemeClr val="tx1"/>
+                </a:solidFill>
+                <a:effectLst/>
+                <a:latin typeface="+mn-lt"/>
+                <a:ea typeface="+mn-ea"/>
+                <a:cs typeface="+mn-cs"/>
+              </a:rPr>
+              <a:t>        "kind": "Storage",</a:t>
+            </a:r>
+            <a:br>
+              <a:rPr lang="en-US" sz="1200" kern="1200" dirty="0">
+                <a:solidFill>
+                  <a:schemeClr val="tx1"/>
+                </a:solidFill>
+                <a:effectLst/>
+                <a:latin typeface="+mn-lt"/>
+                <a:ea typeface="+mn-ea"/>
+                <a:cs typeface="+mn-cs"/>
+              </a:rPr>
+            </a:br>
+            <a:r>
+              <a:rPr lang="en-US" sz="1200" kern="1200" dirty="0">
+                <a:solidFill>
+                  <a:schemeClr val="tx1"/>
+                </a:solidFill>
+                <a:effectLst/>
+                <a:latin typeface="+mn-lt"/>
+                <a:ea typeface="+mn-ea"/>
+                <a:cs typeface="+mn-cs"/>
+              </a:rPr>
+              <a:t>        "properties": {}</a:t>
+            </a:r>
+            <a:br>
+              <a:rPr lang="en-US" sz="1200" kern="1200" dirty="0">
+                <a:solidFill>
+                  <a:schemeClr val="tx1"/>
+                </a:solidFill>
+                <a:effectLst/>
+                <a:latin typeface="+mn-lt"/>
+                <a:ea typeface="+mn-ea"/>
+                <a:cs typeface="+mn-cs"/>
+              </a:rPr>
+            </a:br>
+            <a:r>
+              <a:rPr lang="en-US" sz="1200" kern="1200" dirty="0">
+                <a:solidFill>
+                  <a:schemeClr val="tx1"/>
+                </a:solidFill>
+                <a:effectLst/>
+                <a:latin typeface="+mn-lt"/>
+                <a:ea typeface="+mn-ea"/>
+                <a:cs typeface="+mn-cs"/>
+              </a:rPr>
+              <a:t>    }],</a:t>
+            </a:r>
+            <a:br>
+              <a:rPr lang="en-US" sz="1200" kern="1200" dirty="0">
+                <a:solidFill>
+                  <a:schemeClr val="tx1"/>
+                </a:solidFill>
+                <a:effectLst/>
+                <a:latin typeface="+mn-lt"/>
+                <a:ea typeface="+mn-ea"/>
+                <a:cs typeface="+mn-cs"/>
+              </a:rPr>
+            </a:br>
+            <a:r>
+              <a:rPr lang="en-US" sz="1200" kern="1200" dirty="0">
+                <a:solidFill>
+                  <a:schemeClr val="tx1"/>
+                </a:solidFill>
+                <a:effectLst/>
+                <a:latin typeface="+mn-lt"/>
+                <a:ea typeface="+mn-ea"/>
+                <a:cs typeface="+mn-cs"/>
+              </a:rPr>
+              <a:t>    "outputs": {</a:t>
+            </a:r>
+            <a:br>
+              <a:rPr lang="en-US" sz="1200" kern="1200" dirty="0">
+                <a:solidFill>
+                  <a:schemeClr val="tx1"/>
+                </a:solidFill>
+                <a:effectLst/>
+                <a:latin typeface="+mn-lt"/>
+                <a:ea typeface="+mn-ea"/>
+                <a:cs typeface="+mn-cs"/>
+              </a:rPr>
+            </a:br>
+            <a:r>
+              <a:rPr lang="en-US" sz="1200" kern="1200" dirty="0">
+                <a:solidFill>
+                  <a:schemeClr val="tx1"/>
+                </a:solidFill>
+                <a:effectLst/>
+                <a:latin typeface="+mn-lt"/>
+                <a:ea typeface="+mn-ea"/>
+                <a:cs typeface="+mn-cs"/>
+              </a:rPr>
+              <a:t>        "</a:t>
+            </a:r>
+            <a:r>
+              <a:rPr lang="en-US" sz="1200" kern="1200" dirty="0" err="1">
+                <a:solidFill>
+                  <a:schemeClr val="tx1"/>
+                </a:solidFill>
+                <a:effectLst/>
+                <a:latin typeface="+mn-lt"/>
+                <a:ea typeface="+mn-ea"/>
+                <a:cs typeface="+mn-cs"/>
+              </a:rPr>
+              <a:t>storageAccountName</a:t>
+            </a:r>
+            <a:r>
+              <a:rPr lang="en-US" sz="1200" kern="1200" dirty="0">
+                <a:solidFill>
+                  <a:schemeClr val="tx1"/>
+                </a:solidFill>
+                <a:effectLst/>
+                <a:latin typeface="+mn-lt"/>
+                <a:ea typeface="+mn-ea"/>
+                <a:cs typeface="+mn-cs"/>
+              </a:rPr>
+              <a:t>": {</a:t>
+            </a:r>
+            <a:br>
+              <a:rPr lang="en-US" sz="1200" kern="1200" dirty="0">
+                <a:solidFill>
+                  <a:schemeClr val="tx1"/>
+                </a:solidFill>
+                <a:effectLst/>
+                <a:latin typeface="+mn-lt"/>
+                <a:ea typeface="+mn-ea"/>
+                <a:cs typeface="+mn-cs"/>
+              </a:rPr>
+            </a:br>
+            <a:r>
+              <a:rPr lang="en-US" sz="1200" kern="1200" dirty="0">
+                <a:solidFill>
+                  <a:schemeClr val="tx1"/>
+                </a:solidFill>
+                <a:effectLst/>
+                <a:latin typeface="+mn-lt"/>
+                <a:ea typeface="+mn-ea"/>
+                <a:cs typeface="+mn-cs"/>
+              </a:rPr>
+              <a:t>            "type": "string",</a:t>
+            </a:r>
+            <a:br>
+              <a:rPr lang="en-US" sz="1200" kern="1200" dirty="0">
+                <a:solidFill>
+                  <a:schemeClr val="tx1"/>
+                </a:solidFill>
+                <a:effectLst/>
+                <a:latin typeface="+mn-lt"/>
+                <a:ea typeface="+mn-ea"/>
+                <a:cs typeface="+mn-cs"/>
+              </a:rPr>
+            </a:br>
+            <a:r>
+              <a:rPr lang="en-US" sz="1200" kern="1200" dirty="0">
+                <a:solidFill>
+                  <a:schemeClr val="tx1"/>
+                </a:solidFill>
+                <a:effectLst/>
+                <a:latin typeface="+mn-lt"/>
+                <a:ea typeface="+mn-ea"/>
+                <a:cs typeface="+mn-cs"/>
+              </a:rPr>
+              <a:t>            "value": "[variables('</a:t>
+            </a:r>
+            <a:r>
+              <a:rPr lang="en-US" sz="1200" kern="1200" dirty="0" err="1">
+                <a:solidFill>
+                  <a:schemeClr val="tx1"/>
+                </a:solidFill>
+                <a:effectLst/>
+                <a:latin typeface="+mn-lt"/>
+                <a:ea typeface="+mn-ea"/>
+                <a:cs typeface="+mn-cs"/>
+              </a:rPr>
+              <a:t>storageAccountName</a:t>
+            </a:r>
+            <a:r>
+              <a:rPr lang="en-US" sz="1200" kern="1200" dirty="0">
+                <a:solidFill>
+                  <a:schemeClr val="tx1"/>
+                </a:solidFill>
+                <a:effectLst/>
+                <a:latin typeface="+mn-lt"/>
+                <a:ea typeface="+mn-ea"/>
+                <a:cs typeface="+mn-cs"/>
+              </a:rPr>
+              <a:t>')]"</a:t>
+            </a:r>
+            <a:br>
+              <a:rPr lang="en-US" sz="1200" kern="1200" dirty="0">
+                <a:solidFill>
+                  <a:schemeClr val="tx1"/>
+                </a:solidFill>
+                <a:effectLst/>
+                <a:latin typeface="+mn-lt"/>
+                <a:ea typeface="+mn-ea"/>
+                <a:cs typeface="+mn-cs"/>
+              </a:rPr>
+            </a:br>
+            <a:r>
+              <a:rPr lang="en-US" sz="1200" kern="1200" dirty="0">
+                <a:solidFill>
+                  <a:schemeClr val="tx1"/>
+                </a:solidFill>
+                <a:effectLst/>
+                <a:latin typeface="+mn-lt"/>
+                <a:ea typeface="+mn-ea"/>
+                <a:cs typeface="+mn-cs"/>
+              </a:rPr>
+              <a:t>        }</a:t>
+            </a:r>
+            <a:br>
+              <a:rPr lang="en-US" sz="1200" kern="1200" dirty="0">
+                <a:solidFill>
+                  <a:schemeClr val="tx1"/>
+                </a:solidFill>
+                <a:effectLst/>
+                <a:latin typeface="+mn-lt"/>
+                <a:ea typeface="+mn-ea"/>
+                <a:cs typeface="+mn-cs"/>
+              </a:rPr>
+            </a:br>
+            <a:r>
+              <a:rPr lang="en-US" sz="1200" kern="1200" dirty="0">
+                <a:solidFill>
+                  <a:schemeClr val="tx1"/>
+                </a:solidFill>
+                <a:effectLst/>
+                <a:latin typeface="+mn-lt"/>
+                <a:ea typeface="+mn-ea"/>
+                <a:cs typeface="+mn-cs"/>
+              </a:rPr>
+              <a:t>    }</a:t>
+            </a:r>
+            <a:br>
+              <a:rPr lang="en-US" sz="1200" kern="1200" dirty="0">
+                <a:solidFill>
+                  <a:schemeClr val="tx1"/>
+                </a:solidFill>
+                <a:effectLst/>
+                <a:latin typeface="+mn-lt"/>
+                <a:ea typeface="+mn-ea"/>
+                <a:cs typeface="+mn-cs"/>
+              </a:rPr>
+            </a:br>
+            <a:r>
+              <a:rPr lang="en-US" sz="1200" kern="1200" dirty="0">
+                <a:solidFill>
+                  <a:schemeClr val="tx1"/>
+                </a:solidFill>
+                <a:effectLst/>
+                <a:latin typeface="+mn-lt"/>
+                <a:ea typeface="+mn-ea"/>
+                <a:cs typeface="+mn-cs"/>
+              </a:rPr>
+              <a:t>}</a:t>
+            </a:r>
+          </a:p>
+          <a:p>
+            <a:endParaRPr lang="en-US" dirty="0"/>
           </a:p>
         </p:txBody>
       </p:sp>
@@ -3378,7 +4887,7 @@
     </p:spTree>
     <p:extLst>
       <p:ext uri="{BB962C8B-B14F-4D97-AF65-F5344CB8AC3E}">
-        <p14:creationId xmlns:p14="http://schemas.microsoft.com/office/powerpoint/2010/main" val="501550754"/>
+        <p14:creationId xmlns:p14="http://schemas.microsoft.com/office/powerpoint/2010/main" val="3214297453"/>
       </p:ext>
     </p:extLst>
   </p:cSld>
@@ -3432,7 +4941,7 @@
           <a:bodyPr/>
           <a:lstStyle/>
           <a:p>
-            <a:endParaRPr lang="sv-SE"/>
+            <a:endParaRPr lang="sv-SE" dirty="0"/>
           </a:p>
         </p:txBody>
       </p:sp>
@@ -3453,7 +4962,91 @@
           <a:p>
             <a:fld id="{D1ABA2CB-342C-46F9-95EC-88F4F68DF547}" type="slidenum">
               <a:rPr lang="en-US" smtClean="0"/>
-              <a:t>13</a:t>
+              <a:t>11</a:t>
+            </a:fld>
+            <a:endParaRPr lang="en-US"/>
+          </a:p>
+        </p:txBody>
+      </p:sp>
+    </p:spTree>
+    <p:extLst>
+      <p:ext uri="{BB962C8B-B14F-4D97-AF65-F5344CB8AC3E}">
+        <p14:creationId xmlns:p14="http://schemas.microsoft.com/office/powerpoint/2010/main" val="501550754"/>
+      </p:ext>
+    </p:extLst>
+  </p:cSld>
+  <p:clrMapOvr>
+    <a:masterClrMapping/>
+  </p:clrMapOvr>
+</p:notes>
+</file>
+
+<file path=ppt/notesSlides/notesSlide9.xml><?xml version="1.0" encoding="utf-8"?>
+<p:notes xmlns:a="http://schemas.openxmlformats.org/drawingml/2006/main" xmlns:r="http://schemas.openxmlformats.org/officeDocument/2006/relationships" xmlns:p="http://schemas.openxmlformats.org/presentationml/2006/main">
+  <p:cSld>
+    <p:spTree>
+      <p:nvGrpSpPr>
+        <p:cNvPr id="1" name=""/>
+        <p:cNvGrpSpPr/>
+        <p:nvPr/>
+      </p:nvGrpSpPr>
+      <p:grpSpPr>
+        <a:xfrm>
+          <a:off x="0" y="0"/>
+          <a:ext cx="0" cy="0"/>
+          <a:chOff x="0" y="0"/>
+          <a:chExt cx="0" cy="0"/>
+        </a:xfrm>
+      </p:grpSpPr>
+      <p:sp>
+        <p:nvSpPr>
+          <p:cNvPr id="2" name="Slide Image Placeholder 1"/>
+          <p:cNvSpPr>
+            <a:spLocks noGrp="1" noRot="1" noChangeAspect="1"/>
+          </p:cNvSpPr>
+          <p:nvPr>
+            <p:ph type="sldImg"/>
+          </p:nvPr>
+        </p:nvSpPr>
+        <p:spPr/>
+      </p:sp>
+      <p:sp>
+        <p:nvSpPr>
+          <p:cNvPr id="3" name="Notes Placeholder 2"/>
+          <p:cNvSpPr>
+            <a:spLocks noGrp="1"/>
+          </p:cNvSpPr>
+          <p:nvPr>
+            <p:ph type="body" idx="1"/>
+          </p:nvPr>
+        </p:nvSpPr>
+        <p:spPr/>
+        <p:txBody>
+          <a:bodyPr/>
+          <a:lstStyle/>
+          <a:p>
+            <a:endParaRPr lang="sv-SE"/>
+          </a:p>
+        </p:txBody>
+      </p:sp>
+      <p:sp>
+        <p:nvSpPr>
+          <p:cNvPr id="4" name="Slide Number Placeholder 3"/>
+          <p:cNvSpPr>
+            <a:spLocks noGrp="1"/>
+          </p:cNvSpPr>
+          <p:nvPr>
+            <p:ph type="sldNum" sz="quarter" idx="5"/>
+          </p:nvPr>
+        </p:nvSpPr>
+        <p:spPr/>
+        <p:txBody>
+          <a:bodyPr/>
+          <a:lstStyle/>
+          <a:p>
+            <a:fld id="{D1ABA2CB-342C-46F9-95EC-88F4F68DF547}" type="slidenum">
+              <a:rPr lang="en-US" smtClean="0"/>
+              <a:t>14</a:t>
             </a:fld>
             <a:endParaRPr lang="en-US"/>
           </a:p>
@@ -3619,7 +5212,7 @@
           <a:p>
             <a:fld id="{3E3C2F32-47E1-4D90-8C64-89D7BCB0B356}" type="datetimeFigureOut">
               <a:rPr lang="en-US" smtClean="0"/>
-              <a:t>3/20/2020</a:t>
+              <a:t>4/14/2020</a:t>
             </a:fld>
             <a:endParaRPr lang="en-US"/>
           </a:p>
@@ -3817,7 +5410,7 @@
           <a:p>
             <a:fld id="{3E3C2F32-47E1-4D90-8C64-89D7BCB0B356}" type="datetimeFigureOut">
               <a:rPr lang="en-US" smtClean="0"/>
-              <a:t>3/20/2020</a:t>
+              <a:t>4/14/2020</a:t>
             </a:fld>
             <a:endParaRPr lang="en-US"/>
           </a:p>
@@ -4025,7 +5618,7 @@
           <a:p>
             <a:fld id="{3E3C2F32-47E1-4D90-8C64-89D7BCB0B356}" type="datetimeFigureOut">
               <a:rPr lang="en-US" smtClean="0"/>
-              <a:t>3/20/2020</a:t>
+              <a:t>4/14/2020</a:t>
             </a:fld>
             <a:endParaRPr lang="en-US"/>
           </a:p>
@@ -4223,7 +5816,7 @@
           <a:p>
             <a:fld id="{3E3C2F32-47E1-4D90-8C64-89D7BCB0B356}" type="datetimeFigureOut">
               <a:rPr lang="en-US" smtClean="0"/>
-              <a:t>3/20/2020</a:t>
+              <a:t>4/14/2020</a:t>
             </a:fld>
             <a:endParaRPr lang="en-US"/>
           </a:p>
@@ -4498,7 +6091,7 @@
           <a:p>
             <a:fld id="{3E3C2F32-47E1-4D90-8C64-89D7BCB0B356}" type="datetimeFigureOut">
               <a:rPr lang="en-US" smtClean="0"/>
-              <a:t>3/20/2020</a:t>
+              <a:t>4/14/2020</a:t>
             </a:fld>
             <a:endParaRPr lang="en-US"/>
           </a:p>
@@ -4763,7 +6356,7 @@
           <a:p>
             <a:fld id="{3E3C2F32-47E1-4D90-8C64-89D7BCB0B356}" type="datetimeFigureOut">
               <a:rPr lang="en-US" smtClean="0"/>
-              <a:t>3/20/2020</a:t>
+              <a:t>4/14/2020</a:t>
             </a:fld>
             <a:endParaRPr lang="en-US"/>
           </a:p>
@@ -5175,7 +6768,7 @@
           <a:p>
             <a:fld id="{3E3C2F32-47E1-4D90-8C64-89D7BCB0B356}" type="datetimeFigureOut">
               <a:rPr lang="en-US" smtClean="0"/>
-              <a:t>3/20/2020</a:t>
+              <a:t>4/14/2020</a:t>
             </a:fld>
             <a:endParaRPr lang="en-US"/>
           </a:p>
@@ -5316,7 +6909,7 @@
           <a:p>
             <a:fld id="{3E3C2F32-47E1-4D90-8C64-89D7BCB0B356}" type="datetimeFigureOut">
               <a:rPr lang="en-US" smtClean="0"/>
-              <a:t>3/20/2020</a:t>
+              <a:t>4/14/2020</a:t>
             </a:fld>
             <a:endParaRPr lang="en-US"/>
           </a:p>
@@ -5429,7 +7022,7 @@
           <a:p>
             <a:fld id="{3E3C2F32-47E1-4D90-8C64-89D7BCB0B356}" type="datetimeFigureOut">
               <a:rPr lang="en-US" smtClean="0"/>
-              <a:t>3/20/2020</a:t>
+              <a:t>4/14/2020</a:t>
             </a:fld>
             <a:endParaRPr lang="en-US"/>
           </a:p>
@@ -5740,7 +7333,7 @@
           <a:p>
             <a:fld id="{3E3C2F32-47E1-4D90-8C64-89D7BCB0B356}" type="datetimeFigureOut">
               <a:rPr lang="en-US" smtClean="0"/>
-              <a:t>3/20/2020</a:t>
+              <a:t>4/14/2020</a:t>
             </a:fld>
             <a:endParaRPr lang="en-US"/>
           </a:p>
@@ -6028,7 +7621,7 @@
           <a:p>
             <a:fld id="{3E3C2F32-47E1-4D90-8C64-89D7BCB0B356}" type="datetimeFigureOut">
               <a:rPr lang="en-US" smtClean="0"/>
-              <a:t>3/20/2020</a:t>
+              <a:t>4/14/2020</a:t>
             </a:fld>
             <a:endParaRPr lang="en-US"/>
           </a:p>
@@ -6269,7 +7862,7 @@
           <a:p>
             <a:fld id="{3E3C2F32-47E1-4D90-8C64-89D7BCB0B356}" type="datetimeFigureOut">
               <a:rPr lang="en-US" smtClean="0"/>
-              <a:t>3/20/2020</a:t>
+              <a:t>4/14/2020</a:t>
             </a:fld>
             <a:endParaRPr lang="en-US"/>
           </a:p>
@@ -6770,6 +8363,400 @@
 </file>
 
 <file path=ppt/slides/slide10.xml><?xml version="1.0" encoding="utf-8"?>
+<p:sld xmlns:a="http://schemas.openxmlformats.org/drawingml/2006/main" xmlns:r="http://schemas.openxmlformats.org/officeDocument/2006/relationships" xmlns:p="http://schemas.openxmlformats.org/presentationml/2006/main" show="0">
+  <p:cSld>
+    <p:spTree>
+      <p:nvGrpSpPr>
+        <p:cNvPr id="1" name=""/>
+        <p:cNvGrpSpPr/>
+        <p:nvPr/>
+      </p:nvGrpSpPr>
+      <p:grpSpPr>
+        <a:xfrm>
+          <a:off x="0" y="0"/>
+          <a:ext cx="0" cy="0"/>
+          <a:chOff x="0" y="0"/>
+          <a:chExt cx="0" cy="0"/>
+        </a:xfrm>
+      </p:grpSpPr>
+      <p:sp>
+        <p:nvSpPr>
+          <p:cNvPr id="2" name="Title 1">
+            <a:extLst>
+              <a:ext uri="{FF2B5EF4-FFF2-40B4-BE49-F238E27FC236}">
+                <a16:creationId xmlns:a16="http://schemas.microsoft.com/office/drawing/2014/main" id="{9103BE6A-C3F7-45A9-AAB2-2D815440BC0A}"/>
+              </a:ext>
+            </a:extLst>
+          </p:cNvPr>
+          <p:cNvSpPr>
+            <a:spLocks noGrp="1"/>
+          </p:cNvSpPr>
+          <p:nvPr>
+            <p:ph type="title"/>
+          </p:nvPr>
+        </p:nvSpPr>
+        <p:spPr>
+          <a:xfrm>
+            <a:off x="374984" y="365125"/>
+            <a:ext cx="10978816" cy="1325563"/>
+          </a:xfrm>
+        </p:spPr>
+        <p:txBody>
+          <a:bodyPr/>
+          <a:lstStyle/>
+          <a:p>
+            <a:r>
+              <a:rPr lang="en-US"/>
+              <a:t>Azure Blueprint Challenge</a:t>
+            </a:r>
+          </a:p>
+        </p:txBody>
+      </p:sp>
+      <p:sp>
+        <p:nvSpPr>
+          <p:cNvPr id="3" name="Content Placeholder 2">
+            <a:extLst>
+              <a:ext uri="{FF2B5EF4-FFF2-40B4-BE49-F238E27FC236}">
+                <a16:creationId xmlns:a16="http://schemas.microsoft.com/office/drawing/2014/main" id="{83B3D083-6DDC-4DF6-842F-2957BF37C439}"/>
+              </a:ext>
+            </a:extLst>
+          </p:cNvPr>
+          <p:cNvSpPr>
+            <a:spLocks noGrp="1"/>
+          </p:cNvSpPr>
+          <p:nvPr>
+            <p:ph idx="1"/>
+          </p:nvPr>
+        </p:nvSpPr>
+        <p:spPr>
+          <a:xfrm>
+            <a:off x="3375660" y="3556040"/>
+            <a:ext cx="10515600" cy="4670892"/>
+          </a:xfrm>
+        </p:spPr>
+        <p:txBody>
+          <a:bodyPr>
+            <a:normAutofit/>
+          </a:bodyPr>
+          <a:lstStyle/>
+          <a:p>
+            <a:endParaRPr lang="en-US" dirty="0"/>
+          </a:p>
+          <a:p>
+            <a:endParaRPr lang="en-US" dirty="0"/>
+          </a:p>
+          <a:p>
+            <a:endParaRPr lang="en-US" dirty="0"/>
+          </a:p>
+        </p:txBody>
+      </p:sp>
+      <p:sp>
+        <p:nvSpPr>
+          <p:cNvPr id="4" name="TextBox 3">
+            <a:extLst>
+              <a:ext uri="{FF2B5EF4-FFF2-40B4-BE49-F238E27FC236}">
+                <a16:creationId xmlns:a16="http://schemas.microsoft.com/office/drawing/2014/main" id="{6D97B3D3-2A54-4466-A400-EB9C6BCC333B}"/>
+              </a:ext>
+            </a:extLst>
+          </p:cNvPr>
+          <p:cNvSpPr txBox="1"/>
+          <p:nvPr/>
+        </p:nvSpPr>
+        <p:spPr>
+          <a:xfrm>
+            <a:off x="374984" y="1567543"/>
+            <a:ext cx="10848073" cy="5632311"/>
+          </a:xfrm>
+          <a:prstGeom prst="rect">
+            <a:avLst/>
+          </a:prstGeom>
+          <a:noFill/>
+        </p:spPr>
+        <p:txBody>
+          <a:bodyPr wrap="square" rtlCol="0">
+            <a:spAutoFit/>
+          </a:bodyPr>
+          <a:lstStyle/>
+          <a:p>
+            <a:pPr marL="285750" indent="-285750">
+              <a:buFont typeface="Arial" panose="020B0604020202020204" pitchFamily="34" charset="0"/>
+              <a:buChar char="•"/>
+            </a:pPr>
+            <a:r>
+              <a:rPr lang="en-US" sz="2400" dirty="0"/>
+              <a:t>Create a Blueprint in the Contoso Management Group that has the following:</a:t>
+            </a:r>
+          </a:p>
+          <a:p>
+            <a:pPr marL="742950" lvl="1" indent="-285750">
+              <a:buFont typeface="Arial" panose="020B0604020202020204" pitchFamily="34" charset="0"/>
+              <a:buChar char="•"/>
+            </a:pPr>
+            <a:r>
+              <a:rPr lang="en-US" sz="2400" dirty="0"/>
+              <a:t>Role assignment for Contributor</a:t>
+            </a:r>
+          </a:p>
+          <a:p>
+            <a:pPr marL="742950" lvl="1" indent="-285750">
+              <a:buFont typeface="Arial" panose="020B0604020202020204" pitchFamily="34" charset="0"/>
+              <a:buChar char="•"/>
+            </a:pPr>
+            <a:r>
+              <a:rPr lang="en-US" sz="2400" dirty="0"/>
+              <a:t>Policy Assignment for ‘Add or replace a tag on resource groups’</a:t>
+            </a:r>
+          </a:p>
+          <a:p>
+            <a:pPr marL="742950" lvl="1" indent="-285750">
+              <a:buFont typeface="Arial" panose="020B0604020202020204" pitchFamily="34" charset="0"/>
+              <a:buChar char="•"/>
+            </a:pPr>
+            <a:r>
+              <a:rPr lang="en-US" sz="2400" dirty="0"/>
+              <a:t>A Resource Group</a:t>
+            </a:r>
+          </a:p>
+          <a:p>
+            <a:pPr marL="742950" lvl="1" indent="-285750">
+              <a:buFont typeface="Arial" panose="020B0604020202020204" pitchFamily="34" charset="0"/>
+              <a:buChar char="•"/>
+            </a:pPr>
+            <a:r>
+              <a:rPr lang="en-US" sz="2400" dirty="0"/>
+              <a:t>Azure Resource Management Template for </a:t>
+            </a:r>
+            <a:r>
+              <a:rPr lang="en-US" sz="2400" dirty="0" err="1"/>
+              <a:t>StorageAccount</a:t>
+            </a:r>
+            <a:r>
+              <a:rPr lang="en-US" sz="2400" dirty="0"/>
+              <a:t> </a:t>
+            </a:r>
+            <a:br>
+              <a:rPr lang="en-US" sz="2400" dirty="0"/>
+            </a:br>
+            <a:r>
+              <a:rPr lang="en-US" sz="2400" dirty="0">
+                <a:highlight>
+                  <a:srgbClr val="FFFF00"/>
+                </a:highlight>
+              </a:rPr>
+              <a:t>Note: json for template can be found at the link below</a:t>
+            </a:r>
+          </a:p>
+          <a:p>
+            <a:pPr marL="742950" lvl="1" indent="-285750">
+              <a:buFont typeface="Arial" panose="020B0604020202020204" pitchFamily="34" charset="0"/>
+              <a:buChar char="•"/>
+            </a:pPr>
+            <a:r>
+              <a:rPr lang="en-US" sz="2400" dirty="0"/>
+              <a:t>It should look like the screenshot on the next slide</a:t>
+            </a:r>
+          </a:p>
+          <a:p>
+            <a:pPr marL="742950" lvl="1" indent="-285750">
+              <a:buFont typeface="Arial" panose="020B0604020202020204" pitchFamily="34" charset="0"/>
+              <a:buChar char="•"/>
+            </a:pPr>
+            <a:r>
+              <a:rPr lang="en-US" sz="2400" dirty="0"/>
+              <a:t>Add a description, publish and assign this Blueprint to the Free Trial Subscription.  Use an existing group for role assignment Contributor.  Set Tag Name to </a:t>
+            </a:r>
+            <a:r>
+              <a:rPr lang="en-US" sz="2400" dirty="0" err="1"/>
+              <a:t>costCenter</a:t>
+            </a:r>
+            <a:r>
+              <a:rPr lang="en-US" sz="2400" dirty="0"/>
+              <a:t> and Tag Value to </a:t>
+            </a:r>
+            <a:r>
+              <a:rPr lang="en-US" sz="2400" dirty="0" err="1"/>
+              <a:t>ContosoIT</a:t>
+            </a:r>
+            <a:r>
+              <a:rPr lang="en-US" sz="2400" dirty="0"/>
+              <a:t>.</a:t>
+            </a:r>
+          </a:p>
+          <a:p>
+            <a:pPr algn="ctr"/>
+            <a:r>
+              <a:rPr lang="en-US" sz="4800" dirty="0"/>
+              <a:t>Resources:</a:t>
+            </a:r>
+          </a:p>
+          <a:p>
+            <a:pPr algn="ctr"/>
+            <a:r>
+              <a:rPr lang="sv-SE" sz="4800" dirty="0">
+                <a:hlinkClick r:id="rId3"/>
+              </a:rPr>
+              <a:t>http://aka.ms/mtcsto/ws</a:t>
+            </a:r>
+            <a:endParaRPr lang="en-US" sz="4800" dirty="0"/>
+          </a:p>
+          <a:p>
+            <a:pPr lvl="1"/>
+            <a:endParaRPr lang="en-US" sz="2400" dirty="0"/>
+          </a:p>
+        </p:txBody>
+      </p:sp>
+      <p:sp>
+        <p:nvSpPr>
+          <p:cNvPr id="5" name="Rectangle 2">
+            <a:extLst>
+              <a:ext uri="{FF2B5EF4-FFF2-40B4-BE49-F238E27FC236}">
+                <a16:creationId xmlns:a16="http://schemas.microsoft.com/office/drawing/2014/main" id="{1CC0CC1B-2744-4683-A6DA-6D3DF181219E}"/>
+              </a:ext>
+            </a:extLst>
+          </p:cNvPr>
+          <p:cNvSpPr>
+            <a:spLocks noChangeArrowheads="1"/>
+          </p:cNvSpPr>
+          <p:nvPr/>
+        </p:nvSpPr>
+        <p:spPr bwMode="auto">
+          <a:xfrm>
+            <a:off x="2537460" y="2009775"/>
+            <a:ext cx="12192000" cy="457200"/>
+          </a:xfrm>
+          <a:prstGeom prst="rect">
+            <a:avLst/>
+          </a:prstGeom>
+          <a:noFill/>
+          <a:ln>
+            <a:noFill/>
+          </a:ln>
+          <a:effectLst/>
+          <a:extLst>
+            <a:ext uri="{909E8E84-426E-40DD-AFC4-6F175D3DCCD1}">
+              <a14:hiddenFill xmlns:a14="http://schemas.microsoft.com/office/drawing/2010/main">
+                <a:solidFill>
+                  <a:schemeClr val="accent1"/>
+                </a:solidFill>
+              </a14:hiddenFill>
+            </a:ext>
+            <a:ext uri="{91240B29-F687-4F45-9708-019B960494DF}">
+              <a14:hiddenLine xmlns:a14="http://schemas.microsoft.com/office/drawing/2010/main" w="9525">
+                <a:solidFill>
+                  <a:schemeClr val="tx1"/>
+                </a:solidFill>
+                <a:miter lim="800000"/>
+                <a:headEnd/>
+                <a:tailEnd/>
+              </a14:hiddenLine>
+            </a:ext>
+            <a:ext uri="{AF507438-7753-43E0-B8FC-AC1667EBCBE1}">
+              <a14:hiddenEffects xmlns:a14="http://schemas.microsoft.com/office/drawing/2010/main">
+                <a:effectLst>
+                  <a:outerShdw dist="35921" dir="2700000" algn="ctr" rotWithShape="0">
+                    <a:schemeClr val="bg2"/>
+                  </a:outerShdw>
+                </a:effectLst>
+              </a14:hiddenEffects>
+            </a:ext>
+          </a:extLst>
+        </p:spPr>
+        <p:txBody>
+          <a:bodyPr vert="horz" wrap="none" lIns="91440" tIns="45720" rIns="91440" bIns="45720" numCol="1" anchor="ctr" anchorCtr="0" compatLnSpc="1">
+            <a:prstTxWarp prst="textNoShape">
+              <a:avLst/>
+            </a:prstTxWarp>
+            <a:spAutoFit/>
+          </a:bodyPr>
+          <a:lstStyle/>
+          <a:p>
+            <a:endParaRPr lang="en-US"/>
+          </a:p>
+        </p:txBody>
+      </p:sp>
+      <p:sp>
+        <p:nvSpPr>
+          <p:cNvPr id="6" name="Rectangle 3">
+            <a:extLst>
+              <a:ext uri="{FF2B5EF4-FFF2-40B4-BE49-F238E27FC236}">
+                <a16:creationId xmlns:a16="http://schemas.microsoft.com/office/drawing/2014/main" id="{1CB4D4C4-0379-4A8A-9E90-1C99022C37D3}"/>
+              </a:ext>
+            </a:extLst>
+          </p:cNvPr>
+          <p:cNvSpPr>
+            <a:spLocks noChangeArrowheads="1"/>
+          </p:cNvSpPr>
+          <p:nvPr/>
+        </p:nvSpPr>
+        <p:spPr bwMode="auto">
+          <a:xfrm>
+            <a:off x="2543810" y="4391025"/>
+            <a:ext cx="12192000" cy="0"/>
+          </a:xfrm>
+          <a:prstGeom prst="rect">
+            <a:avLst/>
+          </a:prstGeom>
+          <a:noFill/>
+          <a:ln>
+            <a:noFill/>
+          </a:ln>
+          <a:effectLst/>
+          <a:extLst>
+            <a:ext uri="{909E8E84-426E-40DD-AFC4-6F175D3DCCD1}">
+              <a14:hiddenFill xmlns:a14="http://schemas.microsoft.com/office/drawing/2010/main">
+                <a:solidFill>
+                  <a:schemeClr val="accent1"/>
+                </a:solidFill>
+              </a14:hiddenFill>
+            </a:ext>
+            <a:ext uri="{91240B29-F687-4F45-9708-019B960494DF}">
+              <a14:hiddenLine xmlns:a14="http://schemas.microsoft.com/office/drawing/2010/main" w="9525">
+                <a:solidFill>
+                  <a:schemeClr val="tx1"/>
+                </a:solidFill>
+                <a:miter lim="800000"/>
+                <a:headEnd/>
+                <a:tailEnd/>
+              </a14:hiddenLine>
+            </a:ext>
+            <a:ext uri="{AF507438-7753-43E0-B8FC-AC1667EBCBE1}">
+              <a14:hiddenEffects xmlns:a14="http://schemas.microsoft.com/office/drawing/2010/main">
+                <a:effectLst>
+                  <a:outerShdw dist="35921" dir="2700000" algn="ctr" rotWithShape="0">
+                    <a:schemeClr val="bg2"/>
+                  </a:outerShdw>
+                </a:effectLst>
+              </a14:hiddenEffects>
+            </a:ext>
+          </a:extLst>
+        </p:spPr>
+        <p:txBody>
+          <a:bodyPr vert="horz" wrap="none" lIns="91440" tIns="45720" rIns="91440" bIns="45720" numCol="1" anchor="ctr" anchorCtr="0" compatLnSpc="1">
+            <a:prstTxWarp prst="textNoShape">
+              <a:avLst/>
+            </a:prstTxWarp>
+            <a:spAutoFit/>
+          </a:bodyPr>
+          <a:lstStyle/>
+          <a:p>
+            <a:endParaRPr lang="en-US"/>
+          </a:p>
+        </p:txBody>
+      </p:sp>
+    </p:spTree>
+    <p:extLst>
+      <p:ext uri="{BB962C8B-B14F-4D97-AF65-F5344CB8AC3E}">
+        <p14:creationId xmlns:p14="http://schemas.microsoft.com/office/powerpoint/2010/main" val="1762357221"/>
+      </p:ext>
+    </p:extLst>
+  </p:cSld>
+  <p:clrMapOvr>
+    <a:masterClrMapping/>
+  </p:clrMapOvr>
+</p:sld>
+</file>
+
+<file path=ppt/slides/slide11.xml><?xml version="1.0" encoding="utf-8"?>
 <p:sld xmlns:a="http://schemas.openxmlformats.org/drawingml/2006/main" xmlns:r="http://schemas.openxmlformats.org/officeDocument/2006/relationships" xmlns:p="http://schemas.openxmlformats.org/presentationml/2006/main">
   <p:cSld>
     <p:bg>
@@ -6872,127 +8859,6 @@
 </p:sld>
 </file>
 
-<file path=ppt/slides/slide11.xml><?xml version="1.0" encoding="utf-8"?>
-<p:sld xmlns:a="http://schemas.openxmlformats.org/drawingml/2006/main" xmlns:r="http://schemas.openxmlformats.org/officeDocument/2006/relationships" xmlns:p="http://schemas.openxmlformats.org/presentationml/2006/main">
-  <p:cSld>
-    <p:spTree>
-      <p:nvGrpSpPr>
-        <p:cNvPr id="1" name=""/>
-        <p:cNvGrpSpPr/>
-        <p:nvPr/>
-      </p:nvGrpSpPr>
-      <p:grpSpPr>
-        <a:xfrm>
-          <a:off x="0" y="0"/>
-          <a:ext cx="0" cy="0"/>
-          <a:chOff x="0" y="0"/>
-          <a:chExt cx="0" cy="0"/>
-        </a:xfrm>
-      </p:grpSpPr>
-      <p:sp>
-        <p:nvSpPr>
-          <p:cNvPr id="2" name="Title 1">
-            <a:extLst>
-              <a:ext uri="{FF2B5EF4-FFF2-40B4-BE49-F238E27FC236}">
-                <a16:creationId xmlns:a16="http://schemas.microsoft.com/office/drawing/2014/main" id="{DF07F779-9493-43B4-B2B0-F6812A193792}"/>
-              </a:ext>
-            </a:extLst>
-          </p:cNvPr>
-          <p:cNvSpPr>
-            <a:spLocks noGrp="1"/>
-          </p:cNvSpPr>
-          <p:nvPr>
-            <p:ph type="title"/>
-          </p:nvPr>
-        </p:nvSpPr>
-        <p:spPr/>
-        <p:txBody>
-          <a:bodyPr/>
-          <a:lstStyle/>
-          <a:p>
-            <a:r>
-              <a:rPr lang="en-US"/>
-              <a:t>Cost Management Challenge</a:t>
-            </a:r>
-          </a:p>
-        </p:txBody>
-      </p:sp>
-      <p:sp>
-        <p:nvSpPr>
-          <p:cNvPr id="3" name="Content Placeholder 2">
-            <a:extLst>
-              <a:ext uri="{FF2B5EF4-FFF2-40B4-BE49-F238E27FC236}">
-                <a16:creationId xmlns:a16="http://schemas.microsoft.com/office/drawing/2014/main" id="{1E78601A-55E5-4C27-BA46-67A384908580}"/>
-              </a:ext>
-            </a:extLst>
-          </p:cNvPr>
-          <p:cNvSpPr>
-            <a:spLocks noGrp="1"/>
-          </p:cNvSpPr>
-          <p:nvPr>
-            <p:ph idx="1"/>
-          </p:nvPr>
-        </p:nvSpPr>
-        <p:spPr/>
-        <p:txBody>
-          <a:bodyPr>
-            <a:normAutofit/>
-          </a:bodyPr>
-          <a:lstStyle/>
-          <a:p>
-            <a:pPr fontAlgn="ctr"/>
-            <a:r>
-              <a:rPr lang="en-US" dirty="0"/>
-              <a:t>Create a Monthly Cost report to determine which Resource type is costing the most</a:t>
-            </a:r>
-          </a:p>
-          <a:p>
-            <a:pPr fontAlgn="ctr"/>
-            <a:r>
-              <a:rPr lang="en-US" dirty="0"/>
-              <a:t>Create a monthly budget of $200 per month, set an alert when it reached 75% of budget, add an email address</a:t>
-            </a:r>
-          </a:p>
-          <a:p>
-            <a:pPr fontAlgn="ctr"/>
-            <a:r>
-              <a:rPr lang="en-US" dirty="0"/>
-              <a:t>Create an CSV export for the “Quarterly Cost by resource" for the Free Trial Subscription</a:t>
-            </a:r>
-          </a:p>
-          <a:p>
-            <a:pPr marL="0" indent="0" algn="ctr">
-              <a:buNone/>
-            </a:pPr>
-            <a:endParaRPr lang="en-US" dirty="0"/>
-          </a:p>
-          <a:p>
-            <a:pPr marL="0" indent="0" algn="ctr">
-              <a:buNone/>
-            </a:pPr>
-            <a:r>
-              <a:rPr lang="en-US" dirty="0"/>
-              <a:t>Good luck</a:t>
-            </a:r>
-          </a:p>
-          <a:p>
-            <a:endParaRPr lang="en-US" dirty="0"/>
-          </a:p>
-        </p:txBody>
-      </p:sp>
-    </p:spTree>
-    <p:extLst>
-      <p:ext uri="{BB962C8B-B14F-4D97-AF65-F5344CB8AC3E}">
-        <p14:creationId xmlns:p14="http://schemas.microsoft.com/office/powerpoint/2010/main" val="3119135505"/>
-      </p:ext>
-    </p:extLst>
-  </p:cSld>
-  <p:clrMapOvr>
-    <a:masterClrMapping/>
-  </p:clrMapOvr>
-</p:sld>
-</file>
-
 <file path=ppt/slides/slide12.xml><?xml version="1.0" encoding="utf-8"?>
 <p:sld xmlns:a="http://schemas.openxmlformats.org/drawingml/2006/main" xmlns:r="http://schemas.openxmlformats.org/officeDocument/2006/relationships" xmlns:p="http://schemas.openxmlformats.org/presentationml/2006/main">
   <p:cSld>
@@ -7033,6 +8899,127 @@
           <a:p>
             <a:r>
               <a:rPr lang="en-US"/>
+              <a:t>Cost Management Challenge</a:t>
+            </a:r>
+          </a:p>
+        </p:txBody>
+      </p:sp>
+      <p:sp>
+        <p:nvSpPr>
+          <p:cNvPr id="3" name="Content Placeholder 2">
+            <a:extLst>
+              <a:ext uri="{FF2B5EF4-FFF2-40B4-BE49-F238E27FC236}">
+                <a16:creationId xmlns:a16="http://schemas.microsoft.com/office/drawing/2014/main" id="{1E78601A-55E5-4C27-BA46-67A384908580}"/>
+              </a:ext>
+            </a:extLst>
+          </p:cNvPr>
+          <p:cNvSpPr>
+            <a:spLocks noGrp="1"/>
+          </p:cNvSpPr>
+          <p:nvPr>
+            <p:ph idx="1"/>
+          </p:nvPr>
+        </p:nvSpPr>
+        <p:spPr/>
+        <p:txBody>
+          <a:bodyPr>
+            <a:normAutofit/>
+          </a:bodyPr>
+          <a:lstStyle/>
+          <a:p>
+            <a:pPr fontAlgn="ctr"/>
+            <a:r>
+              <a:rPr lang="en-US" dirty="0"/>
+              <a:t>Create a Monthly Cost report to determine which Resource type is costing the most</a:t>
+            </a:r>
+          </a:p>
+          <a:p>
+            <a:pPr fontAlgn="ctr"/>
+            <a:r>
+              <a:rPr lang="en-US" dirty="0"/>
+              <a:t>Create a monthly budget of $200 per month, set an alert when it reached 75% of budget, add an email address</a:t>
+            </a:r>
+          </a:p>
+          <a:p>
+            <a:pPr fontAlgn="ctr"/>
+            <a:r>
+              <a:rPr lang="en-US" dirty="0"/>
+              <a:t>Create an CSV export for the “Quarterly Cost by resource" for the Free Trial Subscription</a:t>
+            </a:r>
+          </a:p>
+          <a:p>
+            <a:pPr marL="0" indent="0" algn="ctr">
+              <a:buNone/>
+            </a:pPr>
+            <a:endParaRPr lang="en-US" dirty="0"/>
+          </a:p>
+          <a:p>
+            <a:pPr marL="0" indent="0" algn="ctr">
+              <a:buNone/>
+            </a:pPr>
+            <a:r>
+              <a:rPr lang="en-US" dirty="0"/>
+              <a:t>Good luck</a:t>
+            </a:r>
+          </a:p>
+          <a:p>
+            <a:endParaRPr lang="en-US" dirty="0"/>
+          </a:p>
+        </p:txBody>
+      </p:sp>
+    </p:spTree>
+    <p:extLst>
+      <p:ext uri="{BB962C8B-B14F-4D97-AF65-F5344CB8AC3E}">
+        <p14:creationId xmlns:p14="http://schemas.microsoft.com/office/powerpoint/2010/main" val="3119135505"/>
+      </p:ext>
+    </p:extLst>
+  </p:cSld>
+  <p:clrMapOvr>
+    <a:masterClrMapping/>
+  </p:clrMapOvr>
+</p:sld>
+</file>
+
+<file path=ppt/slides/slide13.xml><?xml version="1.0" encoding="utf-8"?>
+<p:sld xmlns:a="http://schemas.openxmlformats.org/drawingml/2006/main" xmlns:r="http://schemas.openxmlformats.org/officeDocument/2006/relationships" xmlns:p="http://schemas.openxmlformats.org/presentationml/2006/main">
+  <p:cSld>
+    <p:spTree>
+      <p:nvGrpSpPr>
+        <p:cNvPr id="1" name=""/>
+        <p:cNvGrpSpPr/>
+        <p:nvPr/>
+      </p:nvGrpSpPr>
+      <p:grpSpPr>
+        <a:xfrm>
+          <a:off x="0" y="0"/>
+          <a:ext cx="0" cy="0"/>
+          <a:chOff x="0" y="0"/>
+          <a:chExt cx="0" cy="0"/>
+        </a:xfrm>
+      </p:grpSpPr>
+      <p:sp>
+        <p:nvSpPr>
+          <p:cNvPr id="2" name="Title 1">
+            <a:extLst>
+              <a:ext uri="{FF2B5EF4-FFF2-40B4-BE49-F238E27FC236}">
+                <a16:creationId xmlns:a16="http://schemas.microsoft.com/office/drawing/2014/main" id="{DF07F779-9493-43B4-B2B0-F6812A193792}"/>
+              </a:ext>
+            </a:extLst>
+          </p:cNvPr>
+          <p:cNvSpPr>
+            <a:spLocks noGrp="1"/>
+          </p:cNvSpPr>
+          <p:nvPr>
+            <p:ph type="title"/>
+          </p:nvPr>
+        </p:nvSpPr>
+        <p:spPr/>
+        <p:txBody>
+          <a:bodyPr/>
+          <a:lstStyle/>
+          <a:p>
+            <a:r>
+              <a:rPr lang="en-US"/>
               <a:t>Resource Graph Challenge</a:t>
             </a:r>
           </a:p>
@@ -7146,7 +9133,7 @@
 </p:sld>
 </file>
 
-<file path=ppt/slides/slide13.xml><?xml version="1.0" encoding="utf-8"?>
+<file path=ppt/slides/slide14.xml><?xml version="1.0" encoding="utf-8"?>
 <p:sld xmlns:a="http://schemas.openxmlformats.org/drawingml/2006/main" xmlns:r="http://schemas.openxmlformats.org/officeDocument/2006/relationships" xmlns:p="http://schemas.openxmlformats.org/presentationml/2006/main" show="0">
   <p:cSld>
     <p:spTree>
@@ -8538,7 +10525,7 @@
           <a:lstStyle/>
           <a:p>
             <a:r>
-              <a:rPr lang="en-US"/>
+              <a:rPr lang="en-US" dirty="0"/>
               <a:t>Azure Policy Challenge 	</a:t>
             </a:r>
           </a:p>
@@ -8581,22 +10568,14 @@
             <a:pPr fontAlgn="ctr"/>
             <a:r>
               <a:rPr lang="en-US" sz="2000" dirty="0"/>
-              <a:t>Create a custom policy that denies the users ability to </a:t>
-            </a:r>
-            <a:r>
-              <a:rPr lang="en-US" sz="2000"/>
-              <a:t>deploy D </a:t>
-            </a:r>
+              <a:t>Create a custom policy that denies the users ability to deploy D series VM SKU at the Applications Management Group Level</a:t>
+            </a:r>
+          </a:p>
+          <a:p>
+            <a:pPr lvl="1" fontAlgn="ctr"/>
             <a:r>
               <a:rPr lang="en-US" sz="2000" dirty="0"/>
-              <a:t>series VM SKU at the Applications Management Group Level</a:t>
-            </a:r>
-          </a:p>
-          <a:p>
-            <a:pPr lvl="1" fontAlgn="ctr"/>
-            <a:r>
-              <a:rPr lang="en-US" sz="2000" dirty="0"/>
-              <a:t>The policy rules/conditions, in this case – VM SKU size equal to G series</a:t>
+              <a:t>The policy rules/conditions, in this case – VM SKU size equal to D series</a:t>
             </a:r>
             <a:endParaRPr lang="en-US" dirty="0"/>
           </a:p>
@@ -8642,10 +10621,10 @@
       </p:sp>
       <p:pic>
         <p:nvPicPr>
-          <p:cNvPr id="5" name="Picture 4">
+          <p:cNvPr id="6" name="Picture 5">
             <a:extLst>
               <a:ext uri="{FF2B5EF4-FFF2-40B4-BE49-F238E27FC236}">
-                <a16:creationId xmlns:a16="http://schemas.microsoft.com/office/drawing/2014/main" id="{727138A7-23FB-434B-A52C-8CCA271AF7CC}"/>
+                <a16:creationId xmlns:a16="http://schemas.microsoft.com/office/drawing/2014/main" id="{7D9CAF57-6683-4AE7-B386-355A1AA3075E}"/>
               </a:ext>
             </a:extLst>
           </p:cNvPr>
@@ -8662,14 +10641,401 @@
         </p:blipFill>
         <p:spPr>
           <a:xfrm>
-            <a:off x="3083803" y="4295545"/>
-            <a:ext cx="5620534" cy="3296110"/>
+            <a:off x="3198712" y="4252686"/>
+            <a:ext cx="5794576" cy="2605314"/>
           </a:xfrm>
           <a:prstGeom prst="rect">
             <a:avLst/>
           </a:prstGeom>
         </p:spPr>
       </p:pic>
+      <p:sp>
+        <p:nvSpPr>
+          <p:cNvPr id="7" name="Rectangle 6">
+            <a:extLst>
+              <a:ext uri="{FF2B5EF4-FFF2-40B4-BE49-F238E27FC236}">
+                <a16:creationId xmlns:a16="http://schemas.microsoft.com/office/drawing/2014/main" id="{E9DF547C-B374-49DD-914A-A226F88DC7AF}"/>
+              </a:ext>
+              <a:ext uri="{C183D7F6-B498-43B3-948B-1728B52AA6E4}">
+                <adec:decorative xmlns:adec="http://schemas.microsoft.com/office/drawing/2017/decorative" val="0"/>
+              </a:ext>
+            </a:extLst>
+          </p:cNvPr>
+          <p:cNvSpPr/>
+          <p:nvPr/>
+        </p:nvSpPr>
+        <p:spPr>
+          <a:xfrm>
+            <a:off x="3686402" y="5130800"/>
+            <a:ext cx="522515" cy="181429"/>
+          </a:xfrm>
+          <a:prstGeom prst="rect">
+            <a:avLst/>
+          </a:prstGeom>
+          <a:noFill/>
+          <a:ln>
+            <a:solidFill>
+              <a:srgbClr val="FF0000"/>
+            </a:solidFill>
+          </a:ln>
+        </p:spPr>
+        <p:style>
+          <a:lnRef idx="2">
+            <a:schemeClr val="accent1">
+              <a:shade val="50000"/>
+            </a:schemeClr>
+          </a:lnRef>
+          <a:fillRef idx="1">
+            <a:schemeClr val="accent1"/>
+          </a:fillRef>
+          <a:effectRef idx="0">
+            <a:schemeClr val="accent1"/>
+          </a:effectRef>
+          <a:fontRef idx="minor">
+            <a:schemeClr val="lt1"/>
+          </a:fontRef>
+        </p:style>
+        <p:txBody>
+          <a:bodyPr rtlCol="0" anchor="ctr"/>
+          <a:lstStyle/>
+          <a:p>
+            <a:pPr algn="ctr"/>
+            <a:endParaRPr lang="sv-SE" dirty="0"/>
+          </a:p>
+        </p:txBody>
+      </p:sp>
+      <p:sp>
+        <p:nvSpPr>
+          <p:cNvPr id="9" name="Rectangle 8">
+            <a:extLst>
+              <a:ext uri="{FF2B5EF4-FFF2-40B4-BE49-F238E27FC236}">
+                <a16:creationId xmlns:a16="http://schemas.microsoft.com/office/drawing/2014/main" id="{72869B4F-5F1A-45DD-B5F3-7EEBBEBE3348}"/>
+              </a:ext>
+            </a:extLst>
+          </p:cNvPr>
+          <p:cNvSpPr/>
+          <p:nvPr/>
+        </p:nvSpPr>
+        <p:spPr>
+          <a:xfrm>
+            <a:off x="8067905" y="4383087"/>
+            <a:ext cx="397442" cy="181429"/>
+          </a:xfrm>
+          <a:prstGeom prst="rect">
+            <a:avLst/>
+          </a:prstGeom>
+          <a:noFill/>
+          <a:ln>
+            <a:solidFill>
+              <a:srgbClr val="FF0000"/>
+            </a:solidFill>
+          </a:ln>
+        </p:spPr>
+        <p:style>
+          <a:lnRef idx="2">
+            <a:schemeClr val="accent1">
+              <a:shade val="50000"/>
+            </a:schemeClr>
+          </a:lnRef>
+          <a:fillRef idx="1">
+            <a:schemeClr val="accent1"/>
+          </a:fillRef>
+          <a:effectRef idx="0">
+            <a:schemeClr val="accent1"/>
+          </a:effectRef>
+          <a:fontRef idx="minor">
+            <a:schemeClr val="lt1"/>
+          </a:fontRef>
+        </p:style>
+        <p:txBody>
+          <a:bodyPr rtlCol="0" anchor="ctr"/>
+          <a:lstStyle/>
+          <a:p>
+            <a:pPr algn="ctr"/>
+            <a:endParaRPr lang="sv-SE"/>
+          </a:p>
+        </p:txBody>
+      </p:sp>
+      <p:sp>
+        <p:nvSpPr>
+          <p:cNvPr id="11" name="Rectangle 10">
+            <a:extLst>
+              <a:ext uri="{FF2B5EF4-FFF2-40B4-BE49-F238E27FC236}">
+                <a16:creationId xmlns:a16="http://schemas.microsoft.com/office/drawing/2014/main" id="{D29D0EBD-0287-41D5-889F-97CF0ED76239}"/>
+              </a:ext>
+            </a:extLst>
+          </p:cNvPr>
+          <p:cNvSpPr/>
+          <p:nvPr/>
+        </p:nvSpPr>
+        <p:spPr>
+          <a:xfrm>
+            <a:off x="7386638" y="5261769"/>
+            <a:ext cx="992981" cy="181429"/>
+          </a:xfrm>
+          <a:prstGeom prst="rect">
+            <a:avLst/>
+          </a:prstGeom>
+          <a:noFill/>
+          <a:ln>
+            <a:solidFill>
+              <a:srgbClr val="FF0000"/>
+            </a:solidFill>
+          </a:ln>
+        </p:spPr>
+        <p:style>
+          <a:lnRef idx="2">
+            <a:schemeClr val="accent1">
+              <a:shade val="50000"/>
+            </a:schemeClr>
+          </a:lnRef>
+          <a:fillRef idx="1">
+            <a:schemeClr val="accent1"/>
+          </a:fillRef>
+          <a:effectRef idx="0">
+            <a:schemeClr val="accent1"/>
+          </a:effectRef>
+          <a:fontRef idx="minor">
+            <a:schemeClr val="lt1"/>
+          </a:fontRef>
+        </p:style>
+        <p:txBody>
+          <a:bodyPr rtlCol="0" anchor="ctr"/>
+          <a:lstStyle/>
+          <a:p>
+            <a:pPr algn="ctr"/>
+            <a:endParaRPr lang="sv-SE"/>
+          </a:p>
+        </p:txBody>
+      </p:sp>
+      <p:sp>
+        <p:nvSpPr>
+          <p:cNvPr id="13" name="Rectangle 12">
+            <a:extLst>
+              <a:ext uri="{FF2B5EF4-FFF2-40B4-BE49-F238E27FC236}">
+                <a16:creationId xmlns:a16="http://schemas.microsoft.com/office/drawing/2014/main" id="{C4DC2D21-92B3-477F-AC64-AEDBEF7110B5}"/>
+              </a:ext>
+            </a:extLst>
+          </p:cNvPr>
+          <p:cNvSpPr/>
+          <p:nvPr/>
+        </p:nvSpPr>
+        <p:spPr>
+          <a:xfrm>
+            <a:off x="6796085" y="6071397"/>
+            <a:ext cx="2047878" cy="181429"/>
+          </a:xfrm>
+          <a:prstGeom prst="rect">
+            <a:avLst/>
+          </a:prstGeom>
+          <a:noFill/>
+          <a:ln>
+            <a:solidFill>
+              <a:srgbClr val="FF0000"/>
+            </a:solidFill>
+          </a:ln>
+        </p:spPr>
+        <p:style>
+          <a:lnRef idx="2">
+            <a:schemeClr val="accent1">
+              <a:shade val="50000"/>
+            </a:schemeClr>
+          </a:lnRef>
+          <a:fillRef idx="1">
+            <a:schemeClr val="accent1"/>
+          </a:fillRef>
+          <a:effectRef idx="0">
+            <a:schemeClr val="accent1"/>
+          </a:effectRef>
+          <a:fontRef idx="minor">
+            <a:schemeClr val="lt1"/>
+          </a:fontRef>
+        </p:style>
+        <p:txBody>
+          <a:bodyPr rtlCol="0" anchor="ctr"/>
+          <a:lstStyle/>
+          <a:p>
+            <a:pPr algn="ctr"/>
+            <a:endParaRPr lang="sv-SE"/>
+          </a:p>
+        </p:txBody>
+      </p:sp>
+      <p:sp>
+        <p:nvSpPr>
+          <p:cNvPr id="14" name="TextBox 13">
+            <a:extLst>
+              <a:ext uri="{FF2B5EF4-FFF2-40B4-BE49-F238E27FC236}">
+                <a16:creationId xmlns:a16="http://schemas.microsoft.com/office/drawing/2014/main" id="{E1918E7F-ABA3-4787-92B4-08DEABE22B79}"/>
+              </a:ext>
+            </a:extLst>
+          </p:cNvPr>
+          <p:cNvSpPr txBox="1"/>
+          <p:nvPr/>
+        </p:nvSpPr>
+        <p:spPr>
+          <a:xfrm>
+            <a:off x="3803228" y="4849673"/>
+            <a:ext cx="288862" cy="338554"/>
+          </a:xfrm>
+          <a:prstGeom prst="rect">
+            <a:avLst/>
+          </a:prstGeom>
+          <a:noFill/>
+        </p:spPr>
+        <p:txBody>
+          <a:bodyPr wrap="none" rtlCol="0">
+            <a:spAutoFit/>
+          </a:bodyPr>
+          <a:lstStyle/>
+          <a:p>
+            <a:r>
+              <a:rPr lang="en-US" sz="1600" dirty="0">
+                <a:solidFill>
+                  <a:srgbClr val="FF0000"/>
+                </a:solidFill>
+              </a:rPr>
+              <a:t>1</a:t>
+            </a:r>
+            <a:endParaRPr lang="sv-SE" sz="1600" dirty="0">
+              <a:solidFill>
+                <a:srgbClr val="FF0000"/>
+              </a:solidFill>
+            </a:endParaRPr>
+          </a:p>
+        </p:txBody>
+      </p:sp>
+      <p:sp>
+        <p:nvSpPr>
+          <p:cNvPr id="16" name="TextBox 15">
+            <a:extLst>
+              <a:ext uri="{FF2B5EF4-FFF2-40B4-BE49-F238E27FC236}">
+                <a16:creationId xmlns:a16="http://schemas.microsoft.com/office/drawing/2014/main" id="{8F493CDD-7687-4A9E-B996-6CD9B0EC55F0}"/>
+              </a:ext>
+            </a:extLst>
+          </p:cNvPr>
+          <p:cNvSpPr txBox="1"/>
+          <p:nvPr/>
+        </p:nvSpPr>
+        <p:spPr>
+          <a:xfrm>
+            <a:off x="8122195" y="4099579"/>
+            <a:ext cx="288862" cy="338554"/>
+          </a:xfrm>
+          <a:prstGeom prst="rect">
+            <a:avLst/>
+          </a:prstGeom>
+          <a:noFill/>
+        </p:spPr>
+        <p:txBody>
+          <a:bodyPr wrap="none" rtlCol="0">
+            <a:spAutoFit/>
+          </a:bodyPr>
+          <a:lstStyle/>
+          <a:p>
+            <a:r>
+              <a:rPr lang="en-US" sz="1600" dirty="0">
+                <a:solidFill>
+                  <a:srgbClr val="FF0000"/>
+                </a:solidFill>
+              </a:rPr>
+              <a:t>2</a:t>
+            </a:r>
+            <a:endParaRPr lang="sv-SE" sz="1600" dirty="0">
+              <a:solidFill>
+                <a:srgbClr val="FF0000"/>
+              </a:solidFill>
+            </a:endParaRPr>
+          </a:p>
+        </p:txBody>
+      </p:sp>
+      <p:sp>
+        <p:nvSpPr>
+          <p:cNvPr id="18" name="TextBox 17">
+            <a:extLst>
+              <a:ext uri="{FF2B5EF4-FFF2-40B4-BE49-F238E27FC236}">
+                <a16:creationId xmlns:a16="http://schemas.microsoft.com/office/drawing/2014/main" id="{2FD1E0CA-82D9-4066-8CB9-A9665B95D240}"/>
+              </a:ext>
+            </a:extLst>
+          </p:cNvPr>
+          <p:cNvSpPr txBox="1"/>
+          <p:nvPr/>
+        </p:nvSpPr>
+        <p:spPr>
+          <a:xfrm>
+            <a:off x="7738697" y="4973675"/>
+            <a:ext cx="288862" cy="338554"/>
+          </a:xfrm>
+          <a:prstGeom prst="rect">
+            <a:avLst/>
+          </a:prstGeom>
+          <a:noFill/>
+        </p:spPr>
+        <p:txBody>
+          <a:bodyPr wrap="none" rtlCol="0">
+            <a:spAutoFit/>
+          </a:bodyPr>
+          <a:lstStyle/>
+          <a:p>
+            <a:r>
+              <a:rPr lang="en-US" sz="1600" dirty="0">
+                <a:solidFill>
+                  <a:srgbClr val="FF0000"/>
+                </a:solidFill>
+              </a:rPr>
+              <a:t>3</a:t>
+            </a:r>
+            <a:endParaRPr lang="sv-SE" sz="1600" dirty="0">
+              <a:solidFill>
+                <a:srgbClr val="FF0000"/>
+              </a:solidFill>
+            </a:endParaRPr>
+          </a:p>
+        </p:txBody>
+      </p:sp>
+      <p:sp>
+        <p:nvSpPr>
+          <p:cNvPr id="20" name="TextBox 19">
+            <a:extLst>
+              <a:ext uri="{FF2B5EF4-FFF2-40B4-BE49-F238E27FC236}">
+                <a16:creationId xmlns:a16="http://schemas.microsoft.com/office/drawing/2014/main" id="{CB1DCDFB-1CE9-4C24-A465-86C884FC400C}"/>
+              </a:ext>
+            </a:extLst>
+          </p:cNvPr>
+          <p:cNvSpPr txBox="1"/>
+          <p:nvPr/>
+        </p:nvSpPr>
+        <p:spPr>
+          <a:xfrm>
+            <a:off x="7675593" y="5801897"/>
+            <a:ext cx="288862" cy="338554"/>
+          </a:xfrm>
+          <a:prstGeom prst="rect">
+            <a:avLst/>
+          </a:prstGeom>
+          <a:noFill/>
+        </p:spPr>
+        <p:txBody>
+          <a:bodyPr wrap="none" rtlCol="0">
+            <a:spAutoFit/>
+          </a:bodyPr>
+          <a:lstStyle/>
+          <a:p>
+            <a:r>
+              <a:rPr lang="en-US" sz="1600" dirty="0">
+                <a:solidFill>
+                  <a:srgbClr val="FF0000"/>
+                </a:solidFill>
+              </a:rPr>
+              <a:t>4</a:t>
+            </a:r>
+            <a:endParaRPr lang="sv-SE" sz="1600" dirty="0">
+              <a:solidFill>
+                <a:srgbClr val="FF0000"/>
+              </a:solidFill>
+            </a:endParaRPr>
+          </a:p>
+        </p:txBody>
+      </p:sp>
     </p:spTree>
     <p:extLst>
       <p:ext uri="{BB962C8B-B14F-4D97-AF65-F5344CB8AC3E}">
@@ -8959,8 +11325,8 @@
         </p:nvSpPr>
         <p:spPr>
           <a:xfrm>
-            <a:off x="374984" y="1567543"/>
-            <a:ext cx="10848073" cy="5632311"/>
+            <a:off x="374985" y="1567543"/>
+            <a:ext cx="4189872" cy="4770537"/>
           </a:xfrm>
           <a:prstGeom prst="rect">
             <a:avLst/>
@@ -8978,7 +11344,7 @@
               <a:buChar char="•"/>
             </a:pPr>
             <a:r>
-              <a:rPr lang="en-US" sz="2400" dirty="0"/>
+              <a:rPr lang="en-US" sz="1600" dirty="0"/>
               <a:t>Create a Blueprint in the Contoso Management Group that has the following:</a:t>
             </a:r>
           </a:p>
@@ -8988,7 +11354,7 @@
               <a:buChar char="•"/>
             </a:pPr>
             <a:r>
-              <a:rPr lang="en-US" sz="2400" dirty="0"/>
+              <a:rPr lang="en-US" sz="1600" dirty="0"/>
               <a:t>Role assignment for Contributor</a:t>
             </a:r>
           </a:p>
@@ -8998,7 +11364,7 @@
               <a:buChar char="•"/>
             </a:pPr>
             <a:r>
-              <a:rPr lang="en-US" sz="2400" dirty="0"/>
+              <a:rPr lang="en-US" sz="1600" dirty="0"/>
               <a:t>Policy Assignment for ‘Add or replace a tag on resource groups’</a:t>
             </a:r>
           </a:p>
@@ -9008,7 +11374,7 @@
               <a:buChar char="•"/>
             </a:pPr>
             <a:r>
-              <a:rPr lang="en-US" sz="2400" dirty="0"/>
+              <a:rPr lang="en-US" sz="1600" dirty="0"/>
               <a:t>A Resource Group</a:t>
             </a:r>
           </a:p>
@@ -9018,27 +11384,27 @@
               <a:buChar char="•"/>
             </a:pPr>
             <a:r>
-              <a:rPr lang="en-US" sz="2400" dirty="0"/>
+              <a:rPr lang="en-US" sz="1600" dirty="0"/>
               <a:t>Azure Resource Management Template for </a:t>
             </a:r>
             <a:r>
-              <a:rPr lang="en-US" sz="2400" dirty="0" err="1"/>
+              <a:rPr lang="en-US" sz="1600" dirty="0" err="1"/>
               <a:t>StorageAccount</a:t>
             </a:r>
             <a:r>
-              <a:rPr lang="en-US" sz="2400" dirty="0"/>
+              <a:rPr lang="en-US" sz="1600" dirty="0"/>
               <a:t> </a:t>
             </a:r>
             <a:br>
-              <a:rPr lang="en-US" sz="2400" dirty="0"/>
+              <a:rPr lang="en-US" sz="1600" dirty="0"/>
             </a:br>
             <a:r>
-              <a:rPr lang="en-US" sz="2400" dirty="0">
+              <a:rPr lang="en-US" sz="1600" dirty="0">
                 <a:highlight>
                   <a:srgbClr val="FFFF00"/>
                 </a:highlight>
               </a:rPr>
-              <a:t>Note: json for template can be found at the link below</a:t>
+              <a:t>Note: json for template can be found in the files tab in the general channel in Teams</a:t>
             </a:r>
           </a:p>
           <a:p>
@@ -9047,9 +11413,14 @@
               <a:buChar char="•"/>
             </a:pPr>
             <a:r>
-              <a:rPr lang="en-US" sz="2400" dirty="0"/>
-              <a:t>It should look like the screenshot on the next slide</a:t>
-            </a:r>
+              <a:rPr lang="en-US" sz="1600" dirty="0"/>
+              <a:t>It should look like </a:t>
+            </a:r>
+            <a:r>
+              <a:rPr lang="en-US" sz="1600"/>
+              <a:t>the screenshot</a:t>
+            </a:r>
+            <a:endParaRPr lang="en-US" sz="1600" dirty="0"/>
           </a:p>
           <a:p>
             <a:pPr marL="742950" lvl="1" indent="-285750">
@@ -9057,46 +11428,29 @@
               <a:buChar char="•"/>
             </a:pPr>
             <a:r>
-              <a:rPr lang="en-US" sz="2400" dirty="0"/>
+              <a:rPr lang="en-US" sz="1600" dirty="0"/>
               <a:t>Add a description, publish and assign this Blueprint to the Free Trial Subscription.  Use an existing group for role assignment Contributor.  Set Tag Name to </a:t>
             </a:r>
             <a:r>
-              <a:rPr lang="en-US" sz="2400" dirty="0" err="1"/>
+              <a:rPr lang="en-US" sz="1600" dirty="0" err="1"/>
               <a:t>costCenter</a:t>
             </a:r>
             <a:r>
-              <a:rPr lang="en-US" sz="2400" dirty="0"/>
+              <a:rPr lang="en-US" sz="1600" dirty="0"/>
               <a:t> and Tag Value to </a:t>
             </a:r>
             <a:r>
-              <a:rPr lang="en-US" sz="2400" dirty="0" err="1"/>
+              <a:rPr lang="en-US" sz="1600" dirty="0" err="1"/>
               <a:t>ContosoIT</a:t>
             </a:r>
             <a:r>
-              <a:rPr lang="en-US" sz="2400" dirty="0"/>
+              <a:rPr lang="en-US" sz="1600" dirty="0"/>
               <a:t>.</a:t>
             </a:r>
           </a:p>
           <a:p>
-            <a:pPr algn="ctr"/>
-            <a:r>
-              <a:rPr lang="en-US" sz="4800" dirty="0"/>
-              <a:t>Resources:</a:t>
-            </a:r>
-          </a:p>
-          <a:p>
-            <a:pPr algn="ctr"/>
-            <a:r>
-              <a:rPr lang="sv-SE" sz="4800" dirty="0">
-                <a:hlinkClick r:id="rId3"/>
-              </a:rPr>
-              <a:t>http://aka.ms/mtcsto/ws</a:t>
-            </a:r>
-            <a:endParaRPr lang="en-US" sz="4800" dirty="0"/>
-          </a:p>
-          <a:p>
             <a:pPr lvl="1"/>
-            <a:endParaRPr lang="en-US" sz="2400" dirty="0"/>
+            <a:endParaRPr lang="en-US" sz="1600" dirty="0"/>
           </a:p>
         </p:txBody>
       </p:sp>
@@ -9238,6 +11592,35 @@
           </a:p>
         </p:txBody>
       </p:sp>
+      <p:pic>
+        <p:nvPicPr>
+          <p:cNvPr id="8" name="Picture 7">
+            <a:extLst>
+              <a:ext uri="{FF2B5EF4-FFF2-40B4-BE49-F238E27FC236}">
+                <a16:creationId xmlns:a16="http://schemas.microsoft.com/office/drawing/2014/main" id="{359FAB6A-CDD6-4278-AAFD-7747BB69B189}"/>
+              </a:ext>
+            </a:extLst>
+          </p:cNvPr>
+          <p:cNvPicPr>
+            <a:picLocks noChangeAspect="1"/>
+          </p:cNvPicPr>
+          <p:nvPr/>
+        </p:nvPicPr>
+        <p:blipFill rotWithShape="1">
+          <a:blip r:embed="rId3"/>
+          <a:srcRect l="1752" r="15979"/>
+          <a:stretch/>
+        </p:blipFill>
+        <p:spPr>
+          <a:xfrm>
+            <a:off x="4626769" y="1690688"/>
+            <a:ext cx="7565231" cy="3362821"/>
+          </a:xfrm>
+          <a:prstGeom prst="rect">
+            <a:avLst/>
+          </a:prstGeom>
+        </p:spPr>
+      </p:pic>
     </p:spTree>
     <p:extLst>
       <p:ext uri="{BB962C8B-B14F-4D97-AF65-F5344CB8AC3E}">
@@ -9842,9 +12225,12 @@
 </file>
 
 <file path=customXml/item1.xml><?xml version="1.0" encoding="utf-8"?>
-<p:properties xmlns:p="http://schemas.microsoft.com/office/2006/metadata/properties" xmlns:xsi="http://www.w3.org/2001/XMLSchema-instance" xmlns:pc="http://schemas.microsoft.com/office/infopath/2007/PartnerControls">
-  <documentManagement/>
-</p:properties>
+<?mso-contentType ?>
+<FormTemplates xmlns="http://schemas.microsoft.com/sharepoint/v3/contenttype/forms">
+  <Display>DocumentLibraryForm</Display>
+  <Edit>DocumentLibraryForm</Edit>
+  <New>DocumentLibraryForm</New>
+</FormTemplates>
 </file>
 
 <file path=customXml/item2.xml><?xml version="1.0" encoding="utf-8"?>
@@ -9962,25 +12348,15 @@
 </file>
 
 <file path=customXml/item3.xml><?xml version="1.0" encoding="utf-8"?>
-<?mso-contentType ?>
-<FormTemplates xmlns="http://schemas.microsoft.com/sharepoint/v3/contenttype/forms">
-  <Display>DocumentLibraryForm</Display>
-  <Edit>DocumentLibraryForm</Edit>
-  <New>DocumentLibraryForm</New>
-</FormTemplates>
+<p:properties xmlns:p="http://schemas.microsoft.com/office/2006/metadata/properties" xmlns:xsi="http://www.w3.org/2001/XMLSchema-instance" xmlns:pc="http://schemas.microsoft.com/office/infopath/2007/PartnerControls">
+  <documentManagement/>
+</p:properties>
 </file>
 
 <file path=customXml/itemProps1.xml><?xml version="1.0" encoding="utf-8"?>
-<ds:datastoreItem xmlns:ds="http://schemas.openxmlformats.org/officeDocument/2006/customXml" ds:itemID="{340C701A-5FB1-44EE-9224-D2AB29221C3D}">
+<ds:datastoreItem xmlns:ds="http://schemas.openxmlformats.org/officeDocument/2006/customXml" ds:itemID="{B0E0D0C5-8FBD-4F03-9B80-A8C6BB21FC66}">
   <ds:schemaRefs>
-    <ds:schemaRef ds:uri="http://purl.org/dc/elements/1.1/"/>
-    <ds:schemaRef ds:uri="http://purl.org/dc/terms/"/>
-    <ds:schemaRef ds:uri="http://schemas.microsoft.com/office/2006/documentManagement/types"/>
-    <ds:schemaRef ds:uri="http://schemas.openxmlformats.org/package/2006/metadata/core-properties"/>
-    <ds:schemaRef ds:uri="http://www.w3.org/XML/1998/namespace"/>
-    <ds:schemaRef ds:uri="http://schemas.microsoft.com/office/2006/metadata/properties"/>
-    <ds:schemaRef ds:uri="http://schemas.microsoft.com/office/infopath/2007/PartnerControls"/>
-    <ds:schemaRef ds:uri="http://purl.org/dc/dcmitype/"/>
+    <ds:schemaRef ds:uri="http://schemas.microsoft.com/sharepoint/v3/contenttype/forms"/>
   </ds:schemaRefs>
 </ds:datastoreItem>
 </file>
@@ -10002,9 +12378,16 @@
 </file>
 
 <file path=customXml/itemProps3.xml><?xml version="1.0" encoding="utf-8"?>
-<ds:datastoreItem xmlns:ds="http://schemas.openxmlformats.org/officeDocument/2006/customXml" ds:itemID="{B0E0D0C5-8FBD-4F03-9B80-A8C6BB21FC66}">
+<ds:datastoreItem xmlns:ds="http://schemas.openxmlformats.org/officeDocument/2006/customXml" ds:itemID="{340C701A-5FB1-44EE-9224-D2AB29221C3D}">
   <ds:schemaRefs>
-    <ds:schemaRef ds:uri="http://schemas.microsoft.com/sharepoint/v3/contenttype/forms"/>
+    <ds:schemaRef ds:uri="http://purl.org/dc/elements/1.1/"/>
+    <ds:schemaRef ds:uri="http://purl.org/dc/terms/"/>
+    <ds:schemaRef ds:uri="http://schemas.microsoft.com/office/2006/documentManagement/types"/>
+    <ds:schemaRef ds:uri="http://schemas.openxmlformats.org/package/2006/metadata/core-properties"/>
+    <ds:schemaRef ds:uri="http://www.w3.org/XML/1998/namespace"/>
+    <ds:schemaRef ds:uri="http://schemas.microsoft.com/office/2006/metadata/properties"/>
+    <ds:schemaRef ds:uri="http://schemas.microsoft.com/office/infopath/2007/PartnerControls"/>
+    <ds:schemaRef ds:uri="http://purl.org/dc/dcmitype/"/>
   </ds:schemaRefs>
 </ds:datastoreItem>
 </file>